--- a/r4r.pptx
+++ b/r4r.pptx
@@ -3,27 +3,27 @@
 <p:presentation xmlns:a="http://schemas.openxmlformats.org/drawingml/2006/main" xmlns:p="http://schemas.openxmlformats.org/presentationml/2006/main" xmlns:r="http://schemas.openxmlformats.org/officeDocument/2006/relationships" xmlns:p14="http://schemas.microsoft.com/office/powerpoint/2010/main" xmlns:p15="http://schemas.microsoft.com/office/powerpoint/2012/main" xmlns:mc="http://schemas.openxmlformats.org/markup-compatibility/2006">
   <p:sldMasterIdLst>
     <p:sldMasterId id="2147483648" r:id="rId2"/>
-    <p:sldMasterId id="2147483650" r:id="rId3"/>
-    <p:sldMasterId id="2147483652" r:id="rId4"/>
-    <p:sldMasterId id="2147483654" r:id="rId5"/>
-    <p:sldMasterId id="2147483656" r:id="rId6"/>
-    <p:sldMasterId id="2147483658" r:id="rId7"/>
-    <p:sldMasterId id="2147483660" r:id="rId8"/>
-    <p:sldMasterId id="2147483662" r:id="rId9"/>
-    <p:sldMasterId id="2147483664" r:id="rId10"/>
-    <p:sldMasterId id="2147483666" r:id="rId11"/>
-    <p:sldMasterId id="2147483668" r:id="rId12"/>
+    <p:sldMasterId id="2147483654" r:id="rId3"/>
+    <p:sldMasterId id="2147483656" r:id="rId4"/>
+    <p:sldMasterId id="2147483658" r:id="rId5"/>
+    <p:sldMasterId id="2147483660" r:id="rId6"/>
+    <p:sldMasterId id="2147483662" r:id="rId7"/>
+    <p:sldMasterId id="2147483664" r:id="rId8"/>
+    <p:sldMasterId id="2147483666" r:id="rId9"/>
+    <p:sldMasterId id="2147483668" r:id="rId10"/>
+    <p:sldMasterId id="2147483670" r:id="rId11"/>
+    <p:sldMasterId id="2147483672" r:id="rId12"/>
   </p:sldMasterIdLst>
   <p:sldIdLst>
     <p:sldId id="256" r:id="rId13"/>
   </p:sldIdLst>
   <p:sldSz cx="9144000" cy="5143500"/>
-  <p:notesSz cx="6858000" cy="9144000"/>
+  <p:notesSz cx="7772400" cy="10058400"/>
 </p:presentation>
 </file>
 
 <file path=ppt/slideLayouts/slideLayout1.xml><?xml version="1.0" encoding="utf-8"?>
-<p:sldLayout xmlns:a="http://schemas.openxmlformats.org/drawingml/2006/main" xmlns:p="http://schemas.openxmlformats.org/presentationml/2006/main" xmlns:r="http://schemas.openxmlformats.org/officeDocument/2006/relationships" xmlns:p14="http://schemas.microsoft.com/office/powerpoint/2010/main" xmlns:p15="http://schemas.microsoft.com/office/powerpoint/2012/main" xmlns:mc="http://schemas.openxmlformats.org/markup-compatibility/2006" type="title" preserve="1">
+<p:sldLayout xmlns:a="http://schemas.openxmlformats.org/drawingml/2006/main" xmlns:p="http://schemas.openxmlformats.org/presentationml/2006/main" xmlns:r="http://schemas.openxmlformats.org/officeDocument/2006/relationships" xmlns:p14="http://schemas.microsoft.com/office/powerpoint/2010/main" xmlns:p15="http://schemas.microsoft.com/office/powerpoint/2012/main" xmlns:mc="http://schemas.openxmlformats.org/markup-compatibility/2006" type="titleOnly" preserve="1">
   <p:cSld name="TITLE">
     <p:spTree>
       <p:nvGrpSpPr>
@@ -51,8 +51,8 @@
         </p:nvSpPr>
         <p:spPr>
           <a:xfrm>
-            <a:off x="311760" y="744480"/>
-            <a:ext cx="8520120" cy="2052360"/>
+            <a:off x="311760" y="1457640"/>
+            <a:ext cx="8519760" cy="625320"/>
           </a:xfrm>
           <a:prstGeom prst="rect">
             <a:avLst/>
@@ -67,10 +67,10 @@
             <a:spAutoFit/>
           </a:bodyPr>
           <a:p>
-            <a:pPr indent="0">
+            <a:pPr indent="0" algn="ctr">
               <a:buNone/>
             </a:pPr>
-            <a:endParaRPr b="0" lang="en-US" sz="1400" strike="noStrike" u="none">
+            <a:endParaRPr b="0" lang="en-US" sz="4400" strike="noStrike" u="none">
               <a:solidFill>
                 <a:srgbClr val="000000"/>
               </a:solidFill>
@@ -83,18 +83,60 @@
       </p:sp>
       <p:sp>
         <p:nvSpPr>
-          <p:cNvPr id="4" name="PlaceHolder 2"/>
+          <p:cNvPr id="3" name="PlaceHolder 2"/>
           <p:cNvSpPr>
             <a:spLocks noGrp="1"/>
           </p:cNvSpPr>
           <p:nvPr>
-            <p:ph type="subTitle"/>
+            <p:ph type="sldNum" idx="1"/>
+          </p:nvPr>
+        </p:nvSpPr>
+        <p:spPr/>
+        <p:txBody>
+          <a:bodyPr/>
+          <a:p>
+            <a:fld id="{E46BFEE4-5CD9-4932-95F1-E15E65FF452E}" type="slidenum">
+              <a:t>&lt;#&gt;</a:t>
+            </a:fld>
+          </a:p>
+        </p:txBody>
+      </p:sp>
+    </p:spTree>
+  </p:cSld>
+</p:sldLayout>
+</file>
+
+<file path=ppt/slideLayouts/slideLayout10.xml><?xml version="1.0" encoding="utf-8"?>
+<p:sldLayout xmlns:a="http://schemas.openxmlformats.org/drawingml/2006/main" xmlns:p="http://schemas.openxmlformats.org/presentationml/2006/main" xmlns:r="http://schemas.openxmlformats.org/officeDocument/2006/relationships" xmlns:p14="http://schemas.microsoft.com/office/powerpoint/2010/main" xmlns:p15="http://schemas.microsoft.com/office/powerpoint/2012/main" xmlns:mc="http://schemas.openxmlformats.org/markup-compatibility/2006" type="twoObj" preserve="1">
+  <p:cSld name="TITLE_AND_TWO_COLUMNS">
+    <p:spTree>
+      <p:nvGrpSpPr>
+        <p:cNvPr id="1" name=""/>
+        <p:cNvGrpSpPr/>
+        <p:nvPr/>
+      </p:nvGrpSpPr>
+      <p:grpSpPr>
+        <a:xfrm>
+          <a:off x="0" y="0"/>
+          <a:ext cx="0" cy="0"/>
+          <a:chOff x="0" y="0"/>
+          <a:chExt cx="0" cy="0"/>
+        </a:xfrm>
+      </p:grpSpPr>
+      <p:sp>
+        <p:nvSpPr>
+          <p:cNvPr id="23" name="PlaceHolder 1"/>
+          <p:cNvSpPr>
+            <a:spLocks noGrp="1"/>
+          </p:cNvSpPr>
+          <p:nvPr>
+            <p:ph type="title"/>
           </p:nvPr>
         </p:nvSpPr>
         <p:spPr>
           <a:xfrm>
-            <a:off x="457200" y="1203480"/>
-            <a:ext cx="8229240" cy="2982960"/>
+            <a:off x="311760" y="1457640"/>
+            <a:ext cx="8519760" cy="625320"/>
           </a:xfrm>
           <a:prstGeom prst="rect">
             <a:avLst/>
@@ -112,7 +154,7 @@
             <a:pPr indent="0" algn="ctr">
               <a:buNone/>
             </a:pPr>
-            <a:endParaRPr b="0" lang="en-US" sz="3200" strike="noStrike" u="none">
+            <a:endParaRPr b="0" lang="en-US" sz="4400" strike="noStrike" u="none">
               <a:solidFill>
                 <a:srgbClr val="000000"/>
               </a:solidFill>
@@ -125,19 +167,109 @@
       </p:sp>
       <p:sp>
         <p:nvSpPr>
-          <p:cNvPr id="4" name="PlaceHolder 3"/>
+          <p:cNvPr id="24" name="PlaceHolder 2"/>
           <p:cNvSpPr>
             <a:spLocks noGrp="1"/>
           </p:cNvSpPr>
           <p:nvPr>
-            <p:ph type="sldNum" idx="1"/>
+            <p:ph/>
+          </p:nvPr>
+        </p:nvSpPr>
+        <p:spPr>
+          <a:xfrm>
+            <a:off x="457200" y="1203480"/>
+            <a:ext cx="4015800" cy="2982960"/>
+          </a:xfrm>
+          <a:prstGeom prst="rect">
+            <a:avLst/>
+          </a:prstGeom>
+          <a:noFill/>
+          <a:ln w="0">
+            <a:noFill/>
+          </a:ln>
+        </p:spPr>
+        <p:txBody>
+          <a:bodyPr lIns="0" rIns="0" tIns="0" bIns="0" anchor="t">
+            <a:normAutofit/>
+          </a:bodyPr>
+          <a:p>
+            <a:pPr indent="0">
+              <a:spcBef>
+                <a:spcPts val="1417"/>
+              </a:spcBef>
+              <a:buNone/>
+            </a:pPr>
+            <a:endParaRPr b="0" lang="en-US" sz="3200" strike="noStrike" u="none">
+              <a:solidFill>
+                <a:srgbClr val="000000"/>
+              </a:solidFill>
+              <a:effectLst/>
+              <a:uFillTx/>
+              <a:latin typeface="Arial"/>
+            </a:endParaRPr>
+          </a:p>
+        </p:txBody>
+      </p:sp>
+      <p:sp>
+        <p:nvSpPr>
+          <p:cNvPr id="25" name="PlaceHolder 3"/>
+          <p:cNvSpPr>
+            <a:spLocks noGrp="1"/>
+          </p:cNvSpPr>
+          <p:nvPr>
+            <p:ph/>
+          </p:nvPr>
+        </p:nvSpPr>
+        <p:spPr>
+          <a:xfrm>
+            <a:off x="4674240" y="1203480"/>
+            <a:ext cx="4015800" cy="2982960"/>
+          </a:xfrm>
+          <a:prstGeom prst="rect">
+            <a:avLst/>
+          </a:prstGeom>
+          <a:noFill/>
+          <a:ln w="0">
+            <a:noFill/>
+          </a:ln>
+        </p:spPr>
+        <p:txBody>
+          <a:bodyPr lIns="0" rIns="0" tIns="0" bIns="0" anchor="t">
+            <a:normAutofit/>
+          </a:bodyPr>
+          <a:p>
+            <a:pPr indent="0">
+              <a:spcBef>
+                <a:spcPts val="1417"/>
+              </a:spcBef>
+              <a:buNone/>
+            </a:pPr>
+            <a:endParaRPr b="0" lang="en-US" sz="3200" strike="noStrike" u="none">
+              <a:solidFill>
+                <a:srgbClr val="000000"/>
+              </a:solidFill>
+              <a:effectLst/>
+              <a:uFillTx/>
+              <a:latin typeface="Arial"/>
+            </a:endParaRPr>
+          </a:p>
+        </p:txBody>
+      </p:sp>
+      <p:sp>
+        <p:nvSpPr>
+          <p:cNvPr id="5" name="PlaceHolder 4"/>
+          <p:cNvSpPr>
+            <a:spLocks noGrp="1"/>
+          </p:cNvSpPr>
+          <p:nvPr>
+            <p:ph type="sldNum" idx="6"/>
           </p:nvPr>
         </p:nvSpPr>
         <p:spPr/>
         <p:txBody>
           <a:bodyPr/>
           <a:p>
-            <a:fld id="{67573B10-A372-4EB7-9F03-E1FAA1872E54}" type="slidenum">
+            <a:fld id="{4181D241-B34D-4A13-AA5F-72BDF2928CD7}" type="slidenum">
               <a:t>&lt;#&gt;</a:t>
             </a:fld>
           </a:p>
@@ -148,7 +280,175 @@
 </p:sldLayout>
 </file>
 
-<file path=ppt/slideLayouts/slideLayout10.xml><?xml version="1.0" encoding="utf-8"?>
+<file path=ppt/slideLayouts/slideLayout11.xml><?xml version="1.0" encoding="utf-8"?>
+<p:sldLayout xmlns:a="http://schemas.openxmlformats.org/drawingml/2006/main" xmlns:p="http://schemas.openxmlformats.org/presentationml/2006/main" xmlns:r="http://schemas.openxmlformats.org/officeDocument/2006/relationships" xmlns:p14="http://schemas.microsoft.com/office/powerpoint/2010/main" xmlns:p15="http://schemas.microsoft.com/office/powerpoint/2012/main" xmlns:mc="http://schemas.openxmlformats.org/markup-compatibility/2006" type="titleOnly" preserve="1">
+  <p:cSld name="TITLE_ONLY">
+    <p:spTree>
+      <p:nvGrpSpPr>
+        <p:cNvPr id="1" name=""/>
+        <p:cNvGrpSpPr/>
+        <p:nvPr/>
+      </p:nvGrpSpPr>
+      <p:grpSpPr>
+        <a:xfrm>
+          <a:off x="0" y="0"/>
+          <a:ext cx="0" cy="0"/>
+          <a:chOff x="0" y="0"/>
+          <a:chExt cx="0" cy="0"/>
+        </a:xfrm>
+      </p:grpSpPr>
+      <p:sp>
+        <p:nvSpPr>
+          <p:cNvPr id="28" name="PlaceHolder 1"/>
+          <p:cNvSpPr>
+            <a:spLocks noGrp="1"/>
+          </p:cNvSpPr>
+          <p:nvPr>
+            <p:ph type="title"/>
+          </p:nvPr>
+        </p:nvSpPr>
+        <p:spPr>
+          <a:xfrm>
+            <a:off x="311760" y="1457640"/>
+            <a:ext cx="8519760" cy="625320"/>
+          </a:xfrm>
+          <a:prstGeom prst="rect">
+            <a:avLst/>
+          </a:prstGeom>
+          <a:noFill/>
+          <a:ln w="0">
+            <a:noFill/>
+          </a:ln>
+        </p:spPr>
+        <p:txBody>
+          <a:bodyPr lIns="0" rIns="0" tIns="0" bIns="0" anchor="ctr">
+            <a:spAutoFit/>
+          </a:bodyPr>
+          <a:p>
+            <a:pPr indent="0" algn="ctr">
+              <a:buNone/>
+            </a:pPr>
+            <a:endParaRPr b="0" lang="en-US" sz="4400" strike="noStrike" u="none">
+              <a:solidFill>
+                <a:srgbClr val="000000"/>
+              </a:solidFill>
+              <a:effectLst/>
+              <a:uFillTx/>
+              <a:latin typeface="Arial"/>
+            </a:endParaRPr>
+          </a:p>
+        </p:txBody>
+      </p:sp>
+      <p:sp>
+        <p:nvSpPr>
+          <p:cNvPr id="3" name="PlaceHolder 2"/>
+          <p:cNvSpPr>
+            <a:spLocks noGrp="1"/>
+          </p:cNvSpPr>
+          <p:nvPr>
+            <p:ph type="sldNum" idx="7"/>
+          </p:nvPr>
+        </p:nvSpPr>
+        <p:spPr/>
+        <p:txBody>
+          <a:bodyPr/>
+          <a:p>
+            <a:fld id="{E5BD9D49-6F08-4A29-B826-CD4715442950}" type="slidenum">
+              <a:t>&lt;#&gt;</a:t>
+            </a:fld>
+          </a:p>
+        </p:txBody>
+      </p:sp>
+    </p:spTree>
+  </p:cSld>
+</p:sldLayout>
+</file>
+
+<file path=ppt/slideLayouts/slideLayout12.xml><?xml version="1.0" encoding="utf-8"?>
+<p:sldLayout xmlns:a="http://schemas.openxmlformats.org/drawingml/2006/main" xmlns:p="http://schemas.openxmlformats.org/presentationml/2006/main" xmlns:r="http://schemas.openxmlformats.org/officeDocument/2006/relationships" xmlns:p14="http://schemas.microsoft.com/office/powerpoint/2010/main" xmlns:p15="http://schemas.microsoft.com/office/powerpoint/2012/main" xmlns:mc="http://schemas.openxmlformats.org/markup-compatibility/2006" type="blank" preserve="1">
+  <p:cSld name="ONE_COLUMN_TEXT">
+    <p:spTree>
+      <p:nvGrpSpPr>
+        <p:cNvPr id="1" name=""/>
+        <p:cNvGrpSpPr/>
+        <p:nvPr/>
+      </p:nvGrpSpPr>
+      <p:grpSpPr>
+        <a:xfrm>
+          <a:off x="0" y="0"/>
+          <a:ext cx="0" cy="0"/>
+          <a:chOff x="0" y="0"/>
+          <a:chExt cx="0" cy="0"/>
+        </a:xfrm>
+      </p:grpSpPr>
+      <p:sp>
+        <p:nvSpPr>
+          <p:cNvPr id="2" name="PlaceHolder 1"/>
+          <p:cNvSpPr>
+            <a:spLocks noGrp="1"/>
+          </p:cNvSpPr>
+          <p:nvPr>
+            <p:ph type="sldNum" idx="8"/>
+          </p:nvPr>
+        </p:nvSpPr>
+        <p:spPr/>
+        <p:txBody>
+          <a:bodyPr/>
+          <a:p>
+            <a:fld id="{7B80F0E7-B072-4AFE-8809-645B8B7C18A9}" type="slidenum">
+              <a:t>&lt;#&gt;</a:t>
+            </a:fld>
+          </a:p>
+        </p:txBody>
+      </p:sp>
+    </p:spTree>
+  </p:cSld>
+</p:sldLayout>
+</file>
+
+<file path=ppt/slideLayouts/slideLayout13.xml><?xml version="1.0" encoding="utf-8"?>
+<p:sldLayout xmlns:a="http://schemas.openxmlformats.org/drawingml/2006/main" xmlns:p="http://schemas.openxmlformats.org/presentationml/2006/main" xmlns:r="http://schemas.openxmlformats.org/officeDocument/2006/relationships" xmlns:p14="http://schemas.microsoft.com/office/powerpoint/2010/main" xmlns:p15="http://schemas.microsoft.com/office/powerpoint/2012/main" xmlns:mc="http://schemas.openxmlformats.org/markup-compatibility/2006" type="blank" preserve="1">
+  <p:cSld name="MAIN_POINT">
+    <p:spTree>
+      <p:nvGrpSpPr>
+        <p:cNvPr id="1" name=""/>
+        <p:cNvGrpSpPr/>
+        <p:nvPr/>
+      </p:nvGrpSpPr>
+      <p:grpSpPr>
+        <a:xfrm>
+          <a:off x="0" y="0"/>
+          <a:ext cx="0" cy="0"/>
+          <a:chOff x="0" y="0"/>
+          <a:chExt cx="0" cy="0"/>
+        </a:xfrm>
+      </p:grpSpPr>
+      <p:sp>
+        <p:nvSpPr>
+          <p:cNvPr id="2" name="PlaceHolder 1"/>
+          <p:cNvSpPr>
+            <a:spLocks noGrp="1"/>
+          </p:cNvSpPr>
+          <p:nvPr>
+            <p:ph type="sldNum" idx="9"/>
+          </p:nvPr>
+        </p:nvSpPr>
+        <p:spPr/>
+        <p:txBody>
+          <a:bodyPr/>
+          <a:p>
+            <a:fld id="{B5CE766A-FC16-4B8E-AC52-FEF4E029E0DA}" type="slidenum">
+              <a:t>&lt;#&gt;</a:t>
+            </a:fld>
+          </a:p>
+        </p:txBody>
+      </p:sp>
+    </p:spTree>
+  </p:cSld>
+</p:sldLayout>
+</file>
+
+<file path=ppt/slideLayouts/slideLayout14.xml><?xml version="1.0" encoding="utf-8"?>
 <p:sldLayout xmlns:a="http://schemas.openxmlformats.org/drawingml/2006/main" xmlns:p="http://schemas.openxmlformats.org/presentationml/2006/main" xmlns:r="http://schemas.openxmlformats.org/officeDocument/2006/relationships" xmlns:p14="http://schemas.microsoft.com/office/powerpoint/2010/main" xmlns:p15="http://schemas.microsoft.com/office/powerpoint/2012/main" xmlns:mc="http://schemas.openxmlformats.org/markup-compatibility/2006" type="blank" preserve="1">
   <p:cSld name="SECTION_TITLE_AND_DESCRIPTION">
     <p:spTree>
@@ -179,7 +479,7 @@
         <p:txBody>
           <a:bodyPr/>
           <a:p>
-            <a:fld id="{3718C694-BD45-4F0B-8FC7-4DA10D077E9F}" type="slidenum">
+            <a:fld id="{4699140C-CCE4-4FA2-8358-1F54EC0072E1}" type="slidenum">
               <a:t>&lt;#&gt;</a:t>
             </a:fld>
           </a:p>
@@ -190,7 +490,7 @@
 </p:sldLayout>
 </file>
 
-<file path=ppt/slideLayouts/slideLayout11.xml><?xml version="1.0" encoding="utf-8"?>
+<file path=ppt/slideLayouts/slideLayout15.xml><?xml version="1.0" encoding="utf-8"?>
 <p:sldLayout xmlns:a="http://schemas.openxmlformats.org/drawingml/2006/main" xmlns:p="http://schemas.openxmlformats.org/presentationml/2006/main" xmlns:r="http://schemas.openxmlformats.org/officeDocument/2006/relationships" xmlns:p14="http://schemas.microsoft.com/office/powerpoint/2010/main" xmlns:p15="http://schemas.microsoft.com/office/powerpoint/2012/main" xmlns:mc="http://schemas.openxmlformats.org/markup-compatibility/2006" type="blank" preserve="1">
   <p:cSld name="CAPTION_ONLY">
     <p:spTree>
@@ -221,7 +521,7 @@
         <p:txBody>
           <a:bodyPr/>
           <a:p>
-            <a:fld id="{AAF7D081-4812-434E-9FA2-0063B1946ACD}" type="slidenum">
+            <a:fld id="{75AC034C-DA19-4B73-97F5-ED971ECFBC56}" type="slidenum">
               <a:t>&lt;#&gt;</a:t>
             </a:fld>
           </a:p>
@@ -233,6 +533,477 @@
 </file>
 
 <file path=ppt/slideLayouts/slideLayout2.xml><?xml version="1.0" encoding="utf-8"?>
+<p:sldLayout xmlns:a="http://schemas.openxmlformats.org/drawingml/2006/main" xmlns:p="http://schemas.openxmlformats.org/presentationml/2006/main" xmlns:r="http://schemas.openxmlformats.org/officeDocument/2006/relationships" xmlns:p14="http://schemas.microsoft.com/office/powerpoint/2010/main" xmlns:p15="http://schemas.microsoft.com/office/powerpoint/2012/main" xmlns:mc="http://schemas.openxmlformats.org/markup-compatibility/2006" type="twoObj" preserve="1">
+  <p:cSld name="TITLE">
+    <p:spTree>
+      <p:nvGrpSpPr>
+        <p:cNvPr id="1" name=""/>
+        <p:cNvGrpSpPr/>
+        <p:nvPr/>
+      </p:nvGrpSpPr>
+      <p:grpSpPr>
+        <a:xfrm>
+          <a:off x="0" y="0"/>
+          <a:ext cx="0" cy="0"/>
+          <a:chOff x="0" y="0"/>
+          <a:chExt cx="0" cy="0"/>
+        </a:xfrm>
+      </p:grpSpPr>
+      <p:sp>
+        <p:nvSpPr>
+          <p:cNvPr id="4" name="PlaceHolder 1"/>
+          <p:cNvSpPr>
+            <a:spLocks noGrp="1"/>
+          </p:cNvSpPr>
+          <p:nvPr>
+            <p:ph type="title"/>
+          </p:nvPr>
+        </p:nvSpPr>
+        <p:spPr>
+          <a:xfrm>
+            <a:off x="311760" y="1457640"/>
+            <a:ext cx="8519760" cy="625320"/>
+          </a:xfrm>
+          <a:prstGeom prst="rect">
+            <a:avLst/>
+          </a:prstGeom>
+          <a:noFill/>
+          <a:ln w="0">
+            <a:noFill/>
+          </a:ln>
+        </p:spPr>
+        <p:txBody>
+          <a:bodyPr lIns="0" rIns="0" tIns="0" bIns="0" anchor="ctr">
+            <a:spAutoFit/>
+          </a:bodyPr>
+          <a:p>
+            <a:pPr indent="0" algn="ctr">
+              <a:buNone/>
+            </a:pPr>
+            <a:endParaRPr b="0" lang="en-US" sz="4400" strike="noStrike" u="none">
+              <a:solidFill>
+                <a:srgbClr val="000000"/>
+              </a:solidFill>
+              <a:effectLst/>
+              <a:uFillTx/>
+              <a:latin typeface="Arial"/>
+            </a:endParaRPr>
+          </a:p>
+        </p:txBody>
+      </p:sp>
+      <p:sp>
+        <p:nvSpPr>
+          <p:cNvPr id="5" name="PlaceHolder 2"/>
+          <p:cNvSpPr>
+            <a:spLocks noGrp="1"/>
+          </p:cNvSpPr>
+          <p:nvPr>
+            <p:ph/>
+          </p:nvPr>
+        </p:nvSpPr>
+        <p:spPr>
+          <a:xfrm>
+            <a:off x="457200" y="1203480"/>
+            <a:ext cx="4015800" cy="2982960"/>
+          </a:xfrm>
+          <a:prstGeom prst="rect">
+            <a:avLst/>
+          </a:prstGeom>
+          <a:noFill/>
+          <a:ln w="0">
+            <a:noFill/>
+          </a:ln>
+        </p:spPr>
+        <p:txBody>
+          <a:bodyPr lIns="0" rIns="0" tIns="0" bIns="0" anchor="t">
+            <a:normAutofit/>
+          </a:bodyPr>
+          <a:p>
+            <a:pPr indent="0">
+              <a:spcBef>
+                <a:spcPts val="1417"/>
+              </a:spcBef>
+              <a:buNone/>
+            </a:pPr>
+            <a:endParaRPr b="0" lang="en-US" sz="3200" strike="noStrike" u="none">
+              <a:solidFill>
+                <a:srgbClr val="000000"/>
+              </a:solidFill>
+              <a:effectLst/>
+              <a:uFillTx/>
+              <a:latin typeface="Arial"/>
+            </a:endParaRPr>
+          </a:p>
+        </p:txBody>
+      </p:sp>
+      <p:sp>
+        <p:nvSpPr>
+          <p:cNvPr id="6" name="PlaceHolder 3"/>
+          <p:cNvSpPr>
+            <a:spLocks noGrp="1"/>
+          </p:cNvSpPr>
+          <p:nvPr>
+            <p:ph/>
+          </p:nvPr>
+        </p:nvSpPr>
+        <p:spPr>
+          <a:xfrm>
+            <a:off x="4674240" y="1203480"/>
+            <a:ext cx="4015800" cy="2982960"/>
+          </a:xfrm>
+          <a:prstGeom prst="rect">
+            <a:avLst/>
+          </a:prstGeom>
+          <a:noFill/>
+          <a:ln w="0">
+            <a:noFill/>
+          </a:ln>
+        </p:spPr>
+        <p:txBody>
+          <a:bodyPr lIns="0" rIns="0" tIns="0" bIns="0" anchor="t">
+            <a:normAutofit/>
+          </a:bodyPr>
+          <a:p>
+            <a:pPr indent="0">
+              <a:spcBef>
+                <a:spcPts val="1417"/>
+              </a:spcBef>
+              <a:buNone/>
+            </a:pPr>
+            <a:endParaRPr b="0" lang="en-US" sz="3200" strike="noStrike" u="none">
+              <a:solidFill>
+                <a:srgbClr val="000000"/>
+              </a:solidFill>
+              <a:effectLst/>
+              <a:uFillTx/>
+              <a:latin typeface="Arial"/>
+            </a:endParaRPr>
+          </a:p>
+        </p:txBody>
+      </p:sp>
+      <p:sp>
+        <p:nvSpPr>
+          <p:cNvPr id="5" name="PlaceHolder 4"/>
+          <p:cNvSpPr>
+            <a:spLocks noGrp="1"/>
+          </p:cNvSpPr>
+          <p:nvPr>
+            <p:ph type="sldNum" idx="1"/>
+          </p:nvPr>
+        </p:nvSpPr>
+        <p:spPr/>
+        <p:txBody>
+          <a:bodyPr/>
+          <a:p>
+            <a:fld id="{D172B2D4-3265-427A-BE3F-D94421EEA71A}" type="slidenum">
+              <a:t>&lt;#&gt;</a:t>
+            </a:fld>
+          </a:p>
+        </p:txBody>
+      </p:sp>
+    </p:spTree>
+  </p:cSld>
+</p:sldLayout>
+</file>
+
+<file path=ppt/slideLayouts/slideLayout3.xml><?xml version="1.0" encoding="utf-8"?>
+<p:sldLayout xmlns:a="http://schemas.openxmlformats.org/drawingml/2006/main" xmlns:p="http://schemas.openxmlformats.org/presentationml/2006/main" xmlns:r="http://schemas.openxmlformats.org/officeDocument/2006/relationships" xmlns:p14="http://schemas.microsoft.com/office/powerpoint/2010/main" xmlns:p15="http://schemas.microsoft.com/office/powerpoint/2012/main" xmlns:mc="http://schemas.openxmlformats.org/markup-compatibility/2006" type="tx" preserve="1">
+  <p:cSld name="TITLE">
+    <p:spTree>
+      <p:nvGrpSpPr>
+        <p:cNvPr id="1" name=""/>
+        <p:cNvGrpSpPr/>
+        <p:nvPr/>
+      </p:nvGrpSpPr>
+      <p:grpSpPr>
+        <a:xfrm>
+          <a:off x="0" y="0"/>
+          <a:ext cx="0" cy="0"/>
+          <a:chOff x="0" y="0"/>
+          <a:chExt cx="0" cy="0"/>
+        </a:xfrm>
+      </p:grpSpPr>
+      <p:sp>
+        <p:nvSpPr>
+          <p:cNvPr id="7" name="PlaceHolder 1"/>
+          <p:cNvSpPr>
+            <a:spLocks noGrp="1"/>
+          </p:cNvSpPr>
+          <p:nvPr>
+            <p:ph type="title"/>
+          </p:nvPr>
+        </p:nvSpPr>
+        <p:spPr>
+          <a:xfrm>
+            <a:off x="311760" y="1457640"/>
+            <a:ext cx="8519760" cy="625320"/>
+          </a:xfrm>
+          <a:prstGeom prst="rect">
+            <a:avLst/>
+          </a:prstGeom>
+          <a:noFill/>
+          <a:ln w="0">
+            <a:noFill/>
+          </a:ln>
+        </p:spPr>
+        <p:txBody>
+          <a:bodyPr lIns="0" rIns="0" tIns="0" bIns="0" anchor="ctr">
+            <a:spAutoFit/>
+          </a:bodyPr>
+          <a:p>
+            <a:pPr indent="0" algn="ctr">
+              <a:buNone/>
+            </a:pPr>
+            <a:endParaRPr b="0" lang="en-US" sz="4400" strike="noStrike" u="none">
+              <a:solidFill>
+                <a:srgbClr val="000000"/>
+              </a:solidFill>
+              <a:effectLst/>
+              <a:uFillTx/>
+              <a:latin typeface="Arial"/>
+            </a:endParaRPr>
+          </a:p>
+        </p:txBody>
+      </p:sp>
+      <p:sp>
+        <p:nvSpPr>
+          <p:cNvPr id="8" name="PlaceHolder 2"/>
+          <p:cNvSpPr>
+            <a:spLocks noGrp="1"/>
+          </p:cNvSpPr>
+          <p:nvPr>
+            <p:ph/>
+          </p:nvPr>
+        </p:nvSpPr>
+        <p:spPr>
+          <a:xfrm>
+            <a:off x="457200" y="1203480"/>
+            <a:ext cx="8229240" cy="2982960"/>
+          </a:xfrm>
+          <a:prstGeom prst="rect">
+            <a:avLst/>
+          </a:prstGeom>
+          <a:noFill/>
+          <a:ln w="0">
+            <a:noFill/>
+          </a:ln>
+        </p:spPr>
+        <p:txBody>
+          <a:bodyPr lIns="0" rIns="0" tIns="0" bIns="0" anchor="t">
+            <a:normAutofit/>
+          </a:bodyPr>
+          <a:p>
+            <a:pPr indent="0">
+              <a:spcBef>
+                <a:spcPts val="1417"/>
+              </a:spcBef>
+              <a:buNone/>
+            </a:pPr>
+            <a:endParaRPr b="0" lang="en-US" sz="3200" strike="noStrike" u="none">
+              <a:solidFill>
+                <a:srgbClr val="000000"/>
+              </a:solidFill>
+              <a:effectLst/>
+              <a:uFillTx/>
+              <a:latin typeface="Arial"/>
+            </a:endParaRPr>
+          </a:p>
+        </p:txBody>
+      </p:sp>
+      <p:sp>
+        <p:nvSpPr>
+          <p:cNvPr id="4" name="PlaceHolder 3"/>
+          <p:cNvSpPr>
+            <a:spLocks noGrp="1"/>
+          </p:cNvSpPr>
+          <p:nvPr>
+            <p:ph type="sldNum" idx="1"/>
+          </p:nvPr>
+        </p:nvSpPr>
+        <p:spPr/>
+        <p:txBody>
+          <a:bodyPr/>
+          <a:p>
+            <a:fld id="{BEA78F56-02B1-4B7B-8123-FA89A0E22704}" type="slidenum">
+              <a:t>&lt;#&gt;</a:t>
+            </a:fld>
+          </a:p>
+        </p:txBody>
+      </p:sp>
+    </p:spTree>
+  </p:cSld>
+</p:sldLayout>
+</file>
+
+<file path=ppt/slideLayouts/slideLayout4.xml><?xml version="1.0" encoding="utf-8"?>
+<p:sldLayout xmlns:a="http://schemas.openxmlformats.org/drawingml/2006/main" xmlns:p="http://schemas.openxmlformats.org/presentationml/2006/main" xmlns:r="http://schemas.openxmlformats.org/officeDocument/2006/relationships" xmlns:p14="http://schemas.microsoft.com/office/powerpoint/2010/main" xmlns:p15="http://schemas.microsoft.com/office/powerpoint/2012/main" xmlns:mc="http://schemas.openxmlformats.org/markup-compatibility/2006" type="blank" preserve="1">
+  <p:cSld name="TITLE">
+    <p:spTree>
+      <p:nvGrpSpPr>
+        <p:cNvPr id="1" name=""/>
+        <p:cNvGrpSpPr/>
+        <p:nvPr/>
+      </p:nvGrpSpPr>
+      <p:grpSpPr>
+        <a:xfrm>
+          <a:off x="0" y="0"/>
+          <a:ext cx="0" cy="0"/>
+          <a:chOff x="0" y="0"/>
+          <a:chExt cx="0" cy="0"/>
+        </a:xfrm>
+      </p:grpSpPr>
+      <p:sp>
+        <p:nvSpPr>
+          <p:cNvPr id="2" name="PlaceHolder 1"/>
+          <p:cNvSpPr>
+            <a:spLocks noGrp="1"/>
+          </p:cNvSpPr>
+          <p:nvPr>
+            <p:ph type="sldNum" idx="1"/>
+          </p:nvPr>
+        </p:nvSpPr>
+        <p:spPr/>
+        <p:txBody>
+          <a:bodyPr/>
+          <a:p>
+            <a:fld id="{E4913AF5-566E-4ACB-8F92-24ECC7428DA1}" type="slidenum">
+              <a:t>&lt;#&gt;</a:t>
+            </a:fld>
+          </a:p>
+        </p:txBody>
+      </p:sp>
+    </p:spTree>
+  </p:cSld>
+</p:sldLayout>
+</file>
+
+<file path=ppt/slideLayouts/slideLayout5.xml><?xml version="1.0" encoding="utf-8"?>
+<p:sldLayout xmlns:a="http://schemas.openxmlformats.org/drawingml/2006/main" xmlns:p="http://schemas.openxmlformats.org/presentationml/2006/main" xmlns:r="http://schemas.openxmlformats.org/officeDocument/2006/relationships" xmlns:p14="http://schemas.microsoft.com/office/powerpoint/2010/main" xmlns:p15="http://schemas.microsoft.com/office/powerpoint/2012/main" xmlns:mc="http://schemas.openxmlformats.org/markup-compatibility/2006" type="title" preserve="1">
+  <p:cSld name="TITLE">
+    <p:spTree>
+      <p:nvGrpSpPr>
+        <p:cNvPr id="1" name=""/>
+        <p:cNvGrpSpPr/>
+        <p:nvPr/>
+      </p:nvGrpSpPr>
+      <p:grpSpPr>
+        <a:xfrm>
+          <a:off x="0" y="0"/>
+          <a:ext cx="0" cy="0"/>
+          <a:chOff x="0" y="0"/>
+          <a:chExt cx="0" cy="0"/>
+        </a:xfrm>
+      </p:grpSpPr>
+      <p:sp>
+        <p:nvSpPr>
+          <p:cNvPr id="9" name="PlaceHolder 1"/>
+          <p:cNvSpPr>
+            <a:spLocks noGrp="1"/>
+          </p:cNvSpPr>
+          <p:nvPr>
+            <p:ph type="title"/>
+          </p:nvPr>
+        </p:nvSpPr>
+        <p:spPr>
+          <a:xfrm>
+            <a:off x="311760" y="1457640"/>
+            <a:ext cx="8519760" cy="625320"/>
+          </a:xfrm>
+          <a:prstGeom prst="rect">
+            <a:avLst/>
+          </a:prstGeom>
+          <a:noFill/>
+          <a:ln w="0">
+            <a:noFill/>
+          </a:ln>
+        </p:spPr>
+        <p:txBody>
+          <a:bodyPr lIns="0" rIns="0" tIns="0" bIns="0" anchor="ctr">
+            <a:spAutoFit/>
+          </a:bodyPr>
+          <a:p>
+            <a:pPr indent="0" algn="ctr">
+              <a:buNone/>
+            </a:pPr>
+            <a:endParaRPr b="0" lang="en-US" sz="4400" strike="noStrike" u="none">
+              <a:solidFill>
+                <a:srgbClr val="000000"/>
+              </a:solidFill>
+              <a:effectLst/>
+              <a:uFillTx/>
+              <a:latin typeface="Arial"/>
+            </a:endParaRPr>
+          </a:p>
+        </p:txBody>
+      </p:sp>
+      <p:sp>
+        <p:nvSpPr>
+          <p:cNvPr id="10" name="PlaceHolder 2"/>
+          <p:cNvSpPr>
+            <a:spLocks noGrp="1"/>
+          </p:cNvSpPr>
+          <p:nvPr>
+            <p:ph type="subTitle"/>
+          </p:nvPr>
+        </p:nvSpPr>
+        <p:spPr>
+          <a:xfrm>
+            <a:off x="457200" y="1203480"/>
+            <a:ext cx="8229240" cy="2982960"/>
+          </a:xfrm>
+          <a:prstGeom prst="rect">
+            <a:avLst/>
+          </a:prstGeom>
+          <a:noFill/>
+          <a:ln w="0">
+            <a:noFill/>
+          </a:ln>
+        </p:spPr>
+        <p:txBody>
+          <a:bodyPr lIns="0" rIns="0" tIns="0" bIns="0" anchor="ctr">
+            <a:spAutoFit/>
+          </a:bodyPr>
+          <a:p>
+            <a:pPr indent="0" algn="ctr">
+              <a:buNone/>
+            </a:pPr>
+            <a:endParaRPr b="0" lang="en-US" sz="3200" strike="noStrike" u="none">
+              <a:solidFill>
+                <a:srgbClr val="000000"/>
+              </a:solidFill>
+              <a:effectLst/>
+              <a:uFillTx/>
+              <a:latin typeface="Arial"/>
+            </a:endParaRPr>
+          </a:p>
+        </p:txBody>
+      </p:sp>
+      <p:sp>
+        <p:nvSpPr>
+          <p:cNvPr id="4" name="PlaceHolder 3"/>
+          <p:cNvSpPr>
+            <a:spLocks noGrp="1"/>
+          </p:cNvSpPr>
+          <p:nvPr>
+            <p:ph type="sldNum" idx="1"/>
+          </p:nvPr>
+        </p:nvSpPr>
+        <p:spPr/>
+        <p:txBody>
+          <a:bodyPr/>
+          <a:p>
+            <a:fld id="{3F807E36-E67F-4811-BD65-FAF1DB94E1C6}" type="slidenum">
+              <a:t>&lt;#&gt;</a:t>
+            </a:fld>
+          </a:p>
+        </p:txBody>
+      </p:sp>
+    </p:spTree>
+  </p:cSld>
+</p:sldLayout>
+</file>
+
+<file path=ppt/slideLayouts/slideLayout6.xml><?xml version="1.0" encoding="utf-8"?>
 <p:sldLayout xmlns:a="http://schemas.openxmlformats.org/drawingml/2006/main" xmlns:p="http://schemas.openxmlformats.org/presentationml/2006/main" xmlns:r="http://schemas.openxmlformats.org/officeDocument/2006/relationships" xmlns:p14="http://schemas.microsoft.com/office/powerpoint/2010/main" xmlns:p15="http://schemas.microsoft.com/office/powerpoint/2012/main" xmlns:mc="http://schemas.openxmlformats.org/markup-compatibility/2006" type="blank" preserve="1">
   <p:cSld name="BIG_NUMBER">
     <p:spTree>
@@ -263,7 +1034,7 @@
         <p:txBody>
           <a:bodyPr/>
           <a:p>
-            <a:fld id="{C8C6B191-9EA8-4D6B-B4D3-CFCC62D14E9F}" type="slidenum">
+            <a:fld id="{A2C83517-C272-47D4-931A-FCAEC2370DC4}" type="slidenum">
               <a:t>&lt;#&gt;</a:t>
             </a:fld>
           </a:p>
@@ -274,7 +1045,7 @@
 </p:sldLayout>
 </file>
 
-<file path=ppt/slideLayouts/slideLayout3.xml><?xml version="1.0" encoding="utf-8"?>
+<file path=ppt/slideLayouts/slideLayout7.xml><?xml version="1.0" encoding="utf-8"?>
 <p:sldLayout xmlns:a="http://schemas.openxmlformats.org/drawingml/2006/main" xmlns:p="http://schemas.openxmlformats.org/presentationml/2006/main" xmlns:r="http://schemas.openxmlformats.org/officeDocument/2006/relationships" xmlns:p14="http://schemas.microsoft.com/office/powerpoint/2010/main" xmlns:p15="http://schemas.microsoft.com/office/powerpoint/2012/main" xmlns:mc="http://schemas.openxmlformats.org/markup-compatibility/2006" type="blank" preserve="1">
   <p:cSld name="BLANK">
     <p:spTree>
@@ -305,7 +1076,7 @@
         <p:txBody>
           <a:bodyPr/>
           <a:p>
-            <a:fld id="{B5F267A2-2781-4F6E-A83F-4222DCA06CAE}" type="slidenum">
+            <a:fld id="{FD042D56-0FC3-45E0-B0BA-D929D5A45079}" type="slidenum">
               <a:t>&lt;#&gt;</a:t>
             </a:fld>
           </a:p>
@@ -316,7 +1087,7 @@
 </p:sldLayout>
 </file>
 
-<file path=ppt/slideLayouts/slideLayout4.xml><?xml version="1.0" encoding="utf-8"?>
+<file path=ppt/slideLayouts/slideLayout8.xml><?xml version="1.0" encoding="utf-8"?>
 <p:sldLayout xmlns:a="http://schemas.openxmlformats.org/drawingml/2006/main" xmlns:p="http://schemas.openxmlformats.org/presentationml/2006/main" xmlns:r="http://schemas.openxmlformats.org/officeDocument/2006/relationships" xmlns:p14="http://schemas.microsoft.com/office/powerpoint/2010/main" xmlns:p15="http://schemas.microsoft.com/office/powerpoint/2012/main" xmlns:mc="http://schemas.openxmlformats.org/markup-compatibility/2006" type="blank" preserve="1">
   <p:cSld name="SECTION_HEADER">
     <p:spTree>
@@ -347,7 +1118,7 @@
         <p:txBody>
           <a:bodyPr/>
           <a:p>
-            <a:fld id="{4DE6303E-8B01-46B3-9D92-F27ED5D8F607}" type="slidenum">
+            <a:fld id="{73F9A2D6-B66B-4777-B174-A0D466A82E3C}" type="slidenum">
               <a:t>&lt;#&gt;</a:t>
             </a:fld>
           </a:p>
@@ -358,7 +1129,7 @@
 </p:sldLayout>
 </file>
 
-<file path=ppt/slideLayouts/slideLayout5.xml><?xml version="1.0" encoding="utf-8"?>
+<file path=ppt/slideLayouts/slideLayout9.xml><?xml version="1.0" encoding="utf-8"?>
 <p:sldLayout xmlns:a="http://schemas.openxmlformats.org/drawingml/2006/main" xmlns:p="http://schemas.openxmlformats.org/presentationml/2006/main" xmlns:r="http://schemas.openxmlformats.org/officeDocument/2006/relationships" xmlns:p14="http://schemas.microsoft.com/office/powerpoint/2010/main" xmlns:p15="http://schemas.microsoft.com/office/powerpoint/2012/main" xmlns:mc="http://schemas.openxmlformats.org/markup-compatibility/2006" type="tx" preserve="1">
   <p:cSld name="TITLE_AND_BODY">
     <p:spTree>
@@ -377,7 +1148,7 @@
       </p:grpSpPr>
       <p:sp>
         <p:nvSpPr>
-          <p:cNvPr id="14" name="PlaceHolder 1"/>
+          <p:cNvPr id="17" name="PlaceHolder 1"/>
           <p:cNvSpPr>
             <a:spLocks noGrp="1"/>
           </p:cNvSpPr>
@@ -387,8 +1158,8 @@
         </p:nvSpPr>
         <p:spPr>
           <a:xfrm>
-            <a:off x="311760" y="744480"/>
-            <a:ext cx="8520120" cy="2052360"/>
+            <a:off x="311760" y="1457640"/>
+            <a:ext cx="8519760" cy="625320"/>
           </a:xfrm>
           <a:prstGeom prst="rect">
             <a:avLst/>
@@ -403,10 +1174,10 @@
             <a:spAutoFit/>
           </a:bodyPr>
           <a:p>
-            <a:pPr indent="0">
+            <a:pPr indent="0" algn="ctr">
               <a:buNone/>
             </a:pPr>
-            <a:endParaRPr b="0" lang="en-US" sz="1400" strike="noStrike" u="none">
+            <a:endParaRPr b="0" lang="en-US" sz="4400" strike="noStrike" u="none">
               <a:solidFill>
                 <a:srgbClr val="000000"/>
               </a:solidFill>
@@ -419,7 +1190,7 @@
       </p:sp>
       <p:sp>
         <p:nvSpPr>
-          <p:cNvPr id="15" name="PlaceHolder 2"/>
+          <p:cNvPr id="18" name="PlaceHolder 2"/>
           <p:cNvSpPr>
             <a:spLocks noGrp="1"/>
           </p:cNvSpPr>
@@ -451,7 +1222,7 @@
               </a:spcBef>
               <a:buNone/>
             </a:pPr>
-            <a:endParaRPr b="0" lang="en-US" sz="1400" strike="noStrike" u="none">
+            <a:endParaRPr b="0" lang="en-US" sz="3200" strike="noStrike" u="none">
               <a:solidFill>
                 <a:srgbClr val="000000"/>
               </a:solidFill>
@@ -476,349 +1247,7 @@
         <p:txBody>
           <a:bodyPr/>
           <a:p>
-            <a:fld id="{104A1B53-F815-4031-824A-329E625312F8}" type="slidenum">
-              <a:t>&lt;#&gt;</a:t>
-            </a:fld>
-          </a:p>
-        </p:txBody>
-      </p:sp>
-    </p:spTree>
-  </p:cSld>
-</p:sldLayout>
-</file>
-
-<file path=ppt/slideLayouts/slideLayout6.xml><?xml version="1.0" encoding="utf-8"?>
-<p:sldLayout xmlns:a="http://schemas.openxmlformats.org/drawingml/2006/main" xmlns:p="http://schemas.openxmlformats.org/presentationml/2006/main" xmlns:r="http://schemas.openxmlformats.org/officeDocument/2006/relationships" xmlns:p14="http://schemas.microsoft.com/office/powerpoint/2010/main" xmlns:p15="http://schemas.microsoft.com/office/powerpoint/2012/main" xmlns:mc="http://schemas.openxmlformats.org/markup-compatibility/2006" type="twoObj" preserve="1">
-  <p:cSld name="TITLE_AND_TWO_COLUMNS">
-    <p:spTree>
-      <p:nvGrpSpPr>
-        <p:cNvPr id="1" name=""/>
-        <p:cNvGrpSpPr/>
-        <p:nvPr/>
-      </p:nvGrpSpPr>
-      <p:grpSpPr>
-        <a:xfrm>
-          <a:off x="0" y="0"/>
-          <a:ext cx="0" cy="0"/>
-          <a:chOff x="0" y="0"/>
-          <a:chExt cx="0" cy="0"/>
-        </a:xfrm>
-      </p:grpSpPr>
-      <p:sp>
-        <p:nvSpPr>
-          <p:cNvPr id="20" name="PlaceHolder 1"/>
-          <p:cNvSpPr>
-            <a:spLocks noGrp="1"/>
-          </p:cNvSpPr>
-          <p:nvPr>
-            <p:ph type="title"/>
-          </p:nvPr>
-        </p:nvSpPr>
-        <p:spPr>
-          <a:xfrm>
-            <a:off x="311760" y="744480"/>
-            <a:ext cx="8520120" cy="2052360"/>
-          </a:xfrm>
-          <a:prstGeom prst="rect">
-            <a:avLst/>
-          </a:prstGeom>
-          <a:noFill/>
-          <a:ln w="0">
-            <a:noFill/>
-          </a:ln>
-        </p:spPr>
-        <p:txBody>
-          <a:bodyPr lIns="0" rIns="0" tIns="0" bIns="0" anchor="ctr">
-            <a:spAutoFit/>
-          </a:bodyPr>
-          <a:p>
-            <a:pPr indent="0">
-              <a:buNone/>
-            </a:pPr>
-            <a:endParaRPr b="0" lang="en-US" sz="1400" strike="noStrike" u="none">
-              <a:solidFill>
-                <a:srgbClr val="000000"/>
-              </a:solidFill>
-              <a:effectLst/>
-              <a:uFillTx/>
-              <a:latin typeface="Arial"/>
-            </a:endParaRPr>
-          </a:p>
-        </p:txBody>
-      </p:sp>
-      <p:sp>
-        <p:nvSpPr>
-          <p:cNvPr id="21" name="PlaceHolder 2"/>
-          <p:cNvSpPr>
-            <a:spLocks noGrp="1"/>
-          </p:cNvSpPr>
-          <p:nvPr>
-            <p:ph/>
-          </p:nvPr>
-        </p:nvSpPr>
-        <p:spPr>
-          <a:xfrm>
-            <a:off x="457200" y="1203480"/>
-            <a:ext cx="4015800" cy="2982960"/>
-          </a:xfrm>
-          <a:prstGeom prst="rect">
-            <a:avLst/>
-          </a:prstGeom>
-          <a:noFill/>
-          <a:ln w="0">
-            <a:noFill/>
-          </a:ln>
-        </p:spPr>
-        <p:txBody>
-          <a:bodyPr lIns="0" rIns="0" tIns="0" bIns="0" anchor="t">
-            <a:normAutofit/>
-          </a:bodyPr>
-          <a:p>
-            <a:pPr indent="0">
-              <a:spcBef>
-                <a:spcPts val="1417"/>
-              </a:spcBef>
-              <a:buNone/>
-            </a:pPr>
-            <a:endParaRPr b="0" lang="en-US" sz="1400" strike="noStrike" u="none">
-              <a:solidFill>
-                <a:srgbClr val="000000"/>
-              </a:solidFill>
-              <a:effectLst/>
-              <a:uFillTx/>
-              <a:latin typeface="Arial"/>
-            </a:endParaRPr>
-          </a:p>
-        </p:txBody>
-      </p:sp>
-      <p:sp>
-        <p:nvSpPr>
-          <p:cNvPr id="22" name="PlaceHolder 3"/>
-          <p:cNvSpPr>
-            <a:spLocks noGrp="1"/>
-          </p:cNvSpPr>
-          <p:nvPr>
-            <p:ph/>
-          </p:nvPr>
-        </p:nvSpPr>
-        <p:spPr>
-          <a:xfrm>
-            <a:off x="4674240" y="1203480"/>
-            <a:ext cx="4015800" cy="2982960"/>
-          </a:xfrm>
-          <a:prstGeom prst="rect">
-            <a:avLst/>
-          </a:prstGeom>
-          <a:noFill/>
-          <a:ln w="0">
-            <a:noFill/>
-          </a:ln>
-        </p:spPr>
-        <p:txBody>
-          <a:bodyPr lIns="0" rIns="0" tIns="0" bIns="0" anchor="t">
-            <a:normAutofit/>
-          </a:bodyPr>
-          <a:p>
-            <a:pPr indent="0">
-              <a:spcBef>
-                <a:spcPts val="1417"/>
-              </a:spcBef>
-              <a:buNone/>
-            </a:pPr>
-            <a:endParaRPr b="0" lang="en-US" sz="1400" strike="noStrike" u="none">
-              <a:solidFill>
-                <a:srgbClr val="000000"/>
-              </a:solidFill>
-              <a:effectLst/>
-              <a:uFillTx/>
-              <a:latin typeface="Arial"/>
-            </a:endParaRPr>
-          </a:p>
-        </p:txBody>
-      </p:sp>
-      <p:sp>
-        <p:nvSpPr>
-          <p:cNvPr id="5" name="PlaceHolder 4"/>
-          <p:cNvSpPr>
-            <a:spLocks noGrp="1"/>
-          </p:cNvSpPr>
-          <p:nvPr>
-            <p:ph type="sldNum" idx="6"/>
-          </p:nvPr>
-        </p:nvSpPr>
-        <p:spPr/>
-        <p:txBody>
-          <a:bodyPr/>
-          <a:p>
-            <a:fld id="{5CBDDD55-C829-40BD-B6C6-65F97945419B}" type="slidenum">
-              <a:t>&lt;#&gt;</a:t>
-            </a:fld>
-          </a:p>
-        </p:txBody>
-      </p:sp>
-    </p:spTree>
-  </p:cSld>
-</p:sldLayout>
-</file>
-
-<file path=ppt/slideLayouts/slideLayout7.xml><?xml version="1.0" encoding="utf-8"?>
-<p:sldLayout xmlns:a="http://schemas.openxmlformats.org/drawingml/2006/main" xmlns:p="http://schemas.openxmlformats.org/presentationml/2006/main" xmlns:r="http://schemas.openxmlformats.org/officeDocument/2006/relationships" xmlns:p14="http://schemas.microsoft.com/office/powerpoint/2010/main" xmlns:p15="http://schemas.microsoft.com/office/powerpoint/2012/main" xmlns:mc="http://schemas.openxmlformats.org/markup-compatibility/2006" type="titleOnly" preserve="1">
-  <p:cSld name="TITLE_ONLY">
-    <p:spTree>
-      <p:nvGrpSpPr>
-        <p:cNvPr id="1" name=""/>
-        <p:cNvGrpSpPr/>
-        <p:nvPr/>
-      </p:nvGrpSpPr>
-      <p:grpSpPr>
-        <a:xfrm>
-          <a:off x="0" y="0"/>
-          <a:ext cx="0" cy="0"/>
-          <a:chOff x="0" y="0"/>
-          <a:chExt cx="0" cy="0"/>
-        </a:xfrm>
-      </p:grpSpPr>
-      <p:sp>
-        <p:nvSpPr>
-          <p:cNvPr id="25" name="PlaceHolder 1"/>
-          <p:cNvSpPr>
-            <a:spLocks noGrp="1"/>
-          </p:cNvSpPr>
-          <p:nvPr>
-            <p:ph type="title"/>
-          </p:nvPr>
-        </p:nvSpPr>
-        <p:spPr>
-          <a:xfrm>
-            <a:off x="311760" y="744480"/>
-            <a:ext cx="8520120" cy="2052360"/>
-          </a:xfrm>
-          <a:prstGeom prst="rect">
-            <a:avLst/>
-          </a:prstGeom>
-          <a:noFill/>
-          <a:ln w="0">
-            <a:noFill/>
-          </a:ln>
-        </p:spPr>
-        <p:txBody>
-          <a:bodyPr lIns="0" rIns="0" tIns="0" bIns="0" anchor="ctr">
-            <a:spAutoFit/>
-          </a:bodyPr>
-          <a:p>
-            <a:pPr indent="0">
-              <a:buNone/>
-            </a:pPr>
-            <a:endParaRPr b="0" lang="en-US" sz="1400" strike="noStrike" u="none">
-              <a:solidFill>
-                <a:srgbClr val="000000"/>
-              </a:solidFill>
-              <a:effectLst/>
-              <a:uFillTx/>
-              <a:latin typeface="Arial"/>
-            </a:endParaRPr>
-          </a:p>
-        </p:txBody>
-      </p:sp>
-      <p:sp>
-        <p:nvSpPr>
-          <p:cNvPr id="3" name="PlaceHolder 2"/>
-          <p:cNvSpPr>
-            <a:spLocks noGrp="1"/>
-          </p:cNvSpPr>
-          <p:nvPr>
-            <p:ph type="sldNum" idx="7"/>
-          </p:nvPr>
-        </p:nvSpPr>
-        <p:spPr/>
-        <p:txBody>
-          <a:bodyPr/>
-          <a:p>
-            <a:fld id="{E2A95EAD-9F5C-4694-8F98-65C0C174879C}" type="slidenum">
-              <a:t>&lt;#&gt;</a:t>
-            </a:fld>
-          </a:p>
-        </p:txBody>
-      </p:sp>
-    </p:spTree>
-  </p:cSld>
-</p:sldLayout>
-</file>
-
-<file path=ppt/slideLayouts/slideLayout8.xml><?xml version="1.0" encoding="utf-8"?>
-<p:sldLayout xmlns:a="http://schemas.openxmlformats.org/drawingml/2006/main" xmlns:p="http://schemas.openxmlformats.org/presentationml/2006/main" xmlns:r="http://schemas.openxmlformats.org/officeDocument/2006/relationships" xmlns:p14="http://schemas.microsoft.com/office/powerpoint/2010/main" xmlns:p15="http://schemas.microsoft.com/office/powerpoint/2012/main" xmlns:mc="http://schemas.openxmlformats.org/markup-compatibility/2006" type="blank" preserve="1">
-  <p:cSld name="ONE_COLUMN_TEXT">
-    <p:spTree>
-      <p:nvGrpSpPr>
-        <p:cNvPr id="1" name=""/>
-        <p:cNvGrpSpPr/>
-        <p:nvPr/>
-      </p:nvGrpSpPr>
-      <p:grpSpPr>
-        <a:xfrm>
-          <a:off x="0" y="0"/>
-          <a:ext cx="0" cy="0"/>
-          <a:chOff x="0" y="0"/>
-          <a:chExt cx="0" cy="0"/>
-        </a:xfrm>
-      </p:grpSpPr>
-      <p:sp>
-        <p:nvSpPr>
-          <p:cNvPr id="2" name="PlaceHolder 1"/>
-          <p:cNvSpPr>
-            <a:spLocks noGrp="1"/>
-          </p:cNvSpPr>
-          <p:nvPr>
-            <p:ph type="sldNum" idx="8"/>
-          </p:nvPr>
-        </p:nvSpPr>
-        <p:spPr/>
-        <p:txBody>
-          <a:bodyPr/>
-          <a:p>
-            <a:fld id="{075A2B1B-A1E3-48AA-8891-01A47B36C393}" type="slidenum">
-              <a:t>&lt;#&gt;</a:t>
-            </a:fld>
-          </a:p>
-        </p:txBody>
-      </p:sp>
-    </p:spTree>
-  </p:cSld>
-</p:sldLayout>
-</file>
-
-<file path=ppt/slideLayouts/slideLayout9.xml><?xml version="1.0" encoding="utf-8"?>
-<p:sldLayout xmlns:a="http://schemas.openxmlformats.org/drawingml/2006/main" xmlns:p="http://schemas.openxmlformats.org/presentationml/2006/main" xmlns:r="http://schemas.openxmlformats.org/officeDocument/2006/relationships" xmlns:p14="http://schemas.microsoft.com/office/powerpoint/2010/main" xmlns:p15="http://schemas.microsoft.com/office/powerpoint/2012/main" xmlns:mc="http://schemas.openxmlformats.org/markup-compatibility/2006" type="blank" preserve="1">
-  <p:cSld name="MAIN_POINT">
-    <p:spTree>
-      <p:nvGrpSpPr>
-        <p:cNvPr id="1" name=""/>
-        <p:cNvGrpSpPr/>
-        <p:nvPr/>
-      </p:nvGrpSpPr>
-      <p:grpSpPr>
-        <a:xfrm>
-          <a:off x="0" y="0"/>
-          <a:ext cx="0" cy="0"/>
-          <a:chOff x="0" y="0"/>
-          <a:chExt cx="0" cy="0"/>
-        </a:xfrm>
-      </p:grpSpPr>
-      <p:sp>
-        <p:nvSpPr>
-          <p:cNvPr id="2" name="PlaceHolder 1"/>
-          <p:cNvSpPr>
-            <a:spLocks noGrp="1"/>
-          </p:cNvSpPr>
-          <p:nvPr>
-            <p:ph type="sldNum" idx="9"/>
-          </p:nvPr>
-        </p:nvSpPr>
-        <p:spPr/>
-        <p:txBody>
-          <a:bodyPr/>
-          <a:p>
-            <a:fld id="{F1D40753-04A3-403B-BB26-77EF02655AAC}" type="slidenum">
+            <a:fld id="{CEAFD380-2D40-4FDA-AA6F-EEED00880ED5}" type="slidenum">
               <a:t>&lt;#&gt;</a:t>
             </a:fld>
           </a:p>
@@ -865,8 +1294,8 @@
         </p:nvSpPr>
         <p:spPr>
           <a:xfrm>
-            <a:off x="311760" y="744480"/>
-            <a:ext cx="8520120" cy="2052360"/>
+            <a:off x="311760" y="1632960"/>
+            <a:ext cx="8519760" cy="274680"/>
           </a:xfrm>
           <a:prstGeom prst="rect">
             <a:avLst/>
@@ -877,15 +1306,15 @@
           </a:ln>
         </p:spPr>
         <p:txBody>
-          <a:bodyPr lIns="91440" rIns="91440" tIns="91440" bIns="91440" anchor="b">
-            <a:normAutofit/>
+          <a:bodyPr lIns="0" rIns="0" tIns="0" bIns="0" anchor="ctr">
+            <a:spAutoFit/>
           </a:bodyPr>
           <a:p>
             <a:pPr indent="0">
               <a:buNone/>
             </a:pPr>
             <a:r>
-              <a:rPr b="0" lang="en-US" sz="5200" strike="noStrike" u="none">
+              <a:rPr b="0" lang="en-US" sz="1800" strike="noStrike" u="none">
                 <a:solidFill>
                   <a:srgbClr val="000000"/>
                 </a:solidFill>
@@ -893,86 +1322,9 @@
                 <a:uFillTx/>
                 <a:latin typeface="Arial"/>
               </a:rPr>
-              <a:t>Clic</a:t>
+              <a:t>Click to edit the title text format</a:t>
             </a:r>
-            <a:r>
-              <a:rPr b="0" lang="en-US" sz="5200" strike="noStrike" u="none">
-                <a:solidFill>
-                  <a:srgbClr val="000000"/>
-                </a:solidFill>
-                <a:effectLst/>
-                <a:uFillTx/>
-                <a:latin typeface="Arial"/>
-              </a:rPr>
-              <a:t>k to </a:t>
-            </a:r>
-            <a:r>
-              <a:rPr b="0" lang="en-US" sz="5200" strike="noStrike" u="none">
-                <a:solidFill>
-                  <a:srgbClr val="000000"/>
-                </a:solidFill>
-                <a:effectLst/>
-                <a:uFillTx/>
-                <a:latin typeface="Arial"/>
-              </a:rPr>
-              <a:t>edit </a:t>
-            </a:r>
-            <a:r>
-              <a:rPr b="0" lang="en-US" sz="5200" strike="noStrike" u="none">
-                <a:solidFill>
-                  <a:srgbClr val="000000"/>
-                </a:solidFill>
-                <a:effectLst/>
-                <a:uFillTx/>
-                <a:latin typeface="Arial"/>
-              </a:rPr>
-              <a:t>the </a:t>
-            </a:r>
-            <a:r>
-              <a:rPr b="0" lang="en-US" sz="5200" strike="noStrike" u="none">
-                <a:solidFill>
-                  <a:srgbClr val="000000"/>
-                </a:solidFill>
-                <a:effectLst/>
-                <a:uFillTx/>
-                <a:latin typeface="Arial"/>
-              </a:rPr>
-              <a:t>title </a:t>
-            </a:r>
-            <a:r>
-              <a:rPr b="0" lang="en-US" sz="5200" strike="noStrike" u="none">
-                <a:solidFill>
-                  <a:srgbClr val="000000"/>
-                </a:solidFill>
-                <a:effectLst/>
-                <a:uFillTx/>
-                <a:latin typeface="Arial"/>
-              </a:rPr>
-              <a:t>text </a:t>
-            </a:r>
-            <a:r>
-              <a:rPr b="0" lang="en-US" sz="5200" strike="noStrike" u="none">
-                <a:solidFill>
-                  <a:srgbClr val="000000"/>
-                </a:solidFill>
-                <a:effectLst/>
-                <a:uFillTx/>
-                <a:latin typeface="Arial"/>
-              </a:rPr>
-              <a:t>for</a:t>
-            </a:r>
-            <a:r>
-              <a:rPr b="0" lang="en-US" sz="5200" strike="noStrike" u="none">
-                <a:solidFill>
-                  <a:srgbClr val="000000"/>
-                </a:solidFill>
-                <a:effectLst/>
-                <a:uFillTx/>
-                <a:latin typeface="Arial"/>
-              </a:rPr>
-              <a:t>mat</a:t>
-            </a:r>
-            <a:endParaRPr b="0" lang="en-US" sz="5200" strike="noStrike" u="none">
+            <a:endParaRPr b="0" lang="en-US" sz="1800" strike="noStrike" u="none">
               <a:solidFill>
                 <a:srgbClr val="000000"/>
               </a:solidFill>
@@ -996,7 +1348,7 @@
         <p:spPr>
           <a:xfrm>
             <a:off x="8472600" y="4663080"/>
-            <a:ext cx="548280" cy="393120"/>
+            <a:ext cx="547920" cy="392760"/>
           </a:xfrm>
           <a:prstGeom prst="rect">
             <a:avLst/>
@@ -1008,7 +1360,7 @@
         </p:spPr>
         <p:txBody>
           <a:bodyPr lIns="91440" rIns="91440" tIns="91440" bIns="91440" anchor="ctr">
-            <a:normAutofit/>
+            <a:noAutofit/>
           </a:bodyPr>
           <a:lstStyle>
             <a:lvl1pPr indent="0" algn="r">
@@ -1040,7 +1392,7 @@
                 <a:tab algn="l" pos="0"/>
               </a:tabLst>
             </a:pPr>
-            <a:fld id="{5E304D31-D9E8-4CC7-8C13-77C732927B30}" type="slidenum">
+            <a:fld id="{2578DDC4-EAB8-4766-B2DB-129D7AA637ED}" type="slidenum">
               <a:rPr b="0" lang="en" sz="1000" strike="noStrike" u="none">
                 <a:solidFill>
                   <a:schemeClr val="dk2"/>
@@ -1103,7 +1455,7 @@
               <a:buChar char=""/>
             </a:pPr>
             <a:r>
-              <a:rPr b="0" lang="en-US" sz="1400" strike="noStrike" u="none">
+              <a:rPr b="0" lang="en-US" sz="3200" strike="noStrike" u="none">
                 <a:solidFill>
                   <a:srgbClr val="000000"/>
                 </a:solidFill>
@@ -1113,7 +1465,7 @@
               </a:rPr>
               <a:t>Click to edit the outline text format</a:t>
             </a:r>
-            <a:endParaRPr b="0" lang="en-US" sz="1400" strike="noStrike" u="none">
+            <a:endParaRPr b="0" lang="en-US" sz="3200" strike="noStrike" u="none">
               <a:solidFill>
                 <a:srgbClr val="000000"/>
               </a:solidFill>
@@ -1135,23 +1487,23 @@
               <a:buChar char=""/>
             </a:pPr>
             <a:r>
-              <a:rPr b="0" lang="en-US" sz="1400" strike="noStrike" u="none">
+              <a:rPr b="0" lang="en-US" sz="2800" strike="noStrike" u="none">
                 <a:solidFill>
                   <a:srgbClr val="000000"/>
                 </a:solidFill>
                 <a:effectLst/>
                 <a:uFillTx/>
-                <a:latin typeface="Arial"/>
+                <a:latin typeface="Times New Roman"/>
               </a:rPr>
               <a:t>Second Outline Level</a:t>
             </a:r>
-            <a:endParaRPr b="0" lang="en-US" sz="1400" strike="noStrike" u="none">
-              <a:solidFill>
-                <a:srgbClr val="000000"/>
-              </a:solidFill>
-              <a:effectLst/>
-              <a:uFillTx/>
-              <a:latin typeface="Arial"/>
+            <a:endParaRPr b="0" lang="en-US" sz="2800" strike="noStrike" u="none">
+              <a:solidFill>
+                <a:srgbClr val="000000"/>
+              </a:solidFill>
+              <a:effectLst/>
+              <a:uFillTx/>
+              <a:latin typeface="Times New Roman"/>
             </a:endParaRPr>
           </a:p>
           <a:p>
@@ -1167,23 +1519,23 @@
               <a:buChar char=""/>
             </a:pPr>
             <a:r>
-              <a:rPr b="0" lang="en-US" sz="1400" strike="noStrike" u="none">
+              <a:rPr b="0" lang="en-US" sz="2400" strike="noStrike" u="none">
                 <a:solidFill>
                   <a:srgbClr val="000000"/>
                 </a:solidFill>
                 <a:effectLst/>
                 <a:uFillTx/>
-                <a:latin typeface="Arial"/>
+                <a:latin typeface="Times New Roman"/>
               </a:rPr>
               <a:t>Third Outline Level</a:t>
             </a:r>
-            <a:endParaRPr b="0" lang="en-US" sz="1400" strike="noStrike" u="none">
-              <a:solidFill>
-                <a:srgbClr val="000000"/>
-              </a:solidFill>
-              <a:effectLst/>
-              <a:uFillTx/>
-              <a:latin typeface="Arial"/>
+            <a:endParaRPr b="0" lang="en-US" sz="2400" strike="noStrike" u="none">
+              <a:solidFill>
+                <a:srgbClr val="000000"/>
+              </a:solidFill>
+              <a:effectLst/>
+              <a:uFillTx/>
+              <a:latin typeface="Times New Roman"/>
             </a:endParaRPr>
           </a:p>
           <a:p>
@@ -1199,23 +1551,23 @@
               <a:buChar char=""/>
             </a:pPr>
             <a:r>
-              <a:rPr b="0" lang="en-US" sz="1400" strike="noStrike" u="none">
+              <a:rPr b="0" lang="en-US" sz="2000" strike="noStrike" u="none">
                 <a:solidFill>
                   <a:srgbClr val="000000"/>
                 </a:solidFill>
                 <a:effectLst/>
                 <a:uFillTx/>
-                <a:latin typeface="Arial"/>
+                <a:latin typeface="Times New Roman"/>
               </a:rPr>
               <a:t>Fourth Outline Level</a:t>
             </a:r>
-            <a:endParaRPr b="0" lang="en-US" sz="1400" strike="noStrike" u="none">
-              <a:solidFill>
-                <a:srgbClr val="000000"/>
-              </a:solidFill>
-              <a:effectLst/>
-              <a:uFillTx/>
-              <a:latin typeface="Arial"/>
+            <a:endParaRPr b="0" lang="en-US" sz="2000" strike="noStrike" u="none">
+              <a:solidFill>
+                <a:srgbClr val="000000"/>
+              </a:solidFill>
+              <a:effectLst/>
+              <a:uFillTx/>
+              <a:latin typeface="Times New Roman"/>
             </a:endParaRPr>
           </a:p>
           <a:p>
@@ -1321,6 +1673,10 @@
   <p:clrMap bg1="lt1" tx1="dk1" bg2="dk2" tx2="lt2" accent1="accent1" accent2="accent2" accent3="accent3" accent4="accent4" accent5="accent5" accent6="accent6" hlink="hlink" folHlink="folHlink"/>
   <p:sldLayoutIdLst>
     <p:sldLayoutId id="2147483649" r:id="rId2"/>
+    <p:sldLayoutId id="2147483650" r:id="rId3"/>
+    <p:sldLayoutId id="2147483651" r:id="rId4"/>
+    <p:sldLayoutId id="2147483652" r:id="rId5"/>
+    <p:sldLayoutId id="2147483653" r:id="rId6"/>
   </p:sldLayoutIdLst>
 </p:sldMaster>
 </file>
@@ -1358,7 +1714,7 @@
         <p:spPr>
           <a:xfrm>
             <a:off x="4572000" y="0"/>
-            <a:ext cx="4571640" cy="5143320"/>
+            <a:ext cx="4571280" cy="5142960"/>
           </a:xfrm>
           <a:prstGeom prst="rect">
             <a:avLst/>
@@ -1377,7 +1733,7 @@
           <a:fontRef idx="minor"/>
         </p:style>
         <p:txBody>
-          <a:bodyPr tIns="91440" bIns="91440" anchor="ctr">
+          <a:bodyPr lIns="90000" rIns="90000" tIns="91440" bIns="91440" anchor="ctr">
             <a:noAutofit/>
           </a:bodyPr>
           <a:p>
@@ -1407,66 +1763,13 @@
             <a:spLocks noGrp="1"/>
           </p:cNvSpPr>
           <p:nvPr>
-            <p:ph type="title"/>
+            <p:ph type="sldNum" idx="10"/>
           </p:nvPr>
         </p:nvSpPr>
         <p:spPr>
           <a:xfrm>
-            <a:off x="265680" y="1233000"/>
-            <a:ext cx="4044960" cy="1482120"/>
-          </a:xfrm>
-          <a:prstGeom prst="rect">
-            <a:avLst/>
-          </a:prstGeom>
-          <a:noFill/>
-          <a:ln w="0">
-            <a:noFill/>
-          </a:ln>
-        </p:spPr>
-        <p:txBody>
-          <a:bodyPr lIns="91440" rIns="91440" tIns="91440" bIns="91440" anchor="b">
-            <a:normAutofit/>
-          </a:bodyPr>
-          <a:p>
-            <a:pPr indent="0">
-              <a:buNone/>
-            </a:pPr>
-            <a:r>
-              <a:rPr b="0" lang="en-US" sz="4200" strike="noStrike" u="none">
-                <a:solidFill>
-                  <a:srgbClr val="000000"/>
-                </a:solidFill>
-                <a:effectLst/>
-                <a:uFillTx/>
-                <a:latin typeface="Arial"/>
-              </a:rPr>
-              <a:t>Click to edit the title text format</a:t>
-            </a:r>
-            <a:endParaRPr b="0" lang="en-US" sz="4200" strike="noStrike" u="none">
-              <a:solidFill>
-                <a:srgbClr val="000000"/>
-              </a:solidFill>
-              <a:effectLst/>
-              <a:uFillTx/>
-              <a:latin typeface="Arial"/>
-            </a:endParaRPr>
-          </a:p>
-        </p:txBody>
-      </p:sp>
-      <p:sp>
-        <p:nvSpPr>
-          <p:cNvPr id="33" name="PlaceHolder 2"/>
-          <p:cNvSpPr>
-            <a:spLocks noGrp="1"/>
-          </p:cNvSpPr>
-          <p:nvPr>
-            <p:ph type="body"/>
-          </p:nvPr>
-        </p:nvSpPr>
-        <p:spPr>
-          <a:xfrm>
-            <a:off x="4939560" y="723960"/>
-            <a:ext cx="3836520" cy="3694680"/>
+            <a:off x="8472600" y="4663080"/>
+            <a:ext cx="547920" cy="392760"/>
           </a:xfrm>
           <a:prstGeom prst="rect">
             <a:avLst/>
@@ -1478,260 +1781,7 @@
         </p:spPr>
         <p:txBody>
           <a:bodyPr lIns="91440" rIns="91440" tIns="91440" bIns="91440" anchor="ctr">
-            <a:normAutofit/>
-          </a:bodyPr>
-          <a:p>
-            <a:pPr marL="432000" indent="-324000">
-              <a:spcBef>
-                <a:spcPts val="1417"/>
-              </a:spcBef>
-              <a:buClr>
-                <a:srgbClr val="000000"/>
-              </a:buClr>
-              <a:buSzPct val="45000"/>
-              <a:buFont typeface="Wingdings" charset="2"/>
-              <a:buChar char=""/>
-            </a:pPr>
-            <a:r>
-              <a:rPr b="0" lang="en-US" sz="1800" strike="noStrike" u="none">
-                <a:solidFill>
-                  <a:srgbClr val="000000"/>
-                </a:solidFill>
-                <a:effectLst/>
-                <a:uFillTx/>
-                <a:latin typeface="Arial"/>
-              </a:rPr>
-              <a:t>Click to edit the outline text format</a:t>
-            </a:r>
-            <a:endParaRPr b="0" lang="en-US" sz="1800" strike="noStrike" u="none">
-              <a:solidFill>
-                <a:srgbClr val="000000"/>
-              </a:solidFill>
-              <a:effectLst/>
-              <a:uFillTx/>
-              <a:latin typeface="Arial"/>
-            </a:endParaRPr>
-          </a:p>
-          <a:p>
-            <a:pPr lvl="1" marL="432000" indent="-216000">
-              <a:spcBef>
-                <a:spcPts val="1134"/>
-              </a:spcBef>
-              <a:buClr>
-                <a:srgbClr val="000000"/>
-              </a:buClr>
-              <a:buSzPct val="45000"/>
-              <a:buFont typeface="Wingdings" charset="2"/>
-              <a:buChar char=""/>
-            </a:pPr>
-            <a:r>
-              <a:rPr b="0" lang="en-US" sz="1800" strike="noStrike" u="none">
-                <a:solidFill>
-                  <a:srgbClr val="000000"/>
-                </a:solidFill>
-                <a:effectLst/>
-                <a:uFillTx/>
-                <a:latin typeface="Arial"/>
-              </a:rPr>
-              <a:t>Second Outline Level</a:t>
-            </a:r>
-            <a:endParaRPr b="0" lang="en-US" sz="1800" strike="noStrike" u="none">
-              <a:solidFill>
-                <a:srgbClr val="000000"/>
-              </a:solidFill>
-              <a:effectLst/>
-              <a:uFillTx/>
-              <a:latin typeface="Arial"/>
-            </a:endParaRPr>
-          </a:p>
-          <a:p>
-            <a:pPr lvl="2" marL="648000" indent="-216000">
-              <a:spcBef>
-                <a:spcPts val="850"/>
-              </a:spcBef>
-              <a:buClr>
-                <a:srgbClr val="000000"/>
-              </a:buClr>
-              <a:buSzPct val="45000"/>
-              <a:buFont typeface="Wingdings" charset="2"/>
-              <a:buChar char=""/>
-            </a:pPr>
-            <a:r>
-              <a:rPr b="0" lang="en-US" sz="1800" strike="noStrike" u="none">
-                <a:solidFill>
-                  <a:srgbClr val="000000"/>
-                </a:solidFill>
-                <a:effectLst/>
-                <a:uFillTx/>
-                <a:latin typeface="Arial"/>
-              </a:rPr>
-              <a:t>Third Outline Level</a:t>
-            </a:r>
-            <a:endParaRPr b="0" lang="en-US" sz="1800" strike="noStrike" u="none">
-              <a:solidFill>
-                <a:srgbClr val="000000"/>
-              </a:solidFill>
-              <a:effectLst/>
-              <a:uFillTx/>
-              <a:latin typeface="Arial"/>
-            </a:endParaRPr>
-          </a:p>
-          <a:p>
-            <a:pPr lvl="3" marL="864000" indent="-216000">
-              <a:spcBef>
-                <a:spcPts val="567"/>
-              </a:spcBef>
-              <a:buClr>
-                <a:srgbClr val="000000"/>
-              </a:buClr>
-              <a:buSzPct val="45000"/>
-              <a:buFont typeface="Wingdings" charset="2"/>
-              <a:buChar char=""/>
-            </a:pPr>
-            <a:r>
-              <a:rPr b="0" lang="en-US" sz="1800" strike="noStrike" u="none">
-                <a:solidFill>
-                  <a:srgbClr val="000000"/>
-                </a:solidFill>
-                <a:effectLst/>
-                <a:uFillTx/>
-                <a:latin typeface="Arial"/>
-              </a:rPr>
-              <a:t>Fourth Outline Level</a:t>
-            </a:r>
-            <a:endParaRPr b="0" lang="en-US" sz="1800" strike="noStrike" u="none">
-              <a:solidFill>
-                <a:srgbClr val="000000"/>
-              </a:solidFill>
-              <a:effectLst/>
-              <a:uFillTx/>
-              <a:latin typeface="Arial"/>
-            </a:endParaRPr>
-          </a:p>
-          <a:p>
-            <a:pPr lvl="4" marL="1080000" indent="-216000">
-              <a:spcBef>
-                <a:spcPts val="283"/>
-              </a:spcBef>
-              <a:buClr>
-                <a:srgbClr val="000000"/>
-              </a:buClr>
-              <a:buSzPct val="45000"/>
-              <a:buFont typeface="Wingdings" charset="2"/>
-              <a:buChar char=""/>
-            </a:pPr>
-            <a:r>
-              <a:rPr b="0" lang="en-US" sz="1800" strike="noStrike" u="none">
-                <a:solidFill>
-                  <a:srgbClr val="000000"/>
-                </a:solidFill>
-                <a:effectLst/>
-                <a:uFillTx/>
-                <a:latin typeface="Times New Roman"/>
-              </a:rPr>
-              <a:t>Fifth Outline Level</a:t>
-            </a:r>
-            <a:endParaRPr b="0" lang="en-US" sz="1800" strike="noStrike" u="none">
-              <a:solidFill>
-                <a:srgbClr val="000000"/>
-              </a:solidFill>
-              <a:effectLst/>
-              <a:uFillTx/>
-              <a:latin typeface="Times New Roman"/>
-            </a:endParaRPr>
-          </a:p>
-          <a:p>
-            <a:pPr lvl="5" marL="1296000" indent="-216000">
-              <a:spcBef>
-                <a:spcPts val="283"/>
-              </a:spcBef>
-              <a:buClr>
-                <a:srgbClr val="000000"/>
-              </a:buClr>
-              <a:buSzPct val="45000"/>
-              <a:buFont typeface="Wingdings" charset="2"/>
-              <a:buChar char=""/>
-            </a:pPr>
-            <a:r>
-              <a:rPr b="0" lang="en-US" sz="1800" strike="noStrike" u="none">
-                <a:solidFill>
-                  <a:srgbClr val="000000"/>
-                </a:solidFill>
-                <a:effectLst/>
-                <a:uFillTx/>
-                <a:latin typeface="Times New Roman"/>
-              </a:rPr>
-              <a:t>Sixth Outline Level</a:t>
-            </a:r>
-            <a:endParaRPr b="0" lang="en-US" sz="1800" strike="noStrike" u="none">
-              <a:solidFill>
-                <a:srgbClr val="000000"/>
-              </a:solidFill>
-              <a:effectLst/>
-              <a:uFillTx/>
-              <a:latin typeface="Times New Roman"/>
-            </a:endParaRPr>
-          </a:p>
-          <a:p>
-            <a:pPr lvl="6" marL="1512000" indent="-216000">
-              <a:spcBef>
-                <a:spcPts val="283"/>
-              </a:spcBef>
-              <a:buClr>
-                <a:srgbClr val="000000"/>
-              </a:buClr>
-              <a:buSzPct val="45000"/>
-              <a:buFont typeface="Wingdings" charset="2"/>
-              <a:buChar char=""/>
-            </a:pPr>
-            <a:r>
-              <a:rPr b="0" lang="en-US" sz="1800" strike="noStrike" u="none">
-                <a:solidFill>
-                  <a:srgbClr val="000000"/>
-                </a:solidFill>
-                <a:effectLst/>
-                <a:uFillTx/>
-                <a:latin typeface="Times New Roman"/>
-              </a:rPr>
-              <a:t>Seventh Outline Level</a:t>
-            </a:r>
-            <a:endParaRPr b="0" lang="en-US" sz="1800" strike="noStrike" u="none">
-              <a:solidFill>
-                <a:srgbClr val="000000"/>
-              </a:solidFill>
-              <a:effectLst/>
-              <a:uFillTx/>
-              <a:latin typeface="Times New Roman"/>
-            </a:endParaRPr>
-          </a:p>
-        </p:txBody>
-      </p:sp>
-      <p:sp>
-        <p:nvSpPr>
-          <p:cNvPr id="34" name="PlaceHolder 3"/>
-          <p:cNvSpPr>
-            <a:spLocks noGrp="1"/>
-          </p:cNvSpPr>
-          <p:nvPr>
-            <p:ph type="sldNum" idx="10"/>
-          </p:nvPr>
-        </p:nvSpPr>
-        <p:spPr>
-          <a:xfrm>
-            <a:off x="8472600" y="4663080"/>
-            <a:ext cx="548280" cy="393120"/>
-          </a:xfrm>
-          <a:prstGeom prst="rect">
-            <a:avLst/>
-          </a:prstGeom>
-          <a:noFill/>
-          <a:ln w="0">
-            <a:noFill/>
-          </a:ln>
-        </p:spPr>
-        <p:txBody>
-          <a:bodyPr lIns="91440" rIns="91440" tIns="91440" bIns="91440" anchor="ctr">
-            <a:normAutofit/>
+            <a:noAutofit/>
           </a:bodyPr>
           <a:lstStyle>
             <a:lvl1pPr indent="0" algn="r">
@@ -1763,7 +1813,7 @@
                 <a:tab algn="l" pos="0"/>
               </a:tabLst>
             </a:pPr>
-            <a:fld id="{760611D4-281C-4A84-9375-36D273BE1097}" type="slidenum">
+            <a:fld id="{27D9A5C8-82E2-428A-8A8D-CC7CBCDEB7B8}" type="slidenum">
               <a:rPr b="0" lang="en" sz="1000" strike="noStrike" u="none">
                 <a:solidFill>
                   <a:schemeClr val="dk2"/>
@@ -1790,7 +1840,7 @@
   </p:cSld>
   <p:clrMap bg1="lt1" tx1="dk1" bg2="dk2" tx2="lt2" accent1="accent1" accent2="accent2" accent3="accent3" accent4="accent4" accent5="accent5" accent6="accent6" hlink="hlink" folHlink="folHlink"/>
   <p:sldLayoutIdLst>
-    <p:sldLayoutId id="2147483667" r:id="rId2"/>
+    <p:sldLayoutId id="2147483671" r:id="rId2"/>
   </p:sldLayoutIdLst>
 </p:sldMaster>
 </file>
@@ -1821,18 +1871,18 @@
       </p:grpSpPr>
       <p:sp>
         <p:nvSpPr>
-          <p:cNvPr id="35" name="PlaceHolder 1"/>
+          <p:cNvPr id="33" name="PlaceHolder 1"/>
           <p:cNvSpPr>
             <a:spLocks noGrp="1"/>
           </p:cNvSpPr>
           <p:nvPr>
-            <p:ph type="body"/>
+            <p:ph type="sldNum" idx="11"/>
           </p:nvPr>
         </p:nvSpPr>
         <p:spPr>
           <a:xfrm>
-            <a:off x="311760" y="4230720"/>
-            <a:ext cx="5998320" cy="604800"/>
+            <a:off x="8472600" y="4663080"/>
+            <a:ext cx="547920" cy="392760"/>
           </a:xfrm>
           <a:prstGeom prst="rect">
             <a:avLst/>
@@ -1844,260 +1894,7 @@
         </p:spPr>
         <p:txBody>
           <a:bodyPr lIns="91440" rIns="91440" tIns="91440" bIns="91440" anchor="ctr">
-            <a:normAutofit fontScale="25000" lnSpcReduction="19999"/>
-          </a:bodyPr>
-          <a:p>
-            <a:pPr marL="432000" indent="-324000">
-              <a:spcBef>
-                <a:spcPts val="1417"/>
-              </a:spcBef>
-              <a:buClr>
-                <a:srgbClr val="000000"/>
-              </a:buClr>
-              <a:buSzPct val="45000"/>
-              <a:buFont typeface="Wingdings" charset="2"/>
-              <a:buChar char=""/>
-            </a:pPr>
-            <a:r>
-              <a:rPr b="0" lang="en-US" sz="1800" strike="noStrike" u="none">
-                <a:solidFill>
-                  <a:srgbClr val="000000"/>
-                </a:solidFill>
-                <a:effectLst/>
-                <a:uFillTx/>
-                <a:latin typeface="Arial"/>
-              </a:rPr>
-              <a:t>Click to edit the outline text format</a:t>
-            </a:r>
-            <a:endParaRPr b="0" lang="en-US" sz="1800" strike="noStrike" u="none">
-              <a:solidFill>
-                <a:srgbClr val="000000"/>
-              </a:solidFill>
-              <a:effectLst/>
-              <a:uFillTx/>
-              <a:latin typeface="Arial"/>
-            </a:endParaRPr>
-          </a:p>
-          <a:p>
-            <a:pPr lvl="1" marL="432000" indent="-216000">
-              <a:spcBef>
-                <a:spcPts val="1134"/>
-              </a:spcBef>
-              <a:buClr>
-                <a:srgbClr val="000000"/>
-              </a:buClr>
-              <a:buSzPct val="45000"/>
-              <a:buFont typeface="Wingdings" charset="2"/>
-              <a:buChar char=""/>
-            </a:pPr>
-            <a:r>
-              <a:rPr b="0" lang="en-US" sz="1800" strike="noStrike" u="none">
-                <a:solidFill>
-                  <a:srgbClr val="000000"/>
-                </a:solidFill>
-                <a:effectLst/>
-                <a:uFillTx/>
-                <a:latin typeface="Arial"/>
-              </a:rPr>
-              <a:t>Second Outline Level</a:t>
-            </a:r>
-            <a:endParaRPr b="0" lang="en-US" sz="1800" strike="noStrike" u="none">
-              <a:solidFill>
-                <a:srgbClr val="000000"/>
-              </a:solidFill>
-              <a:effectLst/>
-              <a:uFillTx/>
-              <a:latin typeface="Arial"/>
-            </a:endParaRPr>
-          </a:p>
-          <a:p>
-            <a:pPr lvl="2" marL="648000" indent="-216000">
-              <a:spcBef>
-                <a:spcPts val="850"/>
-              </a:spcBef>
-              <a:buClr>
-                <a:srgbClr val="000000"/>
-              </a:buClr>
-              <a:buSzPct val="45000"/>
-              <a:buFont typeface="Wingdings" charset="2"/>
-              <a:buChar char=""/>
-            </a:pPr>
-            <a:r>
-              <a:rPr b="0" lang="en-US" sz="1800" strike="noStrike" u="none">
-                <a:solidFill>
-                  <a:srgbClr val="000000"/>
-                </a:solidFill>
-                <a:effectLst/>
-                <a:uFillTx/>
-                <a:latin typeface="Arial"/>
-              </a:rPr>
-              <a:t>Third Outline Level</a:t>
-            </a:r>
-            <a:endParaRPr b="0" lang="en-US" sz="1800" strike="noStrike" u="none">
-              <a:solidFill>
-                <a:srgbClr val="000000"/>
-              </a:solidFill>
-              <a:effectLst/>
-              <a:uFillTx/>
-              <a:latin typeface="Arial"/>
-            </a:endParaRPr>
-          </a:p>
-          <a:p>
-            <a:pPr lvl="3" marL="864000" indent="-216000">
-              <a:spcBef>
-                <a:spcPts val="567"/>
-              </a:spcBef>
-              <a:buClr>
-                <a:srgbClr val="000000"/>
-              </a:buClr>
-              <a:buSzPct val="45000"/>
-              <a:buFont typeface="Wingdings" charset="2"/>
-              <a:buChar char=""/>
-            </a:pPr>
-            <a:r>
-              <a:rPr b="0" lang="en-US" sz="1800" strike="noStrike" u="none">
-                <a:solidFill>
-                  <a:srgbClr val="000000"/>
-                </a:solidFill>
-                <a:effectLst/>
-                <a:uFillTx/>
-                <a:latin typeface="Arial"/>
-              </a:rPr>
-              <a:t>Fourth Outline Level</a:t>
-            </a:r>
-            <a:endParaRPr b="0" lang="en-US" sz="1800" strike="noStrike" u="none">
-              <a:solidFill>
-                <a:srgbClr val="000000"/>
-              </a:solidFill>
-              <a:effectLst/>
-              <a:uFillTx/>
-              <a:latin typeface="Arial"/>
-            </a:endParaRPr>
-          </a:p>
-          <a:p>
-            <a:pPr lvl="4" marL="1080000" indent="-216000">
-              <a:spcBef>
-                <a:spcPts val="283"/>
-              </a:spcBef>
-              <a:buClr>
-                <a:srgbClr val="000000"/>
-              </a:buClr>
-              <a:buSzPct val="45000"/>
-              <a:buFont typeface="Wingdings" charset="2"/>
-              <a:buChar char=""/>
-            </a:pPr>
-            <a:r>
-              <a:rPr b="0" lang="en-US" sz="1800" strike="noStrike" u="none">
-                <a:solidFill>
-                  <a:srgbClr val="000000"/>
-                </a:solidFill>
-                <a:effectLst/>
-                <a:uFillTx/>
-                <a:latin typeface="Times New Roman"/>
-              </a:rPr>
-              <a:t>Fifth Outline Level</a:t>
-            </a:r>
-            <a:endParaRPr b="0" lang="en-US" sz="1800" strike="noStrike" u="none">
-              <a:solidFill>
-                <a:srgbClr val="000000"/>
-              </a:solidFill>
-              <a:effectLst/>
-              <a:uFillTx/>
-              <a:latin typeface="Times New Roman"/>
-            </a:endParaRPr>
-          </a:p>
-          <a:p>
-            <a:pPr lvl="5" marL="1296000" indent="-216000">
-              <a:spcBef>
-                <a:spcPts val="283"/>
-              </a:spcBef>
-              <a:buClr>
-                <a:srgbClr val="000000"/>
-              </a:buClr>
-              <a:buSzPct val="45000"/>
-              <a:buFont typeface="Wingdings" charset="2"/>
-              <a:buChar char=""/>
-            </a:pPr>
-            <a:r>
-              <a:rPr b="0" lang="en-US" sz="1800" strike="noStrike" u="none">
-                <a:solidFill>
-                  <a:srgbClr val="000000"/>
-                </a:solidFill>
-                <a:effectLst/>
-                <a:uFillTx/>
-                <a:latin typeface="Times New Roman"/>
-              </a:rPr>
-              <a:t>Sixth Outline Level</a:t>
-            </a:r>
-            <a:endParaRPr b="0" lang="en-US" sz="1800" strike="noStrike" u="none">
-              <a:solidFill>
-                <a:srgbClr val="000000"/>
-              </a:solidFill>
-              <a:effectLst/>
-              <a:uFillTx/>
-              <a:latin typeface="Times New Roman"/>
-            </a:endParaRPr>
-          </a:p>
-          <a:p>
-            <a:pPr lvl="6" marL="1512000" indent="-216000">
-              <a:spcBef>
-                <a:spcPts val="283"/>
-              </a:spcBef>
-              <a:buClr>
-                <a:srgbClr val="000000"/>
-              </a:buClr>
-              <a:buSzPct val="45000"/>
-              <a:buFont typeface="Wingdings" charset="2"/>
-              <a:buChar char=""/>
-            </a:pPr>
-            <a:r>
-              <a:rPr b="0" lang="en-US" sz="1800" strike="noStrike" u="none">
-                <a:solidFill>
-                  <a:srgbClr val="000000"/>
-                </a:solidFill>
-                <a:effectLst/>
-                <a:uFillTx/>
-                <a:latin typeface="Times New Roman"/>
-              </a:rPr>
-              <a:t>Seventh Outline Level</a:t>
-            </a:r>
-            <a:endParaRPr b="0" lang="en-US" sz="1800" strike="noStrike" u="none">
-              <a:solidFill>
-                <a:srgbClr val="000000"/>
-              </a:solidFill>
-              <a:effectLst/>
-              <a:uFillTx/>
-              <a:latin typeface="Times New Roman"/>
-            </a:endParaRPr>
-          </a:p>
-        </p:txBody>
-      </p:sp>
-      <p:sp>
-        <p:nvSpPr>
-          <p:cNvPr id="36" name="PlaceHolder 2"/>
-          <p:cNvSpPr>
-            <a:spLocks noGrp="1"/>
-          </p:cNvSpPr>
-          <p:nvPr>
-            <p:ph type="sldNum" idx="11"/>
-          </p:nvPr>
-        </p:nvSpPr>
-        <p:spPr>
-          <a:xfrm>
-            <a:off x="8472600" y="4663080"/>
-            <a:ext cx="548280" cy="393120"/>
-          </a:xfrm>
-          <a:prstGeom prst="rect">
-            <a:avLst/>
-          </a:prstGeom>
-          <a:noFill/>
-          <a:ln w="0">
-            <a:noFill/>
-          </a:ln>
-        </p:spPr>
-        <p:txBody>
-          <a:bodyPr lIns="91440" rIns="91440" tIns="91440" bIns="91440" anchor="ctr">
-            <a:normAutofit/>
+            <a:noAutofit/>
           </a:bodyPr>
           <a:lstStyle>
             <a:lvl1pPr indent="0" algn="r">
@@ -2129,7 +1926,7 @@
                 <a:tab algn="l" pos="0"/>
               </a:tabLst>
             </a:pPr>
-            <a:fld id="{6EB7F15B-56D6-49C3-9DEC-BB9CC25E34B3}" type="slidenum">
+            <a:fld id="{029015AC-C79D-49FA-9856-45E05C29A3C9}" type="slidenum">
               <a:rPr b="0" lang="en" sz="1000" strike="noStrike" u="none">
                 <a:solidFill>
                   <a:schemeClr val="dk2"/>
@@ -2156,7 +1953,7 @@
   </p:cSld>
   <p:clrMap bg1="lt1" tx1="dk1" bg2="dk2" tx2="lt2" accent1="accent1" accent2="accent2" accent3="accent3" accent4="accent4" accent5="accent5" accent6="accent6" hlink="hlink" folHlink="folHlink"/>
   <p:sldLayoutIdLst>
-    <p:sldLayoutId id="2147483669" r:id="rId2"/>
+    <p:sldLayoutId id="2147483673" r:id="rId2"/>
   </p:sldLayoutIdLst>
 </p:sldMaster>
 </file>
@@ -2187,329 +1984,7 @@
       </p:grpSpPr>
       <p:sp>
         <p:nvSpPr>
-          <p:cNvPr id="5" name="PlaceHolder 1"/>
-          <p:cNvSpPr>
-            <a:spLocks noGrp="1"/>
-          </p:cNvSpPr>
-          <p:nvPr>
-            <p:ph type="title"/>
-          </p:nvPr>
-        </p:nvSpPr>
-        <p:spPr>
-          <a:xfrm>
-            <a:off x="311760" y="1106280"/>
-            <a:ext cx="8520120" cy="1963080"/>
-          </a:xfrm>
-          <a:prstGeom prst="rect">
-            <a:avLst/>
-          </a:prstGeom>
-          <a:noFill/>
-          <a:ln w="0">
-            <a:noFill/>
-          </a:ln>
-        </p:spPr>
-        <p:txBody>
-          <a:bodyPr lIns="91440" rIns="91440" tIns="91440" bIns="91440" anchor="b">
-            <a:normAutofit lnSpcReduction="9999"/>
-          </a:bodyPr>
-          <a:p>
-            <a:pPr indent="0" algn="ctr">
-              <a:lnSpc>
-                <a:spcPct val="100000"/>
-              </a:lnSpc>
-              <a:buNone/>
-            </a:pPr>
-            <a:r>
-              <a:rPr b="0" lang="en-US" sz="12000" strike="noStrike" u="none">
-                <a:solidFill>
-                  <a:schemeClr val="dk1"/>
-                </a:solidFill>
-                <a:effectLst/>
-                <a:uFillTx/>
-                <a:latin typeface="Arial"/>
-                <a:ea typeface="Arial"/>
-              </a:rPr>
-              <a:t>xx</a:t>
-            </a:r>
-            <a:r>
-              <a:rPr b="0" lang="en-US" sz="12000" strike="noStrike" u="none">
-                <a:solidFill>
-                  <a:schemeClr val="dk1"/>
-                </a:solidFill>
-                <a:effectLst/>
-                <a:uFillTx/>
-                <a:latin typeface="Arial"/>
-                <a:ea typeface="Arial"/>
-              </a:rPr>
-              <a:t>%</a:t>
-            </a:r>
-            <a:endParaRPr b="0" lang="en-US" sz="12000" strike="noStrike" u="none">
-              <a:solidFill>
-                <a:srgbClr val="000000"/>
-              </a:solidFill>
-              <a:effectLst/>
-              <a:uFillTx/>
-              <a:latin typeface="Arial"/>
-            </a:endParaRPr>
-          </a:p>
-        </p:txBody>
-      </p:sp>
-      <p:sp>
-        <p:nvSpPr>
-          <p:cNvPr id="6" name="PlaceHolder 2"/>
-          <p:cNvSpPr>
-            <a:spLocks noGrp="1"/>
-          </p:cNvSpPr>
-          <p:nvPr>
-            <p:ph type="body"/>
-          </p:nvPr>
-        </p:nvSpPr>
-        <p:spPr>
-          <a:xfrm>
-            <a:off x="311760" y="3152160"/>
-            <a:ext cx="8520120" cy="1300320"/>
-          </a:xfrm>
-          <a:prstGeom prst="rect">
-            <a:avLst/>
-          </a:prstGeom>
-          <a:noFill/>
-          <a:ln w="0">
-            <a:noFill/>
-          </a:ln>
-        </p:spPr>
-        <p:txBody>
-          <a:bodyPr lIns="91440" rIns="91440" tIns="91440" bIns="91440" anchor="t">
-            <a:normAutofit fontScale="47500" lnSpcReduction="19999"/>
-          </a:bodyPr>
-          <a:p>
-            <a:pPr marL="432000" indent="-324000">
-              <a:spcBef>
-                <a:spcPts val="1417"/>
-              </a:spcBef>
-              <a:buClr>
-                <a:srgbClr val="000000"/>
-              </a:buClr>
-              <a:buSzPct val="45000"/>
-              <a:buFont typeface="Wingdings" charset="2"/>
-              <a:buChar char=""/>
-            </a:pPr>
-            <a:r>
-              <a:rPr b="0" lang="en-US" sz="1800" strike="noStrike" u="none">
-                <a:solidFill>
-                  <a:srgbClr val="000000"/>
-                </a:solidFill>
-                <a:effectLst/>
-                <a:uFillTx/>
-                <a:latin typeface="Arial"/>
-              </a:rPr>
-              <a:t>Click to edit the outline text format</a:t>
-            </a:r>
-            <a:endParaRPr b="0" lang="en-US" sz="1800" strike="noStrike" u="none">
-              <a:solidFill>
-                <a:srgbClr val="000000"/>
-              </a:solidFill>
-              <a:effectLst/>
-              <a:uFillTx/>
-              <a:latin typeface="Arial"/>
-            </a:endParaRPr>
-          </a:p>
-          <a:p>
-            <a:pPr lvl="1" marL="432000" indent="-216000">
-              <a:spcBef>
-                <a:spcPts val="1134"/>
-              </a:spcBef>
-              <a:buClr>
-                <a:srgbClr val="000000"/>
-              </a:buClr>
-              <a:buSzPct val="45000"/>
-              <a:buFont typeface="Wingdings" charset="2"/>
-              <a:buChar char=""/>
-            </a:pPr>
-            <a:r>
-              <a:rPr b="0" lang="en-US" sz="1800" strike="noStrike" u="none">
-                <a:solidFill>
-                  <a:srgbClr val="000000"/>
-                </a:solidFill>
-                <a:effectLst/>
-                <a:uFillTx/>
-                <a:latin typeface="Arial"/>
-              </a:rPr>
-              <a:t>Second Outline Level</a:t>
-            </a:r>
-            <a:endParaRPr b="0" lang="en-US" sz="1800" strike="noStrike" u="none">
-              <a:solidFill>
-                <a:srgbClr val="000000"/>
-              </a:solidFill>
-              <a:effectLst/>
-              <a:uFillTx/>
-              <a:latin typeface="Arial"/>
-            </a:endParaRPr>
-          </a:p>
-          <a:p>
-            <a:pPr lvl="2" marL="648000" indent="-216000">
-              <a:spcBef>
-                <a:spcPts val="850"/>
-              </a:spcBef>
-              <a:buClr>
-                <a:srgbClr val="000000"/>
-              </a:buClr>
-              <a:buSzPct val="45000"/>
-              <a:buFont typeface="Wingdings" charset="2"/>
-              <a:buChar char=""/>
-            </a:pPr>
-            <a:r>
-              <a:rPr b="0" lang="en-US" sz="1800" strike="noStrike" u="none">
-                <a:solidFill>
-                  <a:srgbClr val="000000"/>
-                </a:solidFill>
-                <a:effectLst/>
-                <a:uFillTx/>
-                <a:latin typeface="Arial"/>
-              </a:rPr>
-              <a:t>Third Outline Level</a:t>
-            </a:r>
-            <a:endParaRPr b="0" lang="en-US" sz="1800" strike="noStrike" u="none">
-              <a:solidFill>
-                <a:srgbClr val="000000"/>
-              </a:solidFill>
-              <a:effectLst/>
-              <a:uFillTx/>
-              <a:latin typeface="Arial"/>
-            </a:endParaRPr>
-          </a:p>
-          <a:p>
-            <a:pPr lvl="3" marL="864000" indent="-216000">
-              <a:spcBef>
-                <a:spcPts val="567"/>
-              </a:spcBef>
-              <a:buClr>
-                <a:srgbClr val="000000"/>
-              </a:buClr>
-              <a:buSzPct val="45000"/>
-              <a:buFont typeface="Wingdings" charset="2"/>
-              <a:buChar char=""/>
-            </a:pPr>
-            <a:r>
-              <a:rPr b="0" lang="en-US" sz="1800" strike="noStrike" u="none">
-                <a:solidFill>
-                  <a:srgbClr val="000000"/>
-                </a:solidFill>
-                <a:effectLst/>
-                <a:uFillTx/>
-                <a:latin typeface="Arial"/>
-              </a:rPr>
-              <a:t>Fourth Outline Level</a:t>
-            </a:r>
-            <a:endParaRPr b="0" lang="en-US" sz="1800" strike="noStrike" u="none">
-              <a:solidFill>
-                <a:srgbClr val="000000"/>
-              </a:solidFill>
-              <a:effectLst/>
-              <a:uFillTx/>
-              <a:latin typeface="Arial"/>
-            </a:endParaRPr>
-          </a:p>
-          <a:p>
-            <a:pPr lvl="4" marL="1080000" indent="-216000">
-              <a:spcBef>
-                <a:spcPts val="283"/>
-              </a:spcBef>
-              <a:buClr>
-                <a:srgbClr val="000000"/>
-              </a:buClr>
-              <a:buSzPct val="45000"/>
-              <a:buFont typeface="Wingdings" charset="2"/>
-              <a:buChar char=""/>
-            </a:pPr>
-            <a:r>
-              <a:rPr b="0" lang="en-US" sz="1800" strike="noStrike" u="none">
-                <a:solidFill>
-                  <a:srgbClr val="000000"/>
-                </a:solidFill>
-                <a:effectLst/>
-                <a:uFillTx/>
-                <a:latin typeface="Times New Roman"/>
-              </a:rPr>
-              <a:t>Fifth Outline Level</a:t>
-            </a:r>
-            <a:endParaRPr b="0" lang="en-US" sz="1800" strike="noStrike" u="none">
-              <a:solidFill>
-                <a:srgbClr val="000000"/>
-              </a:solidFill>
-              <a:effectLst/>
-              <a:uFillTx/>
-              <a:latin typeface="Times New Roman"/>
-            </a:endParaRPr>
-          </a:p>
-          <a:p>
-            <a:pPr lvl="5" marL="1296000" indent="-216000">
-              <a:spcBef>
-                <a:spcPts val="283"/>
-              </a:spcBef>
-              <a:buClr>
-                <a:srgbClr val="000000"/>
-              </a:buClr>
-              <a:buSzPct val="45000"/>
-              <a:buFont typeface="Wingdings" charset="2"/>
-              <a:buChar char=""/>
-            </a:pPr>
-            <a:r>
-              <a:rPr b="0" lang="en-US" sz="1800" strike="noStrike" u="none">
-                <a:solidFill>
-                  <a:srgbClr val="000000"/>
-                </a:solidFill>
-                <a:effectLst/>
-                <a:uFillTx/>
-                <a:latin typeface="Times New Roman"/>
-              </a:rPr>
-              <a:t>Sixth Outline Level</a:t>
-            </a:r>
-            <a:endParaRPr b="0" lang="en-US" sz="1800" strike="noStrike" u="none">
-              <a:solidFill>
-                <a:srgbClr val="000000"/>
-              </a:solidFill>
-              <a:effectLst/>
-              <a:uFillTx/>
-              <a:latin typeface="Times New Roman"/>
-            </a:endParaRPr>
-          </a:p>
-          <a:p>
-            <a:pPr lvl="6" marL="1512000" indent="-216000">
-              <a:spcBef>
-                <a:spcPts val="283"/>
-              </a:spcBef>
-              <a:buClr>
-                <a:srgbClr val="000000"/>
-              </a:buClr>
-              <a:buSzPct val="45000"/>
-              <a:buFont typeface="Wingdings" charset="2"/>
-              <a:buChar char=""/>
-            </a:pPr>
-            <a:r>
-              <a:rPr b="0" lang="en-US" sz="1800" strike="noStrike" u="none">
-                <a:solidFill>
-                  <a:srgbClr val="000000"/>
-                </a:solidFill>
-                <a:effectLst/>
-                <a:uFillTx/>
-                <a:latin typeface="Times New Roman"/>
-              </a:rPr>
-              <a:t>Seventh Outline Level</a:t>
-            </a:r>
-            <a:endParaRPr b="0" lang="en-US" sz="1800" strike="noStrike" u="none">
-              <a:solidFill>
-                <a:srgbClr val="000000"/>
-              </a:solidFill>
-              <a:effectLst/>
-              <a:uFillTx/>
-              <a:latin typeface="Times New Roman"/>
-            </a:endParaRPr>
-          </a:p>
-        </p:txBody>
-      </p:sp>
-      <p:sp>
-        <p:nvSpPr>
-          <p:cNvPr id="7" name="PlaceHolder 3"/>
+          <p:cNvPr id="11" name="PlaceHolder 1"/>
           <p:cNvSpPr>
             <a:spLocks noGrp="1"/>
           </p:cNvSpPr>
@@ -2520,7 +1995,7 @@
         <p:spPr>
           <a:xfrm>
             <a:off x="8472600" y="4663080"/>
-            <a:ext cx="548280" cy="393120"/>
+            <a:ext cx="547920" cy="392760"/>
           </a:xfrm>
           <a:prstGeom prst="rect">
             <a:avLst/>
@@ -2532,7 +2007,7 @@
         </p:spPr>
         <p:txBody>
           <a:bodyPr lIns="91440" rIns="91440" tIns="91440" bIns="91440" anchor="ctr">
-            <a:normAutofit/>
+            <a:noAutofit/>
           </a:bodyPr>
           <a:lstStyle>
             <a:lvl1pPr indent="0" algn="r">
@@ -2564,7 +2039,7 @@
                 <a:tab algn="l" pos="0"/>
               </a:tabLst>
             </a:pPr>
-            <a:fld id="{8089EC7B-24D2-4F43-A355-B3CF0F964EED}" type="slidenum">
+            <a:fld id="{69331320-07F5-4A6F-83E5-005010FB184D}" type="slidenum">
               <a:rPr b="0" lang="en" sz="1000" strike="noStrike" u="none">
                 <a:solidFill>
                   <a:schemeClr val="dk2"/>
@@ -2574,7 +2049,7 @@
                 <a:latin typeface="Arial"/>
                 <a:ea typeface="Arial"/>
               </a:rPr>
-              <a:t>&lt;number&gt;</a:t>
+              <a:t>1</a:t>
             </a:fld>
             <a:endParaRPr b="0" lang="en-US" sz="1000" strike="noStrike" u="none">
               <a:solidFill>
@@ -2591,7 +2066,7 @@
   </p:cSld>
   <p:clrMap bg1="lt1" tx1="dk1" bg2="dk2" tx2="lt2" accent1="accent1" accent2="accent2" accent3="accent3" accent4="accent4" accent5="accent5" accent6="accent6" hlink="hlink" folHlink="folHlink"/>
   <p:sldLayoutIdLst>
-    <p:sldLayoutId id="2147483651" r:id="rId2"/>
+    <p:sldLayoutId id="2147483655" r:id="rId2"/>
   </p:sldLayoutIdLst>
 </p:sldMaster>
 </file>
@@ -2622,7 +2097,7 @@
       </p:grpSpPr>
       <p:sp>
         <p:nvSpPr>
-          <p:cNvPr id="8" name="PlaceHolder 1"/>
+          <p:cNvPr id="12" name="PlaceHolder 1"/>
           <p:cNvSpPr>
             <a:spLocks noGrp="1"/>
           </p:cNvSpPr>
@@ -2633,7 +2108,7 @@
         <p:spPr>
           <a:xfrm>
             <a:off x="8472600" y="4663080"/>
-            <a:ext cx="548280" cy="393120"/>
+            <a:ext cx="547920" cy="392760"/>
           </a:xfrm>
           <a:prstGeom prst="rect">
             <a:avLst/>
@@ -2645,7 +2120,7 @@
         </p:spPr>
         <p:txBody>
           <a:bodyPr lIns="91440" rIns="91440" tIns="91440" bIns="91440" anchor="ctr">
-            <a:normAutofit/>
+            <a:noAutofit/>
           </a:bodyPr>
           <a:lstStyle>
             <a:lvl1pPr indent="0" algn="r">
@@ -2677,7 +2152,7 @@
                 <a:tab algn="l" pos="0"/>
               </a:tabLst>
             </a:pPr>
-            <a:fld id="{0915C1C2-C4DB-444B-824C-CD4BC318600C}" type="slidenum">
+            <a:fld id="{E1A3EC7F-4A77-435D-8A39-9858FDEE935C}" type="slidenum">
               <a:rPr b="0" lang="en" sz="1000" strike="noStrike" u="none">
                 <a:solidFill>
                   <a:schemeClr val="dk2"/>
@@ -2687,7 +2162,7 @@
                 <a:latin typeface="Arial"/>
                 <a:ea typeface="Arial"/>
               </a:rPr>
-              <a:t>&lt;number&gt;</a:t>
+              <a:t>1</a:t>
             </a:fld>
             <a:endParaRPr b="0" lang="en-US" sz="1000" strike="noStrike" u="none">
               <a:solidFill>
@@ -2704,7 +2179,7 @@
   </p:cSld>
   <p:clrMap bg1="lt1" tx1="dk1" bg2="dk2" tx2="lt2" accent1="accent1" accent2="accent2" accent3="accent3" accent4="accent4" accent5="accent5" accent6="accent6" hlink="hlink" folHlink="folHlink"/>
   <p:sldLayoutIdLst>
-    <p:sldLayoutId id="2147483653" r:id="rId2"/>
+    <p:sldLayoutId id="2147483657" r:id="rId2"/>
   </p:sldLayoutIdLst>
 </p:sldMaster>
 </file>
@@ -2735,18 +2210,18 @@
       </p:grpSpPr>
       <p:sp>
         <p:nvSpPr>
-          <p:cNvPr id="9" name="PlaceHolder 1"/>
+          <p:cNvPr id="13" name="PlaceHolder 1"/>
           <p:cNvSpPr>
             <a:spLocks noGrp="1"/>
           </p:cNvSpPr>
           <p:nvPr>
-            <p:ph type="title"/>
+            <p:ph type="sldNum" idx="4"/>
           </p:nvPr>
         </p:nvSpPr>
         <p:spPr>
           <a:xfrm>
-            <a:off x="311760" y="2151000"/>
-            <a:ext cx="8520120" cy="841320"/>
+            <a:off x="8472600" y="4663080"/>
+            <a:ext cx="547920" cy="392760"/>
           </a:xfrm>
           <a:prstGeom prst="rect">
             <a:avLst/>
@@ -2758,434 +2233,7 @@
         </p:spPr>
         <p:txBody>
           <a:bodyPr lIns="91440" rIns="91440" tIns="91440" bIns="91440" anchor="ctr">
-            <a:normAutofit/>
-          </a:bodyPr>
-          <a:p>
-            <a:pPr indent="0">
-              <a:buNone/>
-            </a:pPr>
-            <a:r>
-              <a:rPr b="0" lang="en-US" sz="3600" strike="noStrike" u="none">
-                <a:solidFill>
-                  <a:srgbClr val="000000"/>
-                </a:solidFill>
-                <a:effectLst/>
-                <a:uFillTx/>
-                <a:latin typeface="Arial"/>
-              </a:rPr>
-              <a:t>C</a:t>
-            </a:r>
-            <a:r>
-              <a:rPr b="0" lang="en-US" sz="3600" strike="noStrike" u="none">
-                <a:solidFill>
-                  <a:srgbClr val="000000"/>
-                </a:solidFill>
-                <a:effectLst/>
-                <a:uFillTx/>
-                <a:latin typeface="Arial"/>
-              </a:rPr>
-              <a:t>l</a:t>
-            </a:r>
-            <a:r>
-              <a:rPr b="0" lang="en-US" sz="3600" strike="noStrike" u="none">
-                <a:solidFill>
-                  <a:srgbClr val="000000"/>
-                </a:solidFill>
-                <a:effectLst/>
-                <a:uFillTx/>
-                <a:latin typeface="Arial"/>
-              </a:rPr>
-              <a:t>i</a:t>
-            </a:r>
-            <a:r>
-              <a:rPr b="0" lang="en-US" sz="3600" strike="noStrike" u="none">
-                <a:solidFill>
-                  <a:srgbClr val="000000"/>
-                </a:solidFill>
-                <a:effectLst/>
-                <a:uFillTx/>
-                <a:latin typeface="Arial"/>
-              </a:rPr>
-              <a:t>c</a:t>
-            </a:r>
-            <a:r>
-              <a:rPr b="0" lang="en-US" sz="3600" strike="noStrike" u="none">
-                <a:solidFill>
-                  <a:srgbClr val="000000"/>
-                </a:solidFill>
-                <a:effectLst/>
-                <a:uFillTx/>
-                <a:latin typeface="Arial"/>
-              </a:rPr>
-              <a:t>k</a:t>
-            </a:r>
-            <a:r>
-              <a:rPr b="0" lang="en-US" sz="3600" strike="noStrike" u="none">
-                <a:solidFill>
-                  <a:srgbClr val="000000"/>
-                </a:solidFill>
-                <a:effectLst/>
-                <a:uFillTx/>
-                <a:latin typeface="Arial"/>
-              </a:rPr>
-              <a:t> </a:t>
-            </a:r>
-            <a:r>
-              <a:rPr b="0" lang="en-US" sz="3600" strike="noStrike" u="none">
-                <a:solidFill>
-                  <a:srgbClr val="000000"/>
-                </a:solidFill>
-                <a:effectLst/>
-                <a:uFillTx/>
-                <a:latin typeface="Arial"/>
-              </a:rPr>
-              <a:t>t</a:t>
-            </a:r>
-            <a:r>
-              <a:rPr b="0" lang="en-US" sz="3600" strike="noStrike" u="none">
-                <a:solidFill>
-                  <a:srgbClr val="000000"/>
-                </a:solidFill>
-                <a:effectLst/>
-                <a:uFillTx/>
-                <a:latin typeface="Arial"/>
-              </a:rPr>
-              <a:t>o</a:t>
-            </a:r>
-            <a:r>
-              <a:rPr b="0" lang="en-US" sz="3600" strike="noStrike" u="none">
-                <a:solidFill>
-                  <a:srgbClr val="000000"/>
-                </a:solidFill>
-                <a:effectLst/>
-                <a:uFillTx/>
-                <a:latin typeface="Arial"/>
-              </a:rPr>
-              <a:t> </a:t>
-            </a:r>
-            <a:r>
-              <a:rPr b="0" lang="en-US" sz="3600" strike="noStrike" u="none">
-                <a:solidFill>
-                  <a:srgbClr val="000000"/>
-                </a:solidFill>
-                <a:effectLst/>
-                <a:uFillTx/>
-                <a:latin typeface="Arial"/>
-              </a:rPr>
-              <a:t>e</a:t>
-            </a:r>
-            <a:r>
-              <a:rPr b="0" lang="en-US" sz="3600" strike="noStrike" u="none">
-                <a:solidFill>
-                  <a:srgbClr val="000000"/>
-                </a:solidFill>
-                <a:effectLst/>
-                <a:uFillTx/>
-                <a:latin typeface="Arial"/>
-              </a:rPr>
-              <a:t>d</a:t>
-            </a:r>
-            <a:r>
-              <a:rPr b="0" lang="en-US" sz="3600" strike="noStrike" u="none">
-                <a:solidFill>
-                  <a:srgbClr val="000000"/>
-                </a:solidFill>
-                <a:effectLst/>
-                <a:uFillTx/>
-                <a:latin typeface="Arial"/>
-              </a:rPr>
-              <a:t>i</a:t>
-            </a:r>
-            <a:r>
-              <a:rPr b="0" lang="en-US" sz="3600" strike="noStrike" u="none">
-                <a:solidFill>
-                  <a:srgbClr val="000000"/>
-                </a:solidFill>
-                <a:effectLst/>
-                <a:uFillTx/>
-                <a:latin typeface="Arial"/>
-              </a:rPr>
-              <a:t>t</a:t>
-            </a:r>
-            <a:r>
-              <a:rPr b="0" lang="en-US" sz="3600" strike="noStrike" u="none">
-                <a:solidFill>
-                  <a:srgbClr val="000000"/>
-                </a:solidFill>
-                <a:effectLst/>
-                <a:uFillTx/>
-                <a:latin typeface="Arial"/>
-              </a:rPr>
-              <a:t> </a:t>
-            </a:r>
-            <a:r>
-              <a:rPr b="0" lang="en-US" sz="3600" strike="noStrike" u="none">
-                <a:solidFill>
-                  <a:srgbClr val="000000"/>
-                </a:solidFill>
-                <a:effectLst/>
-                <a:uFillTx/>
-                <a:latin typeface="Arial"/>
-              </a:rPr>
-              <a:t>t</a:t>
-            </a:r>
-            <a:r>
-              <a:rPr b="0" lang="en-US" sz="3600" strike="noStrike" u="none">
-                <a:solidFill>
-                  <a:srgbClr val="000000"/>
-                </a:solidFill>
-                <a:effectLst/>
-                <a:uFillTx/>
-                <a:latin typeface="Arial"/>
-              </a:rPr>
-              <a:t>h</a:t>
-            </a:r>
-            <a:r>
-              <a:rPr b="0" lang="en-US" sz="3600" strike="noStrike" u="none">
-                <a:solidFill>
-                  <a:srgbClr val="000000"/>
-                </a:solidFill>
-                <a:effectLst/>
-                <a:uFillTx/>
-                <a:latin typeface="Arial"/>
-              </a:rPr>
-              <a:t>e</a:t>
-            </a:r>
-            <a:r>
-              <a:rPr b="0" lang="en-US" sz="3600" strike="noStrike" u="none">
-                <a:solidFill>
-                  <a:srgbClr val="000000"/>
-                </a:solidFill>
-                <a:effectLst/>
-                <a:uFillTx/>
-                <a:latin typeface="Arial"/>
-              </a:rPr>
-              <a:t> </a:t>
-            </a:r>
-            <a:r>
-              <a:rPr b="0" lang="en-US" sz="3600" strike="noStrike" u="none">
-                <a:solidFill>
-                  <a:srgbClr val="000000"/>
-                </a:solidFill>
-                <a:effectLst/>
-                <a:uFillTx/>
-                <a:latin typeface="Arial"/>
-              </a:rPr>
-              <a:t>t</a:t>
-            </a:r>
-            <a:r>
-              <a:rPr b="0" lang="en-US" sz="3600" strike="noStrike" u="none">
-                <a:solidFill>
-                  <a:srgbClr val="000000"/>
-                </a:solidFill>
-                <a:effectLst/>
-                <a:uFillTx/>
-                <a:latin typeface="Arial"/>
-              </a:rPr>
-              <a:t>i</a:t>
-            </a:r>
-            <a:r>
-              <a:rPr b="0" lang="en-US" sz="3600" strike="noStrike" u="none">
-                <a:solidFill>
-                  <a:srgbClr val="000000"/>
-                </a:solidFill>
-                <a:effectLst/>
-                <a:uFillTx/>
-                <a:latin typeface="Arial"/>
-              </a:rPr>
-              <a:t>t</a:t>
-            </a:r>
-            <a:r>
-              <a:rPr b="0" lang="en-US" sz="3600" strike="noStrike" u="none">
-                <a:solidFill>
-                  <a:srgbClr val="000000"/>
-                </a:solidFill>
-                <a:effectLst/>
-                <a:uFillTx/>
-                <a:latin typeface="Arial"/>
-              </a:rPr>
-              <a:t>l</a:t>
-            </a:r>
-            <a:r>
-              <a:rPr b="0" lang="en-US" sz="3600" strike="noStrike" u="none">
-                <a:solidFill>
-                  <a:srgbClr val="000000"/>
-                </a:solidFill>
-                <a:effectLst/>
-                <a:uFillTx/>
-                <a:latin typeface="Arial"/>
-              </a:rPr>
-              <a:t>e</a:t>
-            </a:r>
-            <a:r>
-              <a:rPr b="0" lang="en-US" sz="3600" strike="noStrike" u="none">
-                <a:solidFill>
-                  <a:srgbClr val="000000"/>
-                </a:solidFill>
-                <a:effectLst/>
-                <a:uFillTx/>
-                <a:latin typeface="Arial"/>
-              </a:rPr>
-              <a:t> </a:t>
-            </a:r>
-            <a:r>
-              <a:rPr b="0" lang="en-US" sz="3600" strike="noStrike" u="none">
-                <a:solidFill>
-                  <a:srgbClr val="000000"/>
-                </a:solidFill>
-                <a:effectLst/>
-                <a:uFillTx/>
-                <a:latin typeface="Arial"/>
-              </a:rPr>
-              <a:t>t</a:t>
-            </a:r>
-            <a:r>
-              <a:rPr b="0" lang="en-US" sz="3600" strike="noStrike" u="none">
-                <a:solidFill>
-                  <a:srgbClr val="000000"/>
-                </a:solidFill>
-                <a:effectLst/>
-                <a:uFillTx/>
-                <a:latin typeface="Arial"/>
-              </a:rPr>
-              <a:t>e</a:t>
-            </a:r>
-            <a:r>
-              <a:rPr b="0" lang="en-US" sz="3600" strike="noStrike" u="none">
-                <a:solidFill>
-                  <a:srgbClr val="000000"/>
-                </a:solidFill>
-                <a:effectLst/>
-                <a:uFillTx/>
-                <a:latin typeface="Arial"/>
-              </a:rPr>
-              <a:t>x</a:t>
-            </a:r>
-            <a:r>
-              <a:rPr b="0" lang="en-US" sz="3600" strike="noStrike" u="none">
-                <a:solidFill>
-                  <a:srgbClr val="000000"/>
-                </a:solidFill>
-                <a:effectLst/>
-                <a:uFillTx/>
-                <a:latin typeface="Arial"/>
-              </a:rPr>
-              <a:t>t</a:t>
-            </a:r>
-            <a:r>
-              <a:rPr b="0" lang="en-US" sz="3600" strike="noStrike" u="none">
-                <a:solidFill>
-                  <a:srgbClr val="000000"/>
-                </a:solidFill>
-                <a:effectLst/>
-                <a:uFillTx/>
-                <a:latin typeface="Arial"/>
-              </a:rPr>
-              <a:t> </a:t>
-            </a:r>
-            <a:r>
-              <a:rPr b="0" lang="en-US" sz="3600" strike="noStrike" u="none">
-                <a:solidFill>
-                  <a:srgbClr val="000000"/>
-                </a:solidFill>
-                <a:effectLst/>
-                <a:uFillTx/>
-                <a:latin typeface="Arial"/>
-              </a:rPr>
-              <a:t>f</a:t>
-            </a:r>
-            <a:r>
-              <a:rPr b="0" lang="en-US" sz="3600" strike="noStrike" u="none">
-                <a:solidFill>
-                  <a:srgbClr val="000000"/>
-                </a:solidFill>
-                <a:effectLst/>
-                <a:uFillTx/>
-                <a:latin typeface="Arial"/>
-              </a:rPr>
-              <a:t>o</a:t>
-            </a:r>
-            <a:r>
-              <a:rPr b="0" lang="en-US" sz="3600" strike="noStrike" u="none">
-                <a:solidFill>
-                  <a:srgbClr val="000000"/>
-                </a:solidFill>
-                <a:effectLst/>
-                <a:uFillTx/>
-                <a:latin typeface="Arial"/>
-              </a:rPr>
-              <a:t>r</a:t>
-            </a:r>
-            <a:r>
-              <a:rPr b="0" lang="en-US" sz="3600" strike="noStrike" u="none">
-                <a:solidFill>
-                  <a:srgbClr val="000000"/>
-                </a:solidFill>
-                <a:effectLst/>
-                <a:uFillTx/>
-                <a:latin typeface="Arial"/>
-              </a:rPr>
-              <a:t>m</a:t>
-            </a:r>
-            <a:r>
-              <a:rPr b="0" lang="en-US" sz="3600" strike="noStrike" u="none">
-                <a:solidFill>
-                  <a:srgbClr val="000000"/>
-                </a:solidFill>
-                <a:effectLst/>
-                <a:uFillTx/>
-                <a:latin typeface="Arial"/>
-              </a:rPr>
-              <a:t>a</a:t>
-            </a:r>
-            <a:r>
-              <a:rPr b="0" lang="en-US" sz="3600" strike="noStrike" u="none">
-                <a:solidFill>
-                  <a:srgbClr val="000000"/>
-                </a:solidFill>
-                <a:effectLst/>
-                <a:uFillTx/>
-                <a:latin typeface="Arial"/>
-              </a:rPr>
-              <a:t>t</a:t>
-            </a:r>
-            <a:endParaRPr b="0" lang="en-US" sz="3600" strike="noStrike" u="none">
-              <a:solidFill>
-                <a:srgbClr val="000000"/>
-              </a:solidFill>
-              <a:effectLst/>
-              <a:uFillTx/>
-              <a:latin typeface="Arial"/>
-            </a:endParaRPr>
-          </a:p>
-        </p:txBody>
-      </p:sp>
-      <p:sp>
-        <p:nvSpPr>
-          <p:cNvPr id="10" name="PlaceHolder 2"/>
-          <p:cNvSpPr>
-            <a:spLocks noGrp="1"/>
-          </p:cNvSpPr>
-          <p:nvPr>
-            <p:ph type="sldNum" idx="4"/>
-          </p:nvPr>
-        </p:nvSpPr>
-        <p:spPr>
-          <a:xfrm>
-            <a:off x="8472600" y="4663080"/>
-            <a:ext cx="548280" cy="393120"/>
-          </a:xfrm>
-          <a:prstGeom prst="rect">
-            <a:avLst/>
-          </a:prstGeom>
-          <a:noFill/>
-          <a:ln w="0">
-            <a:noFill/>
-          </a:ln>
-        </p:spPr>
-        <p:txBody>
-          <a:bodyPr lIns="91440" rIns="91440" tIns="91440" bIns="91440" anchor="ctr">
-            <a:normAutofit/>
+            <a:noAutofit/>
           </a:bodyPr>
           <a:lstStyle>
             <a:lvl1pPr indent="0" algn="r">
@@ -3217,7 +2265,7 @@
                 <a:tab algn="l" pos="0"/>
               </a:tabLst>
             </a:pPr>
-            <a:fld id="{C5B8CF0A-4F28-4C10-94FC-95EEC7B06208}" type="slidenum">
+            <a:fld id="{558E2830-0FB1-4AFC-A389-FFFFA6B54607}" type="slidenum">
               <a:rPr b="0" lang="en" sz="1000" strike="noStrike" u="none">
                 <a:solidFill>
                   <a:schemeClr val="dk2"/>
@@ -3227,7 +2275,7 @@
                 <a:latin typeface="Arial"/>
                 <a:ea typeface="Arial"/>
               </a:rPr>
-              <a:t>&lt;number&gt;</a:t>
+              <a:t>1</a:t>
             </a:fld>
             <a:endParaRPr b="0" lang="en-US" sz="1000" strike="noStrike" u="none">
               <a:solidFill>
@@ -3244,7 +2292,7 @@
   </p:cSld>
   <p:clrMap bg1="lt1" tx1="dk1" bg2="dk2" tx2="lt2" accent1="accent1" accent2="accent2" accent3="accent3" accent4="accent4" accent5="accent5" accent6="accent6" hlink="hlink" folHlink="folHlink"/>
   <p:sldLayoutIdLst>
-    <p:sldLayoutId id="2147483655" r:id="rId2"/>
+    <p:sldLayoutId id="2147483659" r:id="rId2"/>
   </p:sldLayoutIdLst>
 </p:sldMaster>
 </file>
@@ -3275,7 +2323,7 @@
       </p:grpSpPr>
       <p:sp>
         <p:nvSpPr>
-          <p:cNvPr id="11" name="PlaceHolder 1"/>
+          <p:cNvPr id="14" name="PlaceHolder 1"/>
           <p:cNvSpPr>
             <a:spLocks noGrp="1"/>
           </p:cNvSpPr>
@@ -3285,8 +2333,8 @@
         </p:nvSpPr>
         <p:spPr>
           <a:xfrm>
-            <a:off x="311760" y="444960"/>
-            <a:ext cx="8520120" cy="572400"/>
+            <a:off x="311760" y="1632960"/>
+            <a:ext cx="8519760" cy="274680"/>
           </a:xfrm>
           <a:prstGeom prst="rect">
             <a:avLst/>
@@ -3297,15 +2345,15 @@
           </a:ln>
         </p:spPr>
         <p:txBody>
-          <a:bodyPr lIns="91440" rIns="91440" tIns="91440" bIns="91440" anchor="t">
-            <a:normAutofit lnSpcReduction="9999"/>
+          <a:bodyPr lIns="0" rIns="0" tIns="0" bIns="0" anchor="ctr">
+            <a:spAutoFit/>
           </a:bodyPr>
           <a:p>
             <a:pPr indent="0">
               <a:buNone/>
             </a:pPr>
             <a:r>
-              <a:rPr b="0" lang="en-US" sz="2800" strike="noStrike" u="none">
+              <a:rPr b="0" lang="en-US" sz="1800" strike="noStrike" u="none">
                 <a:solidFill>
                   <a:srgbClr val="000000"/>
                 </a:solidFill>
@@ -3313,383 +2361,9 @@
                 <a:uFillTx/>
                 <a:latin typeface="Arial"/>
               </a:rPr>
-              <a:t>C</a:t>
+              <a:t>Click to edit the title text format</a:t>
             </a:r>
-            <a:r>
-              <a:rPr b="0" lang="en-US" sz="2800" strike="noStrike" u="none">
-                <a:solidFill>
-                  <a:srgbClr val="000000"/>
-                </a:solidFill>
-                <a:effectLst/>
-                <a:uFillTx/>
-                <a:latin typeface="Arial"/>
-              </a:rPr>
-              <a:t>l</a:t>
-            </a:r>
-            <a:r>
-              <a:rPr b="0" lang="en-US" sz="2800" strike="noStrike" u="none">
-                <a:solidFill>
-                  <a:srgbClr val="000000"/>
-                </a:solidFill>
-                <a:effectLst/>
-                <a:uFillTx/>
-                <a:latin typeface="Arial"/>
-              </a:rPr>
-              <a:t>i</a:t>
-            </a:r>
-            <a:r>
-              <a:rPr b="0" lang="en-US" sz="2800" strike="noStrike" u="none">
-                <a:solidFill>
-                  <a:srgbClr val="000000"/>
-                </a:solidFill>
-                <a:effectLst/>
-                <a:uFillTx/>
-                <a:latin typeface="Arial"/>
-              </a:rPr>
-              <a:t>c</a:t>
-            </a:r>
-            <a:r>
-              <a:rPr b="0" lang="en-US" sz="2800" strike="noStrike" u="none">
-                <a:solidFill>
-                  <a:srgbClr val="000000"/>
-                </a:solidFill>
-                <a:effectLst/>
-                <a:uFillTx/>
-                <a:latin typeface="Arial"/>
-              </a:rPr>
-              <a:t>k</a:t>
-            </a:r>
-            <a:r>
-              <a:rPr b="0" lang="en-US" sz="2800" strike="noStrike" u="none">
-                <a:solidFill>
-                  <a:srgbClr val="000000"/>
-                </a:solidFill>
-                <a:effectLst/>
-                <a:uFillTx/>
-                <a:latin typeface="Arial"/>
-              </a:rPr>
-              <a:t> </a:t>
-            </a:r>
-            <a:r>
-              <a:rPr b="0" lang="en-US" sz="2800" strike="noStrike" u="none">
-                <a:solidFill>
-                  <a:srgbClr val="000000"/>
-                </a:solidFill>
-                <a:effectLst/>
-                <a:uFillTx/>
-                <a:latin typeface="Arial"/>
-              </a:rPr>
-              <a:t>t</a:t>
-            </a:r>
-            <a:r>
-              <a:rPr b="0" lang="en-US" sz="2800" strike="noStrike" u="none">
-                <a:solidFill>
-                  <a:srgbClr val="000000"/>
-                </a:solidFill>
-                <a:effectLst/>
-                <a:uFillTx/>
-                <a:latin typeface="Arial"/>
-              </a:rPr>
-              <a:t>o</a:t>
-            </a:r>
-            <a:r>
-              <a:rPr b="0" lang="en-US" sz="2800" strike="noStrike" u="none">
-                <a:solidFill>
-                  <a:srgbClr val="000000"/>
-                </a:solidFill>
-                <a:effectLst/>
-                <a:uFillTx/>
-                <a:latin typeface="Arial"/>
-              </a:rPr>
-              <a:t> </a:t>
-            </a:r>
-            <a:r>
-              <a:rPr b="0" lang="en-US" sz="2800" strike="noStrike" u="none">
-                <a:solidFill>
-                  <a:srgbClr val="000000"/>
-                </a:solidFill>
-                <a:effectLst/>
-                <a:uFillTx/>
-                <a:latin typeface="Arial"/>
-              </a:rPr>
-              <a:t>e</a:t>
-            </a:r>
-            <a:r>
-              <a:rPr b="0" lang="en-US" sz="2800" strike="noStrike" u="none">
-                <a:solidFill>
-                  <a:srgbClr val="000000"/>
-                </a:solidFill>
-                <a:effectLst/>
-                <a:uFillTx/>
-                <a:latin typeface="Arial"/>
-              </a:rPr>
-              <a:t>d</a:t>
-            </a:r>
-            <a:r>
-              <a:rPr b="0" lang="en-US" sz="2800" strike="noStrike" u="none">
-                <a:solidFill>
-                  <a:srgbClr val="000000"/>
-                </a:solidFill>
-                <a:effectLst/>
-                <a:uFillTx/>
-                <a:latin typeface="Arial"/>
-              </a:rPr>
-              <a:t>i</a:t>
-            </a:r>
-            <a:r>
-              <a:rPr b="0" lang="en-US" sz="2800" strike="noStrike" u="none">
-                <a:solidFill>
-                  <a:srgbClr val="000000"/>
-                </a:solidFill>
-                <a:effectLst/>
-                <a:uFillTx/>
-                <a:latin typeface="Arial"/>
-              </a:rPr>
-              <a:t>t</a:t>
-            </a:r>
-            <a:r>
-              <a:rPr b="0" lang="en-US" sz="2800" strike="noStrike" u="none">
-                <a:solidFill>
-                  <a:srgbClr val="000000"/>
-                </a:solidFill>
-                <a:effectLst/>
-                <a:uFillTx/>
-                <a:latin typeface="Arial"/>
-              </a:rPr>
-              <a:t> </a:t>
-            </a:r>
-            <a:r>
-              <a:rPr b="0" lang="en-US" sz="2800" strike="noStrike" u="none">
-                <a:solidFill>
-                  <a:srgbClr val="000000"/>
-                </a:solidFill>
-                <a:effectLst/>
-                <a:uFillTx/>
-                <a:latin typeface="Arial"/>
-              </a:rPr>
-              <a:t>t</a:t>
-            </a:r>
-            <a:r>
-              <a:rPr b="0" lang="en-US" sz="2800" strike="noStrike" u="none">
-                <a:solidFill>
-                  <a:srgbClr val="000000"/>
-                </a:solidFill>
-                <a:effectLst/>
-                <a:uFillTx/>
-                <a:latin typeface="Arial"/>
-              </a:rPr>
-              <a:t>h</a:t>
-            </a:r>
-            <a:r>
-              <a:rPr b="0" lang="en-US" sz="2800" strike="noStrike" u="none">
-                <a:solidFill>
-                  <a:srgbClr val="000000"/>
-                </a:solidFill>
-                <a:effectLst/>
-                <a:uFillTx/>
-                <a:latin typeface="Arial"/>
-              </a:rPr>
-              <a:t>e</a:t>
-            </a:r>
-            <a:r>
-              <a:rPr b="0" lang="en-US" sz="2800" strike="noStrike" u="none">
-                <a:solidFill>
-                  <a:srgbClr val="000000"/>
-                </a:solidFill>
-                <a:effectLst/>
-                <a:uFillTx/>
-                <a:latin typeface="Arial"/>
-              </a:rPr>
-              <a:t> </a:t>
-            </a:r>
-            <a:r>
-              <a:rPr b="0" lang="en-US" sz="2800" strike="noStrike" u="none">
-                <a:solidFill>
-                  <a:srgbClr val="000000"/>
-                </a:solidFill>
-                <a:effectLst/>
-                <a:uFillTx/>
-                <a:latin typeface="Arial"/>
-              </a:rPr>
-              <a:t>t</a:t>
-            </a:r>
-            <a:r>
-              <a:rPr b="0" lang="en-US" sz="2800" strike="noStrike" u="none">
-                <a:solidFill>
-                  <a:srgbClr val="000000"/>
-                </a:solidFill>
-                <a:effectLst/>
-                <a:uFillTx/>
-                <a:latin typeface="Arial"/>
-              </a:rPr>
-              <a:t>i</a:t>
-            </a:r>
-            <a:r>
-              <a:rPr b="0" lang="en-US" sz="2800" strike="noStrike" u="none">
-                <a:solidFill>
-                  <a:srgbClr val="000000"/>
-                </a:solidFill>
-                <a:effectLst/>
-                <a:uFillTx/>
-                <a:latin typeface="Arial"/>
-              </a:rPr>
-              <a:t>t</a:t>
-            </a:r>
-            <a:r>
-              <a:rPr b="0" lang="en-US" sz="2800" strike="noStrike" u="none">
-                <a:solidFill>
-                  <a:srgbClr val="000000"/>
-                </a:solidFill>
-                <a:effectLst/>
-                <a:uFillTx/>
-                <a:latin typeface="Arial"/>
-              </a:rPr>
-              <a:t>l</a:t>
-            </a:r>
-            <a:r>
-              <a:rPr b="0" lang="en-US" sz="2800" strike="noStrike" u="none">
-                <a:solidFill>
-                  <a:srgbClr val="000000"/>
-                </a:solidFill>
-                <a:effectLst/>
-                <a:uFillTx/>
-                <a:latin typeface="Arial"/>
-              </a:rPr>
-              <a:t>e</a:t>
-            </a:r>
-            <a:r>
-              <a:rPr b="0" lang="en-US" sz="2800" strike="noStrike" u="none">
-                <a:solidFill>
-                  <a:srgbClr val="000000"/>
-                </a:solidFill>
-                <a:effectLst/>
-                <a:uFillTx/>
-                <a:latin typeface="Arial"/>
-              </a:rPr>
-              <a:t> </a:t>
-            </a:r>
-            <a:r>
-              <a:rPr b="0" lang="en-US" sz="2800" strike="noStrike" u="none">
-                <a:solidFill>
-                  <a:srgbClr val="000000"/>
-                </a:solidFill>
-                <a:effectLst/>
-                <a:uFillTx/>
-                <a:latin typeface="Arial"/>
-              </a:rPr>
-              <a:t>t</a:t>
-            </a:r>
-            <a:r>
-              <a:rPr b="0" lang="en-US" sz="2800" strike="noStrike" u="none">
-                <a:solidFill>
-                  <a:srgbClr val="000000"/>
-                </a:solidFill>
-                <a:effectLst/>
-                <a:uFillTx/>
-                <a:latin typeface="Arial"/>
-              </a:rPr>
-              <a:t>e</a:t>
-            </a:r>
-            <a:r>
-              <a:rPr b="0" lang="en-US" sz="2800" strike="noStrike" u="none">
-                <a:solidFill>
-                  <a:srgbClr val="000000"/>
-                </a:solidFill>
-                <a:effectLst/>
-                <a:uFillTx/>
-                <a:latin typeface="Arial"/>
-              </a:rPr>
-              <a:t>x</a:t>
-            </a:r>
-            <a:r>
-              <a:rPr b="0" lang="en-US" sz="2800" strike="noStrike" u="none">
-                <a:solidFill>
-                  <a:srgbClr val="000000"/>
-                </a:solidFill>
-                <a:effectLst/>
-                <a:uFillTx/>
-                <a:latin typeface="Arial"/>
-              </a:rPr>
-              <a:t>t</a:t>
-            </a:r>
-            <a:r>
-              <a:rPr b="0" lang="en-US" sz="2800" strike="noStrike" u="none">
-                <a:solidFill>
-                  <a:srgbClr val="000000"/>
-                </a:solidFill>
-                <a:effectLst/>
-                <a:uFillTx/>
-                <a:latin typeface="Arial"/>
-              </a:rPr>
-              <a:t> </a:t>
-            </a:r>
-            <a:r>
-              <a:rPr b="0" lang="en-US" sz="2800" strike="noStrike" u="none">
-                <a:solidFill>
-                  <a:srgbClr val="000000"/>
-                </a:solidFill>
-                <a:effectLst/>
-                <a:uFillTx/>
-                <a:latin typeface="Arial"/>
-              </a:rPr>
-              <a:t>f</a:t>
-            </a:r>
-            <a:r>
-              <a:rPr b="0" lang="en-US" sz="2800" strike="noStrike" u="none">
-                <a:solidFill>
-                  <a:srgbClr val="000000"/>
-                </a:solidFill>
-                <a:effectLst/>
-                <a:uFillTx/>
-                <a:latin typeface="Arial"/>
-              </a:rPr>
-              <a:t>o</a:t>
-            </a:r>
-            <a:r>
-              <a:rPr b="0" lang="en-US" sz="2800" strike="noStrike" u="none">
-                <a:solidFill>
-                  <a:srgbClr val="000000"/>
-                </a:solidFill>
-                <a:effectLst/>
-                <a:uFillTx/>
-                <a:latin typeface="Arial"/>
-              </a:rPr>
-              <a:t>r</a:t>
-            </a:r>
-            <a:r>
-              <a:rPr b="0" lang="en-US" sz="2800" strike="noStrike" u="none">
-                <a:solidFill>
-                  <a:srgbClr val="000000"/>
-                </a:solidFill>
-                <a:effectLst/>
-                <a:uFillTx/>
-                <a:latin typeface="Arial"/>
-              </a:rPr>
-              <a:t>m</a:t>
-            </a:r>
-            <a:r>
-              <a:rPr b="0" lang="en-US" sz="2800" strike="noStrike" u="none">
-                <a:solidFill>
-                  <a:srgbClr val="000000"/>
-                </a:solidFill>
-                <a:effectLst/>
-                <a:uFillTx/>
-                <a:latin typeface="Arial"/>
-              </a:rPr>
-              <a:t>a</a:t>
-            </a:r>
-            <a:r>
-              <a:rPr b="0" lang="en-US" sz="2800" strike="noStrike" u="none">
-                <a:solidFill>
-                  <a:srgbClr val="000000"/>
-                </a:solidFill>
-                <a:effectLst/>
-                <a:uFillTx/>
-                <a:latin typeface="Arial"/>
-              </a:rPr>
-              <a:t>t</a:t>
-            </a:r>
-            <a:endParaRPr b="0" lang="en-US" sz="2800" strike="noStrike" u="none">
+            <a:endParaRPr b="0" lang="en-US" sz="1800" strike="noStrike" u="none">
               <a:solidFill>
                 <a:srgbClr val="000000"/>
               </a:solidFill>
@@ -3702,7 +2376,7 @@
       </p:sp>
       <p:sp>
         <p:nvSpPr>
-          <p:cNvPr id="12" name="PlaceHolder 2"/>
+          <p:cNvPr id="15" name="PlaceHolder 2"/>
           <p:cNvSpPr>
             <a:spLocks noGrp="1"/>
           </p:cNvSpPr>
@@ -3712,8 +2386,8 @@
         </p:nvSpPr>
         <p:spPr>
           <a:xfrm>
-            <a:off x="311760" y="1152360"/>
-            <a:ext cx="8520120" cy="3416040"/>
+            <a:off x="457200" y="1203480"/>
+            <a:ext cx="8228880" cy="2982600"/>
           </a:xfrm>
           <a:prstGeom prst="rect">
             <a:avLst/>
@@ -3724,7 +2398,7 @@
           </a:ln>
         </p:spPr>
         <p:txBody>
-          <a:bodyPr lIns="91440" rIns="91440" tIns="91440" bIns="91440" anchor="t">
+          <a:bodyPr lIns="0" rIns="0" tIns="0" bIns="0" anchor="t">
             <a:normAutofit/>
           </a:bodyPr>
           <a:p>
@@ -3778,7 +2452,7 @@
                 </a:solidFill>
                 <a:effectLst/>
                 <a:uFillTx/>
-                <a:latin typeface="Arial"/>
+                <a:latin typeface="Times New Roman"/>
               </a:rPr>
               <a:t>Second Outline Level</a:t>
             </a:r>
@@ -3788,7 +2462,7 @@
               </a:solidFill>
               <a:effectLst/>
               <a:uFillTx/>
-              <a:latin typeface="Arial"/>
+              <a:latin typeface="Times New Roman"/>
             </a:endParaRPr>
           </a:p>
           <a:p>
@@ -3810,7 +2484,7 @@
                 </a:solidFill>
                 <a:effectLst/>
                 <a:uFillTx/>
-                <a:latin typeface="Arial"/>
+                <a:latin typeface="Times New Roman"/>
               </a:rPr>
               <a:t>Third Outline Level</a:t>
             </a:r>
@@ -3820,7 +2494,7 @@
               </a:solidFill>
               <a:effectLst/>
               <a:uFillTx/>
-              <a:latin typeface="Arial"/>
+              <a:latin typeface="Times New Roman"/>
             </a:endParaRPr>
           </a:p>
           <a:p>
@@ -3842,7 +2516,7 @@
                 </a:solidFill>
                 <a:effectLst/>
                 <a:uFillTx/>
-                <a:latin typeface="Arial"/>
+                <a:latin typeface="Times New Roman"/>
               </a:rPr>
               <a:t>Fourth Outline Level</a:t>
             </a:r>
@@ -3852,7 +2526,7 @@
               </a:solidFill>
               <a:effectLst/>
               <a:uFillTx/>
-              <a:latin typeface="Arial"/>
+              <a:latin typeface="Times New Roman"/>
             </a:endParaRPr>
           </a:p>
           <a:p>
@@ -3955,7 +2629,7 @@
       </p:sp>
       <p:sp>
         <p:nvSpPr>
-          <p:cNvPr id="13" name="PlaceHolder 3"/>
+          <p:cNvPr id="16" name="PlaceHolder 3"/>
           <p:cNvSpPr>
             <a:spLocks noGrp="1"/>
           </p:cNvSpPr>
@@ -3966,7 +2640,7 @@
         <p:spPr>
           <a:xfrm>
             <a:off x="8472600" y="4663080"/>
-            <a:ext cx="548280" cy="393120"/>
+            <a:ext cx="547920" cy="392760"/>
           </a:xfrm>
           <a:prstGeom prst="rect">
             <a:avLst/>
@@ -3978,7 +2652,7 @@
         </p:spPr>
         <p:txBody>
           <a:bodyPr lIns="91440" rIns="91440" tIns="91440" bIns="91440" anchor="ctr">
-            <a:normAutofit/>
+            <a:noAutofit/>
           </a:bodyPr>
           <a:lstStyle>
             <a:lvl1pPr indent="0" algn="r">
@@ -4010,7 +2684,7 @@
                 <a:tab algn="l" pos="0"/>
               </a:tabLst>
             </a:pPr>
-            <a:fld id="{0DF07E27-390A-45C4-86E8-7907E1C27F91}" type="slidenum">
+            <a:fld id="{57949C11-BE23-4322-A178-799E14B94A91}" type="slidenum">
               <a:rPr b="0" lang="en" sz="1000" strike="noStrike" u="none">
                 <a:solidFill>
                   <a:schemeClr val="dk2"/>
@@ -4037,7 +2711,7 @@
   </p:cSld>
   <p:clrMap bg1="lt1" tx1="dk1" bg2="dk2" tx2="lt2" accent1="accent1" accent2="accent2" accent3="accent3" accent4="accent4" accent5="accent5" accent6="accent6" hlink="hlink" folHlink="folHlink"/>
   <p:sldLayoutIdLst>
-    <p:sldLayoutId id="2147483657" r:id="rId2"/>
+    <p:sldLayoutId id="2147483661" r:id="rId2"/>
   </p:sldLayoutIdLst>
 </p:sldMaster>
 </file>
@@ -4068,7 +2742,7 @@
       </p:grpSpPr>
       <p:sp>
         <p:nvSpPr>
-          <p:cNvPr id="16" name="PlaceHolder 1"/>
+          <p:cNvPr id="19" name="PlaceHolder 1"/>
           <p:cNvSpPr>
             <a:spLocks noGrp="1"/>
           </p:cNvSpPr>
@@ -4078,8 +2752,8 @@
         </p:nvSpPr>
         <p:spPr>
           <a:xfrm>
-            <a:off x="311760" y="444960"/>
-            <a:ext cx="8520120" cy="572400"/>
+            <a:off x="311760" y="1632960"/>
+            <a:ext cx="8519760" cy="274680"/>
           </a:xfrm>
           <a:prstGeom prst="rect">
             <a:avLst/>
@@ -4090,15 +2764,15 @@
           </a:ln>
         </p:spPr>
         <p:txBody>
-          <a:bodyPr lIns="91440" rIns="91440" tIns="91440" bIns="91440" anchor="t">
-            <a:normAutofit lnSpcReduction="9999"/>
+          <a:bodyPr lIns="0" rIns="0" tIns="0" bIns="0" anchor="ctr">
+            <a:spAutoFit/>
           </a:bodyPr>
           <a:p>
             <a:pPr indent="0">
               <a:buNone/>
             </a:pPr>
             <a:r>
-              <a:rPr b="0" lang="en-US" sz="2800" strike="noStrike" u="none">
+              <a:rPr b="0" lang="en-US" sz="1800" strike="noStrike" u="none">
                 <a:solidFill>
                   <a:srgbClr val="000000"/>
                 </a:solidFill>
@@ -4106,20 +2780,9 @@
                 <a:uFillTx/>
                 <a:latin typeface="Arial"/>
               </a:rPr>
-              <a:t>Click to edit the </a:t>
+              <a:t>Click to edit the title text format</a:t>
             </a:r>
-            <a:r>
-              <a:rPr b="0" lang="en-US" sz="2800" strike="noStrike" u="none">
-                <a:solidFill>
-                  <a:srgbClr val="000000"/>
-                </a:solidFill>
-                <a:effectLst/>
-                <a:uFillTx/>
-                <a:latin typeface="Arial"/>
-              </a:rPr>
-              <a:t>title text format</a:t>
-            </a:r>
-            <a:endParaRPr b="0" lang="en-US" sz="2800" strike="noStrike" u="none">
+            <a:endParaRPr b="0" lang="en-US" sz="1800" strike="noStrike" u="none">
               <a:solidFill>
                 <a:srgbClr val="000000"/>
               </a:solidFill>
@@ -4132,7 +2795,7 @@
       </p:sp>
       <p:sp>
         <p:nvSpPr>
-          <p:cNvPr id="17" name="PlaceHolder 2"/>
+          <p:cNvPr id="20" name="PlaceHolder 2"/>
           <p:cNvSpPr>
             <a:spLocks noGrp="1"/>
           </p:cNvSpPr>
@@ -4142,8 +2805,8 @@
         </p:nvSpPr>
         <p:spPr>
           <a:xfrm>
-            <a:off x="311760" y="1152360"/>
-            <a:ext cx="3999600" cy="3416040"/>
+            <a:off x="457200" y="1203480"/>
+            <a:ext cx="4015440" cy="2982600"/>
           </a:xfrm>
           <a:prstGeom prst="rect">
             <a:avLst/>
@@ -4154,7 +2817,7 @@
           </a:ln>
         </p:spPr>
         <p:txBody>
-          <a:bodyPr lIns="91440" rIns="91440" tIns="91440" bIns="91440" anchor="t">
+          <a:bodyPr lIns="0" rIns="0" tIns="0" bIns="0" anchor="t">
             <a:normAutofit/>
           </a:bodyPr>
           <a:p>
@@ -4170,7 +2833,7 @@
               <a:buChar char=""/>
             </a:pPr>
             <a:r>
-              <a:rPr b="0" lang="en-US" sz="1400" strike="noStrike" u="none">
+              <a:rPr b="0" lang="en-US" sz="1800" strike="noStrike" u="none">
                 <a:solidFill>
                   <a:srgbClr val="000000"/>
                 </a:solidFill>
@@ -4180,7 +2843,7 @@
               </a:rPr>
               <a:t>Click to edit the outline text format</a:t>
             </a:r>
-            <a:endParaRPr b="0" lang="en-US" sz="1400" strike="noStrike" u="none">
+            <a:endParaRPr b="0" lang="en-US" sz="1800" strike="noStrike" u="none">
               <a:solidFill>
                 <a:srgbClr val="000000"/>
               </a:solidFill>
@@ -4202,23 +2865,23 @@
               <a:buChar char=""/>
             </a:pPr>
             <a:r>
-              <a:rPr b="0" lang="en-US" sz="1400" strike="noStrike" u="none">
+              <a:rPr b="0" lang="en-US" sz="1800" strike="noStrike" u="none">
                 <a:solidFill>
                   <a:srgbClr val="000000"/>
                 </a:solidFill>
                 <a:effectLst/>
                 <a:uFillTx/>
-                <a:latin typeface="Arial"/>
+                <a:latin typeface="Times New Roman"/>
               </a:rPr>
               <a:t>Second Outline Level</a:t>
             </a:r>
-            <a:endParaRPr b="0" lang="en-US" sz="1400" strike="noStrike" u="none">
-              <a:solidFill>
-                <a:srgbClr val="000000"/>
-              </a:solidFill>
-              <a:effectLst/>
-              <a:uFillTx/>
-              <a:latin typeface="Arial"/>
+            <a:endParaRPr b="0" lang="en-US" sz="1800" strike="noStrike" u="none">
+              <a:solidFill>
+                <a:srgbClr val="000000"/>
+              </a:solidFill>
+              <a:effectLst/>
+              <a:uFillTx/>
+              <a:latin typeface="Times New Roman"/>
             </a:endParaRPr>
           </a:p>
           <a:p>
@@ -4234,23 +2897,23 @@
               <a:buChar char=""/>
             </a:pPr>
             <a:r>
-              <a:rPr b="0" lang="en-US" sz="1400" strike="noStrike" u="none">
+              <a:rPr b="0" lang="en-US" sz="1800" strike="noStrike" u="none">
                 <a:solidFill>
                   <a:srgbClr val="000000"/>
                 </a:solidFill>
                 <a:effectLst/>
                 <a:uFillTx/>
-                <a:latin typeface="Arial"/>
+                <a:latin typeface="Times New Roman"/>
               </a:rPr>
               <a:t>Third Outline Level</a:t>
             </a:r>
-            <a:endParaRPr b="0" lang="en-US" sz="1400" strike="noStrike" u="none">
-              <a:solidFill>
-                <a:srgbClr val="000000"/>
-              </a:solidFill>
-              <a:effectLst/>
-              <a:uFillTx/>
-              <a:latin typeface="Arial"/>
+            <a:endParaRPr b="0" lang="en-US" sz="1800" strike="noStrike" u="none">
+              <a:solidFill>
+                <a:srgbClr val="000000"/>
+              </a:solidFill>
+              <a:effectLst/>
+              <a:uFillTx/>
+              <a:latin typeface="Times New Roman"/>
             </a:endParaRPr>
           </a:p>
           <a:p>
@@ -4266,23 +2929,23 @@
               <a:buChar char=""/>
             </a:pPr>
             <a:r>
-              <a:rPr b="0" lang="en-US" sz="1400" strike="noStrike" u="none">
+              <a:rPr b="0" lang="en-US" sz="1800" strike="noStrike" u="none">
                 <a:solidFill>
                   <a:srgbClr val="000000"/>
                 </a:solidFill>
                 <a:effectLst/>
                 <a:uFillTx/>
-                <a:latin typeface="Arial"/>
+                <a:latin typeface="Times New Roman"/>
               </a:rPr>
               <a:t>Fourth Outline Level</a:t>
             </a:r>
-            <a:endParaRPr b="0" lang="en-US" sz="1400" strike="noStrike" u="none">
-              <a:solidFill>
-                <a:srgbClr val="000000"/>
-              </a:solidFill>
-              <a:effectLst/>
-              <a:uFillTx/>
-              <a:latin typeface="Arial"/>
+            <a:endParaRPr b="0" lang="en-US" sz="1800" strike="noStrike" u="none">
+              <a:solidFill>
+                <a:srgbClr val="000000"/>
+              </a:solidFill>
+              <a:effectLst/>
+              <a:uFillTx/>
+              <a:latin typeface="Times New Roman"/>
             </a:endParaRPr>
           </a:p>
           <a:p>
@@ -4298,7 +2961,7 @@
               <a:buChar char=""/>
             </a:pPr>
             <a:r>
-              <a:rPr b="0" lang="en-US" sz="1400" strike="noStrike" u="none">
+              <a:rPr b="0" lang="en-US" sz="1800" strike="noStrike" u="none">
                 <a:solidFill>
                   <a:srgbClr val="000000"/>
                 </a:solidFill>
@@ -4308,7 +2971,7 @@
               </a:rPr>
               <a:t>Fifth Outline Level</a:t>
             </a:r>
-            <a:endParaRPr b="0" lang="en-US" sz="1400" strike="noStrike" u="none">
+            <a:endParaRPr b="0" lang="en-US" sz="1800" strike="noStrike" u="none">
               <a:solidFill>
                 <a:srgbClr val="000000"/>
               </a:solidFill>
@@ -4330,7 +2993,7 @@
               <a:buChar char=""/>
             </a:pPr>
             <a:r>
-              <a:rPr b="0" lang="en-US" sz="1400" strike="noStrike" u="none">
+              <a:rPr b="0" lang="en-US" sz="1800" strike="noStrike" u="none">
                 <a:solidFill>
                   <a:srgbClr val="000000"/>
                 </a:solidFill>
@@ -4340,7 +3003,7 @@
               </a:rPr>
               <a:t>Sixth Outline Level</a:t>
             </a:r>
-            <a:endParaRPr b="0" lang="en-US" sz="1400" strike="noStrike" u="none">
+            <a:endParaRPr b="0" lang="en-US" sz="1800" strike="noStrike" u="none">
               <a:solidFill>
                 <a:srgbClr val="000000"/>
               </a:solidFill>
@@ -4362,7 +3025,7 @@
               <a:buChar char=""/>
             </a:pPr>
             <a:r>
-              <a:rPr b="0" lang="en-US" sz="1400" strike="noStrike" u="none">
+              <a:rPr b="0" lang="en-US" sz="1800" strike="noStrike" u="none">
                 <a:solidFill>
                   <a:srgbClr val="000000"/>
                 </a:solidFill>
@@ -4372,7 +3035,7 @@
               </a:rPr>
               <a:t>Seventh Outline Level</a:t>
             </a:r>
-            <a:endParaRPr b="0" lang="en-US" sz="1400" strike="noStrike" u="none">
+            <a:endParaRPr b="0" lang="en-US" sz="1800" strike="noStrike" u="none">
               <a:solidFill>
                 <a:srgbClr val="000000"/>
               </a:solidFill>
@@ -4385,7 +3048,7 @@
       </p:sp>
       <p:sp>
         <p:nvSpPr>
-          <p:cNvPr id="18" name="PlaceHolder 3"/>
+          <p:cNvPr id="21" name="PlaceHolder 3"/>
           <p:cNvSpPr>
             <a:spLocks noGrp="1"/>
           </p:cNvSpPr>
@@ -4395,8 +3058,8 @@
         </p:nvSpPr>
         <p:spPr>
           <a:xfrm>
-            <a:off x="4832280" y="1152360"/>
-            <a:ext cx="3999600" cy="3416040"/>
+            <a:off x="4674240" y="1203480"/>
+            <a:ext cx="4015440" cy="2982600"/>
           </a:xfrm>
           <a:prstGeom prst="rect">
             <a:avLst/>
@@ -4407,7 +3070,7 @@
           </a:ln>
         </p:spPr>
         <p:txBody>
-          <a:bodyPr lIns="91440" rIns="91440" tIns="91440" bIns="91440" anchor="t">
+          <a:bodyPr lIns="0" rIns="0" tIns="0" bIns="0" anchor="t">
             <a:normAutofit/>
           </a:bodyPr>
           <a:p>
@@ -4423,7 +3086,7 @@
               <a:buChar char=""/>
             </a:pPr>
             <a:r>
-              <a:rPr b="0" lang="en-US" sz="1400" strike="noStrike" u="none">
+              <a:rPr b="0" lang="en-US" sz="1800" strike="noStrike" u="none">
                 <a:solidFill>
                   <a:srgbClr val="000000"/>
                 </a:solidFill>
@@ -4433,7 +3096,7 @@
               </a:rPr>
               <a:t>Click to edit the outline text format</a:t>
             </a:r>
-            <a:endParaRPr b="0" lang="en-US" sz="1400" strike="noStrike" u="none">
+            <a:endParaRPr b="0" lang="en-US" sz="1800" strike="noStrike" u="none">
               <a:solidFill>
                 <a:srgbClr val="000000"/>
               </a:solidFill>
@@ -4455,23 +3118,23 @@
               <a:buChar char=""/>
             </a:pPr>
             <a:r>
-              <a:rPr b="0" lang="en-US" sz="1400" strike="noStrike" u="none">
+              <a:rPr b="0" lang="en-US" sz="1800" strike="noStrike" u="none">
                 <a:solidFill>
                   <a:srgbClr val="000000"/>
                 </a:solidFill>
                 <a:effectLst/>
                 <a:uFillTx/>
-                <a:latin typeface="Arial"/>
+                <a:latin typeface="Times New Roman"/>
               </a:rPr>
               <a:t>Second Outline Level</a:t>
             </a:r>
-            <a:endParaRPr b="0" lang="en-US" sz="1400" strike="noStrike" u="none">
-              <a:solidFill>
-                <a:srgbClr val="000000"/>
-              </a:solidFill>
-              <a:effectLst/>
-              <a:uFillTx/>
-              <a:latin typeface="Arial"/>
+            <a:endParaRPr b="0" lang="en-US" sz="1800" strike="noStrike" u="none">
+              <a:solidFill>
+                <a:srgbClr val="000000"/>
+              </a:solidFill>
+              <a:effectLst/>
+              <a:uFillTx/>
+              <a:latin typeface="Times New Roman"/>
             </a:endParaRPr>
           </a:p>
           <a:p>
@@ -4487,23 +3150,23 @@
               <a:buChar char=""/>
             </a:pPr>
             <a:r>
-              <a:rPr b="0" lang="en-US" sz="1400" strike="noStrike" u="none">
+              <a:rPr b="0" lang="en-US" sz="1800" strike="noStrike" u="none">
                 <a:solidFill>
                   <a:srgbClr val="000000"/>
                 </a:solidFill>
                 <a:effectLst/>
                 <a:uFillTx/>
-                <a:latin typeface="Arial"/>
+                <a:latin typeface="Times New Roman"/>
               </a:rPr>
               <a:t>Third Outline Level</a:t>
             </a:r>
-            <a:endParaRPr b="0" lang="en-US" sz="1400" strike="noStrike" u="none">
-              <a:solidFill>
-                <a:srgbClr val="000000"/>
-              </a:solidFill>
-              <a:effectLst/>
-              <a:uFillTx/>
-              <a:latin typeface="Arial"/>
+            <a:endParaRPr b="0" lang="en-US" sz="1800" strike="noStrike" u="none">
+              <a:solidFill>
+                <a:srgbClr val="000000"/>
+              </a:solidFill>
+              <a:effectLst/>
+              <a:uFillTx/>
+              <a:latin typeface="Times New Roman"/>
             </a:endParaRPr>
           </a:p>
           <a:p>
@@ -4519,23 +3182,23 @@
               <a:buChar char=""/>
             </a:pPr>
             <a:r>
-              <a:rPr b="0" lang="en-US" sz="1400" strike="noStrike" u="none">
+              <a:rPr b="0" lang="en-US" sz="1800" strike="noStrike" u="none">
                 <a:solidFill>
                   <a:srgbClr val="000000"/>
                 </a:solidFill>
                 <a:effectLst/>
                 <a:uFillTx/>
-                <a:latin typeface="Arial"/>
+                <a:latin typeface="Times New Roman"/>
               </a:rPr>
               <a:t>Fourth Outline Level</a:t>
             </a:r>
-            <a:endParaRPr b="0" lang="en-US" sz="1400" strike="noStrike" u="none">
-              <a:solidFill>
-                <a:srgbClr val="000000"/>
-              </a:solidFill>
-              <a:effectLst/>
-              <a:uFillTx/>
-              <a:latin typeface="Arial"/>
+            <a:endParaRPr b="0" lang="en-US" sz="1800" strike="noStrike" u="none">
+              <a:solidFill>
+                <a:srgbClr val="000000"/>
+              </a:solidFill>
+              <a:effectLst/>
+              <a:uFillTx/>
+              <a:latin typeface="Times New Roman"/>
             </a:endParaRPr>
           </a:p>
           <a:p>
@@ -4551,7 +3214,7 @@
               <a:buChar char=""/>
             </a:pPr>
             <a:r>
-              <a:rPr b="0" lang="en-US" sz="1400" strike="noStrike" u="none">
+              <a:rPr b="0" lang="en-US" sz="1800" strike="noStrike" u="none">
                 <a:solidFill>
                   <a:srgbClr val="000000"/>
                 </a:solidFill>
@@ -4561,7 +3224,7 @@
               </a:rPr>
               <a:t>Fifth Outline Level</a:t>
             </a:r>
-            <a:endParaRPr b="0" lang="en-US" sz="1400" strike="noStrike" u="none">
+            <a:endParaRPr b="0" lang="en-US" sz="1800" strike="noStrike" u="none">
               <a:solidFill>
                 <a:srgbClr val="000000"/>
               </a:solidFill>
@@ -4583,7 +3246,7 @@
               <a:buChar char=""/>
             </a:pPr>
             <a:r>
-              <a:rPr b="0" lang="en-US" sz="1400" strike="noStrike" u="none">
+              <a:rPr b="0" lang="en-US" sz="1800" strike="noStrike" u="none">
                 <a:solidFill>
                   <a:srgbClr val="000000"/>
                 </a:solidFill>
@@ -4593,7 +3256,7 @@
               </a:rPr>
               <a:t>Sixth Outline Level</a:t>
             </a:r>
-            <a:endParaRPr b="0" lang="en-US" sz="1400" strike="noStrike" u="none">
+            <a:endParaRPr b="0" lang="en-US" sz="1800" strike="noStrike" u="none">
               <a:solidFill>
                 <a:srgbClr val="000000"/>
               </a:solidFill>
@@ -4615,7 +3278,7 @@
               <a:buChar char=""/>
             </a:pPr>
             <a:r>
-              <a:rPr b="0" lang="en-US" sz="1400" strike="noStrike" u="none">
+              <a:rPr b="0" lang="en-US" sz="1800" strike="noStrike" u="none">
                 <a:solidFill>
                   <a:srgbClr val="000000"/>
                 </a:solidFill>
@@ -4625,7 +3288,7 @@
               </a:rPr>
               <a:t>Seventh Outline Level</a:t>
             </a:r>
-            <a:endParaRPr b="0" lang="en-US" sz="1400" strike="noStrike" u="none">
+            <a:endParaRPr b="0" lang="en-US" sz="1800" strike="noStrike" u="none">
               <a:solidFill>
                 <a:srgbClr val="000000"/>
               </a:solidFill>
@@ -4638,7 +3301,7 @@
       </p:sp>
       <p:sp>
         <p:nvSpPr>
-          <p:cNvPr id="19" name="PlaceHolder 4"/>
+          <p:cNvPr id="22" name="PlaceHolder 4"/>
           <p:cNvSpPr>
             <a:spLocks noGrp="1"/>
           </p:cNvSpPr>
@@ -4649,7 +3312,7 @@
         <p:spPr>
           <a:xfrm>
             <a:off x="8472600" y="4663080"/>
-            <a:ext cx="548280" cy="393120"/>
+            <a:ext cx="547920" cy="392760"/>
           </a:xfrm>
           <a:prstGeom prst="rect">
             <a:avLst/>
@@ -4661,7 +3324,7 @@
         </p:spPr>
         <p:txBody>
           <a:bodyPr lIns="91440" rIns="91440" tIns="91440" bIns="91440" anchor="ctr">
-            <a:normAutofit/>
+            <a:noAutofit/>
           </a:bodyPr>
           <a:lstStyle>
             <a:lvl1pPr indent="0" algn="r">
@@ -4693,7 +3356,7 @@
                 <a:tab algn="l" pos="0"/>
               </a:tabLst>
             </a:pPr>
-            <a:fld id="{1C73C892-942B-4671-B851-4AD03819BF33}" type="slidenum">
+            <a:fld id="{2BADA022-772D-4D5C-BA0D-43E241902ACC}" type="slidenum">
               <a:rPr b="0" lang="en" sz="1000" strike="noStrike" u="none">
                 <a:solidFill>
                   <a:schemeClr val="dk2"/>
@@ -4720,178 +3383,12 @@
   </p:cSld>
   <p:clrMap bg1="lt1" tx1="dk1" bg2="dk2" tx2="lt2" accent1="accent1" accent2="accent2" accent3="accent3" accent4="accent4" accent5="accent5" accent6="accent6" hlink="hlink" folHlink="folHlink"/>
   <p:sldLayoutIdLst>
-    <p:sldLayoutId id="2147483659" r:id="rId2"/>
+    <p:sldLayoutId id="2147483663" r:id="rId2"/>
   </p:sldLayoutIdLst>
 </p:sldMaster>
 </file>
 
 <file path=ppt/slideMasters/slideMaster7.xml><?xml version="1.0" encoding="utf-8"?>
-<p:sldMaster xmlns:a="http://schemas.openxmlformats.org/drawingml/2006/main" xmlns:p="http://schemas.openxmlformats.org/presentationml/2006/main" xmlns:r="http://schemas.openxmlformats.org/officeDocument/2006/relationships" xmlns:p14="http://schemas.microsoft.com/office/powerpoint/2010/main" xmlns:p15="http://schemas.microsoft.com/office/powerpoint/2012/main" xmlns:mc="http://schemas.openxmlformats.org/markup-compatibility/2006">
-  <p:cSld>
-    <p:bg>
-      <p:bgPr>
-        <a:solidFill>
-          <a:schemeClr val="lt1"/>
-        </a:solidFill>
-      </p:bgPr>
-    </p:bg>
-    <p:spTree>
-      <p:nvGrpSpPr>
-        <p:cNvPr id="1" name=""/>
-        <p:cNvGrpSpPr/>
-        <p:nvPr/>
-      </p:nvGrpSpPr>
-      <p:grpSpPr>
-        <a:xfrm>
-          <a:off x="0" y="0"/>
-          <a:ext cx="0" cy="0"/>
-          <a:chOff x="0" y="0"/>
-          <a:chExt cx="0" cy="0"/>
-        </a:xfrm>
-      </p:grpSpPr>
-      <p:sp>
-        <p:nvSpPr>
-          <p:cNvPr id="23" name="PlaceHolder 1"/>
-          <p:cNvSpPr>
-            <a:spLocks noGrp="1"/>
-          </p:cNvSpPr>
-          <p:nvPr>
-            <p:ph type="title"/>
-          </p:nvPr>
-        </p:nvSpPr>
-        <p:spPr>
-          <a:xfrm>
-            <a:off x="311760" y="444960"/>
-            <a:ext cx="8520120" cy="572400"/>
-          </a:xfrm>
-          <a:prstGeom prst="rect">
-            <a:avLst/>
-          </a:prstGeom>
-          <a:noFill/>
-          <a:ln w="0">
-            <a:noFill/>
-          </a:ln>
-        </p:spPr>
-        <p:txBody>
-          <a:bodyPr lIns="91440" rIns="91440" tIns="91440" bIns="91440" anchor="t">
-            <a:normAutofit lnSpcReduction="9999"/>
-          </a:bodyPr>
-          <a:p>
-            <a:pPr indent="0">
-              <a:buNone/>
-            </a:pPr>
-            <a:r>
-              <a:rPr b="0" lang="en-US" sz="2800" strike="noStrike" u="none">
-                <a:solidFill>
-                  <a:srgbClr val="000000"/>
-                </a:solidFill>
-                <a:effectLst/>
-                <a:uFillTx/>
-                <a:latin typeface="Arial"/>
-              </a:rPr>
-              <a:t>Click to edit the title text format</a:t>
-            </a:r>
-            <a:endParaRPr b="0" lang="en-US" sz="2800" strike="noStrike" u="none">
-              <a:solidFill>
-                <a:srgbClr val="000000"/>
-              </a:solidFill>
-              <a:effectLst/>
-              <a:uFillTx/>
-              <a:latin typeface="Arial"/>
-            </a:endParaRPr>
-          </a:p>
-        </p:txBody>
-      </p:sp>
-      <p:sp>
-        <p:nvSpPr>
-          <p:cNvPr id="24" name="PlaceHolder 2"/>
-          <p:cNvSpPr>
-            <a:spLocks noGrp="1"/>
-          </p:cNvSpPr>
-          <p:nvPr>
-            <p:ph type="sldNum" idx="7"/>
-          </p:nvPr>
-        </p:nvSpPr>
-        <p:spPr>
-          <a:xfrm>
-            <a:off x="8472600" y="4663080"/>
-            <a:ext cx="548280" cy="393120"/>
-          </a:xfrm>
-          <a:prstGeom prst="rect">
-            <a:avLst/>
-          </a:prstGeom>
-          <a:noFill/>
-          <a:ln w="0">
-            <a:noFill/>
-          </a:ln>
-        </p:spPr>
-        <p:txBody>
-          <a:bodyPr lIns="91440" rIns="91440" tIns="91440" bIns="91440" anchor="ctr">
-            <a:normAutofit/>
-          </a:bodyPr>
-          <a:lstStyle>
-            <a:lvl1pPr indent="0" algn="r">
-              <a:lnSpc>
-                <a:spcPct val="100000"/>
-              </a:lnSpc>
-              <a:buNone/>
-              <a:tabLst>
-                <a:tab algn="l" pos="0"/>
-              </a:tabLst>
-              <a:defRPr b="0" lang="en" sz="1000" strike="noStrike" u="none">
-                <a:solidFill>
-                  <a:schemeClr val="dk2"/>
-                </a:solidFill>
-                <a:effectLst/>
-                <a:uFillTx/>
-                <a:latin typeface="Arial"/>
-                <a:ea typeface="Arial"/>
-              </a:defRPr>
-            </a:lvl1pPr>
-          </a:lstStyle>
-          <a:p>
-            <a:pPr indent="0" algn="r">
-              <a:lnSpc>
-                <a:spcPct val="100000"/>
-              </a:lnSpc>
-              <a:buNone/>
-              <a:tabLst>
-                <a:tab algn="l" pos="0"/>
-              </a:tabLst>
-            </a:pPr>
-            <a:fld id="{58880431-3792-43CB-82FF-2A067002C9CC}" type="slidenum">
-              <a:rPr b="0" lang="en" sz="1000" strike="noStrike" u="none">
-                <a:solidFill>
-                  <a:schemeClr val="dk2"/>
-                </a:solidFill>
-                <a:effectLst/>
-                <a:uFillTx/>
-                <a:latin typeface="Arial"/>
-                <a:ea typeface="Arial"/>
-              </a:rPr>
-              <a:t>&lt;number&gt;</a:t>
-            </a:fld>
-            <a:endParaRPr b="0" lang="en-US" sz="1000" strike="noStrike" u="none">
-              <a:solidFill>
-                <a:srgbClr val="000000"/>
-              </a:solidFill>
-              <a:effectLst/>
-              <a:uFillTx/>
-              <a:latin typeface="Times New Roman"/>
-            </a:endParaRPr>
-          </a:p>
-        </p:txBody>
-      </p:sp>
-    </p:spTree>
-  </p:cSld>
-  <p:clrMap bg1="lt1" tx1="dk1" bg2="dk2" tx2="lt2" accent1="accent1" accent2="accent2" accent3="accent3" accent4="accent4" accent5="accent5" accent6="accent6" hlink="hlink" folHlink="folHlink"/>
-  <p:sldLayoutIdLst>
-    <p:sldLayoutId id="2147483661" r:id="rId2"/>
-  </p:sldLayoutIdLst>
-</p:sldMaster>
-</file>
-
-<file path=ppt/slideMasters/slideMaster8.xml><?xml version="1.0" encoding="utf-8"?>
 <p:sldMaster xmlns:a="http://schemas.openxmlformats.org/drawingml/2006/main" xmlns:p="http://schemas.openxmlformats.org/presentationml/2006/main" xmlns:r="http://schemas.openxmlformats.org/officeDocument/2006/relationships" xmlns:p14="http://schemas.microsoft.com/office/powerpoint/2010/main" xmlns:p15="http://schemas.microsoft.com/office/powerpoint/2012/main" xmlns:mc="http://schemas.openxmlformats.org/markup-compatibility/2006">
   <p:cSld>
     <p:bg>
@@ -4927,8 +3424,8 @@
         </p:nvSpPr>
         <p:spPr>
           <a:xfrm>
-            <a:off x="311760" y="555480"/>
-            <a:ext cx="2807640" cy="755280"/>
+            <a:off x="311760" y="1632960"/>
+            <a:ext cx="8519760" cy="274680"/>
           </a:xfrm>
           <a:prstGeom prst="rect">
             <a:avLst/>
@@ -4939,15 +3436,15 @@
           </a:ln>
         </p:spPr>
         <p:txBody>
-          <a:bodyPr lIns="91440" rIns="91440" tIns="91440" bIns="91440" anchor="b">
-            <a:normAutofit fontScale="92500" lnSpcReduction="19999"/>
+          <a:bodyPr lIns="0" rIns="0" tIns="0" bIns="0" anchor="ctr">
+            <a:spAutoFit/>
           </a:bodyPr>
           <a:p>
             <a:pPr indent="0">
               <a:buNone/>
             </a:pPr>
             <a:r>
-              <a:rPr b="0" lang="en-US" sz="2400" strike="noStrike" u="none">
+              <a:rPr b="0" lang="en-US" sz="1800" strike="noStrike" u="none">
                 <a:solidFill>
                   <a:srgbClr val="000000"/>
                 </a:solidFill>
@@ -4957,7 +3454,7 @@
               </a:rPr>
               <a:t>Click to edit the title text format</a:t>
             </a:r>
-            <a:endParaRPr b="0" lang="en-US" sz="2400" strike="noStrike" u="none">
+            <a:endParaRPr b="0" lang="en-US" sz="1800" strike="noStrike" u="none">
               <a:solidFill>
                 <a:srgbClr val="000000"/>
               </a:solidFill>
@@ -4975,266 +3472,13 @@
             <a:spLocks noGrp="1"/>
           </p:cNvSpPr>
           <p:nvPr>
-            <p:ph type="body"/>
-          </p:nvPr>
-        </p:nvSpPr>
-        <p:spPr>
-          <a:xfrm>
-            <a:off x="311760" y="1389600"/>
-            <a:ext cx="2807640" cy="3179160"/>
-          </a:xfrm>
-          <a:prstGeom prst="rect">
-            <a:avLst/>
-          </a:prstGeom>
-          <a:noFill/>
-          <a:ln w="0">
-            <a:noFill/>
-          </a:ln>
-        </p:spPr>
-        <p:txBody>
-          <a:bodyPr lIns="91440" rIns="91440" tIns="91440" bIns="91440" anchor="t">
-            <a:normAutofit/>
-          </a:bodyPr>
-          <a:p>
-            <a:pPr marL="432000" indent="-324000">
-              <a:spcBef>
-                <a:spcPts val="1417"/>
-              </a:spcBef>
-              <a:buClr>
-                <a:srgbClr val="000000"/>
-              </a:buClr>
-              <a:buSzPct val="45000"/>
-              <a:buFont typeface="Wingdings" charset="2"/>
-              <a:buChar char=""/>
-            </a:pPr>
-            <a:r>
-              <a:rPr b="0" lang="en-US" sz="1200" strike="noStrike" u="none">
-                <a:solidFill>
-                  <a:srgbClr val="000000"/>
-                </a:solidFill>
-                <a:effectLst/>
-                <a:uFillTx/>
-                <a:latin typeface="Arial"/>
-              </a:rPr>
-              <a:t>Click to edit the outline text format</a:t>
-            </a:r>
-            <a:endParaRPr b="0" lang="en-US" sz="1200" strike="noStrike" u="none">
-              <a:solidFill>
-                <a:srgbClr val="000000"/>
-              </a:solidFill>
-              <a:effectLst/>
-              <a:uFillTx/>
-              <a:latin typeface="Arial"/>
-            </a:endParaRPr>
-          </a:p>
-          <a:p>
-            <a:pPr lvl="1" marL="432000" indent="-216000">
-              <a:spcBef>
-                <a:spcPts val="1134"/>
-              </a:spcBef>
-              <a:buClr>
-                <a:srgbClr val="000000"/>
-              </a:buClr>
-              <a:buSzPct val="45000"/>
-              <a:buFont typeface="Wingdings" charset="2"/>
-              <a:buChar char=""/>
-            </a:pPr>
-            <a:r>
-              <a:rPr b="0" lang="en-US" sz="1200" strike="noStrike" u="none">
-                <a:solidFill>
-                  <a:srgbClr val="000000"/>
-                </a:solidFill>
-                <a:effectLst/>
-                <a:uFillTx/>
-                <a:latin typeface="Arial"/>
-              </a:rPr>
-              <a:t>Second Outline Level</a:t>
-            </a:r>
-            <a:endParaRPr b="0" lang="en-US" sz="1200" strike="noStrike" u="none">
-              <a:solidFill>
-                <a:srgbClr val="000000"/>
-              </a:solidFill>
-              <a:effectLst/>
-              <a:uFillTx/>
-              <a:latin typeface="Arial"/>
-            </a:endParaRPr>
-          </a:p>
-          <a:p>
-            <a:pPr lvl="2" marL="648000" indent="-216000">
-              <a:spcBef>
-                <a:spcPts val="850"/>
-              </a:spcBef>
-              <a:buClr>
-                <a:srgbClr val="000000"/>
-              </a:buClr>
-              <a:buSzPct val="45000"/>
-              <a:buFont typeface="Wingdings" charset="2"/>
-              <a:buChar char=""/>
-            </a:pPr>
-            <a:r>
-              <a:rPr b="0" lang="en-US" sz="1200" strike="noStrike" u="none">
-                <a:solidFill>
-                  <a:srgbClr val="000000"/>
-                </a:solidFill>
-                <a:effectLst/>
-                <a:uFillTx/>
-                <a:latin typeface="Arial"/>
-              </a:rPr>
-              <a:t>Third Outline Level</a:t>
-            </a:r>
-            <a:endParaRPr b="0" lang="en-US" sz="1200" strike="noStrike" u="none">
-              <a:solidFill>
-                <a:srgbClr val="000000"/>
-              </a:solidFill>
-              <a:effectLst/>
-              <a:uFillTx/>
-              <a:latin typeface="Arial"/>
-            </a:endParaRPr>
-          </a:p>
-          <a:p>
-            <a:pPr lvl="3" marL="864000" indent="-216000">
-              <a:spcBef>
-                <a:spcPts val="567"/>
-              </a:spcBef>
-              <a:buClr>
-                <a:srgbClr val="000000"/>
-              </a:buClr>
-              <a:buSzPct val="45000"/>
-              <a:buFont typeface="Wingdings" charset="2"/>
-              <a:buChar char=""/>
-            </a:pPr>
-            <a:r>
-              <a:rPr b="0" lang="en-US" sz="1200" strike="noStrike" u="none">
-                <a:solidFill>
-                  <a:srgbClr val="000000"/>
-                </a:solidFill>
-                <a:effectLst/>
-                <a:uFillTx/>
-                <a:latin typeface="Arial"/>
-              </a:rPr>
-              <a:t>Fourth Outline Level</a:t>
-            </a:r>
-            <a:endParaRPr b="0" lang="en-US" sz="1200" strike="noStrike" u="none">
-              <a:solidFill>
-                <a:srgbClr val="000000"/>
-              </a:solidFill>
-              <a:effectLst/>
-              <a:uFillTx/>
-              <a:latin typeface="Arial"/>
-            </a:endParaRPr>
-          </a:p>
-          <a:p>
-            <a:pPr lvl="4" marL="1080000" indent="-216000">
-              <a:spcBef>
-                <a:spcPts val="283"/>
-              </a:spcBef>
-              <a:buClr>
-                <a:srgbClr val="000000"/>
-              </a:buClr>
-              <a:buSzPct val="45000"/>
-              <a:buFont typeface="Wingdings" charset="2"/>
-              <a:buChar char=""/>
-            </a:pPr>
-            <a:r>
-              <a:rPr b="0" lang="en-US" sz="1200" strike="noStrike" u="none">
-                <a:solidFill>
-                  <a:srgbClr val="000000"/>
-                </a:solidFill>
-                <a:effectLst/>
-                <a:uFillTx/>
-                <a:latin typeface="Times New Roman"/>
-              </a:rPr>
-              <a:t>Fifth Outline Level</a:t>
-            </a:r>
-            <a:endParaRPr b="0" lang="en-US" sz="1200" strike="noStrike" u="none">
-              <a:solidFill>
-                <a:srgbClr val="000000"/>
-              </a:solidFill>
-              <a:effectLst/>
-              <a:uFillTx/>
-              <a:latin typeface="Times New Roman"/>
-            </a:endParaRPr>
-          </a:p>
-          <a:p>
-            <a:pPr lvl="5" marL="1296000" indent="-216000">
-              <a:spcBef>
-                <a:spcPts val="283"/>
-              </a:spcBef>
-              <a:buClr>
-                <a:srgbClr val="000000"/>
-              </a:buClr>
-              <a:buSzPct val="45000"/>
-              <a:buFont typeface="Wingdings" charset="2"/>
-              <a:buChar char=""/>
-            </a:pPr>
-            <a:r>
-              <a:rPr b="0" lang="en-US" sz="1200" strike="noStrike" u="none">
-                <a:solidFill>
-                  <a:srgbClr val="000000"/>
-                </a:solidFill>
-                <a:effectLst/>
-                <a:uFillTx/>
-                <a:latin typeface="Times New Roman"/>
-              </a:rPr>
-              <a:t>Sixth Outline Level</a:t>
-            </a:r>
-            <a:endParaRPr b="0" lang="en-US" sz="1200" strike="noStrike" u="none">
-              <a:solidFill>
-                <a:srgbClr val="000000"/>
-              </a:solidFill>
-              <a:effectLst/>
-              <a:uFillTx/>
-              <a:latin typeface="Times New Roman"/>
-            </a:endParaRPr>
-          </a:p>
-          <a:p>
-            <a:pPr lvl="6" marL="1512000" indent="-216000">
-              <a:spcBef>
-                <a:spcPts val="283"/>
-              </a:spcBef>
-              <a:buClr>
-                <a:srgbClr val="000000"/>
-              </a:buClr>
-              <a:buSzPct val="45000"/>
-              <a:buFont typeface="Wingdings" charset="2"/>
-              <a:buChar char=""/>
-            </a:pPr>
-            <a:r>
-              <a:rPr b="0" lang="en-US" sz="1200" strike="noStrike" u="none">
-                <a:solidFill>
-                  <a:srgbClr val="000000"/>
-                </a:solidFill>
-                <a:effectLst/>
-                <a:uFillTx/>
-                <a:latin typeface="Times New Roman"/>
-              </a:rPr>
-              <a:t>Seventh Outline Level</a:t>
-            </a:r>
-            <a:endParaRPr b="0" lang="en-US" sz="1200" strike="noStrike" u="none">
-              <a:solidFill>
-                <a:srgbClr val="000000"/>
-              </a:solidFill>
-              <a:effectLst/>
-              <a:uFillTx/>
-              <a:latin typeface="Times New Roman"/>
-            </a:endParaRPr>
-          </a:p>
-        </p:txBody>
-      </p:sp>
-      <p:sp>
-        <p:nvSpPr>
-          <p:cNvPr id="28" name="PlaceHolder 3"/>
-          <p:cNvSpPr>
-            <a:spLocks noGrp="1"/>
-          </p:cNvSpPr>
-          <p:nvPr>
-            <p:ph type="sldNum" idx="8"/>
+            <p:ph type="sldNum" idx="7"/>
           </p:nvPr>
         </p:nvSpPr>
         <p:spPr>
           <a:xfrm>
             <a:off x="8472600" y="4663080"/>
-            <a:ext cx="548280" cy="393120"/>
+            <a:ext cx="547920" cy="392760"/>
           </a:xfrm>
           <a:prstGeom prst="rect">
             <a:avLst/>
@@ -5246,7 +3490,7 @@
         </p:spPr>
         <p:txBody>
           <a:bodyPr lIns="91440" rIns="91440" tIns="91440" bIns="91440" anchor="ctr">
-            <a:normAutofit/>
+            <a:noAutofit/>
           </a:bodyPr>
           <a:lstStyle>
             <a:lvl1pPr indent="0" algn="r">
@@ -5278,7 +3522,7 @@
                 <a:tab algn="l" pos="0"/>
               </a:tabLst>
             </a:pPr>
-            <a:fld id="{3EEC344A-3F0B-475A-B5F5-065958BD98AC}" type="slidenum">
+            <a:fld id="{DD4F4A3C-82FE-454E-BB7D-B07994DFABF1}" type="slidenum">
               <a:rPr b="0" lang="en" sz="1000" strike="noStrike" u="none">
                 <a:solidFill>
                   <a:schemeClr val="dk2"/>
@@ -5305,7 +3549,120 @@
   </p:cSld>
   <p:clrMap bg1="lt1" tx1="dk1" bg2="dk2" tx2="lt2" accent1="accent1" accent2="accent2" accent3="accent3" accent4="accent4" accent5="accent5" accent6="accent6" hlink="hlink" folHlink="folHlink"/>
   <p:sldLayoutIdLst>
-    <p:sldLayoutId id="2147483663" r:id="rId2"/>
+    <p:sldLayoutId id="2147483665" r:id="rId2"/>
+  </p:sldLayoutIdLst>
+</p:sldMaster>
+</file>
+
+<file path=ppt/slideMasters/slideMaster8.xml><?xml version="1.0" encoding="utf-8"?>
+<p:sldMaster xmlns:a="http://schemas.openxmlformats.org/drawingml/2006/main" xmlns:p="http://schemas.openxmlformats.org/presentationml/2006/main" xmlns:r="http://schemas.openxmlformats.org/officeDocument/2006/relationships" xmlns:p14="http://schemas.microsoft.com/office/powerpoint/2010/main" xmlns:p15="http://schemas.microsoft.com/office/powerpoint/2012/main" xmlns:mc="http://schemas.openxmlformats.org/markup-compatibility/2006">
+  <p:cSld>
+    <p:bg>
+      <p:bgPr>
+        <a:solidFill>
+          <a:schemeClr val="lt1"/>
+        </a:solidFill>
+      </p:bgPr>
+    </p:bg>
+    <p:spTree>
+      <p:nvGrpSpPr>
+        <p:cNvPr id="1" name=""/>
+        <p:cNvGrpSpPr/>
+        <p:nvPr/>
+      </p:nvGrpSpPr>
+      <p:grpSpPr>
+        <a:xfrm>
+          <a:off x="0" y="0"/>
+          <a:ext cx="0" cy="0"/>
+          <a:chOff x="0" y="0"/>
+          <a:chExt cx="0" cy="0"/>
+        </a:xfrm>
+      </p:grpSpPr>
+      <p:sp>
+        <p:nvSpPr>
+          <p:cNvPr id="29" name="PlaceHolder 1"/>
+          <p:cNvSpPr>
+            <a:spLocks noGrp="1"/>
+          </p:cNvSpPr>
+          <p:nvPr>
+            <p:ph type="sldNum" idx="8"/>
+          </p:nvPr>
+        </p:nvSpPr>
+        <p:spPr>
+          <a:xfrm>
+            <a:off x="8472600" y="4663080"/>
+            <a:ext cx="547920" cy="392760"/>
+          </a:xfrm>
+          <a:prstGeom prst="rect">
+            <a:avLst/>
+          </a:prstGeom>
+          <a:noFill/>
+          <a:ln w="0">
+            <a:noFill/>
+          </a:ln>
+        </p:spPr>
+        <p:txBody>
+          <a:bodyPr lIns="91440" rIns="91440" tIns="91440" bIns="91440" anchor="ctr">
+            <a:noAutofit/>
+          </a:bodyPr>
+          <a:lstStyle>
+            <a:lvl1pPr indent="0" algn="r">
+              <a:lnSpc>
+                <a:spcPct val="100000"/>
+              </a:lnSpc>
+              <a:buNone/>
+              <a:tabLst>
+                <a:tab algn="l" pos="0"/>
+              </a:tabLst>
+              <a:defRPr b="0" lang="en" sz="1000" strike="noStrike" u="none">
+                <a:solidFill>
+                  <a:schemeClr val="dk2"/>
+                </a:solidFill>
+                <a:effectLst/>
+                <a:uFillTx/>
+                <a:latin typeface="Arial"/>
+                <a:ea typeface="Arial"/>
+              </a:defRPr>
+            </a:lvl1pPr>
+          </a:lstStyle>
+          <a:p>
+            <a:pPr indent="0" algn="r">
+              <a:lnSpc>
+                <a:spcPct val="100000"/>
+              </a:lnSpc>
+              <a:buNone/>
+              <a:tabLst>
+                <a:tab algn="l" pos="0"/>
+              </a:tabLst>
+            </a:pPr>
+            <a:fld id="{0772982E-B960-4756-9535-24C439ABF7CC}" type="slidenum">
+              <a:rPr b="0" lang="en" sz="1000" strike="noStrike" u="none">
+                <a:solidFill>
+                  <a:schemeClr val="dk2"/>
+                </a:solidFill>
+                <a:effectLst/>
+                <a:uFillTx/>
+                <a:latin typeface="Arial"/>
+                <a:ea typeface="Arial"/>
+              </a:rPr>
+              <a:t>&lt;number&gt;</a:t>
+            </a:fld>
+            <a:endParaRPr b="0" lang="en-US" sz="1000" strike="noStrike" u="none">
+              <a:solidFill>
+                <a:srgbClr val="000000"/>
+              </a:solidFill>
+              <a:effectLst/>
+              <a:uFillTx/>
+              <a:latin typeface="Times New Roman"/>
+            </a:endParaRPr>
+          </a:p>
+        </p:txBody>
+      </p:sp>
+    </p:spTree>
+  </p:cSld>
+  <p:clrMap bg1="lt1" tx1="dk1" bg2="dk2" tx2="lt2" accent1="accent1" accent2="accent2" accent3="accent3" accent4="accent4" accent5="accent5" accent6="accent6" hlink="hlink" folHlink="folHlink"/>
+  <p:sldLayoutIdLst>
+    <p:sldLayoutId id="2147483667" r:id="rId2"/>
   </p:sldLayoutIdLst>
 </p:sldMaster>
 </file>
@@ -5336,18 +3693,18 @@
       </p:grpSpPr>
       <p:sp>
         <p:nvSpPr>
-          <p:cNvPr id="29" name="PlaceHolder 1"/>
+          <p:cNvPr id="30" name="PlaceHolder 1"/>
           <p:cNvSpPr>
             <a:spLocks noGrp="1"/>
           </p:cNvSpPr>
           <p:nvPr>
-            <p:ph type="title"/>
+            <p:ph type="sldNum" idx="9"/>
           </p:nvPr>
         </p:nvSpPr>
         <p:spPr>
           <a:xfrm>
-            <a:off x="490320" y="450000"/>
-            <a:ext cx="6367320" cy="4090320"/>
+            <a:off x="8472600" y="4663080"/>
+            <a:ext cx="547920" cy="392760"/>
           </a:xfrm>
           <a:prstGeom prst="rect">
             <a:avLst/>
@@ -5359,60 +3716,7 @@
         </p:spPr>
         <p:txBody>
           <a:bodyPr lIns="91440" rIns="91440" tIns="91440" bIns="91440" anchor="ctr">
-            <a:normAutofit/>
-          </a:bodyPr>
-          <a:p>
-            <a:pPr indent="0">
-              <a:buNone/>
-            </a:pPr>
-            <a:r>
-              <a:rPr b="0" lang="en-US" sz="4800" strike="noStrike" u="none">
-                <a:solidFill>
-                  <a:srgbClr val="000000"/>
-                </a:solidFill>
-                <a:effectLst/>
-                <a:uFillTx/>
-                <a:latin typeface="Arial"/>
-              </a:rPr>
-              <a:t>Click to edit the title text format</a:t>
-            </a:r>
-            <a:endParaRPr b="0" lang="en-US" sz="4800" strike="noStrike" u="none">
-              <a:solidFill>
-                <a:srgbClr val="000000"/>
-              </a:solidFill>
-              <a:effectLst/>
-              <a:uFillTx/>
-              <a:latin typeface="Arial"/>
-            </a:endParaRPr>
-          </a:p>
-        </p:txBody>
-      </p:sp>
-      <p:sp>
-        <p:nvSpPr>
-          <p:cNvPr id="30" name="PlaceHolder 2"/>
-          <p:cNvSpPr>
-            <a:spLocks noGrp="1"/>
-          </p:cNvSpPr>
-          <p:nvPr>
-            <p:ph type="sldNum" idx="9"/>
-          </p:nvPr>
-        </p:nvSpPr>
-        <p:spPr>
-          <a:xfrm>
-            <a:off x="8472600" y="4663080"/>
-            <a:ext cx="548280" cy="393120"/>
-          </a:xfrm>
-          <a:prstGeom prst="rect">
-            <a:avLst/>
-          </a:prstGeom>
-          <a:noFill/>
-          <a:ln w="0">
-            <a:noFill/>
-          </a:ln>
-        </p:spPr>
-        <p:txBody>
-          <a:bodyPr lIns="91440" rIns="91440" tIns="91440" bIns="91440" anchor="ctr">
-            <a:normAutofit/>
+            <a:noAutofit/>
           </a:bodyPr>
           <a:lstStyle>
             <a:lvl1pPr indent="0" algn="r">
@@ -5444,7 +3748,7 @@
                 <a:tab algn="l" pos="0"/>
               </a:tabLst>
             </a:pPr>
-            <a:fld id="{9F4D1032-791D-42A9-A9E7-80579D9DC4D8}" type="slidenum">
+            <a:fld id="{9896CF18-BF42-48CD-ADEC-C9B41AFB1F42}" type="slidenum">
               <a:rPr b="0" lang="en" sz="1000" strike="noStrike" u="none">
                 <a:solidFill>
                   <a:schemeClr val="dk2"/>
@@ -5471,7 +3775,7 @@
   </p:cSld>
   <p:clrMap bg1="lt1" tx1="dk1" bg2="dk2" tx2="lt2" accent1="accent1" accent2="accent2" accent3="accent3" accent4="accent4" accent5="accent5" accent6="accent6" hlink="hlink" folHlink="folHlink"/>
   <p:sldLayoutIdLst>
-    <p:sldLayoutId id="2147483665" r:id="rId2"/>
+    <p:sldLayoutId id="2147483669" r:id="rId2"/>
   </p:sldLayoutIdLst>
 </p:sldMaster>
 </file>
@@ -5495,14 +3799,14 @@
       </p:grpSpPr>
       <p:sp>
         <p:nvSpPr>
-          <p:cNvPr id="37" name="Google Shape;111;p14"/>
+          <p:cNvPr id="34" name="Google Shape;111;p14"/>
           <p:cNvSpPr/>
           <p:nvPr/>
         </p:nvSpPr>
         <p:spPr>
           <a:xfrm>
             <a:off x="0" y="1033920"/>
-            <a:ext cx="3044520" cy="4109400"/>
+            <a:ext cx="3044160" cy="4109040"/>
           </a:xfrm>
           <a:prstGeom prst="rect">
             <a:avLst/>
@@ -5532,7 +3836,7 @@
           <a:fontRef idx="minor"/>
         </p:style>
         <p:txBody>
-          <a:bodyPr tIns="91440" bIns="91440" anchor="ctr">
+          <a:bodyPr lIns="90000" rIns="90000" tIns="91440" bIns="91440" anchor="ctr">
             <a:noAutofit/>
           </a:bodyPr>
           <a:p>
@@ -5557,19 +3861,19 @@
       </p:sp>
       <p:pic>
         <p:nvPicPr>
-          <p:cNvPr id="38" name="Google Shape;112;p14" descr=""/>
+          <p:cNvPr id="35" name="Google Shape;112;p14" descr=""/>
           <p:cNvPicPr/>
           <p:nvPr/>
         </p:nvPicPr>
         <p:blipFill>
           <a:blip r:embed="rId1"/>
-          <a:srcRect l="10084" t="23980" r="72575" b="60209"/>
+          <a:srcRect l="10084" t="23975" r="72568" b="60200"/>
           <a:stretch/>
         </p:blipFill>
         <p:spPr>
           <a:xfrm>
             <a:off x="8601840" y="-23040"/>
-            <a:ext cx="549360" cy="390600"/>
+            <a:ext cx="549000" cy="390240"/>
           </a:xfrm>
           <a:prstGeom prst="rect">
             <a:avLst/>
@@ -5584,19 +3888,19 @@
       </p:pic>
       <p:pic>
         <p:nvPicPr>
-          <p:cNvPr id="39" name="Google Shape;113;p14" descr=""/>
+          <p:cNvPr id="36" name="Google Shape;113;p14" descr=""/>
           <p:cNvPicPr/>
           <p:nvPr/>
         </p:nvPicPr>
         <p:blipFill>
           <a:blip r:embed="rId2"/>
-          <a:srcRect l="10084" t="23980" r="9668" b="60209"/>
+          <a:srcRect l="10084" t="23975" r="9668" b="60200"/>
           <a:stretch/>
         </p:blipFill>
         <p:spPr>
           <a:xfrm>
             <a:off x="6512760" y="-24120"/>
-            <a:ext cx="2545560" cy="390600"/>
+            <a:ext cx="2545200" cy="390240"/>
           </a:xfrm>
           <a:prstGeom prst="rect">
             <a:avLst/>
@@ -5611,19 +3915,19 @@
       </p:pic>
       <p:pic>
         <p:nvPicPr>
-          <p:cNvPr id="40" name="Google Shape;114;p14" descr=""/>
+          <p:cNvPr id="37" name="Google Shape;114;p14" descr=""/>
           <p:cNvPicPr/>
           <p:nvPr/>
         </p:nvPicPr>
         <p:blipFill>
           <a:blip r:embed="rId3"/>
-          <a:srcRect l="10084" t="23980" r="9668" b="60209"/>
+          <a:srcRect l="10084" t="23975" r="9668" b="60200"/>
           <a:stretch/>
         </p:blipFill>
         <p:spPr>
           <a:xfrm>
             <a:off x="4835160" y="-24120"/>
-            <a:ext cx="2545560" cy="390600"/>
+            <a:ext cx="2545200" cy="390240"/>
           </a:xfrm>
           <a:prstGeom prst="rect">
             <a:avLst/>
@@ -5638,19 +3942,19 @@
       </p:pic>
       <p:pic>
         <p:nvPicPr>
-          <p:cNvPr id="41" name="Google Shape;115;p14" descr=""/>
+          <p:cNvPr id="38" name="Google Shape;115;p14" descr=""/>
           <p:cNvPicPr/>
           <p:nvPr/>
         </p:nvPicPr>
         <p:blipFill>
           <a:blip r:embed="rId4"/>
-          <a:srcRect l="10084" t="23980" r="9668" b="60209"/>
+          <a:srcRect l="10084" t="23975" r="9668" b="60200"/>
           <a:stretch/>
         </p:blipFill>
         <p:spPr>
           <a:xfrm>
             <a:off x="2403720" y="-24120"/>
-            <a:ext cx="2545560" cy="390600"/>
+            <a:ext cx="2545200" cy="390240"/>
           </a:xfrm>
           <a:prstGeom prst="rect">
             <a:avLst/>
@@ -5665,19 +3969,19 @@
       </p:pic>
       <p:pic>
         <p:nvPicPr>
-          <p:cNvPr id="42" name="Google Shape;116;p14" descr=""/>
+          <p:cNvPr id="39" name="Google Shape;116;p14" descr=""/>
           <p:cNvPicPr/>
           <p:nvPr/>
         </p:nvPicPr>
         <p:blipFill>
           <a:blip r:embed="rId5"/>
-          <a:srcRect l="10084" t="23980" r="9668" b="60209"/>
+          <a:srcRect l="10084" t="23975" r="9668" b="60200"/>
           <a:stretch/>
         </p:blipFill>
         <p:spPr>
           <a:xfrm>
             <a:off x="0" y="-24120"/>
-            <a:ext cx="2545560" cy="390600"/>
+            <a:ext cx="2545200" cy="390240"/>
           </a:xfrm>
           <a:prstGeom prst="rect">
             <a:avLst/>
@@ -5692,14 +3996,14 @@
       </p:pic>
       <p:sp>
         <p:nvSpPr>
-          <p:cNvPr id="43" name="Google Shape;117;p14"/>
+          <p:cNvPr id="40" name="Google Shape;117;p14"/>
           <p:cNvSpPr/>
           <p:nvPr/>
         </p:nvSpPr>
         <p:spPr>
           <a:xfrm>
             <a:off x="6094800" y="1033920"/>
-            <a:ext cx="3044520" cy="4109400"/>
+            <a:ext cx="3044160" cy="4109040"/>
           </a:xfrm>
           <a:prstGeom prst="rect">
             <a:avLst/>
@@ -5729,7 +4033,7 @@
           <a:fontRef idx="minor"/>
         </p:style>
         <p:txBody>
-          <a:bodyPr tIns="91440" bIns="91440" anchor="ctr">
+          <a:bodyPr lIns="90000" rIns="90000" tIns="91440" bIns="91440" anchor="ctr">
             <a:noAutofit/>
           </a:bodyPr>
           <a:p>
@@ -5754,14 +4058,14 @@
       </p:sp>
       <p:sp>
         <p:nvSpPr>
-          <p:cNvPr id="44" name="Google Shape;118;p14"/>
+          <p:cNvPr id="41" name="Google Shape;118;p14"/>
           <p:cNvSpPr/>
           <p:nvPr/>
         </p:nvSpPr>
         <p:spPr>
           <a:xfrm>
             <a:off x="3049560" y="1033920"/>
-            <a:ext cx="3044520" cy="4109400"/>
+            <a:ext cx="3044160" cy="4109040"/>
           </a:xfrm>
           <a:prstGeom prst="rect">
             <a:avLst/>
@@ -5791,7 +4095,7 @@
           <a:fontRef idx="minor"/>
         </p:style>
         <p:txBody>
-          <a:bodyPr tIns="91440" bIns="91440" anchor="ctr">
+          <a:bodyPr lIns="90000" rIns="90000" tIns="91440" bIns="91440" anchor="ctr">
             <a:noAutofit/>
           </a:bodyPr>
           <a:p>
@@ -5816,19 +4120,19 @@
       </p:sp>
       <p:pic>
         <p:nvPicPr>
-          <p:cNvPr id="45" name="Google Shape;119;p14" descr=""/>
+          <p:cNvPr id="42" name="Google Shape;119;p14" descr=""/>
           <p:cNvPicPr/>
           <p:nvPr/>
         </p:nvPicPr>
         <p:blipFill>
           <a:blip r:embed="rId6"/>
-          <a:srcRect l="10084" t="23980" r="9668" b="60209"/>
+          <a:srcRect l="10084" t="23975" r="9668" b="60200"/>
           <a:stretch/>
         </p:blipFill>
         <p:spPr>
           <a:xfrm>
             <a:off x="360" y="-104760"/>
-            <a:ext cx="9143640" cy="390600"/>
+            <a:ext cx="9143280" cy="390240"/>
           </a:xfrm>
           <a:prstGeom prst="rect">
             <a:avLst/>
@@ -5843,14 +4147,14 @@
       </p:pic>
       <p:sp>
         <p:nvSpPr>
-          <p:cNvPr id="46" name="Google Shape;120;p14"/>
+          <p:cNvPr id="43" name="Google Shape;120;p14"/>
           <p:cNvSpPr/>
           <p:nvPr/>
         </p:nvSpPr>
         <p:spPr>
           <a:xfrm>
             <a:off x="0" y="27360"/>
-            <a:ext cx="9143640" cy="1144440"/>
+            <a:ext cx="9143280" cy="1144080"/>
           </a:xfrm>
           <a:prstGeom prst="horizontalScroll">
             <a:avLst>
@@ -5874,7 +4178,7 @@
           <a:fontRef idx="minor"/>
         </p:style>
         <p:txBody>
-          <a:bodyPr tIns="91440" bIns="91440" anchor="ctr">
+          <a:bodyPr lIns="90000" rIns="90000" tIns="91440" bIns="91440" anchor="ctr">
             <a:noAutofit/>
           </a:bodyPr>
           <a:p>
@@ -5899,14 +4203,14 @@
       </p:sp>
       <p:sp>
         <p:nvSpPr>
-          <p:cNvPr id="47" name="Google Shape;121;p14"/>
+          <p:cNvPr id="44" name="Google Shape;121;p14"/>
           <p:cNvSpPr/>
           <p:nvPr/>
         </p:nvSpPr>
         <p:spPr>
           <a:xfrm>
             <a:off x="38160" y="82440"/>
-            <a:ext cx="9143640" cy="868320"/>
+            <a:ext cx="9143280" cy="868320"/>
           </a:xfrm>
           <a:prstGeom prst="rect">
             <a:avLst/>
@@ -5923,7 +4227,7 @@
           <a:fontRef idx="minor"/>
         </p:style>
         <p:txBody>
-          <a:bodyPr tIns="91440" bIns="91440" anchor="t">
+          <a:bodyPr lIns="90000" rIns="90000" tIns="91440" bIns="91440" anchor="t">
             <a:spAutoFit/>
           </a:bodyPr>
           <a:p>
@@ -6008,7 +4312,7 @@
       </p:sp>
       <p:pic>
         <p:nvPicPr>
-          <p:cNvPr id="48" name="Google Shape;122;p14" descr=""/>
+          <p:cNvPr id="45" name="Google Shape;122;p14" descr=""/>
           <p:cNvPicPr/>
           <p:nvPr/>
         </p:nvPicPr>
@@ -6019,7 +4323,7 @@
         <p:spPr>
           <a:xfrm>
             <a:off x="7953840" y="212760"/>
-            <a:ext cx="838440" cy="783360"/>
+            <a:ext cx="838080" cy="783000"/>
           </a:xfrm>
           <a:prstGeom prst="rect">
             <a:avLst/>
@@ -6032,14 +4336,14 @@
       </p:pic>
       <p:sp>
         <p:nvSpPr>
-          <p:cNvPr id="49" name="Google Shape;123;p14"/>
+          <p:cNvPr id="46" name="Google Shape;123;p14"/>
           <p:cNvSpPr/>
           <p:nvPr/>
         </p:nvSpPr>
         <p:spPr>
           <a:xfrm>
             <a:off x="248400" y="3185280"/>
-            <a:ext cx="2298240" cy="461520"/>
+            <a:ext cx="2297880" cy="461160"/>
           </a:xfrm>
           <a:prstGeom prst="rect">
             <a:avLst/>
@@ -6056,7 +4360,7 @@
           <a:fontRef idx="minor"/>
         </p:style>
         <p:txBody>
-          <a:bodyPr tIns="91440" bIns="91440" anchor="t">
+          <a:bodyPr lIns="90000" rIns="90000" tIns="91440" bIns="91440" anchor="t">
             <a:noAutofit/>
           </a:bodyPr>
           <a:p>
@@ -6081,14 +4385,14 @@
       </p:sp>
       <p:sp>
         <p:nvSpPr>
-          <p:cNvPr id="50" name="Google Shape;124;p14"/>
+          <p:cNvPr id="47" name="Google Shape;124;p14"/>
           <p:cNvSpPr/>
           <p:nvPr/>
         </p:nvSpPr>
         <p:spPr>
           <a:xfrm>
             <a:off x="468360" y="3057840"/>
-            <a:ext cx="2298240" cy="510480"/>
+            <a:ext cx="2297880" cy="510120"/>
           </a:xfrm>
           <a:prstGeom prst="rect">
             <a:avLst/>
@@ -6105,7 +4409,7 @@
           <a:fontRef idx="minor"/>
         </p:style>
         <p:txBody>
-          <a:bodyPr tIns="91440" bIns="91440" anchor="t">
+          <a:bodyPr lIns="90000" rIns="90000" tIns="91440" bIns="91440" anchor="t">
             <a:noAutofit/>
           </a:bodyPr>
           <a:p>
@@ -6130,14 +4434,14 @@
       </p:sp>
       <p:sp>
         <p:nvSpPr>
-          <p:cNvPr id="51" name="Google Shape;125;p14"/>
+          <p:cNvPr id="48" name="Google Shape;125;p14"/>
           <p:cNvSpPr/>
           <p:nvPr/>
         </p:nvSpPr>
         <p:spPr>
           <a:xfrm>
             <a:off x="4320" y="1014480"/>
-            <a:ext cx="3044520" cy="353880"/>
+            <a:ext cx="3044160" cy="353520"/>
           </a:xfrm>
           <a:prstGeom prst="rect">
             <a:avLst/>
@@ -6154,7 +4458,7 @@
           <a:fontRef idx="minor"/>
         </p:style>
         <p:txBody>
-          <a:bodyPr tIns="91440" bIns="91440" anchor="t">
+          <a:bodyPr lIns="90000" rIns="90000" tIns="91440" bIns="91440" anchor="t">
             <a:noAutofit/>
           </a:bodyPr>
           <a:p>
@@ -6180,25 +4484,25 @@
             </a:r>
             <a:endParaRPr b="0" lang="en-US" sz="1200" strike="noStrike" u="none">
               <a:solidFill>
-                <a:srgbClr val="ffffff"/>
-              </a:solidFill>
-              <a:effectLst/>
-              <a:uFillTx/>
-              <a:latin typeface="Times New Roman"/>
+                <a:srgbClr val="000000"/>
+              </a:solidFill>
+              <a:effectLst/>
+              <a:uFillTx/>
+              <a:latin typeface="Arial"/>
             </a:endParaRPr>
           </a:p>
         </p:txBody>
       </p:sp>
       <p:sp>
         <p:nvSpPr>
-          <p:cNvPr id="52" name="Google Shape;126;p14"/>
+          <p:cNvPr id="49" name="Google Shape;126;p14"/>
           <p:cNvSpPr/>
           <p:nvPr/>
         </p:nvSpPr>
         <p:spPr>
           <a:xfrm>
             <a:off x="1370880" y="534600"/>
-            <a:ext cx="6401880" cy="555480"/>
+            <a:ext cx="6401520" cy="555840"/>
           </a:xfrm>
           <a:prstGeom prst="rect">
             <a:avLst/>
@@ -6215,7 +4519,7 @@
           <a:fontRef idx="minor"/>
         </p:style>
         <p:txBody>
-          <a:bodyPr tIns="91440" bIns="91440" anchor="t">
+          <a:bodyPr lIns="90000" rIns="90000" tIns="91440" bIns="91440" anchor="t">
             <a:spAutoFit/>
           </a:bodyPr>
           <a:p>
@@ -6426,14 +4730,14 @@
       </p:sp>
       <p:sp>
         <p:nvSpPr>
-          <p:cNvPr id="53" name="Google Shape;130;p14"/>
+          <p:cNvPr id="50" name="Google Shape;130;p14"/>
           <p:cNvSpPr/>
           <p:nvPr/>
         </p:nvSpPr>
         <p:spPr>
           <a:xfrm>
             <a:off x="2958840" y="1014480"/>
-            <a:ext cx="3044520" cy="353880"/>
+            <a:ext cx="3044160" cy="353520"/>
           </a:xfrm>
           <a:prstGeom prst="rect">
             <a:avLst/>
@@ -6450,7 +4754,7 @@
           <a:fontRef idx="minor"/>
         </p:style>
         <p:txBody>
-          <a:bodyPr tIns="91440" bIns="91440" anchor="t">
+          <a:bodyPr lIns="90000" rIns="90000" tIns="91440" bIns="91440" anchor="t">
             <a:noAutofit/>
           </a:bodyPr>
           <a:p>
@@ -6496,15 +4800,15 @@
                 <a:latin typeface="Times New Roman"/>
                 <a:ea typeface="Nanum Myeongjo"/>
               </a:rPr>
-              <a:t> (SMMs) and applications on-device with ethically built tooling to amplify the human intelligence clinical learners with at</a:t>
+              <a:t> (SMMs) and applications on-device with ethically built tooling to amplify the human intelligence clinical learners at</a:t>
             </a:r>
             <a:endParaRPr b="0" lang="en-US" sz="1200" strike="noStrike" u="none">
               <a:solidFill>
-                <a:srgbClr val="ffffff"/>
-              </a:solidFill>
-              <a:effectLst/>
-              <a:uFillTx/>
-              <a:latin typeface="Times New Roman"/>
+                <a:srgbClr val="000000"/>
+              </a:solidFill>
+              <a:effectLst/>
+              <a:uFillTx/>
+              <a:latin typeface="Arial"/>
             </a:endParaRPr>
           </a:p>
           <a:p>
@@ -6542,30 +4846,30 @@
             </a:r>
             <a:endParaRPr b="0" lang="en-US" sz="1200" strike="noStrike" u="none">
               <a:solidFill>
-                <a:srgbClr val="ffffff"/>
-              </a:solidFill>
-              <a:effectLst/>
-              <a:uFillTx/>
-              <a:latin typeface="Times New Roman"/>
+                <a:srgbClr val="000000"/>
+              </a:solidFill>
+              <a:effectLst/>
+              <a:uFillTx/>
+              <a:latin typeface="Arial"/>
             </a:endParaRPr>
           </a:p>
         </p:txBody>
       </p:sp>
       <p:pic>
         <p:nvPicPr>
-          <p:cNvPr id="54" name="Google Shape;131;p14" descr=""/>
+          <p:cNvPr id="51" name="Google Shape;131;p14" descr=""/>
           <p:cNvPicPr/>
           <p:nvPr/>
         </p:nvPicPr>
         <p:blipFill>
           <a:blip r:embed="rId8"/>
-          <a:srcRect l="0" t="0" r="45358" b="0"/>
+          <a:srcRect l="0" t="0" r="45351" b="0"/>
           <a:stretch/>
         </p:blipFill>
         <p:spPr>
           <a:xfrm>
             <a:off x="3200400" y="2395080"/>
-            <a:ext cx="2743200" cy="2405520"/>
+            <a:ext cx="2742840" cy="2405160"/>
           </a:xfrm>
           <a:prstGeom prst="rect">
             <a:avLst/>
@@ -6578,14 +4882,14 @@
       </p:pic>
       <p:sp>
         <p:nvSpPr>
-          <p:cNvPr id="55" name="Google Shape;137;p14"/>
+          <p:cNvPr id="52" name="Google Shape;137;p14"/>
           <p:cNvSpPr/>
           <p:nvPr/>
         </p:nvSpPr>
         <p:spPr>
           <a:xfrm>
             <a:off x="6006960" y="1014480"/>
-            <a:ext cx="3044520" cy="353880"/>
+            <a:ext cx="3044160" cy="353520"/>
           </a:xfrm>
           <a:prstGeom prst="rect">
             <a:avLst/>
@@ -6602,7 +4906,7 @@
           <a:fontRef idx="minor"/>
         </p:style>
         <p:txBody>
-          <a:bodyPr tIns="91440" bIns="91440" anchor="t">
+          <a:bodyPr lIns="90000" rIns="90000" tIns="91440" bIns="91440" anchor="t">
             <a:noAutofit/>
           </a:bodyPr>
           <a:p>
@@ -6628,7 +4932,7 @@
             </a:r>
             <a:endParaRPr b="0" lang="en-US" sz="1200" strike="noStrike" u="none">
               <a:solidFill>
-                <a:srgbClr val="ffffff"/>
+                <a:srgbClr val="000000"/>
               </a:solidFill>
               <a:effectLst/>
               <a:uFillTx/>
@@ -6658,7 +4962,7 @@
             </a:r>
             <a:endParaRPr b="0" lang="en-US" sz="1300" strike="noStrike" u="none">
               <a:solidFill>
-                <a:srgbClr val="ffffff"/>
+                <a:srgbClr val="000000"/>
               </a:solidFill>
               <a:effectLst/>
               <a:uFillTx/>
@@ -6669,7 +4973,7 @@
       </p:sp>
       <p:pic>
         <p:nvPicPr>
-          <p:cNvPr id="56" name="" descr=""/>
+          <p:cNvPr id="53" name="" descr=""/>
           <p:cNvPicPr/>
           <p:nvPr/>
         </p:nvPicPr>
@@ -6680,7 +4984,7 @@
         <p:spPr>
           <a:xfrm>
             <a:off x="518400" y="219240"/>
-            <a:ext cx="787320" cy="776880"/>
+            <a:ext cx="786960" cy="776520"/>
           </a:xfrm>
           <a:prstGeom prst="rect">
             <a:avLst/>
@@ -6693,7 +4997,7 @@
       </p:pic>
       <p:pic>
         <p:nvPicPr>
-          <p:cNvPr id="57" name="" descr=""/>
+          <p:cNvPr id="54" name="" descr=""/>
           <p:cNvPicPr/>
           <p:nvPr/>
         </p:nvPicPr>
@@ -6705,7 +5009,7 @@
         <p:spPr>
           <a:xfrm>
             <a:off x="518760" y="2057400"/>
-            <a:ext cx="2052720" cy="3086280"/>
+            <a:ext cx="2052360" cy="3085920"/>
           </a:xfrm>
           <a:prstGeom prst="rect">
             <a:avLst/>
@@ -6718,7 +5022,7 @@
       </p:pic>
       <p:pic>
         <p:nvPicPr>
-          <p:cNvPr id="58" name="" descr=""/>
+          <p:cNvPr id="55" name="" descr=""/>
           <p:cNvPicPr/>
           <p:nvPr/>
         </p:nvPicPr>
@@ -6729,7 +5033,7 @@
         <p:spPr>
           <a:xfrm>
             <a:off x="6400800" y="2889720"/>
-            <a:ext cx="2274480" cy="1453680"/>
+            <a:ext cx="2274120" cy="1453320"/>
           </a:xfrm>
           <a:prstGeom prst="rect">
             <a:avLst/>

--- a/r4r.pptx
+++ b/r4r.pptx
@@ -3,19 +3,23 @@
 <p:presentation xmlns:a="http://schemas.openxmlformats.org/drawingml/2006/main" xmlns:p="http://schemas.openxmlformats.org/presentationml/2006/main" xmlns:r="http://schemas.openxmlformats.org/officeDocument/2006/relationships" xmlns:p14="http://schemas.microsoft.com/office/powerpoint/2010/main" xmlns:p15="http://schemas.microsoft.com/office/powerpoint/2012/main" xmlns:mc="http://schemas.openxmlformats.org/markup-compatibility/2006">
   <p:sldMasterIdLst>
     <p:sldMasterId id="2147483648" r:id="rId2"/>
-    <p:sldMasterId id="2147483654" r:id="rId3"/>
-    <p:sldMasterId id="2147483656" r:id="rId4"/>
-    <p:sldMasterId id="2147483658" r:id="rId5"/>
-    <p:sldMasterId id="2147483660" r:id="rId6"/>
+    <p:sldMasterId id="2147483650" r:id="rId3"/>
+    <p:sldMasterId id="2147483652" r:id="rId4"/>
+    <p:sldMasterId id="2147483654" r:id="rId5"/>
+    <p:sldMasterId id="2147483656" r:id="rId6"/>
     <p:sldMasterId id="2147483662" r:id="rId7"/>
     <p:sldMasterId id="2147483664" r:id="rId8"/>
     <p:sldMasterId id="2147483666" r:id="rId9"/>
     <p:sldMasterId id="2147483668" r:id="rId10"/>
     <p:sldMasterId id="2147483670" r:id="rId11"/>
     <p:sldMasterId id="2147483672" r:id="rId12"/>
+    <p:sldMasterId id="2147483674" r:id="rId13"/>
+    <p:sldMasterId id="2147483676" r:id="rId14"/>
+    <p:sldMasterId id="2147483678" r:id="rId15"/>
+    <p:sldMasterId id="2147483680" r:id="rId16"/>
   </p:sldMasterIdLst>
   <p:sldIdLst>
-    <p:sldId id="256" r:id="rId13"/>
+    <p:sldId id="256" r:id="rId17"/>
   </p:sldIdLst>
   <p:sldSz cx="9144000" cy="5143500"/>
   <p:notesSz cx="7772400" cy="10058400"/>
@@ -41,7 +45,7 @@
       </p:grpSpPr>
       <p:sp>
         <p:nvSpPr>
-          <p:cNvPr id="3" name="PlaceHolder 1"/>
+          <p:cNvPr id="2" name="PlaceHolder 1"/>
           <p:cNvSpPr>
             <a:spLocks noGrp="1"/>
           </p:cNvSpPr>
@@ -51,8 +55,8 @@
         </p:nvSpPr>
         <p:spPr>
           <a:xfrm>
-            <a:off x="311760" y="1457640"/>
-            <a:ext cx="8519760" cy="625320"/>
+            <a:off x="311760" y="1457280"/>
+            <a:ext cx="8519400" cy="625320"/>
           </a:xfrm>
           <a:prstGeom prst="rect">
             <a:avLst/>
@@ -95,7 +99,7 @@
         <p:txBody>
           <a:bodyPr/>
           <a:p>
-            <a:fld id="{E46BFEE4-5CD9-4932-95F1-E15E65FF452E}" type="slidenum">
+            <a:fld id="{9EE5F520-FACA-4FD1-AD35-84AC0BDDAC13}" type="slidenum">
               <a:t>&lt;#&gt;</a:t>
             </a:fld>
           </a:p>
@@ -107,8 +111,8 @@
 </file>
 
 <file path=ppt/slideLayouts/slideLayout10.xml><?xml version="1.0" encoding="utf-8"?>
-<p:sldLayout xmlns:a="http://schemas.openxmlformats.org/drawingml/2006/main" xmlns:p="http://schemas.openxmlformats.org/presentationml/2006/main" xmlns:r="http://schemas.openxmlformats.org/officeDocument/2006/relationships" xmlns:p14="http://schemas.microsoft.com/office/powerpoint/2010/main" xmlns:p15="http://schemas.microsoft.com/office/powerpoint/2012/main" xmlns:mc="http://schemas.openxmlformats.org/markup-compatibility/2006" type="twoObj" preserve="1">
-  <p:cSld name="TITLE_AND_TWO_COLUMNS">
+<p:sldLayout xmlns:a="http://schemas.openxmlformats.org/drawingml/2006/main" xmlns:p="http://schemas.openxmlformats.org/presentationml/2006/main" xmlns:r="http://schemas.openxmlformats.org/officeDocument/2006/relationships" xmlns:p14="http://schemas.microsoft.com/office/powerpoint/2010/main" xmlns:p15="http://schemas.microsoft.com/office/powerpoint/2012/main" xmlns:mc="http://schemas.openxmlformats.org/markup-compatibility/2006" type="blank" preserve="1">
+  <p:cSld name="BIG_NUMBER">
     <p:spTree>
       <p:nvGrpSpPr>
         <p:cNvPr id="1" name=""/>
@@ -125,139 +129,7 @@
       </p:grpSpPr>
       <p:sp>
         <p:nvSpPr>
-          <p:cNvPr id="23" name="PlaceHolder 1"/>
-          <p:cNvSpPr>
-            <a:spLocks noGrp="1"/>
-          </p:cNvSpPr>
-          <p:nvPr>
-            <p:ph type="title"/>
-          </p:nvPr>
-        </p:nvSpPr>
-        <p:spPr>
-          <a:xfrm>
-            <a:off x="311760" y="1457640"/>
-            <a:ext cx="8519760" cy="625320"/>
-          </a:xfrm>
-          <a:prstGeom prst="rect">
-            <a:avLst/>
-          </a:prstGeom>
-          <a:noFill/>
-          <a:ln w="0">
-            <a:noFill/>
-          </a:ln>
-        </p:spPr>
-        <p:txBody>
-          <a:bodyPr lIns="0" rIns="0" tIns="0" bIns="0" anchor="ctr">
-            <a:spAutoFit/>
-          </a:bodyPr>
-          <a:p>
-            <a:pPr indent="0" algn="ctr">
-              <a:buNone/>
-            </a:pPr>
-            <a:endParaRPr b="0" lang="en-US" sz="4400" strike="noStrike" u="none">
-              <a:solidFill>
-                <a:srgbClr val="000000"/>
-              </a:solidFill>
-              <a:effectLst/>
-              <a:uFillTx/>
-              <a:latin typeface="Arial"/>
-            </a:endParaRPr>
-          </a:p>
-        </p:txBody>
-      </p:sp>
-      <p:sp>
-        <p:nvSpPr>
-          <p:cNvPr id="24" name="PlaceHolder 2"/>
-          <p:cNvSpPr>
-            <a:spLocks noGrp="1"/>
-          </p:cNvSpPr>
-          <p:nvPr>
-            <p:ph/>
-          </p:nvPr>
-        </p:nvSpPr>
-        <p:spPr>
-          <a:xfrm>
-            <a:off x="457200" y="1203480"/>
-            <a:ext cx="4015800" cy="2982960"/>
-          </a:xfrm>
-          <a:prstGeom prst="rect">
-            <a:avLst/>
-          </a:prstGeom>
-          <a:noFill/>
-          <a:ln w="0">
-            <a:noFill/>
-          </a:ln>
-        </p:spPr>
-        <p:txBody>
-          <a:bodyPr lIns="0" rIns="0" tIns="0" bIns="0" anchor="t">
-            <a:normAutofit/>
-          </a:bodyPr>
-          <a:p>
-            <a:pPr indent="0">
-              <a:spcBef>
-                <a:spcPts val="1417"/>
-              </a:spcBef>
-              <a:buNone/>
-            </a:pPr>
-            <a:endParaRPr b="0" lang="en-US" sz="3200" strike="noStrike" u="none">
-              <a:solidFill>
-                <a:srgbClr val="000000"/>
-              </a:solidFill>
-              <a:effectLst/>
-              <a:uFillTx/>
-              <a:latin typeface="Arial"/>
-            </a:endParaRPr>
-          </a:p>
-        </p:txBody>
-      </p:sp>
-      <p:sp>
-        <p:nvSpPr>
-          <p:cNvPr id="25" name="PlaceHolder 3"/>
-          <p:cNvSpPr>
-            <a:spLocks noGrp="1"/>
-          </p:cNvSpPr>
-          <p:nvPr>
-            <p:ph/>
-          </p:nvPr>
-        </p:nvSpPr>
-        <p:spPr>
-          <a:xfrm>
-            <a:off x="4674240" y="1203480"/>
-            <a:ext cx="4015800" cy="2982960"/>
-          </a:xfrm>
-          <a:prstGeom prst="rect">
-            <a:avLst/>
-          </a:prstGeom>
-          <a:noFill/>
-          <a:ln w="0">
-            <a:noFill/>
-          </a:ln>
-        </p:spPr>
-        <p:txBody>
-          <a:bodyPr lIns="0" rIns="0" tIns="0" bIns="0" anchor="t">
-            <a:normAutofit/>
-          </a:bodyPr>
-          <a:p>
-            <a:pPr indent="0">
-              <a:spcBef>
-                <a:spcPts val="1417"/>
-              </a:spcBef>
-              <a:buNone/>
-            </a:pPr>
-            <a:endParaRPr b="0" lang="en-US" sz="3200" strike="noStrike" u="none">
-              <a:solidFill>
-                <a:srgbClr val="000000"/>
-              </a:solidFill>
-              <a:effectLst/>
-              <a:uFillTx/>
-              <a:latin typeface="Arial"/>
-            </a:endParaRPr>
-          </a:p>
-        </p:txBody>
-      </p:sp>
-      <p:sp>
-        <p:nvSpPr>
-          <p:cNvPr id="5" name="PlaceHolder 4"/>
+          <p:cNvPr id="2" name="PlaceHolder 1"/>
           <p:cNvSpPr>
             <a:spLocks noGrp="1"/>
           </p:cNvSpPr>
@@ -269,7 +141,7 @@
         <p:txBody>
           <a:bodyPr/>
           <a:p>
-            <a:fld id="{4181D241-B34D-4A13-AA5F-72BDF2928CD7}" type="slidenum">
+            <a:fld id="{2A1389AB-B3A8-4AE2-A578-EA5284BFE926}" type="slidenum">
               <a:t>&lt;#&gt;</a:t>
             </a:fld>
           </a:p>
@@ -281,8 +153,8 @@
 </file>
 
 <file path=ppt/slideLayouts/slideLayout11.xml><?xml version="1.0" encoding="utf-8"?>
-<p:sldLayout xmlns:a="http://schemas.openxmlformats.org/drawingml/2006/main" xmlns:p="http://schemas.openxmlformats.org/presentationml/2006/main" xmlns:r="http://schemas.openxmlformats.org/officeDocument/2006/relationships" xmlns:p14="http://schemas.microsoft.com/office/powerpoint/2010/main" xmlns:p15="http://schemas.microsoft.com/office/powerpoint/2012/main" xmlns:mc="http://schemas.openxmlformats.org/markup-compatibility/2006" type="titleOnly" preserve="1">
-  <p:cSld name="TITLE_ONLY">
+<p:sldLayout xmlns:a="http://schemas.openxmlformats.org/drawingml/2006/main" xmlns:p="http://schemas.openxmlformats.org/presentationml/2006/main" xmlns:r="http://schemas.openxmlformats.org/officeDocument/2006/relationships" xmlns:p14="http://schemas.microsoft.com/office/powerpoint/2010/main" xmlns:p15="http://schemas.microsoft.com/office/powerpoint/2012/main" xmlns:mc="http://schemas.openxmlformats.org/markup-compatibility/2006" type="blank" preserve="1">
+  <p:cSld name="BLANK">
     <p:spTree>
       <p:nvGrpSpPr>
         <p:cNvPr id="1" name=""/>
@@ -299,49 +171,7 @@
       </p:grpSpPr>
       <p:sp>
         <p:nvSpPr>
-          <p:cNvPr id="28" name="PlaceHolder 1"/>
-          <p:cNvSpPr>
-            <a:spLocks noGrp="1"/>
-          </p:cNvSpPr>
-          <p:nvPr>
-            <p:ph type="title"/>
-          </p:nvPr>
-        </p:nvSpPr>
-        <p:spPr>
-          <a:xfrm>
-            <a:off x="311760" y="1457640"/>
-            <a:ext cx="8519760" cy="625320"/>
-          </a:xfrm>
-          <a:prstGeom prst="rect">
-            <a:avLst/>
-          </a:prstGeom>
-          <a:noFill/>
-          <a:ln w="0">
-            <a:noFill/>
-          </a:ln>
-        </p:spPr>
-        <p:txBody>
-          <a:bodyPr lIns="0" rIns="0" tIns="0" bIns="0" anchor="ctr">
-            <a:spAutoFit/>
-          </a:bodyPr>
-          <a:p>
-            <a:pPr indent="0" algn="ctr">
-              <a:buNone/>
-            </a:pPr>
-            <a:endParaRPr b="0" lang="en-US" sz="4400" strike="noStrike" u="none">
-              <a:solidFill>
-                <a:srgbClr val="000000"/>
-              </a:solidFill>
-              <a:effectLst/>
-              <a:uFillTx/>
-              <a:latin typeface="Arial"/>
-            </a:endParaRPr>
-          </a:p>
-        </p:txBody>
-      </p:sp>
-      <p:sp>
-        <p:nvSpPr>
-          <p:cNvPr id="3" name="PlaceHolder 2"/>
+          <p:cNvPr id="2" name="PlaceHolder 1"/>
           <p:cNvSpPr>
             <a:spLocks noGrp="1"/>
           </p:cNvSpPr>
@@ -353,7 +183,7 @@
         <p:txBody>
           <a:bodyPr/>
           <a:p>
-            <a:fld id="{E5BD9D49-6F08-4A29-B826-CD4715442950}" type="slidenum">
+            <a:fld id="{3ADA1209-AEAF-4707-8797-B4B7C37F9174}" type="slidenum">
               <a:t>&lt;#&gt;</a:t>
             </a:fld>
           </a:p>
@@ -366,7 +196,7 @@
 
 <file path=ppt/slideLayouts/slideLayout12.xml><?xml version="1.0" encoding="utf-8"?>
 <p:sldLayout xmlns:a="http://schemas.openxmlformats.org/drawingml/2006/main" xmlns:p="http://schemas.openxmlformats.org/presentationml/2006/main" xmlns:r="http://schemas.openxmlformats.org/officeDocument/2006/relationships" xmlns:p14="http://schemas.microsoft.com/office/powerpoint/2010/main" xmlns:p15="http://schemas.microsoft.com/office/powerpoint/2012/main" xmlns:mc="http://schemas.openxmlformats.org/markup-compatibility/2006" type="blank" preserve="1">
-  <p:cSld name="ONE_COLUMN_TEXT">
+  <p:cSld name="SECTION_HEADER">
     <p:spTree>
       <p:nvGrpSpPr>
         <p:cNvPr id="1" name=""/>
@@ -395,7 +225,7 @@
         <p:txBody>
           <a:bodyPr/>
           <a:p>
-            <a:fld id="{7B80F0E7-B072-4AFE-8809-645B8B7C18A9}" type="slidenum">
+            <a:fld id="{39A9A4E1-78B8-4EC9-987C-7A8F468E413E}" type="slidenum">
               <a:t>&lt;#&gt;</a:t>
             </a:fld>
           </a:p>
@@ -407,8 +237,8 @@
 </file>
 
 <file path=ppt/slideLayouts/slideLayout13.xml><?xml version="1.0" encoding="utf-8"?>
-<p:sldLayout xmlns:a="http://schemas.openxmlformats.org/drawingml/2006/main" xmlns:p="http://schemas.openxmlformats.org/presentationml/2006/main" xmlns:r="http://schemas.openxmlformats.org/officeDocument/2006/relationships" xmlns:p14="http://schemas.microsoft.com/office/powerpoint/2010/main" xmlns:p15="http://schemas.microsoft.com/office/powerpoint/2012/main" xmlns:mc="http://schemas.openxmlformats.org/markup-compatibility/2006" type="blank" preserve="1">
-  <p:cSld name="MAIN_POINT">
+<p:sldLayout xmlns:a="http://schemas.openxmlformats.org/drawingml/2006/main" xmlns:p="http://schemas.openxmlformats.org/presentationml/2006/main" xmlns:r="http://schemas.openxmlformats.org/officeDocument/2006/relationships" xmlns:p14="http://schemas.microsoft.com/office/powerpoint/2010/main" xmlns:p15="http://schemas.microsoft.com/office/powerpoint/2012/main" xmlns:mc="http://schemas.openxmlformats.org/markup-compatibility/2006" type="tx" preserve="1">
+  <p:cSld name="TITLE_AND_BODY">
     <p:spTree>
       <p:nvGrpSpPr>
         <p:cNvPr id="1" name=""/>
@@ -425,7 +255,94 @@
       </p:grpSpPr>
       <p:sp>
         <p:nvSpPr>
-          <p:cNvPr id="2" name="PlaceHolder 1"/>
+          <p:cNvPr id="33" name="PlaceHolder 1"/>
+          <p:cNvSpPr>
+            <a:spLocks noGrp="1"/>
+          </p:cNvSpPr>
+          <p:nvPr>
+            <p:ph type="title"/>
+          </p:nvPr>
+        </p:nvSpPr>
+        <p:spPr>
+          <a:xfrm>
+            <a:off x="311760" y="1457280"/>
+            <a:ext cx="8519400" cy="625320"/>
+          </a:xfrm>
+          <a:prstGeom prst="rect">
+            <a:avLst/>
+          </a:prstGeom>
+          <a:noFill/>
+          <a:ln w="0">
+            <a:noFill/>
+          </a:ln>
+        </p:spPr>
+        <p:txBody>
+          <a:bodyPr lIns="0" rIns="0" tIns="0" bIns="0" anchor="ctr">
+            <a:spAutoFit/>
+          </a:bodyPr>
+          <a:p>
+            <a:pPr indent="0" algn="ctr">
+              <a:buNone/>
+            </a:pPr>
+            <a:endParaRPr b="0" lang="en-US" sz="4400" strike="noStrike" u="none">
+              <a:solidFill>
+                <a:srgbClr val="000000"/>
+              </a:solidFill>
+              <a:effectLst/>
+              <a:uFillTx/>
+              <a:latin typeface="Arial"/>
+            </a:endParaRPr>
+          </a:p>
+        </p:txBody>
+      </p:sp>
+      <p:sp>
+        <p:nvSpPr>
+          <p:cNvPr id="34" name="PlaceHolder 2"/>
+          <p:cNvSpPr>
+            <a:spLocks noGrp="1"/>
+          </p:cNvSpPr>
+          <p:nvPr>
+            <p:ph/>
+          </p:nvPr>
+        </p:nvSpPr>
+        <p:spPr>
+          <a:xfrm>
+            <a:off x="457200" y="1203480"/>
+            <a:ext cx="8229240" cy="2982960"/>
+          </a:xfrm>
+          <a:prstGeom prst="rect">
+            <a:avLst/>
+          </a:prstGeom>
+          <a:noFill/>
+          <a:ln w="0">
+            <a:noFill/>
+          </a:ln>
+        </p:spPr>
+        <p:txBody>
+          <a:bodyPr lIns="0" rIns="0" tIns="0" bIns="0" anchor="t">
+            <a:normAutofit/>
+          </a:bodyPr>
+          <a:p>
+            <a:pPr indent="0">
+              <a:spcBef>
+                <a:spcPts val="1417"/>
+              </a:spcBef>
+              <a:buNone/>
+            </a:pPr>
+            <a:endParaRPr b="0" lang="en-US" sz="3200" strike="noStrike" u="none">
+              <a:solidFill>
+                <a:srgbClr val="000000"/>
+              </a:solidFill>
+              <a:effectLst/>
+              <a:uFillTx/>
+              <a:latin typeface="Arial"/>
+            </a:endParaRPr>
+          </a:p>
+        </p:txBody>
+      </p:sp>
+      <p:sp>
+        <p:nvSpPr>
+          <p:cNvPr id="4" name="PlaceHolder 3"/>
           <p:cNvSpPr>
             <a:spLocks noGrp="1"/>
           </p:cNvSpPr>
@@ -437,7 +354,7 @@
         <p:txBody>
           <a:bodyPr/>
           <a:p>
-            <a:fld id="{B5CE766A-FC16-4B8E-AC52-FEF4E029E0DA}" type="slidenum">
+            <a:fld id="{5C035446-3B06-48A7-A5A6-1E45C2308FE0}" type="slidenum">
               <a:t>&lt;#&gt;</a:t>
             </a:fld>
           </a:p>
@@ -449,8 +366,8 @@
 </file>
 
 <file path=ppt/slideLayouts/slideLayout14.xml><?xml version="1.0" encoding="utf-8"?>
-<p:sldLayout xmlns:a="http://schemas.openxmlformats.org/drawingml/2006/main" xmlns:p="http://schemas.openxmlformats.org/presentationml/2006/main" xmlns:r="http://schemas.openxmlformats.org/officeDocument/2006/relationships" xmlns:p14="http://schemas.microsoft.com/office/powerpoint/2010/main" xmlns:p15="http://schemas.microsoft.com/office/powerpoint/2012/main" xmlns:mc="http://schemas.openxmlformats.org/markup-compatibility/2006" type="blank" preserve="1">
-  <p:cSld name="SECTION_TITLE_AND_DESCRIPTION">
+<p:sldLayout xmlns:a="http://schemas.openxmlformats.org/drawingml/2006/main" xmlns:p="http://schemas.openxmlformats.org/presentationml/2006/main" xmlns:r="http://schemas.openxmlformats.org/officeDocument/2006/relationships" xmlns:p14="http://schemas.microsoft.com/office/powerpoint/2010/main" xmlns:p15="http://schemas.microsoft.com/office/powerpoint/2012/main" xmlns:mc="http://schemas.openxmlformats.org/markup-compatibility/2006" type="twoObj" preserve="1">
+  <p:cSld name="TITLE_AND_TWO_COLUMNS">
     <p:spTree>
       <p:nvGrpSpPr>
         <p:cNvPr id="1" name=""/>
@@ -467,91 +384,7 @@
       </p:grpSpPr>
       <p:sp>
         <p:nvSpPr>
-          <p:cNvPr id="2" name="PlaceHolder 1"/>
-          <p:cNvSpPr>
-            <a:spLocks noGrp="1"/>
-          </p:cNvSpPr>
-          <p:nvPr>
-            <p:ph type="sldNum" idx="10"/>
-          </p:nvPr>
-        </p:nvSpPr>
-        <p:spPr/>
-        <p:txBody>
-          <a:bodyPr/>
-          <a:p>
-            <a:fld id="{4699140C-CCE4-4FA2-8358-1F54EC0072E1}" type="slidenum">
-              <a:t>&lt;#&gt;</a:t>
-            </a:fld>
-          </a:p>
-        </p:txBody>
-      </p:sp>
-    </p:spTree>
-  </p:cSld>
-</p:sldLayout>
-</file>
-
-<file path=ppt/slideLayouts/slideLayout15.xml><?xml version="1.0" encoding="utf-8"?>
-<p:sldLayout xmlns:a="http://schemas.openxmlformats.org/drawingml/2006/main" xmlns:p="http://schemas.openxmlformats.org/presentationml/2006/main" xmlns:r="http://schemas.openxmlformats.org/officeDocument/2006/relationships" xmlns:p14="http://schemas.microsoft.com/office/powerpoint/2010/main" xmlns:p15="http://schemas.microsoft.com/office/powerpoint/2012/main" xmlns:mc="http://schemas.openxmlformats.org/markup-compatibility/2006" type="blank" preserve="1">
-  <p:cSld name="CAPTION_ONLY">
-    <p:spTree>
-      <p:nvGrpSpPr>
-        <p:cNvPr id="1" name=""/>
-        <p:cNvGrpSpPr/>
-        <p:nvPr/>
-      </p:nvGrpSpPr>
-      <p:grpSpPr>
-        <a:xfrm>
-          <a:off x="0" y="0"/>
-          <a:ext cx="0" cy="0"/>
-          <a:chOff x="0" y="0"/>
-          <a:chExt cx="0" cy="0"/>
-        </a:xfrm>
-      </p:grpSpPr>
-      <p:sp>
-        <p:nvSpPr>
-          <p:cNvPr id="2" name="PlaceHolder 1"/>
-          <p:cNvSpPr>
-            <a:spLocks noGrp="1"/>
-          </p:cNvSpPr>
-          <p:nvPr>
-            <p:ph type="sldNum" idx="11"/>
-          </p:nvPr>
-        </p:nvSpPr>
-        <p:spPr/>
-        <p:txBody>
-          <a:bodyPr/>
-          <a:p>
-            <a:fld id="{75AC034C-DA19-4B73-97F5-ED971ECFBC56}" type="slidenum">
-              <a:t>&lt;#&gt;</a:t>
-            </a:fld>
-          </a:p>
-        </p:txBody>
-      </p:sp>
-    </p:spTree>
-  </p:cSld>
-</p:sldLayout>
-</file>
-
-<file path=ppt/slideLayouts/slideLayout2.xml><?xml version="1.0" encoding="utf-8"?>
-<p:sldLayout xmlns:a="http://schemas.openxmlformats.org/drawingml/2006/main" xmlns:p="http://schemas.openxmlformats.org/presentationml/2006/main" xmlns:r="http://schemas.openxmlformats.org/officeDocument/2006/relationships" xmlns:p14="http://schemas.microsoft.com/office/powerpoint/2010/main" xmlns:p15="http://schemas.microsoft.com/office/powerpoint/2012/main" xmlns:mc="http://schemas.openxmlformats.org/markup-compatibility/2006" type="twoObj" preserve="1">
-  <p:cSld name="TITLE">
-    <p:spTree>
-      <p:nvGrpSpPr>
-        <p:cNvPr id="1" name=""/>
-        <p:cNvGrpSpPr/>
-        <p:nvPr/>
-      </p:nvGrpSpPr>
-      <p:grpSpPr>
-        <a:xfrm>
-          <a:off x="0" y="0"/>
-          <a:ext cx="0" cy="0"/>
-          <a:chOff x="0" y="0"/>
-          <a:chExt cx="0" cy="0"/>
-        </a:xfrm>
-      </p:grpSpPr>
-      <p:sp>
-        <p:nvSpPr>
-          <p:cNvPr id="4" name="PlaceHolder 1"/>
+          <p:cNvPr id="39" name="PlaceHolder 1"/>
           <p:cNvSpPr>
             <a:spLocks noGrp="1"/>
           </p:cNvSpPr>
@@ -561,8 +394,8 @@
         </p:nvSpPr>
         <p:spPr>
           <a:xfrm>
-            <a:off x="311760" y="1457640"/>
-            <a:ext cx="8519760" cy="625320"/>
+            <a:off x="311760" y="1457280"/>
+            <a:ext cx="8519400" cy="625320"/>
           </a:xfrm>
           <a:prstGeom prst="rect">
             <a:avLst/>
@@ -593,7 +426,7 @@
       </p:sp>
       <p:sp>
         <p:nvSpPr>
-          <p:cNvPr id="5" name="PlaceHolder 2"/>
+          <p:cNvPr id="40" name="PlaceHolder 2"/>
           <p:cNvSpPr>
             <a:spLocks noGrp="1"/>
           </p:cNvSpPr>
@@ -638,7 +471,7 @@
       </p:sp>
       <p:sp>
         <p:nvSpPr>
-          <p:cNvPr id="6" name="PlaceHolder 3"/>
+          <p:cNvPr id="41" name="PlaceHolder 3"/>
           <p:cNvSpPr>
             <a:spLocks noGrp="1"/>
           </p:cNvSpPr>
@@ -688,14 +521,14 @@
             <a:spLocks noGrp="1"/>
           </p:cNvSpPr>
           <p:nvPr>
-            <p:ph type="sldNum" idx="1"/>
+            <p:ph type="sldNum" idx="10"/>
           </p:nvPr>
         </p:nvSpPr>
         <p:spPr/>
         <p:txBody>
           <a:bodyPr/>
           <a:p>
-            <a:fld id="{D172B2D4-3265-427A-BE3F-D94421EEA71A}" type="slidenum">
+            <a:fld id="{EE49A5F6-66FD-4C39-B183-CEDB599BDD1B}" type="slidenum">
               <a:t>&lt;#&gt;</a:t>
             </a:fld>
           </a:p>
@@ -706,9 +539,261 @@
 </p:sldLayout>
 </file>
 
-<file path=ppt/slideLayouts/slideLayout3.xml><?xml version="1.0" encoding="utf-8"?>
-<p:sldLayout xmlns:a="http://schemas.openxmlformats.org/drawingml/2006/main" xmlns:p="http://schemas.openxmlformats.org/presentationml/2006/main" xmlns:r="http://schemas.openxmlformats.org/officeDocument/2006/relationships" xmlns:p14="http://schemas.microsoft.com/office/powerpoint/2010/main" xmlns:p15="http://schemas.microsoft.com/office/powerpoint/2012/main" xmlns:mc="http://schemas.openxmlformats.org/markup-compatibility/2006" type="tx" preserve="1">
-  <p:cSld name="TITLE">
+<file path=ppt/slideLayouts/slideLayout15.xml><?xml version="1.0" encoding="utf-8"?>
+<p:sldLayout xmlns:a="http://schemas.openxmlformats.org/drawingml/2006/main" xmlns:p="http://schemas.openxmlformats.org/presentationml/2006/main" xmlns:r="http://schemas.openxmlformats.org/officeDocument/2006/relationships" xmlns:p14="http://schemas.microsoft.com/office/powerpoint/2010/main" xmlns:p15="http://schemas.microsoft.com/office/powerpoint/2012/main" xmlns:mc="http://schemas.openxmlformats.org/markup-compatibility/2006" type="titleOnly" preserve="1">
+  <p:cSld name="TITLE_ONLY">
+    <p:spTree>
+      <p:nvGrpSpPr>
+        <p:cNvPr id="1" name=""/>
+        <p:cNvGrpSpPr/>
+        <p:nvPr/>
+      </p:nvGrpSpPr>
+      <p:grpSpPr>
+        <a:xfrm>
+          <a:off x="0" y="0"/>
+          <a:ext cx="0" cy="0"/>
+          <a:chOff x="0" y="0"/>
+          <a:chExt cx="0" cy="0"/>
+        </a:xfrm>
+      </p:grpSpPr>
+      <p:sp>
+        <p:nvSpPr>
+          <p:cNvPr id="44" name="PlaceHolder 1"/>
+          <p:cNvSpPr>
+            <a:spLocks noGrp="1"/>
+          </p:cNvSpPr>
+          <p:nvPr>
+            <p:ph type="title"/>
+          </p:nvPr>
+        </p:nvSpPr>
+        <p:spPr>
+          <a:xfrm>
+            <a:off x="311760" y="1457280"/>
+            <a:ext cx="8519400" cy="625320"/>
+          </a:xfrm>
+          <a:prstGeom prst="rect">
+            <a:avLst/>
+          </a:prstGeom>
+          <a:noFill/>
+          <a:ln w="0">
+            <a:noFill/>
+          </a:ln>
+        </p:spPr>
+        <p:txBody>
+          <a:bodyPr lIns="0" rIns="0" tIns="0" bIns="0" anchor="ctr">
+            <a:spAutoFit/>
+          </a:bodyPr>
+          <a:p>
+            <a:pPr indent="0" algn="ctr">
+              <a:buNone/>
+            </a:pPr>
+            <a:endParaRPr b="0" lang="en-US" sz="4400" strike="noStrike" u="none">
+              <a:solidFill>
+                <a:srgbClr val="000000"/>
+              </a:solidFill>
+              <a:effectLst/>
+              <a:uFillTx/>
+              <a:latin typeface="Arial"/>
+            </a:endParaRPr>
+          </a:p>
+        </p:txBody>
+      </p:sp>
+      <p:sp>
+        <p:nvSpPr>
+          <p:cNvPr id="3" name="PlaceHolder 2"/>
+          <p:cNvSpPr>
+            <a:spLocks noGrp="1"/>
+          </p:cNvSpPr>
+          <p:nvPr>
+            <p:ph type="sldNum" idx="11"/>
+          </p:nvPr>
+        </p:nvSpPr>
+        <p:spPr/>
+        <p:txBody>
+          <a:bodyPr/>
+          <a:p>
+            <a:fld id="{5BE454F3-074D-4395-9E63-06978BCE2FB8}" type="slidenum">
+              <a:t>&lt;#&gt;</a:t>
+            </a:fld>
+          </a:p>
+        </p:txBody>
+      </p:sp>
+    </p:spTree>
+  </p:cSld>
+</p:sldLayout>
+</file>
+
+<file path=ppt/slideLayouts/slideLayout16.xml><?xml version="1.0" encoding="utf-8"?>
+<p:sldLayout xmlns:a="http://schemas.openxmlformats.org/drawingml/2006/main" xmlns:p="http://schemas.openxmlformats.org/presentationml/2006/main" xmlns:r="http://schemas.openxmlformats.org/officeDocument/2006/relationships" xmlns:p14="http://schemas.microsoft.com/office/powerpoint/2010/main" xmlns:p15="http://schemas.microsoft.com/office/powerpoint/2012/main" xmlns:mc="http://schemas.openxmlformats.org/markup-compatibility/2006" type="blank" preserve="1">
+  <p:cSld name="ONE_COLUMN_TEXT">
+    <p:spTree>
+      <p:nvGrpSpPr>
+        <p:cNvPr id="1" name=""/>
+        <p:cNvGrpSpPr/>
+        <p:nvPr/>
+      </p:nvGrpSpPr>
+      <p:grpSpPr>
+        <a:xfrm>
+          <a:off x="0" y="0"/>
+          <a:ext cx="0" cy="0"/>
+          <a:chOff x="0" y="0"/>
+          <a:chExt cx="0" cy="0"/>
+        </a:xfrm>
+      </p:grpSpPr>
+      <p:sp>
+        <p:nvSpPr>
+          <p:cNvPr id="2" name="PlaceHolder 1"/>
+          <p:cNvSpPr>
+            <a:spLocks noGrp="1"/>
+          </p:cNvSpPr>
+          <p:nvPr>
+            <p:ph type="sldNum" idx="12"/>
+          </p:nvPr>
+        </p:nvSpPr>
+        <p:spPr/>
+        <p:txBody>
+          <a:bodyPr/>
+          <a:p>
+            <a:fld id="{F3A25660-8FA5-4730-9E3B-509E11955D4E}" type="slidenum">
+              <a:t>&lt;#&gt;</a:t>
+            </a:fld>
+          </a:p>
+        </p:txBody>
+      </p:sp>
+    </p:spTree>
+  </p:cSld>
+</p:sldLayout>
+</file>
+
+<file path=ppt/slideLayouts/slideLayout17.xml><?xml version="1.0" encoding="utf-8"?>
+<p:sldLayout xmlns:a="http://schemas.openxmlformats.org/drawingml/2006/main" xmlns:p="http://schemas.openxmlformats.org/presentationml/2006/main" xmlns:r="http://schemas.openxmlformats.org/officeDocument/2006/relationships" xmlns:p14="http://schemas.microsoft.com/office/powerpoint/2010/main" xmlns:p15="http://schemas.microsoft.com/office/powerpoint/2012/main" xmlns:mc="http://schemas.openxmlformats.org/markup-compatibility/2006" type="blank" preserve="1">
+  <p:cSld name="MAIN_POINT">
+    <p:spTree>
+      <p:nvGrpSpPr>
+        <p:cNvPr id="1" name=""/>
+        <p:cNvGrpSpPr/>
+        <p:nvPr/>
+      </p:nvGrpSpPr>
+      <p:grpSpPr>
+        <a:xfrm>
+          <a:off x="0" y="0"/>
+          <a:ext cx="0" cy="0"/>
+          <a:chOff x="0" y="0"/>
+          <a:chExt cx="0" cy="0"/>
+        </a:xfrm>
+      </p:grpSpPr>
+      <p:sp>
+        <p:nvSpPr>
+          <p:cNvPr id="2" name="PlaceHolder 1"/>
+          <p:cNvSpPr>
+            <a:spLocks noGrp="1"/>
+          </p:cNvSpPr>
+          <p:nvPr>
+            <p:ph type="sldNum" idx="13"/>
+          </p:nvPr>
+        </p:nvSpPr>
+        <p:spPr/>
+        <p:txBody>
+          <a:bodyPr/>
+          <a:p>
+            <a:fld id="{6538CCFB-A25E-4C63-A430-83D486FD1D6A}" type="slidenum">
+              <a:t>&lt;#&gt;</a:t>
+            </a:fld>
+          </a:p>
+        </p:txBody>
+      </p:sp>
+    </p:spTree>
+  </p:cSld>
+</p:sldLayout>
+</file>
+
+<file path=ppt/slideLayouts/slideLayout18.xml><?xml version="1.0" encoding="utf-8"?>
+<p:sldLayout xmlns:a="http://schemas.openxmlformats.org/drawingml/2006/main" xmlns:p="http://schemas.openxmlformats.org/presentationml/2006/main" xmlns:r="http://schemas.openxmlformats.org/officeDocument/2006/relationships" xmlns:p14="http://schemas.microsoft.com/office/powerpoint/2010/main" xmlns:p15="http://schemas.microsoft.com/office/powerpoint/2012/main" xmlns:mc="http://schemas.openxmlformats.org/markup-compatibility/2006" type="blank" preserve="1">
+  <p:cSld name="SECTION_TITLE_AND_DESCRIPTION">
+    <p:spTree>
+      <p:nvGrpSpPr>
+        <p:cNvPr id="1" name=""/>
+        <p:cNvGrpSpPr/>
+        <p:nvPr/>
+      </p:nvGrpSpPr>
+      <p:grpSpPr>
+        <a:xfrm>
+          <a:off x="0" y="0"/>
+          <a:ext cx="0" cy="0"/>
+          <a:chOff x="0" y="0"/>
+          <a:chExt cx="0" cy="0"/>
+        </a:xfrm>
+      </p:grpSpPr>
+      <p:sp>
+        <p:nvSpPr>
+          <p:cNvPr id="2" name="PlaceHolder 1"/>
+          <p:cNvSpPr>
+            <a:spLocks noGrp="1"/>
+          </p:cNvSpPr>
+          <p:nvPr>
+            <p:ph type="sldNum" idx="14"/>
+          </p:nvPr>
+        </p:nvSpPr>
+        <p:spPr/>
+        <p:txBody>
+          <a:bodyPr/>
+          <a:p>
+            <a:fld id="{6CA18EB2-F8A0-4477-96AC-2D929B3E29F7}" type="slidenum">
+              <a:t>&lt;#&gt;</a:t>
+            </a:fld>
+          </a:p>
+        </p:txBody>
+      </p:sp>
+    </p:spTree>
+  </p:cSld>
+</p:sldLayout>
+</file>
+
+<file path=ppt/slideLayouts/slideLayout19.xml><?xml version="1.0" encoding="utf-8"?>
+<p:sldLayout xmlns:a="http://schemas.openxmlformats.org/drawingml/2006/main" xmlns:p="http://schemas.openxmlformats.org/presentationml/2006/main" xmlns:r="http://schemas.openxmlformats.org/officeDocument/2006/relationships" xmlns:p14="http://schemas.microsoft.com/office/powerpoint/2010/main" xmlns:p15="http://schemas.microsoft.com/office/powerpoint/2012/main" xmlns:mc="http://schemas.openxmlformats.org/markup-compatibility/2006" type="blank" preserve="1">
+  <p:cSld name="CAPTION_ONLY">
+    <p:spTree>
+      <p:nvGrpSpPr>
+        <p:cNvPr id="1" name=""/>
+        <p:cNvGrpSpPr/>
+        <p:nvPr/>
+      </p:nvGrpSpPr>
+      <p:grpSpPr>
+        <a:xfrm>
+          <a:off x="0" y="0"/>
+          <a:ext cx="0" cy="0"/>
+          <a:chOff x="0" y="0"/>
+          <a:chExt cx="0" cy="0"/>
+        </a:xfrm>
+      </p:grpSpPr>
+      <p:sp>
+        <p:nvSpPr>
+          <p:cNvPr id="2" name="PlaceHolder 1"/>
+          <p:cNvSpPr>
+            <a:spLocks noGrp="1"/>
+          </p:cNvSpPr>
+          <p:nvPr>
+            <p:ph type="sldNum" idx="15"/>
+          </p:nvPr>
+        </p:nvSpPr>
+        <p:spPr/>
+        <p:txBody>
+          <a:bodyPr/>
+          <a:p>
+            <a:fld id="{303D542C-C6FD-4040-8DFB-1F537802C82B}" type="slidenum">
+              <a:t>&lt;#&gt;</a:t>
+            </a:fld>
+          </a:p>
+        </p:txBody>
+      </p:sp>
+    </p:spTree>
+  </p:cSld>
+</p:sldLayout>
+</file>
+
+<file path=ppt/slideLayouts/slideLayout2.xml><?xml version="1.0" encoding="utf-8"?>
+<p:sldLayout xmlns:a="http://schemas.openxmlformats.org/drawingml/2006/main" xmlns:p="http://schemas.openxmlformats.org/presentationml/2006/main" xmlns:r="http://schemas.openxmlformats.org/officeDocument/2006/relationships" xmlns:p14="http://schemas.microsoft.com/office/powerpoint/2010/main" xmlns:p15="http://schemas.microsoft.com/office/powerpoint/2012/main" xmlns:mc="http://schemas.openxmlformats.org/markup-compatibility/2006" type="twoObj" preserve="1">
+  <p:cSld name="Default">
     <p:spTree>
       <p:nvGrpSpPr>
         <p:cNvPr id="1" name=""/>
@@ -735,8 +820,8 @@
         </p:nvSpPr>
         <p:spPr>
           <a:xfrm>
-            <a:off x="311760" y="1457640"/>
-            <a:ext cx="8519760" cy="625320"/>
+            <a:off x="311760" y="1457280"/>
+            <a:ext cx="8519400" cy="625320"/>
           </a:xfrm>
           <a:prstGeom prst="rect">
             <a:avLst/>
@@ -768,6 +853,180 @@
       <p:sp>
         <p:nvSpPr>
           <p:cNvPr id="8" name="PlaceHolder 2"/>
+          <p:cNvSpPr>
+            <a:spLocks noGrp="1"/>
+          </p:cNvSpPr>
+          <p:nvPr>
+            <p:ph/>
+          </p:nvPr>
+        </p:nvSpPr>
+        <p:spPr>
+          <a:xfrm>
+            <a:off x="457200" y="1203480"/>
+            <a:ext cx="4015800" cy="2982960"/>
+          </a:xfrm>
+          <a:prstGeom prst="rect">
+            <a:avLst/>
+          </a:prstGeom>
+          <a:noFill/>
+          <a:ln w="0">
+            <a:noFill/>
+          </a:ln>
+        </p:spPr>
+        <p:txBody>
+          <a:bodyPr lIns="0" rIns="0" tIns="0" bIns="0" anchor="t">
+            <a:normAutofit/>
+          </a:bodyPr>
+          <a:p>
+            <a:pPr indent="0">
+              <a:spcBef>
+                <a:spcPts val="1417"/>
+              </a:spcBef>
+              <a:buNone/>
+            </a:pPr>
+            <a:endParaRPr b="0" lang="en-US" sz="3200" strike="noStrike" u="none">
+              <a:solidFill>
+                <a:srgbClr val="000000"/>
+              </a:solidFill>
+              <a:effectLst/>
+              <a:uFillTx/>
+              <a:latin typeface="Arial"/>
+            </a:endParaRPr>
+          </a:p>
+        </p:txBody>
+      </p:sp>
+      <p:sp>
+        <p:nvSpPr>
+          <p:cNvPr id="9" name="PlaceHolder 3"/>
+          <p:cNvSpPr>
+            <a:spLocks noGrp="1"/>
+          </p:cNvSpPr>
+          <p:nvPr>
+            <p:ph/>
+          </p:nvPr>
+        </p:nvSpPr>
+        <p:spPr>
+          <a:xfrm>
+            <a:off x="4674240" y="1203480"/>
+            <a:ext cx="4015800" cy="2982960"/>
+          </a:xfrm>
+          <a:prstGeom prst="rect">
+            <a:avLst/>
+          </a:prstGeom>
+          <a:noFill/>
+          <a:ln w="0">
+            <a:noFill/>
+          </a:ln>
+        </p:spPr>
+        <p:txBody>
+          <a:bodyPr lIns="0" rIns="0" tIns="0" bIns="0" anchor="t">
+            <a:normAutofit/>
+          </a:bodyPr>
+          <a:p>
+            <a:pPr indent="0">
+              <a:spcBef>
+                <a:spcPts val="1417"/>
+              </a:spcBef>
+              <a:buNone/>
+            </a:pPr>
+            <a:endParaRPr b="0" lang="en-US" sz="3200" strike="noStrike" u="none">
+              <a:solidFill>
+                <a:srgbClr val="000000"/>
+              </a:solidFill>
+              <a:effectLst/>
+              <a:uFillTx/>
+              <a:latin typeface="Arial"/>
+            </a:endParaRPr>
+          </a:p>
+        </p:txBody>
+      </p:sp>
+      <p:sp>
+        <p:nvSpPr>
+          <p:cNvPr id="5" name="PlaceHolder 4"/>
+          <p:cNvSpPr>
+            <a:spLocks noGrp="1"/>
+          </p:cNvSpPr>
+          <p:nvPr>
+            <p:ph type="sldNum" idx="2"/>
+          </p:nvPr>
+        </p:nvSpPr>
+        <p:spPr/>
+        <p:txBody>
+          <a:bodyPr/>
+          <a:p>
+            <a:fld id="{B5DD9098-6BEB-4894-A6C0-157FB6916D78}" type="slidenum">
+              <a:t>&lt;#&gt;</a:t>
+            </a:fld>
+          </a:p>
+        </p:txBody>
+      </p:sp>
+    </p:spTree>
+  </p:cSld>
+</p:sldLayout>
+</file>
+
+<file path=ppt/slideLayouts/slideLayout3.xml><?xml version="1.0" encoding="utf-8"?>
+<p:sldLayout xmlns:a="http://schemas.openxmlformats.org/drawingml/2006/main" xmlns:p="http://schemas.openxmlformats.org/presentationml/2006/main" xmlns:r="http://schemas.openxmlformats.org/officeDocument/2006/relationships" xmlns:p14="http://schemas.microsoft.com/office/powerpoint/2010/main" xmlns:p15="http://schemas.microsoft.com/office/powerpoint/2012/main" xmlns:mc="http://schemas.openxmlformats.org/markup-compatibility/2006" type="tx" preserve="1">
+  <p:cSld name="Default 1">
+    <p:spTree>
+      <p:nvGrpSpPr>
+        <p:cNvPr id="1" name=""/>
+        <p:cNvGrpSpPr/>
+        <p:nvPr/>
+      </p:nvGrpSpPr>
+      <p:grpSpPr>
+        <a:xfrm>
+          <a:off x="0" y="0"/>
+          <a:ext cx="0" cy="0"/>
+          <a:chOff x="0" y="0"/>
+          <a:chExt cx="0" cy="0"/>
+        </a:xfrm>
+      </p:grpSpPr>
+      <p:sp>
+        <p:nvSpPr>
+          <p:cNvPr id="13" name="PlaceHolder 1"/>
+          <p:cNvSpPr>
+            <a:spLocks noGrp="1"/>
+          </p:cNvSpPr>
+          <p:nvPr>
+            <p:ph type="title"/>
+          </p:nvPr>
+        </p:nvSpPr>
+        <p:spPr>
+          <a:xfrm>
+            <a:off x="311760" y="1457280"/>
+            <a:ext cx="8519400" cy="625320"/>
+          </a:xfrm>
+          <a:prstGeom prst="rect">
+            <a:avLst/>
+          </a:prstGeom>
+          <a:noFill/>
+          <a:ln w="0">
+            <a:noFill/>
+          </a:ln>
+        </p:spPr>
+        <p:txBody>
+          <a:bodyPr lIns="0" rIns="0" tIns="0" bIns="0" anchor="ctr">
+            <a:spAutoFit/>
+          </a:bodyPr>
+          <a:p>
+            <a:pPr indent="0" algn="ctr">
+              <a:buNone/>
+            </a:pPr>
+            <a:endParaRPr b="0" lang="en-US" sz="4400" strike="noStrike" u="none">
+              <a:solidFill>
+                <a:srgbClr val="000000"/>
+              </a:solidFill>
+              <a:effectLst/>
+              <a:uFillTx/>
+              <a:latin typeface="Arial"/>
+            </a:endParaRPr>
+          </a:p>
+        </p:txBody>
+      </p:sp>
+      <p:sp>
+        <p:nvSpPr>
+          <p:cNvPr id="14" name="PlaceHolder 2"/>
           <p:cNvSpPr>
             <a:spLocks noGrp="1"/>
           </p:cNvSpPr>
@@ -817,14 +1076,14 @@
             <a:spLocks noGrp="1"/>
           </p:cNvSpPr>
           <p:nvPr>
-            <p:ph type="sldNum" idx="1"/>
+            <p:ph type="sldNum" idx="3"/>
           </p:nvPr>
         </p:nvSpPr>
         <p:spPr/>
         <p:txBody>
           <a:bodyPr/>
           <a:p>
-            <a:fld id="{BEA78F56-02B1-4B7B-8123-FA89A0E22704}" type="slidenum">
+            <a:fld id="{2F0DA2E6-3123-4232-BB82-73CAEDE4B72D}" type="slidenum">
               <a:t>&lt;#&gt;</a:t>
             </a:fld>
           </a:p>
@@ -837,259 +1096,7 @@
 
 <file path=ppt/slideLayouts/slideLayout4.xml><?xml version="1.0" encoding="utf-8"?>
 <p:sldLayout xmlns:a="http://schemas.openxmlformats.org/drawingml/2006/main" xmlns:p="http://schemas.openxmlformats.org/presentationml/2006/main" xmlns:r="http://schemas.openxmlformats.org/officeDocument/2006/relationships" xmlns:p14="http://schemas.microsoft.com/office/powerpoint/2010/main" xmlns:p15="http://schemas.microsoft.com/office/powerpoint/2012/main" xmlns:mc="http://schemas.openxmlformats.org/markup-compatibility/2006" type="blank" preserve="1">
-  <p:cSld name="TITLE">
-    <p:spTree>
-      <p:nvGrpSpPr>
-        <p:cNvPr id="1" name=""/>
-        <p:cNvGrpSpPr/>
-        <p:nvPr/>
-      </p:nvGrpSpPr>
-      <p:grpSpPr>
-        <a:xfrm>
-          <a:off x="0" y="0"/>
-          <a:ext cx="0" cy="0"/>
-          <a:chOff x="0" y="0"/>
-          <a:chExt cx="0" cy="0"/>
-        </a:xfrm>
-      </p:grpSpPr>
-      <p:sp>
-        <p:nvSpPr>
-          <p:cNvPr id="2" name="PlaceHolder 1"/>
-          <p:cNvSpPr>
-            <a:spLocks noGrp="1"/>
-          </p:cNvSpPr>
-          <p:nvPr>
-            <p:ph type="sldNum" idx="1"/>
-          </p:nvPr>
-        </p:nvSpPr>
-        <p:spPr/>
-        <p:txBody>
-          <a:bodyPr/>
-          <a:p>
-            <a:fld id="{E4913AF5-566E-4ACB-8F92-24ECC7428DA1}" type="slidenum">
-              <a:t>&lt;#&gt;</a:t>
-            </a:fld>
-          </a:p>
-        </p:txBody>
-      </p:sp>
-    </p:spTree>
-  </p:cSld>
-</p:sldLayout>
-</file>
-
-<file path=ppt/slideLayouts/slideLayout5.xml><?xml version="1.0" encoding="utf-8"?>
-<p:sldLayout xmlns:a="http://schemas.openxmlformats.org/drawingml/2006/main" xmlns:p="http://schemas.openxmlformats.org/presentationml/2006/main" xmlns:r="http://schemas.openxmlformats.org/officeDocument/2006/relationships" xmlns:p14="http://schemas.microsoft.com/office/powerpoint/2010/main" xmlns:p15="http://schemas.microsoft.com/office/powerpoint/2012/main" xmlns:mc="http://schemas.openxmlformats.org/markup-compatibility/2006" type="title" preserve="1">
-  <p:cSld name="TITLE">
-    <p:spTree>
-      <p:nvGrpSpPr>
-        <p:cNvPr id="1" name=""/>
-        <p:cNvGrpSpPr/>
-        <p:nvPr/>
-      </p:nvGrpSpPr>
-      <p:grpSpPr>
-        <a:xfrm>
-          <a:off x="0" y="0"/>
-          <a:ext cx="0" cy="0"/>
-          <a:chOff x="0" y="0"/>
-          <a:chExt cx="0" cy="0"/>
-        </a:xfrm>
-      </p:grpSpPr>
-      <p:sp>
-        <p:nvSpPr>
-          <p:cNvPr id="9" name="PlaceHolder 1"/>
-          <p:cNvSpPr>
-            <a:spLocks noGrp="1"/>
-          </p:cNvSpPr>
-          <p:nvPr>
-            <p:ph type="title"/>
-          </p:nvPr>
-        </p:nvSpPr>
-        <p:spPr>
-          <a:xfrm>
-            <a:off x="311760" y="1457640"/>
-            <a:ext cx="8519760" cy="625320"/>
-          </a:xfrm>
-          <a:prstGeom prst="rect">
-            <a:avLst/>
-          </a:prstGeom>
-          <a:noFill/>
-          <a:ln w="0">
-            <a:noFill/>
-          </a:ln>
-        </p:spPr>
-        <p:txBody>
-          <a:bodyPr lIns="0" rIns="0" tIns="0" bIns="0" anchor="ctr">
-            <a:spAutoFit/>
-          </a:bodyPr>
-          <a:p>
-            <a:pPr indent="0" algn="ctr">
-              <a:buNone/>
-            </a:pPr>
-            <a:endParaRPr b="0" lang="en-US" sz="4400" strike="noStrike" u="none">
-              <a:solidFill>
-                <a:srgbClr val="000000"/>
-              </a:solidFill>
-              <a:effectLst/>
-              <a:uFillTx/>
-              <a:latin typeface="Arial"/>
-            </a:endParaRPr>
-          </a:p>
-        </p:txBody>
-      </p:sp>
-      <p:sp>
-        <p:nvSpPr>
-          <p:cNvPr id="10" name="PlaceHolder 2"/>
-          <p:cNvSpPr>
-            <a:spLocks noGrp="1"/>
-          </p:cNvSpPr>
-          <p:nvPr>
-            <p:ph type="subTitle"/>
-          </p:nvPr>
-        </p:nvSpPr>
-        <p:spPr>
-          <a:xfrm>
-            <a:off x="457200" y="1203480"/>
-            <a:ext cx="8229240" cy="2982960"/>
-          </a:xfrm>
-          <a:prstGeom prst="rect">
-            <a:avLst/>
-          </a:prstGeom>
-          <a:noFill/>
-          <a:ln w="0">
-            <a:noFill/>
-          </a:ln>
-        </p:spPr>
-        <p:txBody>
-          <a:bodyPr lIns="0" rIns="0" tIns="0" bIns="0" anchor="ctr">
-            <a:spAutoFit/>
-          </a:bodyPr>
-          <a:p>
-            <a:pPr indent="0" algn="ctr">
-              <a:buNone/>
-            </a:pPr>
-            <a:endParaRPr b="0" lang="en-US" sz="3200" strike="noStrike" u="none">
-              <a:solidFill>
-                <a:srgbClr val="000000"/>
-              </a:solidFill>
-              <a:effectLst/>
-              <a:uFillTx/>
-              <a:latin typeface="Arial"/>
-            </a:endParaRPr>
-          </a:p>
-        </p:txBody>
-      </p:sp>
-      <p:sp>
-        <p:nvSpPr>
-          <p:cNvPr id="4" name="PlaceHolder 3"/>
-          <p:cNvSpPr>
-            <a:spLocks noGrp="1"/>
-          </p:cNvSpPr>
-          <p:nvPr>
-            <p:ph type="sldNum" idx="1"/>
-          </p:nvPr>
-        </p:nvSpPr>
-        <p:spPr/>
-        <p:txBody>
-          <a:bodyPr/>
-          <a:p>
-            <a:fld id="{3F807E36-E67F-4811-BD65-FAF1DB94E1C6}" type="slidenum">
-              <a:t>&lt;#&gt;</a:t>
-            </a:fld>
-          </a:p>
-        </p:txBody>
-      </p:sp>
-    </p:spTree>
-  </p:cSld>
-</p:sldLayout>
-</file>
-
-<file path=ppt/slideLayouts/slideLayout6.xml><?xml version="1.0" encoding="utf-8"?>
-<p:sldLayout xmlns:a="http://schemas.openxmlformats.org/drawingml/2006/main" xmlns:p="http://schemas.openxmlformats.org/presentationml/2006/main" xmlns:r="http://schemas.openxmlformats.org/officeDocument/2006/relationships" xmlns:p14="http://schemas.microsoft.com/office/powerpoint/2010/main" xmlns:p15="http://schemas.microsoft.com/office/powerpoint/2012/main" xmlns:mc="http://schemas.openxmlformats.org/markup-compatibility/2006" type="blank" preserve="1">
-  <p:cSld name="BIG_NUMBER">
-    <p:spTree>
-      <p:nvGrpSpPr>
-        <p:cNvPr id="1" name=""/>
-        <p:cNvGrpSpPr/>
-        <p:nvPr/>
-      </p:nvGrpSpPr>
-      <p:grpSpPr>
-        <a:xfrm>
-          <a:off x="0" y="0"/>
-          <a:ext cx="0" cy="0"/>
-          <a:chOff x="0" y="0"/>
-          <a:chExt cx="0" cy="0"/>
-        </a:xfrm>
-      </p:grpSpPr>
-      <p:sp>
-        <p:nvSpPr>
-          <p:cNvPr id="2" name="PlaceHolder 1"/>
-          <p:cNvSpPr>
-            <a:spLocks noGrp="1"/>
-          </p:cNvSpPr>
-          <p:nvPr>
-            <p:ph type="sldNum" idx="2"/>
-          </p:nvPr>
-        </p:nvSpPr>
-        <p:spPr/>
-        <p:txBody>
-          <a:bodyPr/>
-          <a:p>
-            <a:fld id="{A2C83517-C272-47D4-931A-FCAEC2370DC4}" type="slidenum">
-              <a:t>&lt;#&gt;</a:t>
-            </a:fld>
-          </a:p>
-        </p:txBody>
-      </p:sp>
-    </p:spTree>
-  </p:cSld>
-</p:sldLayout>
-</file>
-
-<file path=ppt/slideLayouts/slideLayout7.xml><?xml version="1.0" encoding="utf-8"?>
-<p:sldLayout xmlns:a="http://schemas.openxmlformats.org/drawingml/2006/main" xmlns:p="http://schemas.openxmlformats.org/presentationml/2006/main" xmlns:r="http://schemas.openxmlformats.org/officeDocument/2006/relationships" xmlns:p14="http://schemas.microsoft.com/office/powerpoint/2010/main" xmlns:p15="http://schemas.microsoft.com/office/powerpoint/2012/main" xmlns:mc="http://schemas.openxmlformats.org/markup-compatibility/2006" type="blank" preserve="1">
-  <p:cSld name="BLANK">
-    <p:spTree>
-      <p:nvGrpSpPr>
-        <p:cNvPr id="1" name=""/>
-        <p:cNvGrpSpPr/>
-        <p:nvPr/>
-      </p:nvGrpSpPr>
-      <p:grpSpPr>
-        <a:xfrm>
-          <a:off x="0" y="0"/>
-          <a:ext cx="0" cy="0"/>
-          <a:chOff x="0" y="0"/>
-          <a:chExt cx="0" cy="0"/>
-        </a:xfrm>
-      </p:grpSpPr>
-      <p:sp>
-        <p:nvSpPr>
-          <p:cNvPr id="2" name="PlaceHolder 1"/>
-          <p:cNvSpPr>
-            <a:spLocks noGrp="1"/>
-          </p:cNvSpPr>
-          <p:nvPr>
-            <p:ph type="sldNum" idx="3"/>
-          </p:nvPr>
-        </p:nvSpPr>
-        <p:spPr/>
-        <p:txBody>
-          <a:bodyPr/>
-          <a:p>
-            <a:fld id="{FD042D56-0FC3-45E0-B0BA-D929D5A45079}" type="slidenum">
-              <a:t>&lt;#&gt;</a:t>
-            </a:fld>
-          </a:p>
-        </p:txBody>
-      </p:sp>
-    </p:spTree>
-  </p:cSld>
-</p:sldLayout>
-</file>
-
-<file path=ppt/slideLayouts/slideLayout8.xml><?xml version="1.0" encoding="utf-8"?>
-<p:sldLayout xmlns:a="http://schemas.openxmlformats.org/drawingml/2006/main" xmlns:p="http://schemas.openxmlformats.org/presentationml/2006/main" xmlns:r="http://schemas.openxmlformats.org/officeDocument/2006/relationships" xmlns:p14="http://schemas.microsoft.com/office/powerpoint/2010/main" xmlns:p15="http://schemas.microsoft.com/office/powerpoint/2012/main" xmlns:mc="http://schemas.openxmlformats.org/markup-compatibility/2006" type="blank" preserve="1">
-  <p:cSld name="SECTION_HEADER">
+  <p:cSld name="Default 2">
     <p:spTree>
       <p:nvGrpSpPr>
         <p:cNvPr id="1" name=""/>
@@ -1118,7 +1125,7 @@
         <p:txBody>
           <a:bodyPr/>
           <a:p>
-            <a:fld id="{73F9A2D6-B66B-4777-B174-A0D466A82E3C}" type="slidenum">
+            <a:fld id="{DA404C20-90D7-492D-A13A-C620DF1075E2}" type="slidenum">
               <a:t>&lt;#&gt;</a:t>
             </a:fld>
           </a:p>
@@ -1129,9 +1136,9 @@
 </p:sldLayout>
 </file>
 
-<file path=ppt/slideLayouts/slideLayout9.xml><?xml version="1.0" encoding="utf-8"?>
-<p:sldLayout xmlns:a="http://schemas.openxmlformats.org/drawingml/2006/main" xmlns:p="http://schemas.openxmlformats.org/presentationml/2006/main" xmlns:r="http://schemas.openxmlformats.org/officeDocument/2006/relationships" xmlns:p14="http://schemas.microsoft.com/office/powerpoint/2010/main" xmlns:p15="http://schemas.microsoft.com/office/powerpoint/2012/main" xmlns:mc="http://schemas.openxmlformats.org/markup-compatibility/2006" type="tx" preserve="1">
-  <p:cSld name="TITLE_AND_BODY">
+<file path=ppt/slideLayouts/slideLayout5.xml><?xml version="1.0" encoding="utf-8"?>
+<p:sldLayout xmlns:a="http://schemas.openxmlformats.org/drawingml/2006/main" xmlns:p="http://schemas.openxmlformats.org/presentationml/2006/main" xmlns:r="http://schemas.openxmlformats.org/officeDocument/2006/relationships" xmlns:p14="http://schemas.microsoft.com/office/powerpoint/2010/main" xmlns:p15="http://schemas.microsoft.com/office/powerpoint/2012/main" xmlns:mc="http://schemas.openxmlformats.org/markup-compatibility/2006" type="blank" preserve="1">
+  <p:cSld name="Default 3">
     <p:spTree>
       <p:nvGrpSpPr>
         <p:cNvPr id="1" name=""/>
@@ -1148,7 +1155,49 @@
       </p:grpSpPr>
       <p:sp>
         <p:nvSpPr>
-          <p:cNvPr id="17" name="PlaceHolder 1"/>
+          <p:cNvPr id="2" name="PlaceHolder 1"/>
+          <p:cNvSpPr>
+            <a:spLocks noGrp="1"/>
+          </p:cNvSpPr>
+          <p:nvPr>
+            <p:ph type="sldNum" idx="5"/>
+          </p:nvPr>
+        </p:nvSpPr>
+        <p:spPr/>
+        <p:txBody>
+          <a:bodyPr/>
+          <a:p>
+            <a:fld id="{15AE974D-74CD-478A-82CE-6C6400EA9A7F}" type="slidenum">
+              <a:t>&lt;#&gt;</a:t>
+            </a:fld>
+          </a:p>
+        </p:txBody>
+      </p:sp>
+    </p:spTree>
+  </p:cSld>
+</p:sldLayout>
+</file>
+
+<file path=ppt/slideLayouts/slideLayout6.xml><?xml version="1.0" encoding="utf-8"?>
+<p:sldLayout xmlns:a="http://schemas.openxmlformats.org/drawingml/2006/main" xmlns:p="http://schemas.openxmlformats.org/presentationml/2006/main" xmlns:r="http://schemas.openxmlformats.org/officeDocument/2006/relationships" xmlns:p14="http://schemas.microsoft.com/office/powerpoint/2010/main" xmlns:p15="http://schemas.microsoft.com/office/powerpoint/2012/main" xmlns:mc="http://schemas.openxmlformats.org/markup-compatibility/2006" type="tx" preserve="1">
+  <p:cSld name="Default 3">
+    <p:spTree>
+      <p:nvGrpSpPr>
+        <p:cNvPr id="1" name=""/>
+        <p:cNvGrpSpPr/>
+        <p:nvPr/>
+      </p:nvGrpSpPr>
+      <p:grpSpPr>
+        <a:xfrm>
+          <a:off x="0" y="0"/>
+          <a:ext cx="0" cy="0"/>
+          <a:chOff x="0" y="0"/>
+          <a:chExt cx="0" cy="0"/>
+        </a:xfrm>
+      </p:grpSpPr>
+      <p:sp>
+        <p:nvSpPr>
+          <p:cNvPr id="19" name="PlaceHolder 1"/>
           <p:cNvSpPr>
             <a:spLocks noGrp="1"/>
           </p:cNvSpPr>
@@ -1158,8 +1207,8 @@
         </p:nvSpPr>
         <p:spPr>
           <a:xfrm>
-            <a:off x="311760" y="1457640"/>
-            <a:ext cx="8519760" cy="625320"/>
+            <a:off x="311760" y="1457280"/>
+            <a:ext cx="8519400" cy="625320"/>
           </a:xfrm>
           <a:prstGeom prst="rect">
             <a:avLst/>
@@ -1190,7 +1239,7 @@
       </p:sp>
       <p:sp>
         <p:nvSpPr>
-          <p:cNvPr id="18" name="PlaceHolder 2"/>
+          <p:cNvPr id="20" name="PlaceHolder 2"/>
           <p:cNvSpPr>
             <a:spLocks noGrp="1"/>
           </p:cNvSpPr>
@@ -1247,7 +1296,391 @@
         <p:txBody>
           <a:bodyPr/>
           <a:p>
-            <a:fld id="{CEAFD380-2D40-4FDA-AA6F-EEED00880ED5}" type="slidenum">
+            <a:fld id="{6AB40E92-5040-471C-9A5F-014D578E7029}" type="slidenum">
+              <a:t>&lt;#&gt;</a:t>
+            </a:fld>
+          </a:p>
+        </p:txBody>
+      </p:sp>
+    </p:spTree>
+  </p:cSld>
+</p:sldLayout>
+</file>
+
+<file path=ppt/slideLayouts/slideLayout7.xml><?xml version="1.0" encoding="utf-8"?>
+<p:sldLayout xmlns:a="http://schemas.openxmlformats.org/drawingml/2006/main" xmlns:p="http://schemas.openxmlformats.org/presentationml/2006/main" xmlns:r="http://schemas.openxmlformats.org/officeDocument/2006/relationships" xmlns:p14="http://schemas.microsoft.com/office/powerpoint/2010/main" xmlns:p15="http://schemas.microsoft.com/office/powerpoint/2012/main" xmlns:mc="http://schemas.openxmlformats.org/markup-compatibility/2006" type="twoObj" preserve="1">
+  <p:cSld name="Default 3">
+    <p:spTree>
+      <p:nvGrpSpPr>
+        <p:cNvPr id="1" name=""/>
+        <p:cNvGrpSpPr/>
+        <p:nvPr/>
+      </p:nvGrpSpPr>
+      <p:grpSpPr>
+        <a:xfrm>
+          <a:off x="0" y="0"/>
+          <a:ext cx="0" cy="0"/>
+          <a:chOff x="0" y="0"/>
+          <a:chExt cx="0" cy="0"/>
+        </a:xfrm>
+      </p:grpSpPr>
+      <p:sp>
+        <p:nvSpPr>
+          <p:cNvPr id="21" name="PlaceHolder 1"/>
+          <p:cNvSpPr>
+            <a:spLocks noGrp="1"/>
+          </p:cNvSpPr>
+          <p:nvPr>
+            <p:ph type="title"/>
+          </p:nvPr>
+        </p:nvSpPr>
+        <p:spPr>
+          <a:xfrm>
+            <a:off x="311760" y="1457280"/>
+            <a:ext cx="8519400" cy="625320"/>
+          </a:xfrm>
+          <a:prstGeom prst="rect">
+            <a:avLst/>
+          </a:prstGeom>
+          <a:noFill/>
+          <a:ln w="0">
+            <a:noFill/>
+          </a:ln>
+        </p:spPr>
+        <p:txBody>
+          <a:bodyPr lIns="0" rIns="0" tIns="0" bIns="0" anchor="ctr">
+            <a:spAutoFit/>
+          </a:bodyPr>
+          <a:p>
+            <a:pPr indent="0" algn="ctr">
+              <a:buNone/>
+            </a:pPr>
+            <a:endParaRPr b="0" lang="en-US" sz="4400" strike="noStrike" u="none">
+              <a:solidFill>
+                <a:srgbClr val="000000"/>
+              </a:solidFill>
+              <a:effectLst/>
+              <a:uFillTx/>
+              <a:latin typeface="Arial"/>
+            </a:endParaRPr>
+          </a:p>
+        </p:txBody>
+      </p:sp>
+      <p:sp>
+        <p:nvSpPr>
+          <p:cNvPr id="22" name="PlaceHolder 2"/>
+          <p:cNvSpPr>
+            <a:spLocks noGrp="1"/>
+          </p:cNvSpPr>
+          <p:nvPr>
+            <p:ph/>
+          </p:nvPr>
+        </p:nvSpPr>
+        <p:spPr>
+          <a:xfrm>
+            <a:off x="457200" y="1203480"/>
+            <a:ext cx="4015800" cy="2982960"/>
+          </a:xfrm>
+          <a:prstGeom prst="rect">
+            <a:avLst/>
+          </a:prstGeom>
+          <a:noFill/>
+          <a:ln w="0">
+            <a:noFill/>
+          </a:ln>
+        </p:spPr>
+        <p:txBody>
+          <a:bodyPr lIns="0" rIns="0" tIns="0" bIns="0" anchor="t">
+            <a:normAutofit/>
+          </a:bodyPr>
+          <a:p>
+            <a:pPr indent="0">
+              <a:spcBef>
+                <a:spcPts val="1417"/>
+              </a:spcBef>
+              <a:buNone/>
+            </a:pPr>
+            <a:endParaRPr b="0" lang="en-US" sz="3200" strike="noStrike" u="none">
+              <a:solidFill>
+                <a:srgbClr val="000000"/>
+              </a:solidFill>
+              <a:effectLst/>
+              <a:uFillTx/>
+              <a:latin typeface="Arial"/>
+            </a:endParaRPr>
+          </a:p>
+        </p:txBody>
+      </p:sp>
+      <p:sp>
+        <p:nvSpPr>
+          <p:cNvPr id="23" name="PlaceHolder 3"/>
+          <p:cNvSpPr>
+            <a:spLocks noGrp="1"/>
+          </p:cNvSpPr>
+          <p:nvPr>
+            <p:ph/>
+          </p:nvPr>
+        </p:nvSpPr>
+        <p:spPr>
+          <a:xfrm>
+            <a:off x="4674240" y="1203480"/>
+            <a:ext cx="4015800" cy="2982960"/>
+          </a:xfrm>
+          <a:prstGeom prst="rect">
+            <a:avLst/>
+          </a:prstGeom>
+          <a:noFill/>
+          <a:ln w="0">
+            <a:noFill/>
+          </a:ln>
+        </p:spPr>
+        <p:txBody>
+          <a:bodyPr lIns="0" rIns="0" tIns="0" bIns="0" anchor="t">
+            <a:normAutofit/>
+          </a:bodyPr>
+          <a:p>
+            <a:pPr indent="0">
+              <a:spcBef>
+                <a:spcPts val="1417"/>
+              </a:spcBef>
+              <a:buNone/>
+            </a:pPr>
+            <a:endParaRPr b="0" lang="en-US" sz="3200" strike="noStrike" u="none">
+              <a:solidFill>
+                <a:srgbClr val="000000"/>
+              </a:solidFill>
+              <a:effectLst/>
+              <a:uFillTx/>
+              <a:latin typeface="Arial"/>
+            </a:endParaRPr>
+          </a:p>
+        </p:txBody>
+      </p:sp>
+      <p:sp>
+        <p:nvSpPr>
+          <p:cNvPr id="5" name="PlaceHolder 4"/>
+          <p:cNvSpPr>
+            <a:spLocks noGrp="1"/>
+          </p:cNvSpPr>
+          <p:nvPr>
+            <p:ph type="sldNum" idx="5"/>
+          </p:nvPr>
+        </p:nvSpPr>
+        <p:spPr/>
+        <p:txBody>
+          <a:bodyPr/>
+          <a:p>
+            <a:fld id="{A797CC4D-1585-4599-85CA-567CB3795022}" type="slidenum">
+              <a:t>&lt;#&gt;</a:t>
+            </a:fld>
+          </a:p>
+        </p:txBody>
+      </p:sp>
+    </p:spTree>
+  </p:cSld>
+</p:sldLayout>
+</file>
+
+<file path=ppt/slideLayouts/slideLayout8.xml><?xml version="1.0" encoding="utf-8"?>
+<p:sldLayout xmlns:a="http://schemas.openxmlformats.org/drawingml/2006/main" xmlns:p="http://schemas.openxmlformats.org/presentationml/2006/main" xmlns:r="http://schemas.openxmlformats.org/officeDocument/2006/relationships" xmlns:p14="http://schemas.microsoft.com/office/powerpoint/2010/main" xmlns:p15="http://schemas.microsoft.com/office/powerpoint/2012/main" xmlns:mc="http://schemas.openxmlformats.org/markup-compatibility/2006" type="titleOnly" preserve="1">
+  <p:cSld name="Default 3">
+    <p:spTree>
+      <p:nvGrpSpPr>
+        <p:cNvPr id="1" name=""/>
+        <p:cNvGrpSpPr/>
+        <p:nvPr/>
+      </p:nvGrpSpPr>
+      <p:grpSpPr>
+        <a:xfrm>
+          <a:off x="0" y="0"/>
+          <a:ext cx="0" cy="0"/>
+          <a:chOff x="0" y="0"/>
+          <a:chExt cx="0" cy="0"/>
+        </a:xfrm>
+      </p:grpSpPr>
+      <p:sp>
+        <p:nvSpPr>
+          <p:cNvPr id="24" name="PlaceHolder 1"/>
+          <p:cNvSpPr>
+            <a:spLocks noGrp="1"/>
+          </p:cNvSpPr>
+          <p:nvPr>
+            <p:ph type="title"/>
+          </p:nvPr>
+        </p:nvSpPr>
+        <p:spPr>
+          <a:xfrm>
+            <a:off x="311760" y="1457280"/>
+            <a:ext cx="8519400" cy="625320"/>
+          </a:xfrm>
+          <a:prstGeom prst="rect">
+            <a:avLst/>
+          </a:prstGeom>
+          <a:noFill/>
+          <a:ln w="0">
+            <a:noFill/>
+          </a:ln>
+        </p:spPr>
+        <p:txBody>
+          <a:bodyPr lIns="0" rIns="0" tIns="0" bIns="0" anchor="ctr">
+            <a:spAutoFit/>
+          </a:bodyPr>
+          <a:p>
+            <a:pPr indent="0" algn="ctr">
+              <a:buNone/>
+            </a:pPr>
+            <a:endParaRPr b="0" lang="en-US" sz="4400" strike="noStrike" u="none">
+              <a:solidFill>
+                <a:srgbClr val="000000"/>
+              </a:solidFill>
+              <a:effectLst/>
+              <a:uFillTx/>
+              <a:latin typeface="Arial"/>
+            </a:endParaRPr>
+          </a:p>
+        </p:txBody>
+      </p:sp>
+      <p:sp>
+        <p:nvSpPr>
+          <p:cNvPr id="3" name="PlaceHolder 2"/>
+          <p:cNvSpPr>
+            <a:spLocks noGrp="1"/>
+          </p:cNvSpPr>
+          <p:nvPr>
+            <p:ph type="sldNum" idx="5"/>
+          </p:nvPr>
+        </p:nvSpPr>
+        <p:spPr/>
+        <p:txBody>
+          <a:bodyPr/>
+          <a:p>
+            <a:fld id="{7F1797A4-7027-4363-8B7F-DDA45DFF2D6A}" type="slidenum">
+              <a:t>&lt;#&gt;</a:t>
+            </a:fld>
+          </a:p>
+        </p:txBody>
+      </p:sp>
+    </p:spTree>
+  </p:cSld>
+</p:sldLayout>
+</file>
+
+<file path=ppt/slideLayouts/slideLayout9.xml><?xml version="1.0" encoding="utf-8"?>
+<p:sldLayout xmlns:a="http://schemas.openxmlformats.org/drawingml/2006/main" xmlns:p="http://schemas.openxmlformats.org/presentationml/2006/main" xmlns:r="http://schemas.openxmlformats.org/officeDocument/2006/relationships" xmlns:p14="http://schemas.microsoft.com/office/powerpoint/2010/main" xmlns:p15="http://schemas.microsoft.com/office/powerpoint/2012/main" xmlns:mc="http://schemas.openxmlformats.org/markup-compatibility/2006" type="title" preserve="1">
+  <p:cSld name="Default 3">
+    <p:spTree>
+      <p:nvGrpSpPr>
+        <p:cNvPr id="1" name=""/>
+        <p:cNvGrpSpPr/>
+        <p:nvPr/>
+      </p:nvGrpSpPr>
+      <p:grpSpPr>
+        <a:xfrm>
+          <a:off x="0" y="0"/>
+          <a:ext cx="0" cy="0"/>
+          <a:chOff x="0" y="0"/>
+          <a:chExt cx="0" cy="0"/>
+        </a:xfrm>
+      </p:grpSpPr>
+      <p:sp>
+        <p:nvSpPr>
+          <p:cNvPr id="25" name="PlaceHolder 1"/>
+          <p:cNvSpPr>
+            <a:spLocks noGrp="1"/>
+          </p:cNvSpPr>
+          <p:nvPr>
+            <p:ph type="title"/>
+          </p:nvPr>
+        </p:nvSpPr>
+        <p:spPr>
+          <a:xfrm>
+            <a:off x="311760" y="1457280"/>
+            <a:ext cx="8519400" cy="625320"/>
+          </a:xfrm>
+          <a:prstGeom prst="rect">
+            <a:avLst/>
+          </a:prstGeom>
+          <a:noFill/>
+          <a:ln w="0">
+            <a:noFill/>
+          </a:ln>
+        </p:spPr>
+        <p:txBody>
+          <a:bodyPr lIns="0" rIns="0" tIns="0" bIns="0" anchor="ctr">
+            <a:spAutoFit/>
+          </a:bodyPr>
+          <a:p>
+            <a:pPr indent="0" algn="ctr">
+              <a:buNone/>
+            </a:pPr>
+            <a:endParaRPr b="0" lang="en-US" sz="4400" strike="noStrike" u="none">
+              <a:solidFill>
+                <a:srgbClr val="000000"/>
+              </a:solidFill>
+              <a:effectLst/>
+              <a:uFillTx/>
+              <a:latin typeface="Arial"/>
+            </a:endParaRPr>
+          </a:p>
+        </p:txBody>
+      </p:sp>
+      <p:sp>
+        <p:nvSpPr>
+          <p:cNvPr id="26" name="PlaceHolder 2"/>
+          <p:cNvSpPr>
+            <a:spLocks noGrp="1"/>
+          </p:cNvSpPr>
+          <p:nvPr>
+            <p:ph type="subTitle"/>
+          </p:nvPr>
+        </p:nvSpPr>
+        <p:spPr>
+          <a:xfrm>
+            <a:off x="457200" y="1203480"/>
+            <a:ext cx="8229240" cy="2982960"/>
+          </a:xfrm>
+          <a:prstGeom prst="rect">
+            <a:avLst/>
+          </a:prstGeom>
+          <a:noFill/>
+          <a:ln w="0">
+            <a:noFill/>
+          </a:ln>
+        </p:spPr>
+        <p:txBody>
+          <a:bodyPr lIns="0" rIns="0" tIns="0" bIns="0" anchor="ctr">
+            <a:spAutoFit/>
+          </a:bodyPr>
+          <a:p>
+            <a:pPr indent="0" algn="ctr">
+              <a:buNone/>
+            </a:pPr>
+            <a:endParaRPr b="0" lang="en-US" sz="3200" strike="noStrike" u="none">
+              <a:solidFill>
+                <a:srgbClr val="000000"/>
+              </a:solidFill>
+              <a:effectLst/>
+              <a:uFillTx/>
+              <a:latin typeface="Arial"/>
+            </a:endParaRPr>
+          </a:p>
+        </p:txBody>
+      </p:sp>
+      <p:sp>
+        <p:nvSpPr>
+          <p:cNvPr id="4" name="PlaceHolder 3"/>
+          <p:cNvSpPr>
+            <a:spLocks noGrp="1"/>
+          </p:cNvSpPr>
+          <p:nvPr>
+            <p:ph type="sldNum" idx="5"/>
+          </p:nvPr>
+        </p:nvSpPr>
+        <p:spPr/>
+        <p:txBody>
+          <a:bodyPr/>
+          <a:p>
+            <a:fld id="{5620CACF-7B9D-4076-9559-68333D17AFA5}" type="slidenum">
               <a:t>&lt;#&gt;</a:t>
             </a:fld>
           </a:p>
@@ -1294,8 +1727,8 @@
         </p:nvSpPr>
         <p:spPr>
           <a:xfrm>
-            <a:off x="311760" y="1632960"/>
-            <a:ext cx="8519760" cy="274680"/>
+            <a:off x="311760" y="1632600"/>
+            <a:ext cx="8519400" cy="274680"/>
           </a:xfrm>
           <a:prstGeom prst="rect">
             <a:avLst/>
@@ -1348,7 +1781,7 @@
         <p:spPr>
           <a:xfrm>
             <a:off x="8472600" y="4663080"/>
-            <a:ext cx="547920" cy="392760"/>
+            <a:ext cx="547560" cy="392400"/>
           </a:xfrm>
           <a:prstGeom prst="rect">
             <a:avLst/>
@@ -1392,7 +1825,7 @@
                 <a:tab algn="l" pos="0"/>
               </a:tabLst>
             </a:pPr>
-            <a:fld id="{2578DDC4-EAB8-4766-B2DB-129D7AA637ED}" type="slidenum">
+            <a:fld id="{B7A13DDF-B2B1-4855-B345-E4402EA84627}" type="slidenum">
               <a:rPr b="0" lang="en" sz="1000" strike="noStrike" u="none">
                 <a:solidFill>
                   <a:schemeClr val="dk2"/>
@@ -1405,259 +1838,6 @@
               <a:t>&lt;number&gt;</a:t>
             </a:fld>
             <a:endParaRPr b="0" lang="en-US" sz="1000" strike="noStrike" u="none">
-              <a:solidFill>
-                <a:srgbClr val="000000"/>
-              </a:solidFill>
-              <a:effectLst/>
-              <a:uFillTx/>
-              <a:latin typeface="Times New Roman"/>
-            </a:endParaRPr>
-          </a:p>
-        </p:txBody>
-      </p:sp>
-      <p:sp>
-        <p:nvSpPr>
-          <p:cNvPr id="2" name="PlaceHolder 3"/>
-          <p:cNvSpPr>
-            <a:spLocks noGrp="1"/>
-          </p:cNvSpPr>
-          <p:nvPr>
-            <p:ph type="body"/>
-          </p:nvPr>
-        </p:nvSpPr>
-        <p:spPr>
-          <a:xfrm>
-            <a:off x="457200" y="1203480"/>
-            <a:ext cx="8229240" cy="2982960"/>
-          </a:xfrm>
-          <a:prstGeom prst="rect">
-            <a:avLst/>
-          </a:prstGeom>
-          <a:noFill/>
-          <a:ln w="0">
-            <a:noFill/>
-          </a:ln>
-        </p:spPr>
-        <p:txBody>
-          <a:bodyPr lIns="0" rIns="0" tIns="0" bIns="0" anchor="t">
-            <a:normAutofit/>
-          </a:bodyPr>
-          <a:p>
-            <a:pPr marL="432000" indent="-324000">
-              <a:spcBef>
-                <a:spcPts val="1417"/>
-              </a:spcBef>
-              <a:buClr>
-                <a:srgbClr val="000000"/>
-              </a:buClr>
-              <a:buSzPct val="45000"/>
-              <a:buFont typeface="Wingdings" charset="2"/>
-              <a:buChar char=""/>
-            </a:pPr>
-            <a:r>
-              <a:rPr b="0" lang="en-US" sz="3200" strike="noStrike" u="none">
-                <a:solidFill>
-                  <a:srgbClr val="000000"/>
-                </a:solidFill>
-                <a:effectLst/>
-                <a:uFillTx/>
-                <a:latin typeface="Arial"/>
-              </a:rPr>
-              <a:t>Click to edit the outline text format</a:t>
-            </a:r>
-            <a:endParaRPr b="0" lang="en-US" sz="3200" strike="noStrike" u="none">
-              <a:solidFill>
-                <a:srgbClr val="000000"/>
-              </a:solidFill>
-              <a:effectLst/>
-              <a:uFillTx/>
-              <a:latin typeface="Arial"/>
-            </a:endParaRPr>
-          </a:p>
-          <a:p>
-            <a:pPr lvl="1" marL="432000" indent="-216000">
-              <a:spcBef>
-                <a:spcPts val="1134"/>
-              </a:spcBef>
-              <a:buClr>
-                <a:srgbClr val="000000"/>
-              </a:buClr>
-              <a:buSzPct val="45000"/>
-              <a:buFont typeface="Wingdings" charset="2"/>
-              <a:buChar char=""/>
-            </a:pPr>
-            <a:r>
-              <a:rPr b="0" lang="en-US" sz="2800" strike="noStrike" u="none">
-                <a:solidFill>
-                  <a:srgbClr val="000000"/>
-                </a:solidFill>
-                <a:effectLst/>
-                <a:uFillTx/>
-                <a:latin typeface="Times New Roman"/>
-              </a:rPr>
-              <a:t>Second Outline Level</a:t>
-            </a:r>
-            <a:endParaRPr b="0" lang="en-US" sz="2800" strike="noStrike" u="none">
-              <a:solidFill>
-                <a:srgbClr val="000000"/>
-              </a:solidFill>
-              <a:effectLst/>
-              <a:uFillTx/>
-              <a:latin typeface="Times New Roman"/>
-            </a:endParaRPr>
-          </a:p>
-          <a:p>
-            <a:pPr lvl="2" marL="648000" indent="-216000">
-              <a:spcBef>
-                <a:spcPts val="850"/>
-              </a:spcBef>
-              <a:buClr>
-                <a:srgbClr val="000000"/>
-              </a:buClr>
-              <a:buSzPct val="45000"/>
-              <a:buFont typeface="Wingdings" charset="2"/>
-              <a:buChar char=""/>
-            </a:pPr>
-            <a:r>
-              <a:rPr b="0" lang="en-US" sz="2400" strike="noStrike" u="none">
-                <a:solidFill>
-                  <a:srgbClr val="000000"/>
-                </a:solidFill>
-                <a:effectLst/>
-                <a:uFillTx/>
-                <a:latin typeface="Times New Roman"/>
-              </a:rPr>
-              <a:t>Third Outline Level</a:t>
-            </a:r>
-            <a:endParaRPr b="0" lang="en-US" sz="2400" strike="noStrike" u="none">
-              <a:solidFill>
-                <a:srgbClr val="000000"/>
-              </a:solidFill>
-              <a:effectLst/>
-              <a:uFillTx/>
-              <a:latin typeface="Times New Roman"/>
-            </a:endParaRPr>
-          </a:p>
-          <a:p>
-            <a:pPr lvl="3" marL="864000" indent="-216000">
-              <a:spcBef>
-                <a:spcPts val="567"/>
-              </a:spcBef>
-              <a:buClr>
-                <a:srgbClr val="000000"/>
-              </a:buClr>
-              <a:buSzPct val="45000"/>
-              <a:buFont typeface="Wingdings" charset="2"/>
-              <a:buChar char=""/>
-            </a:pPr>
-            <a:r>
-              <a:rPr b="0" lang="en-US" sz="2000" strike="noStrike" u="none">
-                <a:solidFill>
-                  <a:srgbClr val="000000"/>
-                </a:solidFill>
-                <a:effectLst/>
-                <a:uFillTx/>
-                <a:latin typeface="Times New Roman"/>
-              </a:rPr>
-              <a:t>Fourth Outline Level</a:t>
-            </a:r>
-            <a:endParaRPr b="0" lang="en-US" sz="2000" strike="noStrike" u="none">
-              <a:solidFill>
-                <a:srgbClr val="000000"/>
-              </a:solidFill>
-              <a:effectLst/>
-              <a:uFillTx/>
-              <a:latin typeface="Times New Roman"/>
-            </a:endParaRPr>
-          </a:p>
-          <a:p>
-            <a:pPr lvl="4" marL="1080000" indent="-216000">
-              <a:spcBef>
-                <a:spcPts val="283"/>
-              </a:spcBef>
-              <a:buClr>
-                <a:srgbClr val="000000"/>
-              </a:buClr>
-              <a:buSzPct val="45000"/>
-              <a:buFont typeface="Wingdings" charset="2"/>
-              <a:buChar char=""/>
-            </a:pPr>
-            <a:r>
-              <a:rPr b="0" lang="en-US" sz="2000" strike="noStrike" u="none">
-                <a:solidFill>
-                  <a:srgbClr val="000000"/>
-                </a:solidFill>
-                <a:effectLst/>
-                <a:uFillTx/>
-                <a:latin typeface="Times New Roman"/>
-              </a:rPr>
-              <a:t>Fifth Outline Level</a:t>
-            </a:r>
-            <a:endParaRPr b="0" lang="en-US" sz="2000" strike="noStrike" u="none">
-              <a:solidFill>
-                <a:srgbClr val="000000"/>
-              </a:solidFill>
-              <a:effectLst/>
-              <a:uFillTx/>
-              <a:latin typeface="Times New Roman"/>
-            </a:endParaRPr>
-          </a:p>
-          <a:p>
-            <a:pPr lvl="5" marL="1296000" indent="-216000">
-              <a:spcBef>
-                <a:spcPts val="283"/>
-              </a:spcBef>
-              <a:buClr>
-                <a:srgbClr val="000000"/>
-              </a:buClr>
-              <a:buSzPct val="45000"/>
-              <a:buFont typeface="Wingdings" charset="2"/>
-              <a:buChar char=""/>
-            </a:pPr>
-            <a:r>
-              <a:rPr b="0" lang="en-US" sz="2000" strike="noStrike" u="none">
-                <a:solidFill>
-                  <a:srgbClr val="000000"/>
-                </a:solidFill>
-                <a:effectLst/>
-                <a:uFillTx/>
-                <a:latin typeface="Times New Roman"/>
-              </a:rPr>
-              <a:t>Sixth Outline Level</a:t>
-            </a:r>
-            <a:endParaRPr b="0" lang="en-US" sz="2000" strike="noStrike" u="none">
-              <a:solidFill>
-                <a:srgbClr val="000000"/>
-              </a:solidFill>
-              <a:effectLst/>
-              <a:uFillTx/>
-              <a:latin typeface="Times New Roman"/>
-            </a:endParaRPr>
-          </a:p>
-          <a:p>
-            <a:pPr lvl="6" marL="1512000" indent="-216000">
-              <a:spcBef>
-                <a:spcPts val="283"/>
-              </a:spcBef>
-              <a:buClr>
-                <a:srgbClr val="000000"/>
-              </a:buClr>
-              <a:buSzPct val="45000"/>
-              <a:buFont typeface="Wingdings" charset="2"/>
-              <a:buChar char=""/>
-            </a:pPr>
-            <a:r>
-              <a:rPr b="0" lang="en-US" sz="2000" strike="noStrike" u="none">
-                <a:solidFill>
-                  <a:srgbClr val="000000"/>
-                </a:solidFill>
-                <a:effectLst/>
-                <a:uFillTx/>
-                <a:latin typeface="Times New Roman"/>
-              </a:rPr>
-              <a:t>Seventh Outline Level</a:t>
-            </a:r>
-            <a:endParaRPr b="0" lang="en-US" sz="2000" strike="noStrike" u="none">
               <a:solidFill>
                 <a:srgbClr val="000000"/>
               </a:solidFill>
@@ -1673,10 +1853,6 @@
   <p:clrMap bg1="lt1" tx1="dk1" bg2="dk2" tx2="lt2" accent1="accent1" accent2="accent2" accent3="accent3" accent4="accent4" accent5="accent5" accent6="accent6" hlink="hlink" folHlink="folHlink"/>
   <p:sldLayoutIdLst>
     <p:sldLayoutId id="2147483649" r:id="rId2"/>
-    <p:sldLayoutId id="2147483650" r:id="rId3"/>
-    <p:sldLayoutId id="2147483651" r:id="rId4"/>
-    <p:sldLayoutId id="2147483652" r:id="rId5"/>
-    <p:sldLayoutId id="2147483653" r:id="rId6"/>
   </p:sldLayoutIdLst>
 </p:sldMaster>
 </file>
@@ -1707,45 +1883,47 @@
       </p:grpSpPr>
       <p:sp>
         <p:nvSpPr>
-          <p:cNvPr id="31" name="Google Shape;36;p9"/>
-          <p:cNvSpPr/>
-          <p:nvPr/>
+          <p:cNvPr id="35" name="PlaceHolder 1"/>
+          <p:cNvSpPr>
+            <a:spLocks noGrp="1"/>
+          </p:cNvSpPr>
+          <p:nvPr>
+            <p:ph type="title"/>
+          </p:nvPr>
         </p:nvSpPr>
         <p:spPr>
           <a:xfrm>
-            <a:off x="4572000" y="0"/>
-            <a:ext cx="4571280" cy="5142960"/>
+            <a:off x="311760" y="1632600"/>
+            <a:ext cx="8519400" cy="274680"/>
           </a:xfrm>
           <a:prstGeom prst="rect">
             <a:avLst/>
           </a:prstGeom>
-          <a:solidFill>
-            <a:schemeClr val="lt2"/>
-          </a:solidFill>
+          <a:noFill/>
           <a:ln w="0">
             <a:noFill/>
           </a:ln>
         </p:spPr>
-        <p:style>
-          <a:lnRef idx="0"/>
-          <a:fillRef idx="0"/>
-          <a:effectRef idx="0"/>
-          <a:fontRef idx="minor"/>
-        </p:style>
         <p:txBody>
-          <a:bodyPr lIns="90000" rIns="90000" tIns="91440" bIns="91440" anchor="ctr">
-            <a:noAutofit/>
+          <a:bodyPr lIns="0" rIns="0" tIns="0" bIns="0" anchor="ctr">
+            <a:spAutoFit/>
           </a:bodyPr>
           <a:p>
-            <a:pPr>
-              <a:lnSpc>
-                <a:spcPct val="100000"/>
-              </a:lnSpc>
-              <a:tabLst>
-                <a:tab algn="l" pos="0"/>
-              </a:tabLst>
-            </a:pPr>
-            <a:endParaRPr b="0" lang="en-US" sz="1400" strike="noStrike" u="none">
+            <a:pPr indent="0">
+              <a:buNone/>
+            </a:pPr>
+            <a:r>
+              <a:rPr b="0" lang="en-US" sz="1800" strike="noStrike" u="none">
+                <a:solidFill>
+                  <a:srgbClr val="000000"/>
+                </a:solidFill>
+                <a:effectLst/>
+                <a:uFillTx/>
+                <a:latin typeface="Arial"/>
+              </a:rPr>
+              <a:t>Click to edit the title text format</a:t>
+            </a:r>
+            <a:endParaRPr b="0" lang="en-US" sz="1800" strike="noStrike" u="none">
               <a:solidFill>
                 <a:srgbClr val="000000"/>
               </a:solidFill>
@@ -1758,7 +1936,513 @@
       </p:sp>
       <p:sp>
         <p:nvSpPr>
-          <p:cNvPr id="32" name="PlaceHolder 1"/>
+          <p:cNvPr id="36" name="PlaceHolder 2"/>
+          <p:cNvSpPr>
+            <a:spLocks noGrp="1"/>
+          </p:cNvSpPr>
+          <p:nvPr>
+            <p:ph type="body"/>
+          </p:nvPr>
+        </p:nvSpPr>
+        <p:spPr>
+          <a:xfrm>
+            <a:off x="457200" y="1203480"/>
+            <a:ext cx="4015440" cy="2982600"/>
+          </a:xfrm>
+          <a:prstGeom prst="rect">
+            <a:avLst/>
+          </a:prstGeom>
+          <a:noFill/>
+          <a:ln w="0">
+            <a:noFill/>
+          </a:ln>
+        </p:spPr>
+        <p:txBody>
+          <a:bodyPr lIns="0" rIns="0" tIns="0" bIns="0" anchor="t">
+            <a:normAutofit/>
+          </a:bodyPr>
+          <a:p>
+            <a:pPr marL="432000" indent="-324000">
+              <a:spcBef>
+                <a:spcPts val="1417"/>
+              </a:spcBef>
+              <a:buClr>
+                <a:srgbClr val="000000"/>
+              </a:buClr>
+              <a:buSzPct val="45000"/>
+              <a:buFont typeface="Wingdings" charset="2"/>
+              <a:buChar char=""/>
+            </a:pPr>
+            <a:r>
+              <a:rPr b="0" lang="en-US" sz="1800" strike="noStrike" u="none">
+                <a:solidFill>
+                  <a:srgbClr val="000000"/>
+                </a:solidFill>
+                <a:effectLst/>
+                <a:uFillTx/>
+                <a:latin typeface="Arial"/>
+              </a:rPr>
+              <a:t>Click to edit the outline text format</a:t>
+            </a:r>
+            <a:endParaRPr b="0" lang="en-US" sz="1800" strike="noStrike" u="none">
+              <a:solidFill>
+                <a:srgbClr val="000000"/>
+              </a:solidFill>
+              <a:effectLst/>
+              <a:uFillTx/>
+              <a:latin typeface="Arial"/>
+            </a:endParaRPr>
+          </a:p>
+          <a:p>
+            <a:pPr lvl="1" marL="432000" indent="-216000">
+              <a:spcBef>
+                <a:spcPts val="1134"/>
+              </a:spcBef>
+              <a:buClr>
+                <a:srgbClr val="000000"/>
+              </a:buClr>
+              <a:buSzPct val="45000"/>
+              <a:buFont typeface="Wingdings" charset="2"/>
+              <a:buChar char=""/>
+            </a:pPr>
+            <a:r>
+              <a:rPr b="0" lang="en-US" sz="1800" strike="noStrike" u="none">
+                <a:solidFill>
+                  <a:srgbClr val="000000"/>
+                </a:solidFill>
+                <a:effectLst/>
+                <a:uFillTx/>
+                <a:latin typeface="Times New Roman"/>
+              </a:rPr>
+              <a:t>Second Outline Level</a:t>
+            </a:r>
+            <a:endParaRPr b="0" lang="en-US" sz="1800" strike="noStrike" u="none">
+              <a:solidFill>
+                <a:srgbClr val="000000"/>
+              </a:solidFill>
+              <a:effectLst/>
+              <a:uFillTx/>
+              <a:latin typeface="Times New Roman"/>
+            </a:endParaRPr>
+          </a:p>
+          <a:p>
+            <a:pPr lvl="2" marL="648000" indent="-216000">
+              <a:spcBef>
+                <a:spcPts val="850"/>
+              </a:spcBef>
+              <a:buClr>
+                <a:srgbClr val="000000"/>
+              </a:buClr>
+              <a:buSzPct val="45000"/>
+              <a:buFont typeface="Wingdings" charset="2"/>
+              <a:buChar char=""/>
+            </a:pPr>
+            <a:r>
+              <a:rPr b="0" lang="en-US" sz="1800" strike="noStrike" u="none">
+                <a:solidFill>
+                  <a:srgbClr val="000000"/>
+                </a:solidFill>
+                <a:effectLst/>
+                <a:uFillTx/>
+                <a:latin typeface="Times New Roman"/>
+              </a:rPr>
+              <a:t>Third Outline Level</a:t>
+            </a:r>
+            <a:endParaRPr b="0" lang="en-US" sz="1800" strike="noStrike" u="none">
+              <a:solidFill>
+                <a:srgbClr val="000000"/>
+              </a:solidFill>
+              <a:effectLst/>
+              <a:uFillTx/>
+              <a:latin typeface="Times New Roman"/>
+            </a:endParaRPr>
+          </a:p>
+          <a:p>
+            <a:pPr lvl="3" marL="864000" indent="-216000">
+              <a:spcBef>
+                <a:spcPts val="567"/>
+              </a:spcBef>
+              <a:buClr>
+                <a:srgbClr val="000000"/>
+              </a:buClr>
+              <a:buSzPct val="45000"/>
+              <a:buFont typeface="Wingdings" charset="2"/>
+              <a:buChar char=""/>
+            </a:pPr>
+            <a:r>
+              <a:rPr b="0" lang="en-US" sz="1800" strike="noStrike" u="none">
+                <a:solidFill>
+                  <a:srgbClr val="000000"/>
+                </a:solidFill>
+                <a:effectLst/>
+                <a:uFillTx/>
+                <a:latin typeface="Times New Roman"/>
+              </a:rPr>
+              <a:t>Fourth Outline Level</a:t>
+            </a:r>
+            <a:endParaRPr b="0" lang="en-US" sz="1800" strike="noStrike" u="none">
+              <a:solidFill>
+                <a:srgbClr val="000000"/>
+              </a:solidFill>
+              <a:effectLst/>
+              <a:uFillTx/>
+              <a:latin typeface="Times New Roman"/>
+            </a:endParaRPr>
+          </a:p>
+          <a:p>
+            <a:pPr lvl="4" marL="1080000" indent="-216000">
+              <a:spcBef>
+                <a:spcPts val="283"/>
+              </a:spcBef>
+              <a:buClr>
+                <a:srgbClr val="000000"/>
+              </a:buClr>
+              <a:buSzPct val="45000"/>
+              <a:buFont typeface="Wingdings" charset="2"/>
+              <a:buChar char=""/>
+            </a:pPr>
+            <a:r>
+              <a:rPr b="0" lang="en-US" sz="1800" strike="noStrike" u="none">
+                <a:solidFill>
+                  <a:srgbClr val="000000"/>
+                </a:solidFill>
+                <a:effectLst/>
+                <a:uFillTx/>
+                <a:latin typeface="Times New Roman"/>
+              </a:rPr>
+              <a:t>Fifth Outline Level</a:t>
+            </a:r>
+            <a:endParaRPr b="0" lang="en-US" sz="1800" strike="noStrike" u="none">
+              <a:solidFill>
+                <a:srgbClr val="000000"/>
+              </a:solidFill>
+              <a:effectLst/>
+              <a:uFillTx/>
+              <a:latin typeface="Times New Roman"/>
+            </a:endParaRPr>
+          </a:p>
+          <a:p>
+            <a:pPr lvl="5" marL="1296000" indent="-216000">
+              <a:spcBef>
+                <a:spcPts val="283"/>
+              </a:spcBef>
+              <a:buClr>
+                <a:srgbClr val="000000"/>
+              </a:buClr>
+              <a:buSzPct val="45000"/>
+              <a:buFont typeface="Wingdings" charset="2"/>
+              <a:buChar char=""/>
+            </a:pPr>
+            <a:r>
+              <a:rPr b="0" lang="en-US" sz="1800" strike="noStrike" u="none">
+                <a:solidFill>
+                  <a:srgbClr val="000000"/>
+                </a:solidFill>
+                <a:effectLst/>
+                <a:uFillTx/>
+                <a:latin typeface="Times New Roman"/>
+              </a:rPr>
+              <a:t>Sixth Outline Level</a:t>
+            </a:r>
+            <a:endParaRPr b="0" lang="en-US" sz="1800" strike="noStrike" u="none">
+              <a:solidFill>
+                <a:srgbClr val="000000"/>
+              </a:solidFill>
+              <a:effectLst/>
+              <a:uFillTx/>
+              <a:latin typeface="Times New Roman"/>
+            </a:endParaRPr>
+          </a:p>
+          <a:p>
+            <a:pPr lvl="6" marL="1512000" indent="-216000">
+              <a:spcBef>
+                <a:spcPts val="283"/>
+              </a:spcBef>
+              <a:buClr>
+                <a:srgbClr val="000000"/>
+              </a:buClr>
+              <a:buSzPct val="45000"/>
+              <a:buFont typeface="Wingdings" charset="2"/>
+              <a:buChar char=""/>
+            </a:pPr>
+            <a:r>
+              <a:rPr b="0" lang="en-US" sz="1800" strike="noStrike" u="none">
+                <a:solidFill>
+                  <a:srgbClr val="000000"/>
+                </a:solidFill>
+                <a:effectLst/>
+                <a:uFillTx/>
+                <a:latin typeface="Times New Roman"/>
+              </a:rPr>
+              <a:t>Seventh Outline Level</a:t>
+            </a:r>
+            <a:endParaRPr b="0" lang="en-US" sz="1800" strike="noStrike" u="none">
+              <a:solidFill>
+                <a:srgbClr val="000000"/>
+              </a:solidFill>
+              <a:effectLst/>
+              <a:uFillTx/>
+              <a:latin typeface="Times New Roman"/>
+            </a:endParaRPr>
+          </a:p>
+        </p:txBody>
+      </p:sp>
+      <p:sp>
+        <p:nvSpPr>
+          <p:cNvPr id="37" name="PlaceHolder 3"/>
+          <p:cNvSpPr>
+            <a:spLocks noGrp="1"/>
+          </p:cNvSpPr>
+          <p:nvPr>
+            <p:ph type="body"/>
+          </p:nvPr>
+        </p:nvSpPr>
+        <p:spPr>
+          <a:xfrm>
+            <a:off x="4674240" y="1203480"/>
+            <a:ext cx="4015440" cy="2982600"/>
+          </a:xfrm>
+          <a:prstGeom prst="rect">
+            <a:avLst/>
+          </a:prstGeom>
+          <a:noFill/>
+          <a:ln w="0">
+            <a:noFill/>
+          </a:ln>
+        </p:spPr>
+        <p:txBody>
+          <a:bodyPr lIns="0" rIns="0" tIns="0" bIns="0" anchor="t">
+            <a:normAutofit/>
+          </a:bodyPr>
+          <a:p>
+            <a:pPr marL="432000" indent="-324000">
+              <a:spcBef>
+                <a:spcPts val="1417"/>
+              </a:spcBef>
+              <a:buClr>
+                <a:srgbClr val="000000"/>
+              </a:buClr>
+              <a:buSzPct val="45000"/>
+              <a:buFont typeface="Wingdings" charset="2"/>
+              <a:buChar char=""/>
+            </a:pPr>
+            <a:r>
+              <a:rPr b="0" lang="en-US" sz="1800" strike="noStrike" u="none">
+                <a:solidFill>
+                  <a:srgbClr val="000000"/>
+                </a:solidFill>
+                <a:effectLst/>
+                <a:uFillTx/>
+                <a:latin typeface="Arial"/>
+              </a:rPr>
+              <a:t>Click to edit the outline text format</a:t>
+            </a:r>
+            <a:endParaRPr b="0" lang="en-US" sz="1800" strike="noStrike" u="none">
+              <a:solidFill>
+                <a:srgbClr val="000000"/>
+              </a:solidFill>
+              <a:effectLst/>
+              <a:uFillTx/>
+              <a:latin typeface="Arial"/>
+            </a:endParaRPr>
+          </a:p>
+          <a:p>
+            <a:pPr lvl="1" marL="432000" indent="-216000">
+              <a:spcBef>
+                <a:spcPts val="1134"/>
+              </a:spcBef>
+              <a:buClr>
+                <a:srgbClr val="000000"/>
+              </a:buClr>
+              <a:buSzPct val="45000"/>
+              <a:buFont typeface="Wingdings" charset="2"/>
+              <a:buChar char=""/>
+            </a:pPr>
+            <a:r>
+              <a:rPr b="0" lang="en-US" sz="1800" strike="noStrike" u="none">
+                <a:solidFill>
+                  <a:srgbClr val="000000"/>
+                </a:solidFill>
+                <a:effectLst/>
+                <a:uFillTx/>
+                <a:latin typeface="Times New Roman"/>
+              </a:rPr>
+              <a:t>Second Outline Level</a:t>
+            </a:r>
+            <a:endParaRPr b="0" lang="en-US" sz="1800" strike="noStrike" u="none">
+              <a:solidFill>
+                <a:srgbClr val="000000"/>
+              </a:solidFill>
+              <a:effectLst/>
+              <a:uFillTx/>
+              <a:latin typeface="Times New Roman"/>
+            </a:endParaRPr>
+          </a:p>
+          <a:p>
+            <a:pPr lvl="2" marL="648000" indent="-216000">
+              <a:spcBef>
+                <a:spcPts val="850"/>
+              </a:spcBef>
+              <a:buClr>
+                <a:srgbClr val="000000"/>
+              </a:buClr>
+              <a:buSzPct val="45000"/>
+              <a:buFont typeface="Wingdings" charset="2"/>
+              <a:buChar char=""/>
+            </a:pPr>
+            <a:r>
+              <a:rPr b="0" lang="en-US" sz="1800" strike="noStrike" u="none">
+                <a:solidFill>
+                  <a:srgbClr val="000000"/>
+                </a:solidFill>
+                <a:effectLst/>
+                <a:uFillTx/>
+                <a:latin typeface="Times New Roman"/>
+              </a:rPr>
+              <a:t>Third Outline Level</a:t>
+            </a:r>
+            <a:endParaRPr b="0" lang="en-US" sz="1800" strike="noStrike" u="none">
+              <a:solidFill>
+                <a:srgbClr val="000000"/>
+              </a:solidFill>
+              <a:effectLst/>
+              <a:uFillTx/>
+              <a:latin typeface="Times New Roman"/>
+            </a:endParaRPr>
+          </a:p>
+          <a:p>
+            <a:pPr lvl="3" marL="864000" indent="-216000">
+              <a:spcBef>
+                <a:spcPts val="567"/>
+              </a:spcBef>
+              <a:buClr>
+                <a:srgbClr val="000000"/>
+              </a:buClr>
+              <a:buSzPct val="45000"/>
+              <a:buFont typeface="Wingdings" charset="2"/>
+              <a:buChar char=""/>
+            </a:pPr>
+            <a:r>
+              <a:rPr b="0" lang="en-US" sz="1800" strike="noStrike" u="none">
+                <a:solidFill>
+                  <a:srgbClr val="000000"/>
+                </a:solidFill>
+                <a:effectLst/>
+                <a:uFillTx/>
+                <a:latin typeface="Times New Roman"/>
+              </a:rPr>
+              <a:t>Fourth Outline Level</a:t>
+            </a:r>
+            <a:endParaRPr b="0" lang="en-US" sz="1800" strike="noStrike" u="none">
+              <a:solidFill>
+                <a:srgbClr val="000000"/>
+              </a:solidFill>
+              <a:effectLst/>
+              <a:uFillTx/>
+              <a:latin typeface="Times New Roman"/>
+            </a:endParaRPr>
+          </a:p>
+          <a:p>
+            <a:pPr lvl="4" marL="1080000" indent="-216000">
+              <a:spcBef>
+                <a:spcPts val="283"/>
+              </a:spcBef>
+              <a:buClr>
+                <a:srgbClr val="000000"/>
+              </a:buClr>
+              <a:buSzPct val="45000"/>
+              <a:buFont typeface="Wingdings" charset="2"/>
+              <a:buChar char=""/>
+            </a:pPr>
+            <a:r>
+              <a:rPr b="0" lang="en-US" sz="1800" strike="noStrike" u="none">
+                <a:solidFill>
+                  <a:srgbClr val="000000"/>
+                </a:solidFill>
+                <a:effectLst/>
+                <a:uFillTx/>
+                <a:latin typeface="Times New Roman"/>
+              </a:rPr>
+              <a:t>Fifth Outline Level</a:t>
+            </a:r>
+            <a:endParaRPr b="0" lang="en-US" sz="1800" strike="noStrike" u="none">
+              <a:solidFill>
+                <a:srgbClr val="000000"/>
+              </a:solidFill>
+              <a:effectLst/>
+              <a:uFillTx/>
+              <a:latin typeface="Times New Roman"/>
+            </a:endParaRPr>
+          </a:p>
+          <a:p>
+            <a:pPr lvl="5" marL="1296000" indent="-216000">
+              <a:spcBef>
+                <a:spcPts val="283"/>
+              </a:spcBef>
+              <a:buClr>
+                <a:srgbClr val="000000"/>
+              </a:buClr>
+              <a:buSzPct val="45000"/>
+              <a:buFont typeface="Wingdings" charset="2"/>
+              <a:buChar char=""/>
+            </a:pPr>
+            <a:r>
+              <a:rPr b="0" lang="en-US" sz="1800" strike="noStrike" u="none">
+                <a:solidFill>
+                  <a:srgbClr val="000000"/>
+                </a:solidFill>
+                <a:effectLst/>
+                <a:uFillTx/>
+                <a:latin typeface="Times New Roman"/>
+              </a:rPr>
+              <a:t>Sixth Outline Level</a:t>
+            </a:r>
+            <a:endParaRPr b="0" lang="en-US" sz="1800" strike="noStrike" u="none">
+              <a:solidFill>
+                <a:srgbClr val="000000"/>
+              </a:solidFill>
+              <a:effectLst/>
+              <a:uFillTx/>
+              <a:latin typeface="Times New Roman"/>
+            </a:endParaRPr>
+          </a:p>
+          <a:p>
+            <a:pPr lvl="6" marL="1512000" indent="-216000">
+              <a:spcBef>
+                <a:spcPts val="283"/>
+              </a:spcBef>
+              <a:buClr>
+                <a:srgbClr val="000000"/>
+              </a:buClr>
+              <a:buSzPct val="45000"/>
+              <a:buFont typeface="Wingdings" charset="2"/>
+              <a:buChar char=""/>
+            </a:pPr>
+            <a:r>
+              <a:rPr b="0" lang="en-US" sz="1800" strike="noStrike" u="none">
+                <a:solidFill>
+                  <a:srgbClr val="000000"/>
+                </a:solidFill>
+                <a:effectLst/>
+                <a:uFillTx/>
+                <a:latin typeface="Times New Roman"/>
+              </a:rPr>
+              <a:t>Seventh Outline Level</a:t>
+            </a:r>
+            <a:endParaRPr b="0" lang="en-US" sz="1800" strike="noStrike" u="none">
+              <a:solidFill>
+                <a:srgbClr val="000000"/>
+              </a:solidFill>
+              <a:effectLst/>
+              <a:uFillTx/>
+              <a:latin typeface="Times New Roman"/>
+            </a:endParaRPr>
+          </a:p>
+        </p:txBody>
+      </p:sp>
+      <p:sp>
+        <p:nvSpPr>
+          <p:cNvPr id="38" name="PlaceHolder 4"/>
           <p:cNvSpPr>
             <a:spLocks noGrp="1"/>
           </p:cNvSpPr>
@@ -1769,7 +2453,7 @@
         <p:spPr>
           <a:xfrm>
             <a:off x="8472600" y="4663080"/>
-            <a:ext cx="547920" cy="392760"/>
+            <a:ext cx="547560" cy="392400"/>
           </a:xfrm>
           <a:prstGeom prst="rect">
             <a:avLst/>
@@ -1813,7 +2497,7 @@
                 <a:tab algn="l" pos="0"/>
               </a:tabLst>
             </a:pPr>
-            <a:fld id="{27D9A5C8-82E2-428A-8A8D-CC7CBCDEB7B8}" type="slidenum">
+            <a:fld id="{7358F3F2-1B1F-4B01-A819-9744ADF56581}" type="slidenum">
               <a:rPr b="0" lang="en" sz="1000" strike="noStrike" u="none">
                 <a:solidFill>
                   <a:schemeClr val="dk2"/>
@@ -1871,7 +2555,60 @@
       </p:grpSpPr>
       <p:sp>
         <p:nvSpPr>
-          <p:cNvPr id="33" name="PlaceHolder 1"/>
+          <p:cNvPr id="42" name="PlaceHolder 1"/>
+          <p:cNvSpPr>
+            <a:spLocks noGrp="1"/>
+          </p:cNvSpPr>
+          <p:nvPr>
+            <p:ph type="title"/>
+          </p:nvPr>
+        </p:nvSpPr>
+        <p:spPr>
+          <a:xfrm>
+            <a:off x="311760" y="1632600"/>
+            <a:ext cx="8519400" cy="274680"/>
+          </a:xfrm>
+          <a:prstGeom prst="rect">
+            <a:avLst/>
+          </a:prstGeom>
+          <a:noFill/>
+          <a:ln w="0">
+            <a:noFill/>
+          </a:ln>
+        </p:spPr>
+        <p:txBody>
+          <a:bodyPr lIns="0" rIns="0" tIns="0" bIns="0" anchor="ctr">
+            <a:spAutoFit/>
+          </a:bodyPr>
+          <a:p>
+            <a:pPr indent="0">
+              <a:buNone/>
+            </a:pPr>
+            <a:r>
+              <a:rPr b="0" lang="en-US" sz="1800" strike="noStrike" u="none">
+                <a:solidFill>
+                  <a:srgbClr val="000000"/>
+                </a:solidFill>
+                <a:effectLst/>
+                <a:uFillTx/>
+                <a:latin typeface="Arial"/>
+              </a:rPr>
+              <a:t>Click to edit the title text format</a:t>
+            </a:r>
+            <a:endParaRPr b="0" lang="en-US" sz="1800" strike="noStrike" u="none">
+              <a:solidFill>
+                <a:srgbClr val="000000"/>
+              </a:solidFill>
+              <a:effectLst/>
+              <a:uFillTx/>
+              <a:latin typeface="Arial"/>
+            </a:endParaRPr>
+          </a:p>
+        </p:txBody>
+      </p:sp>
+      <p:sp>
+        <p:nvSpPr>
+          <p:cNvPr id="43" name="PlaceHolder 2"/>
           <p:cNvSpPr>
             <a:spLocks noGrp="1"/>
           </p:cNvSpPr>
@@ -1882,7 +2619,7 @@
         <p:spPr>
           <a:xfrm>
             <a:off x="8472600" y="4663080"/>
-            <a:ext cx="547920" cy="392760"/>
+            <a:ext cx="547560" cy="392400"/>
           </a:xfrm>
           <a:prstGeom prst="rect">
             <a:avLst/>
@@ -1926,7 +2663,7 @@
                 <a:tab algn="l" pos="0"/>
               </a:tabLst>
             </a:pPr>
-            <a:fld id="{029015AC-C79D-49FA-9856-45E05C29A3C9}" type="slidenum">
+            <a:fld id="{A6C682C0-6DC2-4FC4-AAE5-2F0F8B2E8CB0}" type="slidenum">
               <a:rPr b="0" lang="en" sz="1000" strike="noStrike" u="none">
                 <a:solidFill>
                   <a:schemeClr val="dk2"/>
@@ -1936,7 +2673,7 @@
                 <a:latin typeface="Arial"/>
                 <a:ea typeface="Arial"/>
               </a:rPr>
-              <a:t>&lt;number&gt;</a:t>
+              <a:t>1</a:t>
             </a:fld>
             <a:endParaRPr b="0" lang="en-US" sz="1000" strike="noStrike" u="none">
               <a:solidFill>
@@ -1954,6 +2691,509 @@
   <p:clrMap bg1="lt1" tx1="dk1" bg2="dk2" tx2="lt2" accent1="accent1" accent2="accent2" accent3="accent3" accent4="accent4" accent5="accent5" accent6="accent6" hlink="hlink" folHlink="folHlink"/>
   <p:sldLayoutIdLst>
     <p:sldLayoutId id="2147483673" r:id="rId2"/>
+  </p:sldLayoutIdLst>
+</p:sldMaster>
+</file>
+
+<file path=ppt/slideMasters/slideMaster12.xml><?xml version="1.0" encoding="utf-8"?>
+<p:sldMaster xmlns:a="http://schemas.openxmlformats.org/drawingml/2006/main" xmlns:p="http://schemas.openxmlformats.org/presentationml/2006/main" xmlns:r="http://schemas.openxmlformats.org/officeDocument/2006/relationships" xmlns:p14="http://schemas.microsoft.com/office/powerpoint/2010/main" xmlns:p15="http://schemas.microsoft.com/office/powerpoint/2012/main" xmlns:mc="http://schemas.openxmlformats.org/markup-compatibility/2006">
+  <p:cSld>
+    <p:bg>
+      <p:bgPr>
+        <a:solidFill>
+          <a:schemeClr val="lt1"/>
+        </a:solidFill>
+      </p:bgPr>
+    </p:bg>
+    <p:spTree>
+      <p:nvGrpSpPr>
+        <p:cNvPr id="1" name=""/>
+        <p:cNvGrpSpPr/>
+        <p:nvPr/>
+      </p:nvGrpSpPr>
+      <p:grpSpPr>
+        <a:xfrm>
+          <a:off x="0" y="0"/>
+          <a:ext cx="0" cy="0"/>
+          <a:chOff x="0" y="0"/>
+          <a:chExt cx="0" cy="0"/>
+        </a:xfrm>
+      </p:grpSpPr>
+      <p:sp>
+        <p:nvSpPr>
+          <p:cNvPr id="45" name="PlaceHolder 1"/>
+          <p:cNvSpPr>
+            <a:spLocks noGrp="1"/>
+          </p:cNvSpPr>
+          <p:nvPr>
+            <p:ph type="sldNum" idx="12"/>
+          </p:nvPr>
+        </p:nvSpPr>
+        <p:spPr>
+          <a:xfrm>
+            <a:off x="8472600" y="4663080"/>
+            <a:ext cx="547560" cy="392400"/>
+          </a:xfrm>
+          <a:prstGeom prst="rect">
+            <a:avLst/>
+          </a:prstGeom>
+          <a:noFill/>
+          <a:ln w="0">
+            <a:noFill/>
+          </a:ln>
+        </p:spPr>
+        <p:txBody>
+          <a:bodyPr lIns="91440" rIns="91440" tIns="91440" bIns="91440" anchor="ctr">
+            <a:noAutofit/>
+          </a:bodyPr>
+          <a:lstStyle>
+            <a:lvl1pPr indent="0" algn="r">
+              <a:lnSpc>
+                <a:spcPct val="100000"/>
+              </a:lnSpc>
+              <a:buNone/>
+              <a:tabLst>
+                <a:tab algn="l" pos="0"/>
+              </a:tabLst>
+              <a:defRPr b="0" lang="en" sz="1000" strike="noStrike" u="none">
+                <a:solidFill>
+                  <a:schemeClr val="dk2"/>
+                </a:solidFill>
+                <a:effectLst/>
+                <a:uFillTx/>
+                <a:latin typeface="Arial"/>
+                <a:ea typeface="Arial"/>
+              </a:defRPr>
+            </a:lvl1pPr>
+          </a:lstStyle>
+          <a:p>
+            <a:pPr indent="0" algn="r">
+              <a:lnSpc>
+                <a:spcPct val="100000"/>
+              </a:lnSpc>
+              <a:buNone/>
+              <a:tabLst>
+                <a:tab algn="l" pos="0"/>
+              </a:tabLst>
+            </a:pPr>
+            <a:fld id="{ED58A699-EA36-4FAB-B698-3065BD31EC27}" type="slidenum">
+              <a:rPr b="0" lang="en" sz="1000" strike="noStrike" u="none">
+                <a:solidFill>
+                  <a:schemeClr val="dk2"/>
+                </a:solidFill>
+                <a:effectLst/>
+                <a:uFillTx/>
+                <a:latin typeface="Arial"/>
+                <a:ea typeface="Arial"/>
+              </a:rPr>
+              <a:t>1</a:t>
+            </a:fld>
+            <a:endParaRPr b="0" lang="en-US" sz="1000" strike="noStrike" u="none">
+              <a:solidFill>
+                <a:srgbClr val="000000"/>
+              </a:solidFill>
+              <a:effectLst/>
+              <a:uFillTx/>
+              <a:latin typeface="Times New Roman"/>
+            </a:endParaRPr>
+          </a:p>
+        </p:txBody>
+      </p:sp>
+    </p:spTree>
+  </p:cSld>
+  <p:clrMap bg1="lt1" tx1="dk1" bg2="dk2" tx2="lt2" accent1="accent1" accent2="accent2" accent3="accent3" accent4="accent4" accent5="accent5" accent6="accent6" hlink="hlink" folHlink="folHlink"/>
+  <p:sldLayoutIdLst>
+    <p:sldLayoutId id="2147483675" r:id="rId2"/>
+  </p:sldLayoutIdLst>
+</p:sldMaster>
+</file>
+
+<file path=ppt/slideMasters/slideMaster13.xml><?xml version="1.0" encoding="utf-8"?>
+<p:sldMaster xmlns:a="http://schemas.openxmlformats.org/drawingml/2006/main" xmlns:p="http://schemas.openxmlformats.org/presentationml/2006/main" xmlns:r="http://schemas.openxmlformats.org/officeDocument/2006/relationships" xmlns:p14="http://schemas.microsoft.com/office/powerpoint/2010/main" xmlns:p15="http://schemas.microsoft.com/office/powerpoint/2012/main" xmlns:mc="http://schemas.openxmlformats.org/markup-compatibility/2006">
+  <p:cSld>
+    <p:bg>
+      <p:bgPr>
+        <a:solidFill>
+          <a:schemeClr val="lt1"/>
+        </a:solidFill>
+      </p:bgPr>
+    </p:bg>
+    <p:spTree>
+      <p:nvGrpSpPr>
+        <p:cNvPr id="1" name=""/>
+        <p:cNvGrpSpPr/>
+        <p:nvPr/>
+      </p:nvGrpSpPr>
+      <p:grpSpPr>
+        <a:xfrm>
+          <a:off x="0" y="0"/>
+          <a:ext cx="0" cy="0"/>
+          <a:chOff x="0" y="0"/>
+          <a:chExt cx="0" cy="0"/>
+        </a:xfrm>
+      </p:grpSpPr>
+      <p:sp>
+        <p:nvSpPr>
+          <p:cNvPr id="46" name="PlaceHolder 1"/>
+          <p:cNvSpPr>
+            <a:spLocks noGrp="1"/>
+          </p:cNvSpPr>
+          <p:nvPr>
+            <p:ph type="sldNum" idx="13"/>
+          </p:nvPr>
+        </p:nvSpPr>
+        <p:spPr>
+          <a:xfrm>
+            <a:off x="8472600" y="4663080"/>
+            <a:ext cx="547560" cy="392400"/>
+          </a:xfrm>
+          <a:prstGeom prst="rect">
+            <a:avLst/>
+          </a:prstGeom>
+          <a:noFill/>
+          <a:ln w="0">
+            <a:noFill/>
+          </a:ln>
+        </p:spPr>
+        <p:txBody>
+          <a:bodyPr lIns="91440" rIns="91440" tIns="91440" bIns="91440" anchor="ctr">
+            <a:noAutofit/>
+          </a:bodyPr>
+          <a:lstStyle>
+            <a:lvl1pPr indent="0" algn="r">
+              <a:lnSpc>
+                <a:spcPct val="100000"/>
+              </a:lnSpc>
+              <a:buNone/>
+              <a:tabLst>
+                <a:tab algn="l" pos="0"/>
+              </a:tabLst>
+              <a:defRPr b="0" lang="en" sz="1000" strike="noStrike" u="none">
+                <a:solidFill>
+                  <a:schemeClr val="dk2"/>
+                </a:solidFill>
+                <a:effectLst/>
+                <a:uFillTx/>
+                <a:latin typeface="Arial"/>
+                <a:ea typeface="Arial"/>
+              </a:defRPr>
+            </a:lvl1pPr>
+          </a:lstStyle>
+          <a:p>
+            <a:pPr indent="0" algn="r">
+              <a:lnSpc>
+                <a:spcPct val="100000"/>
+              </a:lnSpc>
+              <a:buNone/>
+              <a:tabLst>
+                <a:tab algn="l" pos="0"/>
+              </a:tabLst>
+            </a:pPr>
+            <a:fld id="{4F1FBFAE-561B-475E-A887-A750C5312FE0}" type="slidenum">
+              <a:rPr b="0" lang="en" sz="1000" strike="noStrike" u="none">
+                <a:solidFill>
+                  <a:schemeClr val="dk2"/>
+                </a:solidFill>
+                <a:effectLst/>
+                <a:uFillTx/>
+                <a:latin typeface="Arial"/>
+                <a:ea typeface="Arial"/>
+              </a:rPr>
+              <a:t>1</a:t>
+            </a:fld>
+            <a:endParaRPr b="0" lang="en-US" sz="1000" strike="noStrike" u="none">
+              <a:solidFill>
+                <a:srgbClr val="000000"/>
+              </a:solidFill>
+              <a:effectLst/>
+              <a:uFillTx/>
+              <a:latin typeface="Times New Roman"/>
+            </a:endParaRPr>
+          </a:p>
+        </p:txBody>
+      </p:sp>
+    </p:spTree>
+  </p:cSld>
+  <p:clrMap bg1="lt1" tx1="dk1" bg2="dk2" tx2="lt2" accent1="accent1" accent2="accent2" accent3="accent3" accent4="accent4" accent5="accent5" accent6="accent6" hlink="hlink" folHlink="folHlink"/>
+  <p:sldLayoutIdLst>
+    <p:sldLayoutId id="2147483677" r:id="rId2"/>
+  </p:sldLayoutIdLst>
+</p:sldMaster>
+</file>
+
+<file path=ppt/slideMasters/slideMaster14.xml><?xml version="1.0" encoding="utf-8"?>
+<p:sldMaster xmlns:a="http://schemas.openxmlformats.org/drawingml/2006/main" xmlns:p="http://schemas.openxmlformats.org/presentationml/2006/main" xmlns:r="http://schemas.openxmlformats.org/officeDocument/2006/relationships" xmlns:p14="http://schemas.microsoft.com/office/powerpoint/2010/main" xmlns:p15="http://schemas.microsoft.com/office/powerpoint/2012/main" xmlns:mc="http://schemas.openxmlformats.org/markup-compatibility/2006">
+  <p:cSld>
+    <p:bg>
+      <p:bgPr>
+        <a:solidFill>
+          <a:schemeClr val="lt1"/>
+        </a:solidFill>
+      </p:bgPr>
+    </p:bg>
+    <p:spTree>
+      <p:nvGrpSpPr>
+        <p:cNvPr id="1" name=""/>
+        <p:cNvGrpSpPr/>
+        <p:nvPr/>
+      </p:nvGrpSpPr>
+      <p:grpSpPr>
+        <a:xfrm>
+          <a:off x="0" y="0"/>
+          <a:ext cx="0" cy="0"/>
+          <a:chOff x="0" y="0"/>
+          <a:chExt cx="0" cy="0"/>
+        </a:xfrm>
+      </p:grpSpPr>
+      <p:sp>
+        <p:nvSpPr>
+          <p:cNvPr id="47" name="Google Shape;36;p9"/>
+          <p:cNvSpPr/>
+          <p:nvPr/>
+        </p:nvSpPr>
+        <p:spPr>
+          <a:xfrm>
+            <a:off x="4572000" y="0"/>
+            <a:ext cx="4570920" cy="5142600"/>
+          </a:xfrm>
+          <a:prstGeom prst="rect">
+            <a:avLst/>
+          </a:prstGeom>
+          <a:solidFill>
+            <a:schemeClr val="lt2"/>
+          </a:solidFill>
+          <a:ln w="0">
+            <a:noFill/>
+          </a:ln>
+        </p:spPr>
+        <p:style>
+          <a:lnRef idx="0"/>
+          <a:fillRef idx="0"/>
+          <a:effectRef idx="0"/>
+          <a:fontRef idx="minor"/>
+        </p:style>
+        <p:txBody>
+          <a:bodyPr lIns="90000" rIns="90000" tIns="91440" bIns="91440" anchor="ctr">
+            <a:noAutofit/>
+          </a:bodyPr>
+          <a:p>
+            <a:pPr>
+              <a:lnSpc>
+                <a:spcPct val="100000"/>
+              </a:lnSpc>
+              <a:tabLst>
+                <a:tab algn="l" pos="0"/>
+              </a:tabLst>
+            </a:pPr>
+            <a:endParaRPr b="0" lang="en-US" sz="1400" strike="noStrike" u="none">
+              <a:solidFill>
+                <a:srgbClr val="000000"/>
+              </a:solidFill>
+              <a:effectLst/>
+              <a:uFillTx/>
+              <a:latin typeface="Arial"/>
+            </a:endParaRPr>
+          </a:p>
+        </p:txBody>
+      </p:sp>
+      <p:sp>
+        <p:nvSpPr>
+          <p:cNvPr id="48" name="PlaceHolder 1"/>
+          <p:cNvSpPr>
+            <a:spLocks noGrp="1"/>
+          </p:cNvSpPr>
+          <p:nvPr>
+            <p:ph type="sldNum" idx="14"/>
+          </p:nvPr>
+        </p:nvSpPr>
+        <p:spPr>
+          <a:xfrm>
+            <a:off x="8472600" y="4663080"/>
+            <a:ext cx="547560" cy="392400"/>
+          </a:xfrm>
+          <a:prstGeom prst="rect">
+            <a:avLst/>
+          </a:prstGeom>
+          <a:noFill/>
+          <a:ln w="0">
+            <a:noFill/>
+          </a:ln>
+        </p:spPr>
+        <p:txBody>
+          <a:bodyPr lIns="91440" rIns="91440" tIns="91440" bIns="91440" anchor="ctr">
+            <a:noAutofit/>
+          </a:bodyPr>
+          <a:lstStyle>
+            <a:lvl1pPr indent="0" algn="r">
+              <a:lnSpc>
+                <a:spcPct val="100000"/>
+              </a:lnSpc>
+              <a:buNone/>
+              <a:tabLst>
+                <a:tab algn="l" pos="0"/>
+              </a:tabLst>
+              <a:defRPr b="0" lang="en" sz="1000" strike="noStrike" u="none">
+                <a:solidFill>
+                  <a:schemeClr val="dk2"/>
+                </a:solidFill>
+                <a:effectLst/>
+                <a:uFillTx/>
+                <a:latin typeface="Arial"/>
+                <a:ea typeface="Arial"/>
+              </a:defRPr>
+            </a:lvl1pPr>
+          </a:lstStyle>
+          <a:p>
+            <a:pPr indent="0" algn="r">
+              <a:lnSpc>
+                <a:spcPct val="100000"/>
+              </a:lnSpc>
+              <a:buNone/>
+              <a:tabLst>
+                <a:tab algn="l" pos="0"/>
+              </a:tabLst>
+            </a:pPr>
+            <a:fld id="{DD807F83-009C-41E0-B818-5393B6FC29E9}" type="slidenum">
+              <a:rPr b="0" lang="en" sz="1000" strike="noStrike" u="none">
+                <a:solidFill>
+                  <a:schemeClr val="dk2"/>
+                </a:solidFill>
+                <a:effectLst/>
+                <a:uFillTx/>
+                <a:latin typeface="Arial"/>
+                <a:ea typeface="Arial"/>
+              </a:rPr>
+              <a:t>1</a:t>
+            </a:fld>
+            <a:endParaRPr b="0" lang="en-US" sz="1000" strike="noStrike" u="none">
+              <a:solidFill>
+                <a:srgbClr val="000000"/>
+              </a:solidFill>
+              <a:effectLst/>
+              <a:uFillTx/>
+              <a:latin typeface="Times New Roman"/>
+            </a:endParaRPr>
+          </a:p>
+        </p:txBody>
+      </p:sp>
+    </p:spTree>
+  </p:cSld>
+  <p:clrMap bg1="lt1" tx1="dk1" bg2="dk2" tx2="lt2" accent1="accent1" accent2="accent2" accent3="accent3" accent4="accent4" accent5="accent5" accent6="accent6" hlink="hlink" folHlink="folHlink"/>
+  <p:sldLayoutIdLst>
+    <p:sldLayoutId id="2147483679" r:id="rId2"/>
+  </p:sldLayoutIdLst>
+</p:sldMaster>
+</file>
+
+<file path=ppt/slideMasters/slideMaster15.xml><?xml version="1.0" encoding="utf-8"?>
+<p:sldMaster xmlns:a="http://schemas.openxmlformats.org/drawingml/2006/main" xmlns:p="http://schemas.openxmlformats.org/presentationml/2006/main" xmlns:r="http://schemas.openxmlformats.org/officeDocument/2006/relationships" xmlns:p14="http://schemas.microsoft.com/office/powerpoint/2010/main" xmlns:p15="http://schemas.microsoft.com/office/powerpoint/2012/main" xmlns:mc="http://schemas.openxmlformats.org/markup-compatibility/2006">
+  <p:cSld>
+    <p:bg>
+      <p:bgPr>
+        <a:solidFill>
+          <a:schemeClr val="lt1"/>
+        </a:solidFill>
+      </p:bgPr>
+    </p:bg>
+    <p:spTree>
+      <p:nvGrpSpPr>
+        <p:cNvPr id="1" name=""/>
+        <p:cNvGrpSpPr/>
+        <p:nvPr/>
+      </p:nvGrpSpPr>
+      <p:grpSpPr>
+        <a:xfrm>
+          <a:off x="0" y="0"/>
+          <a:ext cx="0" cy="0"/>
+          <a:chOff x="0" y="0"/>
+          <a:chExt cx="0" cy="0"/>
+        </a:xfrm>
+      </p:grpSpPr>
+      <p:sp>
+        <p:nvSpPr>
+          <p:cNvPr id="49" name="PlaceHolder 1"/>
+          <p:cNvSpPr>
+            <a:spLocks noGrp="1"/>
+          </p:cNvSpPr>
+          <p:nvPr>
+            <p:ph type="sldNum" idx="15"/>
+          </p:nvPr>
+        </p:nvSpPr>
+        <p:spPr>
+          <a:xfrm>
+            <a:off x="8472600" y="4663080"/>
+            <a:ext cx="547560" cy="392400"/>
+          </a:xfrm>
+          <a:prstGeom prst="rect">
+            <a:avLst/>
+          </a:prstGeom>
+          <a:noFill/>
+          <a:ln w="0">
+            <a:noFill/>
+          </a:ln>
+        </p:spPr>
+        <p:txBody>
+          <a:bodyPr lIns="91440" rIns="91440" tIns="91440" bIns="91440" anchor="ctr">
+            <a:noAutofit/>
+          </a:bodyPr>
+          <a:lstStyle>
+            <a:lvl1pPr indent="0" algn="r">
+              <a:lnSpc>
+                <a:spcPct val="100000"/>
+              </a:lnSpc>
+              <a:buNone/>
+              <a:tabLst>
+                <a:tab algn="l" pos="0"/>
+              </a:tabLst>
+              <a:defRPr b="0" lang="en" sz="1000" strike="noStrike" u="none">
+                <a:solidFill>
+                  <a:schemeClr val="dk2"/>
+                </a:solidFill>
+                <a:effectLst/>
+                <a:uFillTx/>
+                <a:latin typeface="Arial"/>
+                <a:ea typeface="Arial"/>
+              </a:defRPr>
+            </a:lvl1pPr>
+          </a:lstStyle>
+          <a:p>
+            <a:pPr indent="0" algn="r">
+              <a:lnSpc>
+                <a:spcPct val="100000"/>
+              </a:lnSpc>
+              <a:buNone/>
+              <a:tabLst>
+                <a:tab algn="l" pos="0"/>
+              </a:tabLst>
+            </a:pPr>
+            <a:fld id="{95CB2FF4-3213-4DDF-84D0-6E1E80A69027}" type="slidenum">
+              <a:rPr b="0" lang="en" sz="1000" strike="noStrike" u="none">
+                <a:solidFill>
+                  <a:schemeClr val="dk2"/>
+                </a:solidFill>
+                <a:effectLst/>
+                <a:uFillTx/>
+                <a:latin typeface="Arial"/>
+                <a:ea typeface="Arial"/>
+              </a:rPr>
+              <a:t>1</a:t>
+            </a:fld>
+            <a:endParaRPr b="0" lang="en-US" sz="1000" strike="noStrike" u="none">
+              <a:solidFill>
+                <a:srgbClr val="000000"/>
+              </a:solidFill>
+              <a:effectLst/>
+              <a:uFillTx/>
+              <a:latin typeface="Times New Roman"/>
+            </a:endParaRPr>
+          </a:p>
+        </p:txBody>
+      </p:sp>
+    </p:spTree>
+  </p:cSld>
+  <p:clrMap bg1="lt1" tx1="dk1" bg2="dk2" tx2="lt2" accent1="accent1" accent2="accent2" accent3="accent3" accent4="accent4" accent5="accent5" accent6="accent6" hlink="hlink" folHlink="folHlink"/>
+  <p:sldLayoutIdLst>
+    <p:sldLayoutId id="2147483681" r:id="rId2"/>
   </p:sldLayoutIdLst>
 </p:sldMaster>
 </file>
@@ -1984,7 +3224,566 @@
       </p:grpSpPr>
       <p:sp>
         <p:nvSpPr>
-          <p:cNvPr id="11" name="PlaceHolder 1"/>
+          <p:cNvPr id="3" name="PlaceHolder 1"/>
+          <p:cNvSpPr>
+            <a:spLocks noGrp="1"/>
+          </p:cNvSpPr>
+          <p:nvPr>
+            <p:ph type="title"/>
+          </p:nvPr>
+        </p:nvSpPr>
+        <p:spPr>
+          <a:xfrm>
+            <a:off x="311760" y="1632600"/>
+            <a:ext cx="8519400" cy="274680"/>
+          </a:xfrm>
+          <a:prstGeom prst="rect">
+            <a:avLst/>
+          </a:prstGeom>
+          <a:noFill/>
+          <a:ln w="0">
+            <a:noFill/>
+          </a:ln>
+        </p:spPr>
+        <p:txBody>
+          <a:bodyPr lIns="0" rIns="0" tIns="0" bIns="0" anchor="ctr">
+            <a:spAutoFit/>
+          </a:bodyPr>
+          <a:p>
+            <a:pPr indent="0">
+              <a:buNone/>
+            </a:pPr>
+            <a:r>
+              <a:rPr b="0" lang="en-US" sz="1800" strike="noStrike" u="none">
+                <a:solidFill>
+                  <a:srgbClr val="000000"/>
+                </a:solidFill>
+                <a:effectLst/>
+                <a:uFillTx/>
+                <a:latin typeface="Arial"/>
+              </a:rPr>
+              <a:t>Click to edit the title text format</a:t>
+            </a:r>
+            <a:endParaRPr b="0" lang="en-US" sz="1800" strike="noStrike" u="none">
+              <a:solidFill>
+                <a:srgbClr val="000000"/>
+              </a:solidFill>
+              <a:effectLst/>
+              <a:uFillTx/>
+              <a:latin typeface="Arial"/>
+            </a:endParaRPr>
+          </a:p>
+        </p:txBody>
+      </p:sp>
+      <p:sp>
+        <p:nvSpPr>
+          <p:cNvPr id="4" name="PlaceHolder 2"/>
+          <p:cNvSpPr>
+            <a:spLocks noGrp="1"/>
+          </p:cNvSpPr>
+          <p:nvPr>
+            <p:ph type="body"/>
+          </p:nvPr>
+        </p:nvSpPr>
+        <p:spPr>
+          <a:xfrm>
+            <a:off x="457200" y="1203480"/>
+            <a:ext cx="4015440" cy="2982600"/>
+          </a:xfrm>
+          <a:prstGeom prst="rect">
+            <a:avLst/>
+          </a:prstGeom>
+          <a:noFill/>
+          <a:ln w="0">
+            <a:noFill/>
+          </a:ln>
+        </p:spPr>
+        <p:txBody>
+          <a:bodyPr lIns="0" rIns="0" tIns="0" bIns="0" anchor="t">
+            <a:normAutofit/>
+          </a:bodyPr>
+          <a:p>
+            <a:pPr marL="432000" indent="-324000">
+              <a:spcBef>
+                <a:spcPts val="1417"/>
+              </a:spcBef>
+              <a:buClr>
+                <a:srgbClr val="000000"/>
+              </a:buClr>
+              <a:buSzPct val="45000"/>
+              <a:buFont typeface="Wingdings" charset="2"/>
+              <a:buChar char=""/>
+            </a:pPr>
+            <a:r>
+              <a:rPr b="0" lang="en-US" sz="1800" strike="noStrike" u="none">
+                <a:solidFill>
+                  <a:srgbClr val="000000"/>
+                </a:solidFill>
+                <a:effectLst/>
+                <a:uFillTx/>
+                <a:latin typeface="Arial"/>
+              </a:rPr>
+              <a:t>Click to edit the outline text format</a:t>
+            </a:r>
+            <a:endParaRPr b="0" lang="en-US" sz="1800" strike="noStrike" u="none">
+              <a:solidFill>
+                <a:srgbClr val="000000"/>
+              </a:solidFill>
+              <a:effectLst/>
+              <a:uFillTx/>
+              <a:latin typeface="Arial"/>
+            </a:endParaRPr>
+          </a:p>
+          <a:p>
+            <a:pPr lvl="1" marL="432000" indent="-216000">
+              <a:spcBef>
+                <a:spcPts val="1134"/>
+              </a:spcBef>
+              <a:buClr>
+                <a:srgbClr val="000000"/>
+              </a:buClr>
+              <a:buSzPct val="45000"/>
+              <a:buFont typeface="Wingdings" charset="2"/>
+              <a:buChar char=""/>
+            </a:pPr>
+            <a:r>
+              <a:rPr b="0" lang="en-US" sz="1800" strike="noStrike" u="none">
+                <a:solidFill>
+                  <a:srgbClr val="000000"/>
+                </a:solidFill>
+                <a:effectLst/>
+                <a:uFillTx/>
+                <a:latin typeface="Times New Roman"/>
+              </a:rPr>
+              <a:t>Second Outline Level</a:t>
+            </a:r>
+            <a:endParaRPr b="0" lang="en-US" sz="1800" strike="noStrike" u="none">
+              <a:solidFill>
+                <a:srgbClr val="000000"/>
+              </a:solidFill>
+              <a:effectLst/>
+              <a:uFillTx/>
+              <a:latin typeface="Times New Roman"/>
+            </a:endParaRPr>
+          </a:p>
+          <a:p>
+            <a:pPr lvl="2" marL="648000" indent="-216000">
+              <a:spcBef>
+                <a:spcPts val="850"/>
+              </a:spcBef>
+              <a:buClr>
+                <a:srgbClr val="000000"/>
+              </a:buClr>
+              <a:buSzPct val="45000"/>
+              <a:buFont typeface="Wingdings" charset="2"/>
+              <a:buChar char=""/>
+            </a:pPr>
+            <a:r>
+              <a:rPr b="0" lang="en-US" sz="1800" strike="noStrike" u="none">
+                <a:solidFill>
+                  <a:srgbClr val="000000"/>
+                </a:solidFill>
+                <a:effectLst/>
+                <a:uFillTx/>
+                <a:latin typeface="Times New Roman"/>
+              </a:rPr>
+              <a:t>Third Outline Level</a:t>
+            </a:r>
+            <a:endParaRPr b="0" lang="en-US" sz="1800" strike="noStrike" u="none">
+              <a:solidFill>
+                <a:srgbClr val="000000"/>
+              </a:solidFill>
+              <a:effectLst/>
+              <a:uFillTx/>
+              <a:latin typeface="Times New Roman"/>
+            </a:endParaRPr>
+          </a:p>
+          <a:p>
+            <a:pPr lvl="3" marL="864000" indent="-216000">
+              <a:spcBef>
+                <a:spcPts val="567"/>
+              </a:spcBef>
+              <a:buClr>
+                <a:srgbClr val="000000"/>
+              </a:buClr>
+              <a:buSzPct val="45000"/>
+              <a:buFont typeface="Wingdings" charset="2"/>
+              <a:buChar char=""/>
+            </a:pPr>
+            <a:r>
+              <a:rPr b="0" lang="en-US" sz="1800" strike="noStrike" u="none">
+                <a:solidFill>
+                  <a:srgbClr val="000000"/>
+                </a:solidFill>
+                <a:effectLst/>
+                <a:uFillTx/>
+                <a:latin typeface="Times New Roman"/>
+              </a:rPr>
+              <a:t>Fourth Outline Level</a:t>
+            </a:r>
+            <a:endParaRPr b="0" lang="en-US" sz="1800" strike="noStrike" u="none">
+              <a:solidFill>
+                <a:srgbClr val="000000"/>
+              </a:solidFill>
+              <a:effectLst/>
+              <a:uFillTx/>
+              <a:latin typeface="Times New Roman"/>
+            </a:endParaRPr>
+          </a:p>
+          <a:p>
+            <a:pPr lvl="4" marL="1080000" indent="-216000">
+              <a:spcBef>
+                <a:spcPts val="283"/>
+              </a:spcBef>
+              <a:buClr>
+                <a:srgbClr val="000000"/>
+              </a:buClr>
+              <a:buSzPct val="45000"/>
+              <a:buFont typeface="Wingdings" charset="2"/>
+              <a:buChar char=""/>
+            </a:pPr>
+            <a:r>
+              <a:rPr b="0" lang="en-US" sz="1800" strike="noStrike" u="none">
+                <a:solidFill>
+                  <a:srgbClr val="000000"/>
+                </a:solidFill>
+                <a:effectLst/>
+                <a:uFillTx/>
+                <a:latin typeface="Times New Roman"/>
+              </a:rPr>
+              <a:t>Fifth Outline Level</a:t>
+            </a:r>
+            <a:endParaRPr b="0" lang="en-US" sz="1800" strike="noStrike" u="none">
+              <a:solidFill>
+                <a:srgbClr val="000000"/>
+              </a:solidFill>
+              <a:effectLst/>
+              <a:uFillTx/>
+              <a:latin typeface="Times New Roman"/>
+            </a:endParaRPr>
+          </a:p>
+          <a:p>
+            <a:pPr lvl="5" marL="1296000" indent="-216000">
+              <a:spcBef>
+                <a:spcPts val="283"/>
+              </a:spcBef>
+              <a:buClr>
+                <a:srgbClr val="000000"/>
+              </a:buClr>
+              <a:buSzPct val="45000"/>
+              <a:buFont typeface="Wingdings" charset="2"/>
+              <a:buChar char=""/>
+            </a:pPr>
+            <a:r>
+              <a:rPr b="0" lang="en-US" sz="1800" strike="noStrike" u="none">
+                <a:solidFill>
+                  <a:srgbClr val="000000"/>
+                </a:solidFill>
+                <a:effectLst/>
+                <a:uFillTx/>
+                <a:latin typeface="Times New Roman"/>
+              </a:rPr>
+              <a:t>Sixth Outline Level</a:t>
+            </a:r>
+            <a:endParaRPr b="0" lang="en-US" sz="1800" strike="noStrike" u="none">
+              <a:solidFill>
+                <a:srgbClr val="000000"/>
+              </a:solidFill>
+              <a:effectLst/>
+              <a:uFillTx/>
+              <a:latin typeface="Times New Roman"/>
+            </a:endParaRPr>
+          </a:p>
+          <a:p>
+            <a:pPr lvl="6" marL="1512000" indent="-216000">
+              <a:spcBef>
+                <a:spcPts val="283"/>
+              </a:spcBef>
+              <a:buClr>
+                <a:srgbClr val="000000"/>
+              </a:buClr>
+              <a:buSzPct val="45000"/>
+              <a:buFont typeface="Wingdings" charset="2"/>
+              <a:buChar char=""/>
+            </a:pPr>
+            <a:r>
+              <a:rPr b="0" lang="en-US" sz="1800" strike="noStrike" u="none">
+                <a:solidFill>
+                  <a:srgbClr val="000000"/>
+                </a:solidFill>
+                <a:effectLst/>
+                <a:uFillTx/>
+                <a:latin typeface="Times New Roman"/>
+              </a:rPr>
+              <a:t>Seventh Outline Level</a:t>
+            </a:r>
+            <a:endParaRPr b="0" lang="en-US" sz="1800" strike="noStrike" u="none">
+              <a:solidFill>
+                <a:srgbClr val="000000"/>
+              </a:solidFill>
+              <a:effectLst/>
+              <a:uFillTx/>
+              <a:latin typeface="Times New Roman"/>
+            </a:endParaRPr>
+          </a:p>
+        </p:txBody>
+      </p:sp>
+      <p:sp>
+        <p:nvSpPr>
+          <p:cNvPr id="5" name="PlaceHolder 3"/>
+          <p:cNvSpPr>
+            <a:spLocks noGrp="1"/>
+          </p:cNvSpPr>
+          <p:nvPr>
+            <p:ph type="body"/>
+          </p:nvPr>
+        </p:nvSpPr>
+        <p:spPr>
+          <a:xfrm>
+            <a:off x="4674240" y="1203480"/>
+            <a:ext cx="4015440" cy="2982600"/>
+          </a:xfrm>
+          <a:prstGeom prst="rect">
+            <a:avLst/>
+          </a:prstGeom>
+          <a:noFill/>
+          <a:ln w="0">
+            <a:noFill/>
+          </a:ln>
+        </p:spPr>
+        <p:txBody>
+          <a:bodyPr lIns="0" rIns="0" tIns="0" bIns="0" anchor="t">
+            <a:normAutofit/>
+          </a:bodyPr>
+          <a:p>
+            <a:pPr marL="432000" indent="-324000">
+              <a:spcBef>
+                <a:spcPts val="1417"/>
+              </a:spcBef>
+              <a:buClr>
+                <a:srgbClr val="000000"/>
+              </a:buClr>
+              <a:buSzPct val="45000"/>
+              <a:buFont typeface="Wingdings" charset="2"/>
+              <a:buChar char=""/>
+            </a:pPr>
+            <a:r>
+              <a:rPr b="0" lang="en-US" sz="1800" strike="noStrike" u="none">
+                <a:solidFill>
+                  <a:srgbClr val="000000"/>
+                </a:solidFill>
+                <a:effectLst/>
+                <a:uFillTx/>
+                <a:latin typeface="Arial"/>
+              </a:rPr>
+              <a:t>Click to edit the outline text format</a:t>
+            </a:r>
+            <a:endParaRPr b="0" lang="en-US" sz="1800" strike="noStrike" u="none">
+              <a:solidFill>
+                <a:srgbClr val="000000"/>
+              </a:solidFill>
+              <a:effectLst/>
+              <a:uFillTx/>
+              <a:latin typeface="Arial"/>
+            </a:endParaRPr>
+          </a:p>
+          <a:p>
+            <a:pPr lvl="1" marL="432000" indent="-216000">
+              <a:spcBef>
+                <a:spcPts val="1134"/>
+              </a:spcBef>
+              <a:buClr>
+                <a:srgbClr val="000000"/>
+              </a:buClr>
+              <a:buSzPct val="45000"/>
+              <a:buFont typeface="Wingdings" charset="2"/>
+              <a:buChar char=""/>
+            </a:pPr>
+            <a:r>
+              <a:rPr b="0" lang="en-US" sz="1800" strike="noStrike" u="none">
+                <a:solidFill>
+                  <a:srgbClr val="000000"/>
+                </a:solidFill>
+                <a:effectLst/>
+                <a:uFillTx/>
+                <a:latin typeface="Times New Roman"/>
+              </a:rPr>
+              <a:t>Second Outline Level</a:t>
+            </a:r>
+            <a:endParaRPr b="0" lang="en-US" sz="1800" strike="noStrike" u="none">
+              <a:solidFill>
+                <a:srgbClr val="000000"/>
+              </a:solidFill>
+              <a:effectLst/>
+              <a:uFillTx/>
+              <a:latin typeface="Times New Roman"/>
+            </a:endParaRPr>
+          </a:p>
+          <a:p>
+            <a:pPr lvl="2" marL="648000" indent="-216000">
+              <a:spcBef>
+                <a:spcPts val="850"/>
+              </a:spcBef>
+              <a:buClr>
+                <a:srgbClr val="000000"/>
+              </a:buClr>
+              <a:buSzPct val="45000"/>
+              <a:buFont typeface="Wingdings" charset="2"/>
+              <a:buChar char=""/>
+            </a:pPr>
+            <a:r>
+              <a:rPr b="0" lang="en-US" sz="1800" strike="noStrike" u="none">
+                <a:solidFill>
+                  <a:srgbClr val="000000"/>
+                </a:solidFill>
+                <a:effectLst/>
+                <a:uFillTx/>
+                <a:latin typeface="Times New Roman"/>
+              </a:rPr>
+              <a:t>Third Outline Level</a:t>
+            </a:r>
+            <a:endParaRPr b="0" lang="en-US" sz="1800" strike="noStrike" u="none">
+              <a:solidFill>
+                <a:srgbClr val="000000"/>
+              </a:solidFill>
+              <a:effectLst/>
+              <a:uFillTx/>
+              <a:latin typeface="Times New Roman"/>
+            </a:endParaRPr>
+          </a:p>
+          <a:p>
+            <a:pPr lvl="3" marL="864000" indent="-216000">
+              <a:spcBef>
+                <a:spcPts val="567"/>
+              </a:spcBef>
+              <a:buClr>
+                <a:srgbClr val="000000"/>
+              </a:buClr>
+              <a:buSzPct val="45000"/>
+              <a:buFont typeface="Wingdings" charset="2"/>
+              <a:buChar char=""/>
+            </a:pPr>
+            <a:r>
+              <a:rPr b="0" lang="en-US" sz="1800" strike="noStrike" u="none">
+                <a:solidFill>
+                  <a:srgbClr val="000000"/>
+                </a:solidFill>
+                <a:effectLst/>
+                <a:uFillTx/>
+                <a:latin typeface="Times New Roman"/>
+              </a:rPr>
+              <a:t>Fourth Outline Level</a:t>
+            </a:r>
+            <a:endParaRPr b="0" lang="en-US" sz="1800" strike="noStrike" u="none">
+              <a:solidFill>
+                <a:srgbClr val="000000"/>
+              </a:solidFill>
+              <a:effectLst/>
+              <a:uFillTx/>
+              <a:latin typeface="Times New Roman"/>
+            </a:endParaRPr>
+          </a:p>
+          <a:p>
+            <a:pPr lvl="4" marL="1080000" indent="-216000">
+              <a:spcBef>
+                <a:spcPts val="283"/>
+              </a:spcBef>
+              <a:buClr>
+                <a:srgbClr val="000000"/>
+              </a:buClr>
+              <a:buSzPct val="45000"/>
+              <a:buFont typeface="Wingdings" charset="2"/>
+              <a:buChar char=""/>
+            </a:pPr>
+            <a:r>
+              <a:rPr b="0" lang="en-US" sz="1800" strike="noStrike" u="none">
+                <a:solidFill>
+                  <a:srgbClr val="000000"/>
+                </a:solidFill>
+                <a:effectLst/>
+                <a:uFillTx/>
+                <a:latin typeface="Times New Roman"/>
+              </a:rPr>
+              <a:t>Fifth Outline Level</a:t>
+            </a:r>
+            <a:endParaRPr b="0" lang="en-US" sz="1800" strike="noStrike" u="none">
+              <a:solidFill>
+                <a:srgbClr val="000000"/>
+              </a:solidFill>
+              <a:effectLst/>
+              <a:uFillTx/>
+              <a:latin typeface="Times New Roman"/>
+            </a:endParaRPr>
+          </a:p>
+          <a:p>
+            <a:pPr lvl="5" marL="1296000" indent="-216000">
+              <a:spcBef>
+                <a:spcPts val="283"/>
+              </a:spcBef>
+              <a:buClr>
+                <a:srgbClr val="000000"/>
+              </a:buClr>
+              <a:buSzPct val="45000"/>
+              <a:buFont typeface="Wingdings" charset="2"/>
+              <a:buChar char=""/>
+            </a:pPr>
+            <a:r>
+              <a:rPr b="0" lang="en-US" sz="1800" strike="noStrike" u="none">
+                <a:solidFill>
+                  <a:srgbClr val="000000"/>
+                </a:solidFill>
+                <a:effectLst/>
+                <a:uFillTx/>
+                <a:latin typeface="Times New Roman"/>
+              </a:rPr>
+              <a:t>Sixth Outline Level</a:t>
+            </a:r>
+            <a:endParaRPr b="0" lang="en-US" sz="1800" strike="noStrike" u="none">
+              <a:solidFill>
+                <a:srgbClr val="000000"/>
+              </a:solidFill>
+              <a:effectLst/>
+              <a:uFillTx/>
+              <a:latin typeface="Times New Roman"/>
+            </a:endParaRPr>
+          </a:p>
+          <a:p>
+            <a:pPr lvl="6" marL="1512000" indent="-216000">
+              <a:spcBef>
+                <a:spcPts val="283"/>
+              </a:spcBef>
+              <a:buClr>
+                <a:srgbClr val="000000"/>
+              </a:buClr>
+              <a:buSzPct val="45000"/>
+              <a:buFont typeface="Wingdings" charset="2"/>
+              <a:buChar char=""/>
+            </a:pPr>
+            <a:r>
+              <a:rPr b="0" lang="en-US" sz="1800" strike="noStrike" u="none">
+                <a:solidFill>
+                  <a:srgbClr val="000000"/>
+                </a:solidFill>
+                <a:effectLst/>
+                <a:uFillTx/>
+                <a:latin typeface="Times New Roman"/>
+              </a:rPr>
+              <a:t>Seventh Outline Level</a:t>
+            </a:r>
+            <a:endParaRPr b="0" lang="en-US" sz="1800" strike="noStrike" u="none">
+              <a:solidFill>
+                <a:srgbClr val="000000"/>
+              </a:solidFill>
+              <a:effectLst/>
+              <a:uFillTx/>
+              <a:latin typeface="Times New Roman"/>
+            </a:endParaRPr>
+          </a:p>
+        </p:txBody>
+      </p:sp>
+      <p:sp>
+        <p:nvSpPr>
+          <p:cNvPr id="6" name="PlaceHolder 4"/>
           <p:cNvSpPr>
             <a:spLocks noGrp="1"/>
           </p:cNvSpPr>
@@ -1995,7 +3794,7 @@
         <p:spPr>
           <a:xfrm>
             <a:off x="8472600" y="4663080"/>
-            <a:ext cx="547920" cy="392760"/>
+            <a:ext cx="547560" cy="392400"/>
           </a:xfrm>
           <a:prstGeom prst="rect">
             <a:avLst/>
@@ -2039,7 +3838,7 @@
                 <a:tab algn="l" pos="0"/>
               </a:tabLst>
             </a:pPr>
-            <a:fld id="{69331320-07F5-4A6F-83E5-005010FB184D}" type="slidenum">
+            <a:fld id="{F0FA601C-061A-4FDA-A5F9-7CCCA29F1EE3}" type="slidenum">
               <a:rPr b="0" lang="en" sz="1000" strike="noStrike" u="none">
                 <a:solidFill>
                   <a:schemeClr val="dk2"/>
@@ -2049,7 +3848,7 @@
                 <a:latin typeface="Arial"/>
                 <a:ea typeface="Arial"/>
               </a:rPr>
-              <a:t>1</a:t>
+              <a:t>&lt;number&gt;</a:t>
             </a:fld>
             <a:endParaRPr b="0" lang="en-US" sz="1000" strike="noStrike" u="none">
               <a:solidFill>
@@ -2066,7 +3865,7 @@
   </p:cSld>
   <p:clrMap bg1="lt1" tx1="dk1" bg2="dk2" tx2="lt2" accent1="accent1" accent2="accent2" accent3="accent3" accent4="accent4" accent5="accent5" accent6="accent6" hlink="hlink" folHlink="folHlink"/>
   <p:sldLayoutIdLst>
-    <p:sldLayoutId id="2147483655" r:id="rId2"/>
+    <p:sldLayoutId id="2147483651" r:id="rId2"/>
   </p:sldLayoutIdLst>
 </p:sldMaster>
 </file>
@@ -2097,7 +3896,313 @@
       </p:grpSpPr>
       <p:sp>
         <p:nvSpPr>
-          <p:cNvPr id="12" name="PlaceHolder 1"/>
+          <p:cNvPr id="10" name="PlaceHolder 1"/>
+          <p:cNvSpPr>
+            <a:spLocks noGrp="1"/>
+          </p:cNvSpPr>
+          <p:nvPr>
+            <p:ph type="title"/>
+          </p:nvPr>
+        </p:nvSpPr>
+        <p:spPr>
+          <a:xfrm>
+            <a:off x="311760" y="1632600"/>
+            <a:ext cx="8519400" cy="274680"/>
+          </a:xfrm>
+          <a:prstGeom prst="rect">
+            <a:avLst/>
+          </a:prstGeom>
+          <a:noFill/>
+          <a:ln w="0">
+            <a:noFill/>
+          </a:ln>
+        </p:spPr>
+        <p:txBody>
+          <a:bodyPr lIns="0" rIns="0" tIns="0" bIns="0" anchor="ctr">
+            <a:spAutoFit/>
+          </a:bodyPr>
+          <a:p>
+            <a:pPr indent="0">
+              <a:buNone/>
+            </a:pPr>
+            <a:r>
+              <a:rPr b="0" lang="en-US" sz="1800" strike="noStrike" u="none">
+                <a:solidFill>
+                  <a:srgbClr val="000000"/>
+                </a:solidFill>
+                <a:effectLst/>
+                <a:uFillTx/>
+                <a:latin typeface="Arial"/>
+              </a:rPr>
+              <a:t>Click to edit the title text format</a:t>
+            </a:r>
+            <a:endParaRPr b="0" lang="en-US" sz="1800" strike="noStrike" u="none">
+              <a:solidFill>
+                <a:srgbClr val="000000"/>
+              </a:solidFill>
+              <a:effectLst/>
+              <a:uFillTx/>
+              <a:latin typeface="Arial"/>
+            </a:endParaRPr>
+          </a:p>
+        </p:txBody>
+      </p:sp>
+      <p:sp>
+        <p:nvSpPr>
+          <p:cNvPr id="11" name="PlaceHolder 2"/>
+          <p:cNvSpPr>
+            <a:spLocks noGrp="1"/>
+          </p:cNvSpPr>
+          <p:nvPr>
+            <p:ph type="body"/>
+          </p:nvPr>
+        </p:nvSpPr>
+        <p:spPr>
+          <a:xfrm>
+            <a:off x="457200" y="1203480"/>
+            <a:ext cx="8228880" cy="2982600"/>
+          </a:xfrm>
+          <a:prstGeom prst="rect">
+            <a:avLst/>
+          </a:prstGeom>
+          <a:noFill/>
+          <a:ln w="0">
+            <a:noFill/>
+          </a:ln>
+        </p:spPr>
+        <p:txBody>
+          <a:bodyPr lIns="0" rIns="0" tIns="0" bIns="0" anchor="t">
+            <a:normAutofit/>
+          </a:bodyPr>
+          <a:p>
+            <a:pPr marL="432000" indent="-324000">
+              <a:spcBef>
+                <a:spcPts val="1417"/>
+              </a:spcBef>
+              <a:buClr>
+                <a:srgbClr val="000000"/>
+              </a:buClr>
+              <a:buSzPct val="45000"/>
+              <a:buFont typeface="Wingdings" charset="2"/>
+              <a:buChar char=""/>
+            </a:pPr>
+            <a:r>
+              <a:rPr b="0" lang="en-US" sz="1800" strike="noStrike" u="none">
+                <a:solidFill>
+                  <a:srgbClr val="000000"/>
+                </a:solidFill>
+                <a:effectLst/>
+                <a:uFillTx/>
+                <a:latin typeface="Arial"/>
+              </a:rPr>
+              <a:t>Click to edit the outline text format</a:t>
+            </a:r>
+            <a:endParaRPr b="0" lang="en-US" sz="1800" strike="noStrike" u="none">
+              <a:solidFill>
+                <a:srgbClr val="000000"/>
+              </a:solidFill>
+              <a:effectLst/>
+              <a:uFillTx/>
+              <a:latin typeface="Arial"/>
+            </a:endParaRPr>
+          </a:p>
+          <a:p>
+            <a:pPr lvl="1" marL="432000" indent="-216000">
+              <a:spcBef>
+                <a:spcPts val="1134"/>
+              </a:spcBef>
+              <a:buClr>
+                <a:srgbClr val="000000"/>
+              </a:buClr>
+              <a:buSzPct val="45000"/>
+              <a:buFont typeface="Wingdings" charset="2"/>
+              <a:buChar char=""/>
+            </a:pPr>
+            <a:r>
+              <a:rPr b="0" lang="en-US" sz="1800" strike="noStrike" u="none">
+                <a:solidFill>
+                  <a:srgbClr val="000000"/>
+                </a:solidFill>
+                <a:effectLst/>
+                <a:uFillTx/>
+                <a:latin typeface="Times New Roman"/>
+              </a:rPr>
+              <a:t>Second Outline Level</a:t>
+            </a:r>
+            <a:endParaRPr b="0" lang="en-US" sz="1800" strike="noStrike" u="none">
+              <a:solidFill>
+                <a:srgbClr val="000000"/>
+              </a:solidFill>
+              <a:effectLst/>
+              <a:uFillTx/>
+              <a:latin typeface="Times New Roman"/>
+            </a:endParaRPr>
+          </a:p>
+          <a:p>
+            <a:pPr lvl="2" marL="648000" indent="-216000">
+              <a:spcBef>
+                <a:spcPts val="850"/>
+              </a:spcBef>
+              <a:buClr>
+                <a:srgbClr val="000000"/>
+              </a:buClr>
+              <a:buSzPct val="45000"/>
+              <a:buFont typeface="Wingdings" charset="2"/>
+              <a:buChar char=""/>
+            </a:pPr>
+            <a:r>
+              <a:rPr b="0" lang="en-US" sz="1800" strike="noStrike" u="none">
+                <a:solidFill>
+                  <a:srgbClr val="000000"/>
+                </a:solidFill>
+                <a:effectLst/>
+                <a:uFillTx/>
+                <a:latin typeface="Times New Roman"/>
+              </a:rPr>
+              <a:t>Third Outline Level</a:t>
+            </a:r>
+            <a:endParaRPr b="0" lang="en-US" sz="1800" strike="noStrike" u="none">
+              <a:solidFill>
+                <a:srgbClr val="000000"/>
+              </a:solidFill>
+              <a:effectLst/>
+              <a:uFillTx/>
+              <a:latin typeface="Times New Roman"/>
+            </a:endParaRPr>
+          </a:p>
+          <a:p>
+            <a:pPr lvl="3" marL="864000" indent="-216000">
+              <a:spcBef>
+                <a:spcPts val="567"/>
+              </a:spcBef>
+              <a:buClr>
+                <a:srgbClr val="000000"/>
+              </a:buClr>
+              <a:buSzPct val="45000"/>
+              <a:buFont typeface="Wingdings" charset="2"/>
+              <a:buChar char=""/>
+            </a:pPr>
+            <a:r>
+              <a:rPr b="0" lang="en-US" sz="1800" strike="noStrike" u="none">
+                <a:solidFill>
+                  <a:srgbClr val="000000"/>
+                </a:solidFill>
+                <a:effectLst/>
+                <a:uFillTx/>
+                <a:latin typeface="Times New Roman"/>
+              </a:rPr>
+              <a:t>Fourth Outline Level</a:t>
+            </a:r>
+            <a:endParaRPr b="0" lang="en-US" sz="1800" strike="noStrike" u="none">
+              <a:solidFill>
+                <a:srgbClr val="000000"/>
+              </a:solidFill>
+              <a:effectLst/>
+              <a:uFillTx/>
+              <a:latin typeface="Times New Roman"/>
+            </a:endParaRPr>
+          </a:p>
+          <a:p>
+            <a:pPr lvl="4" marL="1080000" indent="-216000">
+              <a:spcBef>
+                <a:spcPts val="283"/>
+              </a:spcBef>
+              <a:buClr>
+                <a:srgbClr val="000000"/>
+              </a:buClr>
+              <a:buSzPct val="45000"/>
+              <a:buFont typeface="Wingdings" charset="2"/>
+              <a:buChar char=""/>
+            </a:pPr>
+            <a:r>
+              <a:rPr b="0" lang="en-US" sz="1800" strike="noStrike" u="none">
+                <a:solidFill>
+                  <a:srgbClr val="000000"/>
+                </a:solidFill>
+                <a:effectLst/>
+                <a:uFillTx/>
+                <a:latin typeface="Times New Roman"/>
+              </a:rPr>
+              <a:t>Fifth Outline Level</a:t>
+            </a:r>
+            <a:endParaRPr b="0" lang="en-US" sz="1800" strike="noStrike" u="none">
+              <a:solidFill>
+                <a:srgbClr val="000000"/>
+              </a:solidFill>
+              <a:effectLst/>
+              <a:uFillTx/>
+              <a:latin typeface="Times New Roman"/>
+            </a:endParaRPr>
+          </a:p>
+          <a:p>
+            <a:pPr lvl="5" marL="1296000" indent="-216000">
+              <a:spcBef>
+                <a:spcPts val="283"/>
+              </a:spcBef>
+              <a:buClr>
+                <a:srgbClr val="000000"/>
+              </a:buClr>
+              <a:buSzPct val="45000"/>
+              <a:buFont typeface="Wingdings" charset="2"/>
+              <a:buChar char=""/>
+            </a:pPr>
+            <a:r>
+              <a:rPr b="0" lang="en-US" sz="1800" strike="noStrike" u="none">
+                <a:solidFill>
+                  <a:srgbClr val="000000"/>
+                </a:solidFill>
+                <a:effectLst/>
+                <a:uFillTx/>
+                <a:latin typeface="Times New Roman"/>
+              </a:rPr>
+              <a:t>Sixth Outline Level</a:t>
+            </a:r>
+            <a:endParaRPr b="0" lang="en-US" sz="1800" strike="noStrike" u="none">
+              <a:solidFill>
+                <a:srgbClr val="000000"/>
+              </a:solidFill>
+              <a:effectLst/>
+              <a:uFillTx/>
+              <a:latin typeface="Times New Roman"/>
+            </a:endParaRPr>
+          </a:p>
+          <a:p>
+            <a:pPr lvl="6" marL="1512000" indent="-216000">
+              <a:spcBef>
+                <a:spcPts val="283"/>
+              </a:spcBef>
+              <a:buClr>
+                <a:srgbClr val="000000"/>
+              </a:buClr>
+              <a:buSzPct val="45000"/>
+              <a:buFont typeface="Wingdings" charset="2"/>
+              <a:buChar char=""/>
+            </a:pPr>
+            <a:r>
+              <a:rPr b="0" lang="en-US" sz="1800" strike="noStrike" u="none">
+                <a:solidFill>
+                  <a:srgbClr val="000000"/>
+                </a:solidFill>
+                <a:effectLst/>
+                <a:uFillTx/>
+                <a:latin typeface="Times New Roman"/>
+              </a:rPr>
+              <a:t>Seventh Outline Level</a:t>
+            </a:r>
+            <a:endParaRPr b="0" lang="en-US" sz="1800" strike="noStrike" u="none">
+              <a:solidFill>
+                <a:srgbClr val="000000"/>
+              </a:solidFill>
+              <a:effectLst/>
+              <a:uFillTx/>
+              <a:latin typeface="Times New Roman"/>
+            </a:endParaRPr>
+          </a:p>
+        </p:txBody>
+      </p:sp>
+      <p:sp>
+        <p:nvSpPr>
+          <p:cNvPr id="12" name="PlaceHolder 3"/>
           <p:cNvSpPr>
             <a:spLocks noGrp="1"/>
           </p:cNvSpPr>
@@ -2108,7 +4213,7 @@
         <p:spPr>
           <a:xfrm>
             <a:off x="8472600" y="4663080"/>
-            <a:ext cx="547920" cy="392760"/>
+            <a:ext cx="547560" cy="392400"/>
           </a:xfrm>
           <a:prstGeom prst="rect">
             <a:avLst/>
@@ -2152,7 +4257,7 @@
                 <a:tab algn="l" pos="0"/>
               </a:tabLst>
             </a:pPr>
-            <a:fld id="{E1A3EC7F-4A77-435D-8A39-9858FDEE935C}" type="slidenum">
+            <a:fld id="{E4B740E8-49C5-4D12-ACDE-0D0E486B8951}" type="slidenum">
               <a:rPr b="0" lang="en" sz="1000" strike="noStrike" u="none">
                 <a:solidFill>
                   <a:schemeClr val="dk2"/>
@@ -2162,7 +4267,7 @@
                 <a:latin typeface="Arial"/>
                 <a:ea typeface="Arial"/>
               </a:rPr>
-              <a:t>1</a:t>
+              <a:t>&lt;number&gt;</a:t>
             </a:fld>
             <a:endParaRPr b="0" lang="en-US" sz="1000" strike="noStrike" u="none">
               <a:solidFill>
@@ -2179,7 +4284,7 @@
   </p:cSld>
   <p:clrMap bg1="lt1" tx1="dk1" bg2="dk2" tx2="lt2" accent1="accent1" accent2="accent2" accent3="accent3" accent4="accent4" accent5="accent5" accent6="accent6" hlink="hlink" folHlink="folHlink"/>
   <p:sldLayoutIdLst>
-    <p:sldLayoutId id="2147483657" r:id="rId2"/>
+    <p:sldLayoutId id="2147483653" r:id="rId2"/>
   </p:sldLayoutIdLst>
 </p:sldMaster>
 </file>
@@ -2210,7 +4315,7 @@
       </p:grpSpPr>
       <p:sp>
         <p:nvSpPr>
-          <p:cNvPr id="13" name="PlaceHolder 1"/>
+          <p:cNvPr id="15" name="PlaceHolder 1"/>
           <p:cNvSpPr>
             <a:spLocks noGrp="1"/>
           </p:cNvSpPr>
@@ -2221,7 +4326,7 @@
         <p:spPr>
           <a:xfrm>
             <a:off x="8472600" y="4663080"/>
-            <a:ext cx="547920" cy="392760"/>
+            <a:ext cx="547560" cy="392400"/>
           </a:xfrm>
           <a:prstGeom prst="rect">
             <a:avLst/>
@@ -2265,7 +4370,7 @@
                 <a:tab algn="l" pos="0"/>
               </a:tabLst>
             </a:pPr>
-            <a:fld id="{558E2830-0FB1-4AFC-A389-FFFFA6B54607}" type="slidenum">
+            <a:fld id="{8AD2B6EF-2907-45A2-B4CA-53FEE5BF9DB4}" type="slidenum">
               <a:rPr b="0" lang="en" sz="1000" strike="noStrike" u="none">
                 <a:solidFill>
                   <a:schemeClr val="dk2"/>
@@ -2292,7 +4397,7 @@
   </p:cSld>
   <p:clrMap bg1="lt1" tx1="dk1" bg2="dk2" tx2="lt2" accent1="accent1" accent2="accent2" accent3="accent3" accent4="accent4" accent5="accent5" accent6="accent6" hlink="hlink" folHlink="folHlink"/>
   <p:sldLayoutIdLst>
-    <p:sldLayoutId id="2147483659" r:id="rId2"/>
+    <p:sldLayoutId id="2147483655" r:id="rId2"/>
   </p:sldLayoutIdLst>
 </p:sldMaster>
 </file>
@@ -2323,7 +4428,7 @@
       </p:grpSpPr>
       <p:sp>
         <p:nvSpPr>
-          <p:cNvPr id="14" name="PlaceHolder 1"/>
+          <p:cNvPr id="16" name="PlaceHolder 1"/>
           <p:cNvSpPr>
             <a:spLocks noGrp="1"/>
           </p:cNvSpPr>
@@ -2333,8 +4438,8 @@
         </p:nvSpPr>
         <p:spPr>
           <a:xfrm>
-            <a:off x="311760" y="1632960"/>
-            <a:ext cx="8519760" cy="274680"/>
+            <a:off x="311760" y="1632600"/>
+            <a:ext cx="8519400" cy="274680"/>
           </a:xfrm>
           <a:prstGeom prst="rect">
             <a:avLst/>
@@ -2376,260 +4481,7 @@
       </p:sp>
       <p:sp>
         <p:nvSpPr>
-          <p:cNvPr id="15" name="PlaceHolder 2"/>
-          <p:cNvSpPr>
-            <a:spLocks noGrp="1"/>
-          </p:cNvSpPr>
-          <p:nvPr>
-            <p:ph type="body"/>
-          </p:nvPr>
-        </p:nvSpPr>
-        <p:spPr>
-          <a:xfrm>
-            <a:off x="457200" y="1203480"/>
-            <a:ext cx="8228880" cy="2982600"/>
-          </a:xfrm>
-          <a:prstGeom prst="rect">
-            <a:avLst/>
-          </a:prstGeom>
-          <a:noFill/>
-          <a:ln w="0">
-            <a:noFill/>
-          </a:ln>
-        </p:spPr>
-        <p:txBody>
-          <a:bodyPr lIns="0" rIns="0" tIns="0" bIns="0" anchor="t">
-            <a:normAutofit/>
-          </a:bodyPr>
-          <a:p>
-            <a:pPr marL="432000" indent="-324000">
-              <a:spcBef>
-                <a:spcPts val="1417"/>
-              </a:spcBef>
-              <a:buClr>
-                <a:srgbClr val="000000"/>
-              </a:buClr>
-              <a:buSzPct val="45000"/>
-              <a:buFont typeface="Wingdings" charset="2"/>
-              <a:buChar char=""/>
-            </a:pPr>
-            <a:r>
-              <a:rPr b="0" lang="en-US" sz="1800" strike="noStrike" u="none">
-                <a:solidFill>
-                  <a:srgbClr val="000000"/>
-                </a:solidFill>
-                <a:effectLst/>
-                <a:uFillTx/>
-                <a:latin typeface="Arial"/>
-              </a:rPr>
-              <a:t>Click to edit the outline text format</a:t>
-            </a:r>
-            <a:endParaRPr b="0" lang="en-US" sz="1800" strike="noStrike" u="none">
-              <a:solidFill>
-                <a:srgbClr val="000000"/>
-              </a:solidFill>
-              <a:effectLst/>
-              <a:uFillTx/>
-              <a:latin typeface="Arial"/>
-            </a:endParaRPr>
-          </a:p>
-          <a:p>
-            <a:pPr lvl="1" marL="432000" indent="-216000">
-              <a:spcBef>
-                <a:spcPts val="1134"/>
-              </a:spcBef>
-              <a:buClr>
-                <a:srgbClr val="000000"/>
-              </a:buClr>
-              <a:buSzPct val="45000"/>
-              <a:buFont typeface="Wingdings" charset="2"/>
-              <a:buChar char=""/>
-            </a:pPr>
-            <a:r>
-              <a:rPr b="0" lang="en-US" sz="1800" strike="noStrike" u="none">
-                <a:solidFill>
-                  <a:srgbClr val="000000"/>
-                </a:solidFill>
-                <a:effectLst/>
-                <a:uFillTx/>
-                <a:latin typeface="Times New Roman"/>
-              </a:rPr>
-              <a:t>Second Outline Level</a:t>
-            </a:r>
-            <a:endParaRPr b="0" lang="en-US" sz="1800" strike="noStrike" u="none">
-              <a:solidFill>
-                <a:srgbClr val="000000"/>
-              </a:solidFill>
-              <a:effectLst/>
-              <a:uFillTx/>
-              <a:latin typeface="Times New Roman"/>
-            </a:endParaRPr>
-          </a:p>
-          <a:p>
-            <a:pPr lvl="2" marL="648000" indent="-216000">
-              <a:spcBef>
-                <a:spcPts val="850"/>
-              </a:spcBef>
-              <a:buClr>
-                <a:srgbClr val="000000"/>
-              </a:buClr>
-              <a:buSzPct val="45000"/>
-              <a:buFont typeface="Wingdings" charset="2"/>
-              <a:buChar char=""/>
-            </a:pPr>
-            <a:r>
-              <a:rPr b="0" lang="en-US" sz="1800" strike="noStrike" u="none">
-                <a:solidFill>
-                  <a:srgbClr val="000000"/>
-                </a:solidFill>
-                <a:effectLst/>
-                <a:uFillTx/>
-                <a:latin typeface="Times New Roman"/>
-              </a:rPr>
-              <a:t>Third Outline Level</a:t>
-            </a:r>
-            <a:endParaRPr b="0" lang="en-US" sz="1800" strike="noStrike" u="none">
-              <a:solidFill>
-                <a:srgbClr val="000000"/>
-              </a:solidFill>
-              <a:effectLst/>
-              <a:uFillTx/>
-              <a:latin typeface="Times New Roman"/>
-            </a:endParaRPr>
-          </a:p>
-          <a:p>
-            <a:pPr lvl="3" marL="864000" indent="-216000">
-              <a:spcBef>
-                <a:spcPts val="567"/>
-              </a:spcBef>
-              <a:buClr>
-                <a:srgbClr val="000000"/>
-              </a:buClr>
-              <a:buSzPct val="45000"/>
-              <a:buFont typeface="Wingdings" charset="2"/>
-              <a:buChar char=""/>
-            </a:pPr>
-            <a:r>
-              <a:rPr b="0" lang="en-US" sz="1800" strike="noStrike" u="none">
-                <a:solidFill>
-                  <a:srgbClr val="000000"/>
-                </a:solidFill>
-                <a:effectLst/>
-                <a:uFillTx/>
-                <a:latin typeface="Times New Roman"/>
-              </a:rPr>
-              <a:t>Fourth Outline Level</a:t>
-            </a:r>
-            <a:endParaRPr b="0" lang="en-US" sz="1800" strike="noStrike" u="none">
-              <a:solidFill>
-                <a:srgbClr val="000000"/>
-              </a:solidFill>
-              <a:effectLst/>
-              <a:uFillTx/>
-              <a:latin typeface="Times New Roman"/>
-            </a:endParaRPr>
-          </a:p>
-          <a:p>
-            <a:pPr lvl="4" marL="1080000" indent="-216000">
-              <a:spcBef>
-                <a:spcPts val="283"/>
-              </a:spcBef>
-              <a:buClr>
-                <a:srgbClr val="000000"/>
-              </a:buClr>
-              <a:buSzPct val="45000"/>
-              <a:buFont typeface="Wingdings" charset="2"/>
-              <a:buChar char=""/>
-            </a:pPr>
-            <a:r>
-              <a:rPr b="0" lang="en-US" sz="1800" strike="noStrike" u="none">
-                <a:solidFill>
-                  <a:srgbClr val="000000"/>
-                </a:solidFill>
-                <a:effectLst/>
-                <a:uFillTx/>
-                <a:latin typeface="Times New Roman"/>
-              </a:rPr>
-              <a:t>Fifth Outline Level</a:t>
-            </a:r>
-            <a:endParaRPr b="0" lang="en-US" sz="1800" strike="noStrike" u="none">
-              <a:solidFill>
-                <a:srgbClr val="000000"/>
-              </a:solidFill>
-              <a:effectLst/>
-              <a:uFillTx/>
-              <a:latin typeface="Times New Roman"/>
-            </a:endParaRPr>
-          </a:p>
-          <a:p>
-            <a:pPr lvl="5" marL="1296000" indent="-216000">
-              <a:spcBef>
-                <a:spcPts val="283"/>
-              </a:spcBef>
-              <a:buClr>
-                <a:srgbClr val="000000"/>
-              </a:buClr>
-              <a:buSzPct val="45000"/>
-              <a:buFont typeface="Wingdings" charset="2"/>
-              <a:buChar char=""/>
-            </a:pPr>
-            <a:r>
-              <a:rPr b="0" lang="en-US" sz="1800" strike="noStrike" u="none">
-                <a:solidFill>
-                  <a:srgbClr val="000000"/>
-                </a:solidFill>
-                <a:effectLst/>
-                <a:uFillTx/>
-                <a:latin typeface="Times New Roman"/>
-              </a:rPr>
-              <a:t>Sixth Outline Level</a:t>
-            </a:r>
-            <a:endParaRPr b="0" lang="en-US" sz="1800" strike="noStrike" u="none">
-              <a:solidFill>
-                <a:srgbClr val="000000"/>
-              </a:solidFill>
-              <a:effectLst/>
-              <a:uFillTx/>
-              <a:latin typeface="Times New Roman"/>
-            </a:endParaRPr>
-          </a:p>
-          <a:p>
-            <a:pPr lvl="6" marL="1512000" indent="-216000">
-              <a:spcBef>
-                <a:spcPts val="283"/>
-              </a:spcBef>
-              <a:buClr>
-                <a:srgbClr val="000000"/>
-              </a:buClr>
-              <a:buSzPct val="45000"/>
-              <a:buFont typeface="Wingdings" charset="2"/>
-              <a:buChar char=""/>
-            </a:pPr>
-            <a:r>
-              <a:rPr b="0" lang="en-US" sz="1800" strike="noStrike" u="none">
-                <a:solidFill>
-                  <a:srgbClr val="000000"/>
-                </a:solidFill>
-                <a:effectLst/>
-                <a:uFillTx/>
-                <a:latin typeface="Times New Roman"/>
-              </a:rPr>
-              <a:t>Seventh Outline Level</a:t>
-            </a:r>
-            <a:endParaRPr b="0" lang="en-US" sz="1800" strike="noStrike" u="none">
-              <a:solidFill>
-                <a:srgbClr val="000000"/>
-              </a:solidFill>
-              <a:effectLst/>
-              <a:uFillTx/>
-              <a:latin typeface="Times New Roman"/>
-            </a:endParaRPr>
-          </a:p>
-        </p:txBody>
-      </p:sp>
-      <p:sp>
-        <p:nvSpPr>
-          <p:cNvPr id="16" name="PlaceHolder 3"/>
+          <p:cNvPr id="17" name="PlaceHolder 2"/>
           <p:cNvSpPr>
             <a:spLocks noGrp="1"/>
           </p:cNvSpPr>
@@ -2640,7 +4492,7 @@
         <p:spPr>
           <a:xfrm>
             <a:off x="8472600" y="4663080"/>
-            <a:ext cx="547920" cy="392760"/>
+            <a:ext cx="547560" cy="392400"/>
           </a:xfrm>
           <a:prstGeom prst="rect">
             <a:avLst/>
@@ -2684,7 +4536,7 @@
                 <a:tab algn="l" pos="0"/>
               </a:tabLst>
             </a:pPr>
-            <a:fld id="{57949C11-BE23-4322-A178-799E14B94A91}" type="slidenum">
+            <a:fld id="{FB40EC08-42A9-4B42-A97D-3105F8C7E0C4}" type="slidenum">
               <a:rPr b="0" lang="en" sz="1000" strike="noStrike" u="none">
                 <a:solidFill>
                   <a:schemeClr val="dk2"/>
@@ -2694,9 +4546,262 @@
                 <a:latin typeface="Arial"/>
                 <a:ea typeface="Arial"/>
               </a:rPr>
-              <a:t>&lt;number&gt;</a:t>
+              <a:t>1</a:t>
             </a:fld>
             <a:endParaRPr b="0" lang="en-US" sz="1000" strike="noStrike" u="none">
+              <a:solidFill>
+                <a:srgbClr val="000000"/>
+              </a:solidFill>
+              <a:effectLst/>
+              <a:uFillTx/>
+              <a:latin typeface="Times New Roman"/>
+            </a:endParaRPr>
+          </a:p>
+        </p:txBody>
+      </p:sp>
+      <p:sp>
+        <p:nvSpPr>
+          <p:cNvPr id="18" name="PlaceHolder 3"/>
+          <p:cNvSpPr>
+            <a:spLocks noGrp="1"/>
+          </p:cNvSpPr>
+          <p:nvPr>
+            <p:ph type="body"/>
+          </p:nvPr>
+        </p:nvSpPr>
+        <p:spPr>
+          <a:xfrm>
+            <a:off x="457200" y="1203480"/>
+            <a:ext cx="8229240" cy="2982960"/>
+          </a:xfrm>
+          <a:prstGeom prst="rect">
+            <a:avLst/>
+          </a:prstGeom>
+          <a:noFill/>
+          <a:ln w="0">
+            <a:noFill/>
+          </a:ln>
+        </p:spPr>
+        <p:txBody>
+          <a:bodyPr lIns="0" rIns="0" tIns="0" bIns="0" anchor="t">
+            <a:normAutofit/>
+          </a:bodyPr>
+          <a:p>
+            <a:pPr marL="432000" indent="-324000">
+              <a:spcBef>
+                <a:spcPts val="1417"/>
+              </a:spcBef>
+              <a:buClr>
+                <a:srgbClr val="000000"/>
+              </a:buClr>
+              <a:buSzPct val="45000"/>
+              <a:buFont typeface="Wingdings" charset="2"/>
+              <a:buChar char=""/>
+            </a:pPr>
+            <a:r>
+              <a:rPr b="0" lang="en-US" sz="3200" strike="noStrike" u="none">
+                <a:solidFill>
+                  <a:srgbClr val="000000"/>
+                </a:solidFill>
+                <a:effectLst/>
+                <a:uFillTx/>
+                <a:latin typeface="Arial"/>
+              </a:rPr>
+              <a:t>Click to edit the outline text format</a:t>
+            </a:r>
+            <a:endParaRPr b="0" lang="en-US" sz="3200" strike="noStrike" u="none">
+              <a:solidFill>
+                <a:srgbClr val="000000"/>
+              </a:solidFill>
+              <a:effectLst/>
+              <a:uFillTx/>
+              <a:latin typeface="Arial"/>
+            </a:endParaRPr>
+          </a:p>
+          <a:p>
+            <a:pPr lvl="1" marL="432000" indent="-216000">
+              <a:spcBef>
+                <a:spcPts val="1134"/>
+              </a:spcBef>
+              <a:buClr>
+                <a:srgbClr val="000000"/>
+              </a:buClr>
+              <a:buSzPct val="45000"/>
+              <a:buFont typeface="Wingdings" charset="2"/>
+              <a:buChar char=""/>
+            </a:pPr>
+            <a:r>
+              <a:rPr b="0" lang="en-US" sz="2800" strike="noStrike" u="none">
+                <a:solidFill>
+                  <a:srgbClr val="000000"/>
+                </a:solidFill>
+                <a:effectLst/>
+                <a:uFillTx/>
+                <a:latin typeface="Times New Roman"/>
+              </a:rPr>
+              <a:t>Second Outline Level</a:t>
+            </a:r>
+            <a:endParaRPr b="0" lang="en-US" sz="2800" strike="noStrike" u="none">
+              <a:solidFill>
+                <a:srgbClr val="000000"/>
+              </a:solidFill>
+              <a:effectLst/>
+              <a:uFillTx/>
+              <a:latin typeface="Times New Roman"/>
+            </a:endParaRPr>
+          </a:p>
+          <a:p>
+            <a:pPr lvl="2" marL="648000" indent="-216000">
+              <a:spcBef>
+                <a:spcPts val="850"/>
+              </a:spcBef>
+              <a:buClr>
+                <a:srgbClr val="000000"/>
+              </a:buClr>
+              <a:buSzPct val="45000"/>
+              <a:buFont typeface="Wingdings" charset="2"/>
+              <a:buChar char=""/>
+            </a:pPr>
+            <a:r>
+              <a:rPr b="0" lang="en-US" sz="2400" strike="noStrike" u="none">
+                <a:solidFill>
+                  <a:srgbClr val="000000"/>
+                </a:solidFill>
+                <a:effectLst/>
+                <a:uFillTx/>
+                <a:latin typeface="Times New Roman"/>
+              </a:rPr>
+              <a:t>Third Outline Level</a:t>
+            </a:r>
+            <a:endParaRPr b="0" lang="en-US" sz="2400" strike="noStrike" u="none">
+              <a:solidFill>
+                <a:srgbClr val="000000"/>
+              </a:solidFill>
+              <a:effectLst/>
+              <a:uFillTx/>
+              <a:latin typeface="Times New Roman"/>
+            </a:endParaRPr>
+          </a:p>
+          <a:p>
+            <a:pPr lvl="3" marL="864000" indent="-216000">
+              <a:spcBef>
+                <a:spcPts val="567"/>
+              </a:spcBef>
+              <a:buClr>
+                <a:srgbClr val="000000"/>
+              </a:buClr>
+              <a:buSzPct val="45000"/>
+              <a:buFont typeface="Wingdings" charset="2"/>
+              <a:buChar char=""/>
+            </a:pPr>
+            <a:r>
+              <a:rPr b="0" lang="en-US" sz="2000" strike="noStrike" u="none">
+                <a:solidFill>
+                  <a:srgbClr val="000000"/>
+                </a:solidFill>
+                <a:effectLst/>
+                <a:uFillTx/>
+                <a:latin typeface="Times New Roman"/>
+              </a:rPr>
+              <a:t>Fourth Outline Level</a:t>
+            </a:r>
+            <a:endParaRPr b="0" lang="en-US" sz="2000" strike="noStrike" u="none">
+              <a:solidFill>
+                <a:srgbClr val="000000"/>
+              </a:solidFill>
+              <a:effectLst/>
+              <a:uFillTx/>
+              <a:latin typeface="Times New Roman"/>
+            </a:endParaRPr>
+          </a:p>
+          <a:p>
+            <a:pPr lvl="4" marL="1080000" indent="-216000">
+              <a:spcBef>
+                <a:spcPts val="283"/>
+              </a:spcBef>
+              <a:buClr>
+                <a:srgbClr val="000000"/>
+              </a:buClr>
+              <a:buSzPct val="45000"/>
+              <a:buFont typeface="Wingdings" charset="2"/>
+              <a:buChar char=""/>
+            </a:pPr>
+            <a:r>
+              <a:rPr b="0" lang="en-US" sz="2000" strike="noStrike" u="none">
+                <a:solidFill>
+                  <a:srgbClr val="000000"/>
+                </a:solidFill>
+                <a:effectLst/>
+                <a:uFillTx/>
+                <a:latin typeface="Times New Roman"/>
+              </a:rPr>
+              <a:t>Fifth Outline Level</a:t>
+            </a:r>
+            <a:endParaRPr b="0" lang="en-US" sz="2000" strike="noStrike" u="none">
+              <a:solidFill>
+                <a:srgbClr val="000000"/>
+              </a:solidFill>
+              <a:effectLst/>
+              <a:uFillTx/>
+              <a:latin typeface="Times New Roman"/>
+            </a:endParaRPr>
+          </a:p>
+          <a:p>
+            <a:pPr lvl="5" marL="1296000" indent="-216000">
+              <a:spcBef>
+                <a:spcPts val="283"/>
+              </a:spcBef>
+              <a:buClr>
+                <a:srgbClr val="000000"/>
+              </a:buClr>
+              <a:buSzPct val="45000"/>
+              <a:buFont typeface="Wingdings" charset="2"/>
+              <a:buChar char=""/>
+            </a:pPr>
+            <a:r>
+              <a:rPr b="0" lang="en-US" sz="2000" strike="noStrike" u="none">
+                <a:solidFill>
+                  <a:srgbClr val="000000"/>
+                </a:solidFill>
+                <a:effectLst/>
+                <a:uFillTx/>
+                <a:latin typeface="Times New Roman"/>
+              </a:rPr>
+              <a:t>Sixth Outline Level</a:t>
+            </a:r>
+            <a:endParaRPr b="0" lang="en-US" sz="2000" strike="noStrike" u="none">
+              <a:solidFill>
+                <a:srgbClr val="000000"/>
+              </a:solidFill>
+              <a:effectLst/>
+              <a:uFillTx/>
+              <a:latin typeface="Times New Roman"/>
+            </a:endParaRPr>
+          </a:p>
+          <a:p>
+            <a:pPr lvl="6" marL="1512000" indent="-216000">
+              <a:spcBef>
+                <a:spcPts val="283"/>
+              </a:spcBef>
+              <a:buClr>
+                <a:srgbClr val="000000"/>
+              </a:buClr>
+              <a:buSzPct val="45000"/>
+              <a:buFont typeface="Wingdings" charset="2"/>
+              <a:buChar char=""/>
+            </a:pPr>
+            <a:r>
+              <a:rPr b="0" lang="en-US" sz="2000" strike="noStrike" u="none">
+                <a:solidFill>
+                  <a:srgbClr val="000000"/>
+                </a:solidFill>
+                <a:effectLst/>
+                <a:uFillTx/>
+                <a:latin typeface="Times New Roman"/>
+              </a:rPr>
+              <a:t>Seventh Outline Level</a:t>
+            </a:r>
+            <a:endParaRPr b="0" lang="en-US" sz="2000" strike="noStrike" u="none">
               <a:solidFill>
                 <a:srgbClr val="000000"/>
               </a:solidFill>
@@ -2711,7 +4816,11 @@
   </p:cSld>
   <p:clrMap bg1="lt1" tx1="dk1" bg2="dk2" tx2="lt2" accent1="accent1" accent2="accent2" accent3="accent3" accent4="accent4" accent5="accent5" accent6="accent6" hlink="hlink" folHlink="folHlink"/>
   <p:sldLayoutIdLst>
-    <p:sldLayoutId id="2147483661" r:id="rId2"/>
+    <p:sldLayoutId id="2147483657" r:id="rId2"/>
+    <p:sldLayoutId id="2147483658" r:id="rId3"/>
+    <p:sldLayoutId id="2147483659" r:id="rId4"/>
+    <p:sldLayoutId id="2147483660" r:id="rId5"/>
+    <p:sldLayoutId id="2147483661" r:id="rId6"/>
   </p:sldLayoutIdLst>
 </p:sldMaster>
 </file>
@@ -2742,566 +4851,7 @@
       </p:grpSpPr>
       <p:sp>
         <p:nvSpPr>
-          <p:cNvPr id="19" name="PlaceHolder 1"/>
-          <p:cNvSpPr>
-            <a:spLocks noGrp="1"/>
-          </p:cNvSpPr>
-          <p:nvPr>
-            <p:ph type="title"/>
-          </p:nvPr>
-        </p:nvSpPr>
-        <p:spPr>
-          <a:xfrm>
-            <a:off x="311760" y="1632960"/>
-            <a:ext cx="8519760" cy="274680"/>
-          </a:xfrm>
-          <a:prstGeom prst="rect">
-            <a:avLst/>
-          </a:prstGeom>
-          <a:noFill/>
-          <a:ln w="0">
-            <a:noFill/>
-          </a:ln>
-        </p:spPr>
-        <p:txBody>
-          <a:bodyPr lIns="0" rIns="0" tIns="0" bIns="0" anchor="ctr">
-            <a:spAutoFit/>
-          </a:bodyPr>
-          <a:p>
-            <a:pPr indent="0">
-              <a:buNone/>
-            </a:pPr>
-            <a:r>
-              <a:rPr b="0" lang="en-US" sz="1800" strike="noStrike" u="none">
-                <a:solidFill>
-                  <a:srgbClr val="000000"/>
-                </a:solidFill>
-                <a:effectLst/>
-                <a:uFillTx/>
-                <a:latin typeface="Arial"/>
-              </a:rPr>
-              <a:t>Click to edit the title text format</a:t>
-            </a:r>
-            <a:endParaRPr b="0" lang="en-US" sz="1800" strike="noStrike" u="none">
-              <a:solidFill>
-                <a:srgbClr val="000000"/>
-              </a:solidFill>
-              <a:effectLst/>
-              <a:uFillTx/>
-              <a:latin typeface="Arial"/>
-            </a:endParaRPr>
-          </a:p>
-        </p:txBody>
-      </p:sp>
-      <p:sp>
-        <p:nvSpPr>
-          <p:cNvPr id="20" name="PlaceHolder 2"/>
-          <p:cNvSpPr>
-            <a:spLocks noGrp="1"/>
-          </p:cNvSpPr>
-          <p:nvPr>
-            <p:ph type="body"/>
-          </p:nvPr>
-        </p:nvSpPr>
-        <p:spPr>
-          <a:xfrm>
-            <a:off x="457200" y="1203480"/>
-            <a:ext cx="4015440" cy="2982600"/>
-          </a:xfrm>
-          <a:prstGeom prst="rect">
-            <a:avLst/>
-          </a:prstGeom>
-          <a:noFill/>
-          <a:ln w="0">
-            <a:noFill/>
-          </a:ln>
-        </p:spPr>
-        <p:txBody>
-          <a:bodyPr lIns="0" rIns="0" tIns="0" bIns="0" anchor="t">
-            <a:normAutofit/>
-          </a:bodyPr>
-          <a:p>
-            <a:pPr marL="432000" indent="-324000">
-              <a:spcBef>
-                <a:spcPts val="1417"/>
-              </a:spcBef>
-              <a:buClr>
-                <a:srgbClr val="000000"/>
-              </a:buClr>
-              <a:buSzPct val="45000"/>
-              <a:buFont typeface="Wingdings" charset="2"/>
-              <a:buChar char=""/>
-            </a:pPr>
-            <a:r>
-              <a:rPr b="0" lang="en-US" sz="1800" strike="noStrike" u="none">
-                <a:solidFill>
-                  <a:srgbClr val="000000"/>
-                </a:solidFill>
-                <a:effectLst/>
-                <a:uFillTx/>
-                <a:latin typeface="Arial"/>
-              </a:rPr>
-              <a:t>Click to edit the outline text format</a:t>
-            </a:r>
-            <a:endParaRPr b="0" lang="en-US" sz="1800" strike="noStrike" u="none">
-              <a:solidFill>
-                <a:srgbClr val="000000"/>
-              </a:solidFill>
-              <a:effectLst/>
-              <a:uFillTx/>
-              <a:latin typeface="Arial"/>
-            </a:endParaRPr>
-          </a:p>
-          <a:p>
-            <a:pPr lvl="1" marL="432000" indent="-216000">
-              <a:spcBef>
-                <a:spcPts val="1134"/>
-              </a:spcBef>
-              <a:buClr>
-                <a:srgbClr val="000000"/>
-              </a:buClr>
-              <a:buSzPct val="45000"/>
-              <a:buFont typeface="Wingdings" charset="2"/>
-              <a:buChar char=""/>
-            </a:pPr>
-            <a:r>
-              <a:rPr b="0" lang="en-US" sz="1800" strike="noStrike" u="none">
-                <a:solidFill>
-                  <a:srgbClr val="000000"/>
-                </a:solidFill>
-                <a:effectLst/>
-                <a:uFillTx/>
-                <a:latin typeface="Times New Roman"/>
-              </a:rPr>
-              <a:t>Second Outline Level</a:t>
-            </a:r>
-            <a:endParaRPr b="0" lang="en-US" sz="1800" strike="noStrike" u="none">
-              <a:solidFill>
-                <a:srgbClr val="000000"/>
-              </a:solidFill>
-              <a:effectLst/>
-              <a:uFillTx/>
-              <a:latin typeface="Times New Roman"/>
-            </a:endParaRPr>
-          </a:p>
-          <a:p>
-            <a:pPr lvl="2" marL="648000" indent="-216000">
-              <a:spcBef>
-                <a:spcPts val="850"/>
-              </a:spcBef>
-              <a:buClr>
-                <a:srgbClr val="000000"/>
-              </a:buClr>
-              <a:buSzPct val="45000"/>
-              <a:buFont typeface="Wingdings" charset="2"/>
-              <a:buChar char=""/>
-            </a:pPr>
-            <a:r>
-              <a:rPr b="0" lang="en-US" sz="1800" strike="noStrike" u="none">
-                <a:solidFill>
-                  <a:srgbClr val="000000"/>
-                </a:solidFill>
-                <a:effectLst/>
-                <a:uFillTx/>
-                <a:latin typeface="Times New Roman"/>
-              </a:rPr>
-              <a:t>Third Outline Level</a:t>
-            </a:r>
-            <a:endParaRPr b="0" lang="en-US" sz="1800" strike="noStrike" u="none">
-              <a:solidFill>
-                <a:srgbClr val="000000"/>
-              </a:solidFill>
-              <a:effectLst/>
-              <a:uFillTx/>
-              <a:latin typeface="Times New Roman"/>
-            </a:endParaRPr>
-          </a:p>
-          <a:p>
-            <a:pPr lvl="3" marL="864000" indent="-216000">
-              <a:spcBef>
-                <a:spcPts val="567"/>
-              </a:spcBef>
-              <a:buClr>
-                <a:srgbClr val="000000"/>
-              </a:buClr>
-              <a:buSzPct val="45000"/>
-              <a:buFont typeface="Wingdings" charset="2"/>
-              <a:buChar char=""/>
-            </a:pPr>
-            <a:r>
-              <a:rPr b="0" lang="en-US" sz="1800" strike="noStrike" u="none">
-                <a:solidFill>
-                  <a:srgbClr val="000000"/>
-                </a:solidFill>
-                <a:effectLst/>
-                <a:uFillTx/>
-                <a:latin typeface="Times New Roman"/>
-              </a:rPr>
-              <a:t>Fourth Outline Level</a:t>
-            </a:r>
-            <a:endParaRPr b="0" lang="en-US" sz="1800" strike="noStrike" u="none">
-              <a:solidFill>
-                <a:srgbClr val="000000"/>
-              </a:solidFill>
-              <a:effectLst/>
-              <a:uFillTx/>
-              <a:latin typeface="Times New Roman"/>
-            </a:endParaRPr>
-          </a:p>
-          <a:p>
-            <a:pPr lvl="4" marL="1080000" indent="-216000">
-              <a:spcBef>
-                <a:spcPts val="283"/>
-              </a:spcBef>
-              <a:buClr>
-                <a:srgbClr val="000000"/>
-              </a:buClr>
-              <a:buSzPct val="45000"/>
-              <a:buFont typeface="Wingdings" charset="2"/>
-              <a:buChar char=""/>
-            </a:pPr>
-            <a:r>
-              <a:rPr b="0" lang="en-US" sz="1800" strike="noStrike" u="none">
-                <a:solidFill>
-                  <a:srgbClr val="000000"/>
-                </a:solidFill>
-                <a:effectLst/>
-                <a:uFillTx/>
-                <a:latin typeface="Times New Roman"/>
-              </a:rPr>
-              <a:t>Fifth Outline Level</a:t>
-            </a:r>
-            <a:endParaRPr b="0" lang="en-US" sz="1800" strike="noStrike" u="none">
-              <a:solidFill>
-                <a:srgbClr val="000000"/>
-              </a:solidFill>
-              <a:effectLst/>
-              <a:uFillTx/>
-              <a:latin typeface="Times New Roman"/>
-            </a:endParaRPr>
-          </a:p>
-          <a:p>
-            <a:pPr lvl="5" marL="1296000" indent="-216000">
-              <a:spcBef>
-                <a:spcPts val="283"/>
-              </a:spcBef>
-              <a:buClr>
-                <a:srgbClr val="000000"/>
-              </a:buClr>
-              <a:buSzPct val="45000"/>
-              <a:buFont typeface="Wingdings" charset="2"/>
-              <a:buChar char=""/>
-            </a:pPr>
-            <a:r>
-              <a:rPr b="0" lang="en-US" sz="1800" strike="noStrike" u="none">
-                <a:solidFill>
-                  <a:srgbClr val="000000"/>
-                </a:solidFill>
-                <a:effectLst/>
-                <a:uFillTx/>
-                <a:latin typeface="Times New Roman"/>
-              </a:rPr>
-              <a:t>Sixth Outline Level</a:t>
-            </a:r>
-            <a:endParaRPr b="0" lang="en-US" sz="1800" strike="noStrike" u="none">
-              <a:solidFill>
-                <a:srgbClr val="000000"/>
-              </a:solidFill>
-              <a:effectLst/>
-              <a:uFillTx/>
-              <a:latin typeface="Times New Roman"/>
-            </a:endParaRPr>
-          </a:p>
-          <a:p>
-            <a:pPr lvl="6" marL="1512000" indent="-216000">
-              <a:spcBef>
-                <a:spcPts val="283"/>
-              </a:spcBef>
-              <a:buClr>
-                <a:srgbClr val="000000"/>
-              </a:buClr>
-              <a:buSzPct val="45000"/>
-              <a:buFont typeface="Wingdings" charset="2"/>
-              <a:buChar char=""/>
-            </a:pPr>
-            <a:r>
-              <a:rPr b="0" lang="en-US" sz="1800" strike="noStrike" u="none">
-                <a:solidFill>
-                  <a:srgbClr val="000000"/>
-                </a:solidFill>
-                <a:effectLst/>
-                <a:uFillTx/>
-                <a:latin typeface="Times New Roman"/>
-              </a:rPr>
-              <a:t>Seventh Outline Level</a:t>
-            </a:r>
-            <a:endParaRPr b="0" lang="en-US" sz="1800" strike="noStrike" u="none">
-              <a:solidFill>
-                <a:srgbClr val="000000"/>
-              </a:solidFill>
-              <a:effectLst/>
-              <a:uFillTx/>
-              <a:latin typeface="Times New Roman"/>
-            </a:endParaRPr>
-          </a:p>
-        </p:txBody>
-      </p:sp>
-      <p:sp>
-        <p:nvSpPr>
-          <p:cNvPr id="21" name="PlaceHolder 3"/>
-          <p:cNvSpPr>
-            <a:spLocks noGrp="1"/>
-          </p:cNvSpPr>
-          <p:nvPr>
-            <p:ph type="body"/>
-          </p:nvPr>
-        </p:nvSpPr>
-        <p:spPr>
-          <a:xfrm>
-            <a:off x="4674240" y="1203480"/>
-            <a:ext cx="4015440" cy="2982600"/>
-          </a:xfrm>
-          <a:prstGeom prst="rect">
-            <a:avLst/>
-          </a:prstGeom>
-          <a:noFill/>
-          <a:ln w="0">
-            <a:noFill/>
-          </a:ln>
-        </p:spPr>
-        <p:txBody>
-          <a:bodyPr lIns="0" rIns="0" tIns="0" bIns="0" anchor="t">
-            <a:normAutofit/>
-          </a:bodyPr>
-          <a:p>
-            <a:pPr marL="432000" indent="-324000">
-              <a:spcBef>
-                <a:spcPts val="1417"/>
-              </a:spcBef>
-              <a:buClr>
-                <a:srgbClr val="000000"/>
-              </a:buClr>
-              <a:buSzPct val="45000"/>
-              <a:buFont typeface="Wingdings" charset="2"/>
-              <a:buChar char=""/>
-            </a:pPr>
-            <a:r>
-              <a:rPr b="0" lang="en-US" sz="1800" strike="noStrike" u="none">
-                <a:solidFill>
-                  <a:srgbClr val="000000"/>
-                </a:solidFill>
-                <a:effectLst/>
-                <a:uFillTx/>
-                <a:latin typeface="Arial"/>
-              </a:rPr>
-              <a:t>Click to edit the outline text format</a:t>
-            </a:r>
-            <a:endParaRPr b="0" lang="en-US" sz="1800" strike="noStrike" u="none">
-              <a:solidFill>
-                <a:srgbClr val="000000"/>
-              </a:solidFill>
-              <a:effectLst/>
-              <a:uFillTx/>
-              <a:latin typeface="Arial"/>
-            </a:endParaRPr>
-          </a:p>
-          <a:p>
-            <a:pPr lvl="1" marL="432000" indent="-216000">
-              <a:spcBef>
-                <a:spcPts val="1134"/>
-              </a:spcBef>
-              <a:buClr>
-                <a:srgbClr val="000000"/>
-              </a:buClr>
-              <a:buSzPct val="45000"/>
-              <a:buFont typeface="Wingdings" charset="2"/>
-              <a:buChar char=""/>
-            </a:pPr>
-            <a:r>
-              <a:rPr b="0" lang="en-US" sz="1800" strike="noStrike" u="none">
-                <a:solidFill>
-                  <a:srgbClr val="000000"/>
-                </a:solidFill>
-                <a:effectLst/>
-                <a:uFillTx/>
-                <a:latin typeface="Times New Roman"/>
-              </a:rPr>
-              <a:t>Second Outline Level</a:t>
-            </a:r>
-            <a:endParaRPr b="0" lang="en-US" sz="1800" strike="noStrike" u="none">
-              <a:solidFill>
-                <a:srgbClr val="000000"/>
-              </a:solidFill>
-              <a:effectLst/>
-              <a:uFillTx/>
-              <a:latin typeface="Times New Roman"/>
-            </a:endParaRPr>
-          </a:p>
-          <a:p>
-            <a:pPr lvl="2" marL="648000" indent="-216000">
-              <a:spcBef>
-                <a:spcPts val="850"/>
-              </a:spcBef>
-              <a:buClr>
-                <a:srgbClr val="000000"/>
-              </a:buClr>
-              <a:buSzPct val="45000"/>
-              <a:buFont typeface="Wingdings" charset="2"/>
-              <a:buChar char=""/>
-            </a:pPr>
-            <a:r>
-              <a:rPr b="0" lang="en-US" sz="1800" strike="noStrike" u="none">
-                <a:solidFill>
-                  <a:srgbClr val="000000"/>
-                </a:solidFill>
-                <a:effectLst/>
-                <a:uFillTx/>
-                <a:latin typeface="Times New Roman"/>
-              </a:rPr>
-              <a:t>Third Outline Level</a:t>
-            </a:r>
-            <a:endParaRPr b="0" lang="en-US" sz="1800" strike="noStrike" u="none">
-              <a:solidFill>
-                <a:srgbClr val="000000"/>
-              </a:solidFill>
-              <a:effectLst/>
-              <a:uFillTx/>
-              <a:latin typeface="Times New Roman"/>
-            </a:endParaRPr>
-          </a:p>
-          <a:p>
-            <a:pPr lvl="3" marL="864000" indent="-216000">
-              <a:spcBef>
-                <a:spcPts val="567"/>
-              </a:spcBef>
-              <a:buClr>
-                <a:srgbClr val="000000"/>
-              </a:buClr>
-              <a:buSzPct val="45000"/>
-              <a:buFont typeface="Wingdings" charset="2"/>
-              <a:buChar char=""/>
-            </a:pPr>
-            <a:r>
-              <a:rPr b="0" lang="en-US" sz="1800" strike="noStrike" u="none">
-                <a:solidFill>
-                  <a:srgbClr val="000000"/>
-                </a:solidFill>
-                <a:effectLst/>
-                <a:uFillTx/>
-                <a:latin typeface="Times New Roman"/>
-              </a:rPr>
-              <a:t>Fourth Outline Level</a:t>
-            </a:r>
-            <a:endParaRPr b="0" lang="en-US" sz="1800" strike="noStrike" u="none">
-              <a:solidFill>
-                <a:srgbClr val="000000"/>
-              </a:solidFill>
-              <a:effectLst/>
-              <a:uFillTx/>
-              <a:latin typeface="Times New Roman"/>
-            </a:endParaRPr>
-          </a:p>
-          <a:p>
-            <a:pPr lvl="4" marL="1080000" indent="-216000">
-              <a:spcBef>
-                <a:spcPts val="283"/>
-              </a:spcBef>
-              <a:buClr>
-                <a:srgbClr val="000000"/>
-              </a:buClr>
-              <a:buSzPct val="45000"/>
-              <a:buFont typeface="Wingdings" charset="2"/>
-              <a:buChar char=""/>
-            </a:pPr>
-            <a:r>
-              <a:rPr b="0" lang="en-US" sz="1800" strike="noStrike" u="none">
-                <a:solidFill>
-                  <a:srgbClr val="000000"/>
-                </a:solidFill>
-                <a:effectLst/>
-                <a:uFillTx/>
-                <a:latin typeface="Times New Roman"/>
-              </a:rPr>
-              <a:t>Fifth Outline Level</a:t>
-            </a:r>
-            <a:endParaRPr b="0" lang="en-US" sz="1800" strike="noStrike" u="none">
-              <a:solidFill>
-                <a:srgbClr val="000000"/>
-              </a:solidFill>
-              <a:effectLst/>
-              <a:uFillTx/>
-              <a:latin typeface="Times New Roman"/>
-            </a:endParaRPr>
-          </a:p>
-          <a:p>
-            <a:pPr lvl="5" marL="1296000" indent="-216000">
-              <a:spcBef>
-                <a:spcPts val="283"/>
-              </a:spcBef>
-              <a:buClr>
-                <a:srgbClr val="000000"/>
-              </a:buClr>
-              <a:buSzPct val="45000"/>
-              <a:buFont typeface="Wingdings" charset="2"/>
-              <a:buChar char=""/>
-            </a:pPr>
-            <a:r>
-              <a:rPr b="0" lang="en-US" sz="1800" strike="noStrike" u="none">
-                <a:solidFill>
-                  <a:srgbClr val="000000"/>
-                </a:solidFill>
-                <a:effectLst/>
-                <a:uFillTx/>
-                <a:latin typeface="Times New Roman"/>
-              </a:rPr>
-              <a:t>Sixth Outline Level</a:t>
-            </a:r>
-            <a:endParaRPr b="0" lang="en-US" sz="1800" strike="noStrike" u="none">
-              <a:solidFill>
-                <a:srgbClr val="000000"/>
-              </a:solidFill>
-              <a:effectLst/>
-              <a:uFillTx/>
-              <a:latin typeface="Times New Roman"/>
-            </a:endParaRPr>
-          </a:p>
-          <a:p>
-            <a:pPr lvl="6" marL="1512000" indent="-216000">
-              <a:spcBef>
-                <a:spcPts val="283"/>
-              </a:spcBef>
-              <a:buClr>
-                <a:srgbClr val="000000"/>
-              </a:buClr>
-              <a:buSzPct val="45000"/>
-              <a:buFont typeface="Wingdings" charset="2"/>
-              <a:buChar char=""/>
-            </a:pPr>
-            <a:r>
-              <a:rPr b="0" lang="en-US" sz="1800" strike="noStrike" u="none">
-                <a:solidFill>
-                  <a:srgbClr val="000000"/>
-                </a:solidFill>
-                <a:effectLst/>
-                <a:uFillTx/>
-                <a:latin typeface="Times New Roman"/>
-              </a:rPr>
-              <a:t>Seventh Outline Level</a:t>
-            </a:r>
-            <a:endParaRPr b="0" lang="en-US" sz="1800" strike="noStrike" u="none">
-              <a:solidFill>
-                <a:srgbClr val="000000"/>
-              </a:solidFill>
-              <a:effectLst/>
-              <a:uFillTx/>
-              <a:latin typeface="Times New Roman"/>
-            </a:endParaRPr>
-          </a:p>
-        </p:txBody>
-      </p:sp>
-      <p:sp>
-        <p:nvSpPr>
-          <p:cNvPr id="22" name="PlaceHolder 4"/>
+          <p:cNvPr id="27" name="PlaceHolder 1"/>
           <p:cNvSpPr>
             <a:spLocks noGrp="1"/>
           </p:cNvSpPr>
@@ -3312,7 +4862,7 @@
         <p:spPr>
           <a:xfrm>
             <a:off x="8472600" y="4663080"/>
-            <a:ext cx="547920" cy="392760"/>
+            <a:ext cx="547560" cy="392400"/>
           </a:xfrm>
           <a:prstGeom prst="rect">
             <a:avLst/>
@@ -3356,7 +4906,7 @@
                 <a:tab algn="l" pos="0"/>
               </a:tabLst>
             </a:pPr>
-            <a:fld id="{2BADA022-772D-4D5C-BA0D-43E241902ACC}" type="slidenum">
+            <a:fld id="{FDB51B1F-F5C0-4F2E-8039-297AE43D0FE0}" type="slidenum">
               <a:rPr b="0" lang="en" sz="1000" strike="noStrike" u="none">
                 <a:solidFill>
                   <a:schemeClr val="dk2"/>
@@ -3366,7 +4916,7 @@
                 <a:latin typeface="Arial"/>
                 <a:ea typeface="Arial"/>
               </a:rPr>
-              <a:t>&lt;number&gt;</a:t>
+              <a:t>1</a:t>
             </a:fld>
             <a:endParaRPr b="0" lang="en-US" sz="1000" strike="noStrike" u="none">
               <a:solidFill>
@@ -3414,60 +4964,7 @@
       </p:grpSpPr>
       <p:sp>
         <p:nvSpPr>
-          <p:cNvPr id="26" name="PlaceHolder 1"/>
-          <p:cNvSpPr>
-            <a:spLocks noGrp="1"/>
-          </p:cNvSpPr>
-          <p:nvPr>
-            <p:ph type="title"/>
-          </p:nvPr>
-        </p:nvSpPr>
-        <p:spPr>
-          <a:xfrm>
-            <a:off x="311760" y="1632960"/>
-            <a:ext cx="8519760" cy="274680"/>
-          </a:xfrm>
-          <a:prstGeom prst="rect">
-            <a:avLst/>
-          </a:prstGeom>
-          <a:noFill/>
-          <a:ln w="0">
-            <a:noFill/>
-          </a:ln>
-        </p:spPr>
-        <p:txBody>
-          <a:bodyPr lIns="0" rIns="0" tIns="0" bIns="0" anchor="ctr">
-            <a:spAutoFit/>
-          </a:bodyPr>
-          <a:p>
-            <a:pPr indent="0">
-              <a:buNone/>
-            </a:pPr>
-            <a:r>
-              <a:rPr b="0" lang="en-US" sz="1800" strike="noStrike" u="none">
-                <a:solidFill>
-                  <a:srgbClr val="000000"/>
-                </a:solidFill>
-                <a:effectLst/>
-                <a:uFillTx/>
-                <a:latin typeface="Arial"/>
-              </a:rPr>
-              <a:t>Click to edit the title text format</a:t>
-            </a:r>
-            <a:endParaRPr b="0" lang="en-US" sz="1800" strike="noStrike" u="none">
-              <a:solidFill>
-                <a:srgbClr val="000000"/>
-              </a:solidFill>
-              <a:effectLst/>
-              <a:uFillTx/>
-              <a:latin typeface="Arial"/>
-            </a:endParaRPr>
-          </a:p>
-        </p:txBody>
-      </p:sp>
-      <p:sp>
-        <p:nvSpPr>
-          <p:cNvPr id="27" name="PlaceHolder 2"/>
+          <p:cNvPr id="28" name="PlaceHolder 1"/>
           <p:cNvSpPr>
             <a:spLocks noGrp="1"/>
           </p:cNvSpPr>
@@ -3478,7 +4975,7 @@
         <p:spPr>
           <a:xfrm>
             <a:off x="8472600" y="4663080"/>
-            <a:ext cx="547920" cy="392760"/>
+            <a:ext cx="547560" cy="392400"/>
           </a:xfrm>
           <a:prstGeom prst="rect">
             <a:avLst/>
@@ -3522,7 +5019,7 @@
                 <a:tab algn="l" pos="0"/>
               </a:tabLst>
             </a:pPr>
-            <a:fld id="{DD4F4A3C-82FE-454E-BB7D-B07994DFABF1}" type="slidenum">
+            <a:fld id="{10650076-42B7-41A9-B093-526DDC5D942B}" type="slidenum">
               <a:rPr b="0" lang="en" sz="1000" strike="noStrike" u="none">
                 <a:solidFill>
                   <a:schemeClr val="dk2"/>
@@ -3532,7 +5029,7 @@
                 <a:latin typeface="Arial"/>
                 <a:ea typeface="Arial"/>
               </a:rPr>
-              <a:t>&lt;number&gt;</a:t>
+              <a:t>1</a:t>
             </a:fld>
             <a:endParaRPr b="0" lang="en-US" sz="1000" strike="noStrike" u="none">
               <a:solidFill>
@@ -3591,7 +5088,7 @@
         <p:spPr>
           <a:xfrm>
             <a:off x="8472600" y="4663080"/>
-            <a:ext cx="547920" cy="392760"/>
+            <a:ext cx="547560" cy="392400"/>
           </a:xfrm>
           <a:prstGeom prst="rect">
             <a:avLst/>
@@ -3635,7 +5132,7 @@
                 <a:tab algn="l" pos="0"/>
               </a:tabLst>
             </a:pPr>
-            <a:fld id="{0772982E-B960-4756-9535-24C439ABF7CC}" type="slidenum">
+            <a:fld id="{0FB09DCD-CCA7-451F-B4E7-441658A9251C}" type="slidenum">
               <a:rPr b="0" lang="en" sz="1000" strike="noStrike" u="none">
                 <a:solidFill>
                   <a:schemeClr val="dk2"/>
@@ -3645,7 +5142,7 @@
                 <a:latin typeface="Arial"/>
                 <a:ea typeface="Arial"/>
               </a:rPr>
-              <a:t>&lt;number&gt;</a:t>
+              <a:t>1</a:t>
             </a:fld>
             <a:endParaRPr b="0" lang="en-US" sz="1000" strike="noStrike" u="none">
               <a:solidFill>
@@ -3698,13 +5195,319 @@
             <a:spLocks noGrp="1"/>
           </p:cNvSpPr>
           <p:nvPr>
+            <p:ph type="title"/>
+          </p:nvPr>
+        </p:nvSpPr>
+        <p:spPr>
+          <a:xfrm>
+            <a:off x="311760" y="1632600"/>
+            <a:ext cx="8519400" cy="274680"/>
+          </a:xfrm>
+          <a:prstGeom prst="rect">
+            <a:avLst/>
+          </a:prstGeom>
+          <a:noFill/>
+          <a:ln w="0">
+            <a:noFill/>
+          </a:ln>
+        </p:spPr>
+        <p:txBody>
+          <a:bodyPr lIns="0" rIns="0" tIns="0" bIns="0" anchor="ctr">
+            <a:spAutoFit/>
+          </a:bodyPr>
+          <a:p>
+            <a:pPr indent="0">
+              <a:buNone/>
+            </a:pPr>
+            <a:r>
+              <a:rPr b="0" lang="en-US" sz="1800" strike="noStrike" u="none">
+                <a:solidFill>
+                  <a:srgbClr val="000000"/>
+                </a:solidFill>
+                <a:effectLst/>
+                <a:uFillTx/>
+                <a:latin typeface="Arial"/>
+              </a:rPr>
+              <a:t>Click to edit the title text format</a:t>
+            </a:r>
+            <a:endParaRPr b="0" lang="en-US" sz="1800" strike="noStrike" u="none">
+              <a:solidFill>
+                <a:srgbClr val="000000"/>
+              </a:solidFill>
+              <a:effectLst/>
+              <a:uFillTx/>
+              <a:latin typeface="Arial"/>
+            </a:endParaRPr>
+          </a:p>
+        </p:txBody>
+      </p:sp>
+      <p:sp>
+        <p:nvSpPr>
+          <p:cNvPr id="31" name="PlaceHolder 2"/>
+          <p:cNvSpPr>
+            <a:spLocks noGrp="1"/>
+          </p:cNvSpPr>
+          <p:nvPr>
+            <p:ph type="body"/>
+          </p:nvPr>
+        </p:nvSpPr>
+        <p:spPr>
+          <a:xfrm>
+            <a:off x="457200" y="1203480"/>
+            <a:ext cx="8228880" cy="2982600"/>
+          </a:xfrm>
+          <a:prstGeom prst="rect">
+            <a:avLst/>
+          </a:prstGeom>
+          <a:noFill/>
+          <a:ln w="0">
+            <a:noFill/>
+          </a:ln>
+        </p:spPr>
+        <p:txBody>
+          <a:bodyPr lIns="0" rIns="0" tIns="0" bIns="0" anchor="t">
+            <a:normAutofit/>
+          </a:bodyPr>
+          <a:p>
+            <a:pPr marL="432000" indent="-324000">
+              <a:spcBef>
+                <a:spcPts val="1417"/>
+              </a:spcBef>
+              <a:buClr>
+                <a:srgbClr val="000000"/>
+              </a:buClr>
+              <a:buSzPct val="45000"/>
+              <a:buFont typeface="Wingdings" charset="2"/>
+              <a:buChar char=""/>
+            </a:pPr>
+            <a:r>
+              <a:rPr b="0" lang="en-US" sz="1800" strike="noStrike" u="none">
+                <a:solidFill>
+                  <a:srgbClr val="000000"/>
+                </a:solidFill>
+                <a:effectLst/>
+                <a:uFillTx/>
+                <a:latin typeface="Arial"/>
+              </a:rPr>
+              <a:t>Click to edit the outline text format</a:t>
+            </a:r>
+            <a:endParaRPr b="0" lang="en-US" sz="1800" strike="noStrike" u="none">
+              <a:solidFill>
+                <a:srgbClr val="000000"/>
+              </a:solidFill>
+              <a:effectLst/>
+              <a:uFillTx/>
+              <a:latin typeface="Arial"/>
+            </a:endParaRPr>
+          </a:p>
+          <a:p>
+            <a:pPr lvl="1" marL="432000" indent="-216000">
+              <a:spcBef>
+                <a:spcPts val="1134"/>
+              </a:spcBef>
+              <a:buClr>
+                <a:srgbClr val="000000"/>
+              </a:buClr>
+              <a:buSzPct val="45000"/>
+              <a:buFont typeface="Wingdings" charset="2"/>
+              <a:buChar char=""/>
+            </a:pPr>
+            <a:r>
+              <a:rPr b="0" lang="en-US" sz="1800" strike="noStrike" u="none">
+                <a:solidFill>
+                  <a:srgbClr val="000000"/>
+                </a:solidFill>
+                <a:effectLst/>
+                <a:uFillTx/>
+                <a:latin typeface="Times New Roman"/>
+              </a:rPr>
+              <a:t>Second Outline Level</a:t>
+            </a:r>
+            <a:endParaRPr b="0" lang="en-US" sz="1800" strike="noStrike" u="none">
+              <a:solidFill>
+                <a:srgbClr val="000000"/>
+              </a:solidFill>
+              <a:effectLst/>
+              <a:uFillTx/>
+              <a:latin typeface="Times New Roman"/>
+            </a:endParaRPr>
+          </a:p>
+          <a:p>
+            <a:pPr lvl="2" marL="648000" indent="-216000">
+              <a:spcBef>
+                <a:spcPts val="850"/>
+              </a:spcBef>
+              <a:buClr>
+                <a:srgbClr val="000000"/>
+              </a:buClr>
+              <a:buSzPct val="45000"/>
+              <a:buFont typeface="Wingdings" charset="2"/>
+              <a:buChar char=""/>
+            </a:pPr>
+            <a:r>
+              <a:rPr b="0" lang="en-US" sz="1800" strike="noStrike" u="none">
+                <a:solidFill>
+                  <a:srgbClr val="000000"/>
+                </a:solidFill>
+                <a:effectLst/>
+                <a:uFillTx/>
+                <a:latin typeface="Times New Roman"/>
+              </a:rPr>
+              <a:t>Third Outline Level</a:t>
+            </a:r>
+            <a:endParaRPr b="0" lang="en-US" sz="1800" strike="noStrike" u="none">
+              <a:solidFill>
+                <a:srgbClr val="000000"/>
+              </a:solidFill>
+              <a:effectLst/>
+              <a:uFillTx/>
+              <a:latin typeface="Times New Roman"/>
+            </a:endParaRPr>
+          </a:p>
+          <a:p>
+            <a:pPr lvl="3" marL="864000" indent="-216000">
+              <a:spcBef>
+                <a:spcPts val="567"/>
+              </a:spcBef>
+              <a:buClr>
+                <a:srgbClr val="000000"/>
+              </a:buClr>
+              <a:buSzPct val="45000"/>
+              <a:buFont typeface="Wingdings" charset="2"/>
+              <a:buChar char=""/>
+            </a:pPr>
+            <a:r>
+              <a:rPr b="0" lang="en-US" sz="1800" strike="noStrike" u="none">
+                <a:solidFill>
+                  <a:srgbClr val="000000"/>
+                </a:solidFill>
+                <a:effectLst/>
+                <a:uFillTx/>
+                <a:latin typeface="Times New Roman"/>
+              </a:rPr>
+              <a:t>Fourth Outline Level</a:t>
+            </a:r>
+            <a:endParaRPr b="0" lang="en-US" sz="1800" strike="noStrike" u="none">
+              <a:solidFill>
+                <a:srgbClr val="000000"/>
+              </a:solidFill>
+              <a:effectLst/>
+              <a:uFillTx/>
+              <a:latin typeface="Times New Roman"/>
+            </a:endParaRPr>
+          </a:p>
+          <a:p>
+            <a:pPr lvl="4" marL="1080000" indent="-216000">
+              <a:spcBef>
+                <a:spcPts val="283"/>
+              </a:spcBef>
+              <a:buClr>
+                <a:srgbClr val="000000"/>
+              </a:buClr>
+              <a:buSzPct val="45000"/>
+              <a:buFont typeface="Wingdings" charset="2"/>
+              <a:buChar char=""/>
+            </a:pPr>
+            <a:r>
+              <a:rPr b="0" lang="en-US" sz="1800" strike="noStrike" u="none">
+                <a:solidFill>
+                  <a:srgbClr val="000000"/>
+                </a:solidFill>
+                <a:effectLst/>
+                <a:uFillTx/>
+                <a:latin typeface="Times New Roman"/>
+              </a:rPr>
+              <a:t>Fifth Outline Level</a:t>
+            </a:r>
+            <a:endParaRPr b="0" lang="en-US" sz="1800" strike="noStrike" u="none">
+              <a:solidFill>
+                <a:srgbClr val="000000"/>
+              </a:solidFill>
+              <a:effectLst/>
+              <a:uFillTx/>
+              <a:latin typeface="Times New Roman"/>
+            </a:endParaRPr>
+          </a:p>
+          <a:p>
+            <a:pPr lvl="5" marL="1296000" indent="-216000">
+              <a:spcBef>
+                <a:spcPts val="283"/>
+              </a:spcBef>
+              <a:buClr>
+                <a:srgbClr val="000000"/>
+              </a:buClr>
+              <a:buSzPct val="45000"/>
+              <a:buFont typeface="Wingdings" charset="2"/>
+              <a:buChar char=""/>
+            </a:pPr>
+            <a:r>
+              <a:rPr b="0" lang="en-US" sz="1800" strike="noStrike" u="none">
+                <a:solidFill>
+                  <a:srgbClr val="000000"/>
+                </a:solidFill>
+                <a:effectLst/>
+                <a:uFillTx/>
+                <a:latin typeface="Times New Roman"/>
+              </a:rPr>
+              <a:t>Sixth Outline Level</a:t>
+            </a:r>
+            <a:endParaRPr b="0" lang="en-US" sz="1800" strike="noStrike" u="none">
+              <a:solidFill>
+                <a:srgbClr val="000000"/>
+              </a:solidFill>
+              <a:effectLst/>
+              <a:uFillTx/>
+              <a:latin typeface="Times New Roman"/>
+            </a:endParaRPr>
+          </a:p>
+          <a:p>
+            <a:pPr lvl="6" marL="1512000" indent="-216000">
+              <a:spcBef>
+                <a:spcPts val="283"/>
+              </a:spcBef>
+              <a:buClr>
+                <a:srgbClr val="000000"/>
+              </a:buClr>
+              <a:buSzPct val="45000"/>
+              <a:buFont typeface="Wingdings" charset="2"/>
+              <a:buChar char=""/>
+            </a:pPr>
+            <a:r>
+              <a:rPr b="0" lang="en-US" sz="1800" strike="noStrike" u="none">
+                <a:solidFill>
+                  <a:srgbClr val="000000"/>
+                </a:solidFill>
+                <a:effectLst/>
+                <a:uFillTx/>
+                <a:latin typeface="Times New Roman"/>
+              </a:rPr>
+              <a:t>Seventh Outline Level</a:t>
+            </a:r>
+            <a:endParaRPr b="0" lang="en-US" sz="1800" strike="noStrike" u="none">
+              <a:solidFill>
+                <a:srgbClr val="000000"/>
+              </a:solidFill>
+              <a:effectLst/>
+              <a:uFillTx/>
+              <a:latin typeface="Times New Roman"/>
+            </a:endParaRPr>
+          </a:p>
+        </p:txBody>
+      </p:sp>
+      <p:sp>
+        <p:nvSpPr>
+          <p:cNvPr id="32" name="PlaceHolder 3"/>
+          <p:cNvSpPr>
+            <a:spLocks noGrp="1"/>
+          </p:cNvSpPr>
+          <p:nvPr>
             <p:ph type="sldNum" idx="9"/>
           </p:nvPr>
         </p:nvSpPr>
         <p:spPr>
           <a:xfrm>
             <a:off x="8472600" y="4663080"/>
-            <a:ext cx="547920" cy="392760"/>
+            <a:ext cx="547560" cy="392400"/>
           </a:xfrm>
           <a:prstGeom prst="rect">
             <a:avLst/>
@@ -3748,7 +5551,7 @@
                 <a:tab algn="l" pos="0"/>
               </a:tabLst>
             </a:pPr>
-            <a:fld id="{9896CF18-BF42-48CD-ADEC-C9B41AFB1F42}" type="slidenum">
+            <a:fld id="{66EB1979-AB18-4D99-A72E-9569788AA4B4}" type="slidenum">
               <a:rPr b="0" lang="en" sz="1000" strike="noStrike" u="none">
                 <a:solidFill>
                   <a:schemeClr val="dk2"/>
@@ -3799,14 +5602,14 @@
       </p:grpSpPr>
       <p:sp>
         <p:nvSpPr>
-          <p:cNvPr id="34" name="Google Shape;111;p14"/>
+          <p:cNvPr id="50" name="Google Shape;111;p14"/>
           <p:cNvSpPr/>
           <p:nvPr/>
         </p:nvSpPr>
         <p:spPr>
           <a:xfrm>
             <a:off x="0" y="1033920"/>
-            <a:ext cx="3044160" cy="4109040"/>
+            <a:ext cx="3043800" cy="4108680"/>
           </a:xfrm>
           <a:prstGeom prst="rect">
             <a:avLst/>
@@ -3861,19 +5664,19 @@
       </p:sp>
       <p:pic>
         <p:nvPicPr>
-          <p:cNvPr id="35" name="Google Shape;112;p14" descr=""/>
+          <p:cNvPr id="51" name="Google Shape;112;p14" descr=""/>
           <p:cNvPicPr/>
           <p:nvPr/>
         </p:nvPicPr>
         <p:blipFill>
           <a:blip r:embed="rId1"/>
-          <a:srcRect l="10084" t="23975" r="72568" b="60200"/>
+          <a:srcRect l="10084" t="23970" r="72560" b="60190"/>
           <a:stretch/>
         </p:blipFill>
         <p:spPr>
           <a:xfrm>
             <a:off x="8601840" y="-23040"/>
-            <a:ext cx="549000" cy="390240"/>
+            <a:ext cx="548640" cy="389880"/>
           </a:xfrm>
           <a:prstGeom prst="rect">
             <a:avLst/>
@@ -3888,19 +5691,19 @@
       </p:pic>
       <p:pic>
         <p:nvPicPr>
-          <p:cNvPr id="36" name="Google Shape;113;p14" descr=""/>
+          <p:cNvPr id="52" name="Google Shape;113;p14" descr=""/>
           <p:cNvPicPr/>
           <p:nvPr/>
         </p:nvPicPr>
         <p:blipFill>
           <a:blip r:embed="rId2"/>
-          <a:srcRect l="10084" t="23975" r="9668" b="60200"/>
+          <a:srcRect l="10084" t="23970" r="9668" b="60190"/>
           <a:stretch/>
         </p:blipFill>
         <p:spPr>
           <a:xfrm>
             <a:off x="6512760" y="-24120"/>
-            <a:ext cx="2545200" cy="390240"/>
+            <a:ext cx="2544840" cy="389880"/>
           </a:xfrm>
           <a:prstGeom prst="rect">
             <a:avLst/>
@@ -3915,19 +5718,19 @@
       </p:pic>
       <p:pic>
         <p:nvPicPr>
-          <p:cNvPr id="37" name="Google Shape;114;p14" descr=""/>
+          <p:cNvPr id="53" name="Google Shape;114;p14" descr=""/>
           <p:cNvPicPr/>
           <p:nvPr/>
         </p:nvPicPr>
         <p:blipFill>
           <a:blip r:embed="rId3"/>
-          <a:srcRect l="10084" t="23975" r="9668" b="60200"/>
+          <a:srcRect l="10084" t="23970" r="9668" b="60190"/>
           <a:stretch/>
         </p:blipFill>
         <p:spPr>
           <a:xfrm>
             <a:off x="4835160" y="-24120"/>
-            <a:ext cx="2545200" cy="390240"/>
+            <a:ext cx="2544840" cy="389880"/>
           </a:xfrm>
           <a:prstGeom prst="rect">
             <a:avLst/>
@@ -3942,19 +5745,19 @@
       </p:pic>
       <p:pic>
         <p:nvPicPr>
-          <p:cNvPr id="38" name="Google Shape;115;p14" descr=""/>
+          <p:cNvPr id="54" name="Google Shape;115;p14" descr=""/>
           <p:cNvPicPr/>
           <p:nvPr/>
         </p:nvPicPr>
         <p:blipFill>
           <a:blip r:embed="rId4"/>
-          <a:srcRect l="10084" t="23975" r="9668" b="60200"/>
+          <a:srcRect l="10084" t="23970" r="9668" b="60190"/>
           <a:stretch/>
         </p:blipFill>
         <p:spPr>
           <a:xfrm>
             <a:off x="2403720" y="-24120"/>
-            <a:ext cx="2545200" cy="390240"/>
+            <a:ext cx="2544840" cy="389880"/>
           </a:xfrm>
           <a:prstGeom prst="rect">
             <a:avLst/>
@@ -3969,19 +5772,19 @@
       </p:pic>
       <p:pic>
         <p:nvPicPr>
-          <p:cNvPr id="39" name="Google Shape;116;p14" descr=""/>
+          <p:cNvPr id="55" name="Google Shape;116;p14" descr=""/>
           <p:cNvPicPr/>
           <p:nvPr/>
         </p:nvPicPr>
         <p:blipFill>
           <a:blip r:embed="rId5"/>
-          <a:srcRect l="10084" t="23975" r="9668" b="60200"/>
+          <a:srcRect l="10084" t="23970" r="9668" b="60190"/>
           <a:stretch/>
         </p:blipFill>
         <p:spPr>
           <a:xfrm>
             <a:off x="0" y="-24120"/>
-            <a:ext cx="2545200" cy="390240"/>
+            <a:ext cx="2544840" cy="389880"/>
           </a:xfrm>
           <a:prstGeom prst="rect">
             <a:avLst/>
@@ -3996,14 +5799,14 @@
       </p:pic>
       <p:sp>
         <p:nvSpPr>
-          <p:cNvPr id="40" name="Google Shape;117;p14"/>
+          <p:cNvPr id="56" name="Google Shape;117;p14"/>
           <p:cNvSpPr/>
           <p:nvPr/>
         </p:nvSpPr>
         <p:spPr>
           <a:xfrm>
             <a:off x="6094800" y="1033920"/>
-            <a:ext cx="3044160" cy="4109040"/>
+            <a:ext cx="3043800" cy="4108680"/>
           </a:xfrm>
           <a:prstGeom prst="rect">
             <a:avLst/>
@@ -4058,14 +5861,14 @@
       </p:sp>
       <p:sp>
         <p:nvSpPr>
-          <p:cNvPr id="41" name="Google Shape;118;p14"/>
+          <p:cNvPr id="57" name="Google Shape;118;p14"/>
           <p:cNvSpPr/>
           <p:nvPr/>
         </p:nvSpPr>
         <p:spPr>
           <a:xfrm>
             <a:off x="3049560" y="1033920"/>
-            <a:ext cx="3044160" cy="4109040"/>
+            <a:ext cx="3043800" cy="4108680"/>
           </a:xfrm>
           <a:prstGeom prst="rect">
             <a:avLst/>
@@ -4120,19 +5923,19 @@
       </p:sp>
       <p:pic>
         <p:nvPicPr>
-          <p:cNvPr id="42" name="Google Shape;119;p14" descr=""/>
+          <p:cNvPr id="58" name="Google Shape;119;p14" descr=""/>
           <p:cNvPicPr/>
           <p:nvPr/>
         </p:nvPicPr>
         <p:blipFill>
           <a:blip r:embed="rId6"/>
-          <a:srcRect l="10084" t="23975" r="9668" b="60200"/>
+          <a:srcRect l="10084" t="23970" r="9668" b="60190"/>
           <a:stretch/>
         </p:blipFill>
         <p:spPr>
           <a:xfrm>
             <a:off x="360" y="-104760"/>
-            <a:ext cx="9143280" cy="390240"/>
+            <a:ext cx="9142920" cy="389880"/>
           </a:xfrm>
           <a:prstGeom prst="rect">
             <a:avLst/>
@@ -4147,14 +5950,14 @@
       </p:pic>
       <p:sp>
         <p:nvSpPr>
-          <p:cNvPr id="43" name="Google Shape;120;p14"/>
+          <p:cNvPr id="59" name="Google Shape;120;p14"/>
           <p:cNvSpPr/>
           <p:nvPr/>
         </p:nvSpPr>
         <p:spPr>
           <a:xfrm>
             <a:off x="0" y="27360"/>
-            <a:ext cx="9143280" cy="1144080"/>
+            <a:ext cx="9142920" cy="1143720"/>
           </a:xfrm>
           <a:prstGeom prst="horizontalScroll">
             <a:avLst>
@@ -4203,14 +6006,14 @@
       </p:sp>
       <p:sp>
         <p:nvSpPr>
-          <p:cNvPr id="44" name="Google Shape;121;p14"/>
+          <p:cNvPr id="60" name="Google Shape;121;p14"/>
           <p:cNvSpPr/>
           <p:nvPr/>
         </p:nvSpPr>
         <p:spPr>
           <a:xfrm>
             <a:off x="38160" y="82440"/>
-            <a:ext cx="9143280" cy="868320"/>
+            <a:ext cx="9142920" cy="868320"/>
           </a:xfrm>
           <a:prstGeom prst="rect">
             <a:avLst/>
@@ -4312,7 +6115,7 @@
       </p:sp>
       <p:pic>
         <p:nvPicPr>
-          <p:cNvPr id="45" name="Google Shape;122;p14" descr=""/>
+          <p:cNvPr id="61" name="Google Shape;122;p14" descr=""/>
           <p:cNvPicPr/>
           <p:nvPr/>
         </p:nvPicPr>
@@ -4323,7 +6126,7 @@
         <p:spPr>
           <a:xfrm>
             <a:off x="7953840" y="212760"/>
-            <a:ext cx="838080" cy="783000"/>
+            <a:ext cx="837720" cy="782640"/>
           </a:xfrm>
           <a:prstGeom prst="rect">
             <a:avLst/>
@@ -4336,14 +6139,14 @@
       </p:pic>
       <p:sp>
         <p:nvSpPr>
-          <p:cNvPr id="46" name="Google Shape;123;p14"/>
+          <p:cNvPr id="62" name="Google Shape;123;p14"/>
           <p:cNvSpPr/>
           <p:nvPr/>
         </p:nvSpPr>
         <p:spPr>
           <a:xfrm>
             <a:off x="248400" y="3185280"/>
-            <a:ext cx="2297880" cy="461160"/>
+            <a:ext cx="2297520" cy="460800"/>
           </a:xfrm>
           <a:prstGeom prst="rect">
             <a:avLst/>
@@ -4385,14 +6188,14 @@
       </p:sp>
       <p:sp>
         <p:nvSpPr>
-          <p:cNvPr id="47" name="Google Shape;124;p14"/>
+          <p:cNvPr id="63" name="Google Shape;124;p14"/>
           <p:cNvSpPr/>
           <p:nvPr/>
         </p:nvSpPr>
         <p:spPr>
           <a:xfrm>
             <a:off x="468360" y="3057840"/>
-            <a:ext cx="2297880" cy="510120"/>
+            <a:ext cx="2297520" cy="509760"/>
           </a:xfrm>
           <a:prstGeom prst="rect">
             <a:avLst/>
@@ -4434,14 +6237,14 @@
       </p:sp>
       <p:sp>
         <p:nvSpPr>
-          <p:cNvPr id="48" name="Google Shape;125;p14"/>
+          <p:cNvPr id="64" name="Google Shape;125;p14"/>
           <p:cNvSpPr/>
           <p:nvPr/>
         </p:nvSpPr>
         <p:spPr>
           <a:xfrm>
             <a:off x="4320" y="1014480"/>
-            <a:ext cx="3044160" cy="353520"/>
+            <a:ext cx="3043800" cy="353160"/>
           </a:xfrm>
           <a:prstGeom prst="rect">
             <a:avLst/>
@@ -4495,14 +6298,14 @@
       </p:sp>
       <p:sp>
         <p:nvSpPr>
-          <p:cNvPr id="49" name="Google Shape;126;p14"/>
+          <p:cNvPr id="65" name="Google Shape;126;p14"/>
           <p:cNvSpPr/>
           <p:nvPr/>
         </p:nvSpPr>
         <p:spPr>
           <a:xfrm>
             <a:off x="1370880" y="534600"/>
-            <a:ext cx="6401520" cy="555840"/>
+            <a:ext cx="6401160" cy="556200"/>
           </a:xfrm>
           <a:prstGeom prst="rect">
             <a:avLst/>
@@ -4730,14 +6533,14 @@
       </p:sp>
       <p:sp>
         <p:nvSpPr>
-          <p:cNvPr id="50" name="Google Shape;130;p14"/>
+          <p:cNvPr id="66" name="Google Shape;130;p14"/>
           <p:cNvSpPr/>
           <p:nvPr/>
         </p:nvSpPr>
         <p:spPr>
           <a:xfrm>
             <a:off x="2958840" y="1014480"/>
-            <a:ext cx="3044160" cy="353520"/>
+            <a:ext cx="3043800" cy="353160"/>
           </a:xfrm>
           <a:prstGeom prst="rect">
             <a:avLst/>
@@ -4857,19 +6660,19 @@
       </p:sp>
       <p:pic>
         <p:nvPicPr>
-          <p:cNvPr id="51" name="Google Shape;131;p14" descr=""/>
+          <p:cNvPr id="67" name="Google Shape;131;p14" descr=""/>
           <p:cNvPicPr/>
           <p:nvPr/>
         </p:nvPicPr>
         <p:blipFill>
           <a:blip r:embed="rId8"/>
-          <a:srcRect l="0" t="0" r="45351" b="0"/>
+          <a:srcRect l="0" t="0" r="45345" b="0"/>
           <a:stretch/>
         </p:blipFill>
         <p:spPr>
           <a:xfrm>
-            <a:off x="3200400" y="2395080"/>
-            <a:ext cx="2742840" cy="2405160"/>
+            <a:off x="3200400" y="2286000"/>
+            <a:ext cx="2742480" cy="2404800"/>
           </a:xfrm>
           <a:prstGeom prst="rect">
             <a:avLst/>
@@ -4882,14 +6685,14 @@
       </p:pic>
       <p:sp>
         <p:nvSpPr>
-          <p:cNvPr id="52" name="Google Shape;137;p14"/>
+          <p:cNvPr id="68" name="Google Shape;137;p14"/>
           <p:cNvSpPr/>
           <p:nvPr/>
         </p:nvSpPr>
         <p:spPr>
           <a:xfrm>
             <a:off x="6006960" y="1014480"/>
-            <a:ext cx="3044160" cy="353520"/>
+            <a:ext cx="3043800" cy="353160"/>
           </a:xfrm>
           <a:prstGeom prst="rect">
             <a:avLst/>
@@ -4973,7 +6776,7 @@
       </p:sp>
       <p:pic>
         <p:nvPicPr>
-          <p:cNvPr id="53" name="" descr=""/>
+          <p:cNvPr id="69" name="" descr=""/>
           <p:cNvPicPr/>
           <p:nvPr/>
         </p:nvPicPr>
@@ -4984,7 +6787,7 @@
         <p:spPr>
           <a:xfrm>
             <a:off x="518400" y="219240"/>
-            <a:ext cx="786960" cy="776520"/>
+            <a:ext cx="786600" cy="776160"/>
           </a:xfrm>
           <a:prstGeom prst="rect">
             <a:avLst/>
@@ -4997,7 +6800,7 @@
       </p:pic>
       <p:pic>
         <p:nvPicPr>
-          <p:cNvPr id="54" name="" descr=""/>
+          <p:cNvPr id="70" name="" descr=""/>
           <p:cNvPicPr/>
           <p:nvPr/>
         </p:nvPicPr>
@@ -5009,7 +6812,7 @@
         <p:spPr>
           <a:xfrm>
             <a:off x="518760" y="2057400"/>
-            <a:ext cx="2052360" cy="3085920"/>
+            <a:ext cx="2052000" cy="3085560"/>
           </a:xfrm>
           <a:prstGeom prst="rect">
             <a:avLst/>
@@ -5022,7 +6825,7 @@
       </p:pic>
       <p:pic>
         <p:nvPicPr>
-          <p:cNvPr id="55" name="" descr=""/>
+          <p:cNvPr id="71" name="" descr=""/>
           <p:cNvPicPr/>
           <p:nvPr/>
         </p:nvPicPr>
@@ -5032,8 +6835,8 @@
         </p:blipFill>
         <p:spPr>
           <a:xfrm>
-            <a:off x="6400800" y="2889720"/>
-            <a:ext cx="2274120" cy="1453320"/>
+            <a:off x="6641640" y="2514600"/>
+            <a:ext cx="1816560" cy="1160640"/>
           </a:xfrm>
           <a:prstGeom prst="rect">
             <a:avLst/>
@@ -5044,6 +6847,78 @@
           </a:ln>
         </p:spPr>
       </p:pic>
+      <p:pic>
+        <p:nvPicPr>
+          <p:cNvPr id="72" name="" descr=""/>
+          <p:cNvPicPr/>
+          <p:nvPr/>
+        </p:nvPicPr>
+        <p:blipFill>
+          <a:blip r:embed="rId12"/>
+          <a:stretch/>
+        </p:blipFill>
+        <p:spPr>
+          <a:xfrm>
+            <a:off x="7167960" y="3886200"/>
+            <a:ext cx="833040" cy="833040"/>
+          </a:xfrm>
+          <a:prstGeom prst="rect">
+            <a:avLst/>
+          </a:prstGeom>
+          <a:noFill/>
+          <a:ln w="0">
+            <a:noFill/>
+          </a:ln>
+        </p:spPr>
+      </p:pic>
+      <p:sp>
+        <p:nvSpPr>
+          <p:cNvPr id="73" name=""/>
+          <p:cNvSpPr txBox="1"/>
+          <p:nvPr/>
+        </p:nvSpPr>
+        <p:spPr>
+          <a:xfrm>
+            <a:off x="6093360" y="4828680"/>
+            <a:ext cx="3108960" cy="429120"/>
+          </a:xfrm>
+          <a:prstGeom prst="rect">
+            <a:avLst/>
+          </a:prstGeom>
+          <a:noFill/>
+          <a:ln w="0">
+            <a:noFill/>
+          </a:ln>
+        </p:spPr>
+        <p:txBody>
+          <a:bodyPr lIns="90000" rIns="90000" tIns="45000" bIns="45000" anchor="t" anchorCtr="1">
+            <a:spAutoFit/>
+          </a:bodyPr>
+          <a:p>
+            <a:pPr algn="ctr"/>
+            <a:r>
+              <a:rPr b="1" lang="en" sz="800" strike="noStrike" u="none">
+                <a:solidFill>
+                  <a:srgbClr val="ffffff"/>
+                </a:solidFill>
+                <a:effectLst/>
+                <a:uFillTx/>
+                <a:latin typeface="Times New Roman"/>
+                <a:ea typeface="Nanum Myeongjo"/>
+              </a:rPr>
+              <a:t>Public code released under Q-CDA/AGPL dual-license</a:t>
+            </a:r>
+            <a:endParaRPr b="0" lang="en-US" sz="800" strike="noStrike" u="none">
+              <a:solidFill>
+                <a:srgbClr val="000000"/>
+              </a:solidFill>
+              <a:effectLst/>
+              <a:uFillTx/>
+              <a:latin typeface="Arial"/>
+            </a:endParaRPr>
+          </a:p>
+        </p:txBody>
+      </p:sp>
     </p:spTree>
   </p:cSld>
   <mc:AlternateContent>
@@ -5573,6 +7448,694 @@
 </a:theme>
 </file>
 
+<file path=ppt/theme/theme12.xml><?xml version="1.0" encoding="utf-8"?>
+<a:theme xmlns:a="http://schemas.openxmlformats.org/drawingml/2006/main" xmlns:r="http://schemas.openxmlformats.org/officeDocument/2006/relationships" name="Simple Light">
+  <a:themeElements>
+    <a:clrScheme name="Simple Light">
+      <a:dk1>
+        <a:srgbClr val="000000"/>
+      </a:dk1>
+      <a:lt1>
+        <a:srgbClr val="ffffff"/>
+      </a:lt1>
+      <a:dk2>
+        <a:srgbClr val="595959"/>
+      </a:dk2>
+      <a:lt2>
+        <a:srgbClr val="eeeeee"/>
+      </a:lt2>
+      <a:accent1>
+        <a:srgbClr val="4285f4"/>
+      </a:accent1>
+      <a:accent2>
+        <a:srgbClr val="212121"/>
+      </a:accent2>
+      <a:accent3>
+        <a:srgbClr val="78909c"/>
+      </a:accent3>
+      <a:accent4>
+        <a:srgbClr val="ffab40"/>
+      </a:accent4>
+      <a:accent5>
+        <a:srgbClr val="0097a7"/>
+      </a:accent5>
+      <a:accent6>
+        <a:srgbClr val="eeff41"/>
+      </a:accent6>
+      <a:hlink>
+        <a:srgbClr val="0097a7"/>
+      </a:hlink>
+      <a:folHlink>
+        <a:srgbClr val="0097a7"/>
+      </a:folHlink>
+    </a:clrScheme>
+    <a:fontScheme name="Office">
+      <a:majorFont>
+        <a:latin typeface="Arial" pitchFamily="0" charset="1"/>
+        <a:ea typeface=""/>
+        <a:cs typeface=""/>
+      </a:majorFont>
+      <a:minorFont>
+        <a:latin typeface="Arial" pitchFamily="0" charset="1"/>
+        <a:ea typeface=""/>
+        <a:cs typeface=""/>
+      </a:minorFont>
+    </a:fontScheme>
+    <a:fmtScheme>
+      <a:fillStyleLst>
+        <a:solidFill>
+          <a:schemeClr val="phClr"/>
+        </a:solidFill>
+        <a:gradFill>
+          <a:gsLst>
+            <a:gs pos="0">
+              <a:schemeClr val="phClr">
+                <a:tint val="50000"/>
+              </a:schemeClr>
+            </a:gs>
+            <a:gs pos="35000">
+              <a:schemeClr val="phClr">
+                <a:tint val="37000"/>
+              </a:schemeClr>
+            </a:gs>
+            <a:gs pos="100000">
+              <a:schemeClr val="phClr">
+                <a:tint val="15000"/>
+              </a:schemeClr>
+            </a:gs>
+          </a:gsLst>
+          <a:lin ang="16200000" scaled="1"/>
+          <a:tileRect l="0" t="0" r="0" b="0"/>
+        </a:gradFill>
+        <a:gradFill>
+          <a:gsLst>
+            <a:gs pos="0">
+              <a:schemeClr val="phClr">
+                <a:tint val="100000"/>
+                <a:shade val="100000"/>
+              </a:schemeClr>
+            </a:gs>
+            <a:gs pos="100000">
+              <a:schemeClr val="phClr">
+                <a:tint val="50000"/>
+                <a:shade val="100000"/>
+              </a:schemeClr>
+            </a:gs>
+          </a:gsLst>
+          <a:lin ang="16200000" scaled="0"/>
+          <a:tileRect l="0" t="0" r="0" b="0"/>
+        </a:gradFill>
+      </a:fillStyleLst>
+      <a:lnStyleLst>
+        <a:ln w="9525" cap="flat" cmpd="sng" algn="ctr">
+          <a:prstDash val="solid"/>
+        </a:ln>
+        <a:ln w="25400" cap="flat" cmpd="sng" algn="ctr">
+          <a:prstDash val="solid"/>
+        </a:ln>
+        <a:ln w="38100" cap="flat" cmpd="sng" algn="ctr">
+          <a:prstDash val="solid"/>
+        </a:ln>
+      </a:lnStyleLst>
+      <a:effectStyleLst>
+        <a:effectStyle>
+          <a:effectLst/>
+        </a:effectStyle>
+        <a:effectStyle>
+          <a:effectLst/>
+        </a:effectStyle>
+        <a:effectStyle>
+          <a:effectLst/>
+        </a:effectStyle>
+      </a:effectStyleLst>
+      <a:bgFillStyleLst>
+        <a:solidFill>
+          <a:schemeClr val="phClr"/>
+        </a:solidFill>
+        <a:gradFill>
+          <a:gsLst>
+            <a:gs pos="0">
+              <a:schemeClr val="phClr">
+                <a:tint val="40000"/>
+              </a:schemeClr>
+            </a:gs>
+            <a:gs pos="40000">
+              <a:schemeClr val="phClr">
+                <a:tint val="45000"/>
+                <a:shade val="99000"/>
+              </a:schemeClr>
+            </a:gs>
+            <a:gs pos="100000">
+              <a:schemeClr val="phClr">
+                <a:shade val="20000"/>
+              </a:schemeClr>
+            </a:gs>
+          </a:gsLst>
+          <a:path path="circle">
+            <a:fillToRect l="50000" t="-80000" r="50000" b="180000"/>
+          </a:path>
+          <a:tileRect l="0" t="0" r="0" b="0"/>
+        </a:gradFill>
+        <a:gradFill>
+          <a:gsLst>
+            <a:gs pos="0">
+              <a:schemeClr val="phClr">
+                <a:tint val="80000"/>
+              </a:schemeClr>
+            </a:gs>
+            <a:gs pos="100000">
+              <a:schemeClr val="phClr">
+                <a:shade val="30000"/>
+              </a:schemeClr>
+            </a:gs>
+          </a:gsLst>
+          <a:path path="circle">
+            <a:fillToRect l="50000" t="50000" r="50000" b="50000"/>
+          </a:path>
+          <a:tileRect l="0" t="0" r="0" b="0"/>
+        </a:gradFill>
+      </a:bgFillStyleLst>
+    </a:fmtScheme>
+  </a:themeElements>
+</a:theme>
+</file>
+
+<file path=ppt/theme/theme13.xml><?xml version="1.0" encoding="utf-8"?>
+<a:theme xmlns:a="http://schemas.openxmlformats.org/drawingml/2006/main" xmlns:r="http://schemas.openxmlformats.org/officeDocument/2006/relationships" name="Simple Light">
+  <a:themeElements>
+    <a:clrScheme name="Simple Light">
+      <a:dk1>
+        <a:srgbClr val="000000"/>
+      </a:dk1>
+      <a:lt1>
+        <a:srgbClr val="ffffff"/>
+      </a:lt1>
+      <a:dk2>
+        <a:srgbClr val="595959"/>
+      </a:dk2>
+      <a:lt2>
+        <a:srgbClr val="eeeeee"/>
+      </a:lt2>
+      <a:accent1>
+        <a:srgbClr val="4285f4"/>
+      </a:accent1>
+      <a:accent2>
+        <a:srgbClr val="212121"/>
+      </a:accent2>
+      <a:accent3>
+        <a:srgbClr val="78909c"/>
+      </a:accent3>
+      <a:accent4>
+        <a:srgbClr val="ffab40"/>
+      </a:accent4>
+      <a:accent5>
+        <a:srgbClr val="0097a7"/>
+      </a:accent5>
+      <a:accent6>
+        <a:srgbClr val="eeff41"/>
+      </a:accent6>
+      <a:hlink>
+        <a:srgbClr val="0097a7"/>
+      </a:hlink>
+      <a:folHlink>
+        <a:srgbClr val="0097a7"/>
+      </a:folHlink>
+    </a:clrScheme>
+    <a:fontScheme name="Office">
+      <a:majorFont>
+        <a:latin typeface="Arial" pitchFamily="0" charset="1"/>
+        <a:ea typeface=""/>
+        <a:cs typeface=""/>
+      </a:majorFont>
+      <a:minorFont>
+        <a:latin typeface="Arial" pitchFamily="0" charset="1"/>
+        <a:ea typeface=""/>
+        <a:cs typeface=""/>
+      </a:minorFont>
+    </a:fontScheme>
+    <a:fmtScheme>
+      <a:fillStyleLst>
+        <a:solidFill>
+          <a:schemeClr val="phClr"/>
+        </a:solidFill>
+        <a:gradFill>
+          <a:gsLst>
+            <a:gs pos="0">
+              <a:schemeClr val="phClr">
+                <a:tint val="50000"/>
+              </a:schemeClr>
+            </a:gs>
+            <a:gs pos="35000">
+              <a:schemeClr val="phClr">
+                <a:tint val="37000"/>
+              </a:schemeClr>
+            </a:gs>
+            <a:gs pos="100000">
+              <a:schemeClr val="phClr">
+                <a:tint val="15000"/>
+              </a:schemeClr>
+            </a:gs>
+          </a:gsLst>
+          <a:lin ang="16200000" scaled="1"/>
+          <a:tileRect l="0" t="0" r="0" b="0"/>
+        </a:gradFill>
+        <a:gradFill>
+          <a:gsLst>
+            <a:gs pos="0">
+              <a:schemeClr val="phClr">
+                <a:tint val="100000"/>
+                <a:shade val="100000"/>
+              </a:schemeClr>
+            </a:gs>
+            <a:gs pos="100000">
+              <a:schemeClr val="phClr">
+                <a:tint val="50000"/>
+                <a:shade val="100000"/>
+              </a:schemeClr>
+            </a:gs>
+          </a:gsLst>
+          <a:lin ang="16200000" scaled="0"/>
+          <a:tileRect l="0" t="0" r="0" b="0"/>
+        </a:gradFill>
+      </a:fillStyleLst>
+      <a:lnStyleLst>
+        <a:ln w="9525" cap="flat" cmpd="sng" algn="ctr">
+          <a:prstDash val="solid"/>
+        </a:ln>
+        <a:ln w="25400" cap="flat" cmpd="sng" algn="ctr">
+          <a:prstDash val="solid"/>
+        </a:ln>
+        <a:ln w="38100" cap="flat" cmpd="sng" algn="ctr">
+          <a:prstDash val="solid"/>
+        </a:ln>
+      </a:lnStyleLst>
+      <a:effectStyleLst>
+        <a:effectStyle>
+          <a:effectLst/>
+        </a:effectStyle>
+        <a:effectStyle>
+          <a:effectLst/>
+        </a:effectStyle>
+        <a:effectStyle>
+          <a:effectLst/>
+        </a:effectStyle>
+      </a:effectStyleLst>
+      <a:bgFillStyleLst>
+        <a:solidFill>
+          <a:schemeClr val="phClr"/>
+        </a:solidFill>
+        <a:gradFill>
+          <a:gsLst>
+            <a:gs pos="0">
+              <a:schemeClr val="phClr">
+                <a:tint val="40000"/>
+              </a:schemeClr>
+            </a:gs>
+            <a:gs pos="40000">
+              <a:schemeClr val="phClr">
+                <a:tint val="45000"/>
+                <a:shade val="99000"/>
+              </a:schemeClr>
+            </a:gs>
+            <a:gs pos="100000">
+              <a:schemeClr val="phClr">
+                <a:shade val="20000"/>
+              </a:schemeClr>
+            </a:gs>
+          </a:gsLst>
+          <a:path path="circle">
+            <a:fillToRect l="50000" t="-80000" r="50000" b="180000"/>
+          </a:path>
+          <a:tileRect l="0" t="0" r="0" b="0"/>
+        </a:gradFill>
+        <a:gradFill>
+          <a:gsLst>
+            <a:gs pos="0">
+              <a:schemeClr val="phClr">
+                <a:tint val="80000"/>
+              </a:schemeClr>
+            </a:gs>
+            <a:gs pos="100000">
+              <a:schemeClr val="phClr">
+                <a:shade val="30000"/>
+              </a:schemeClr>
+            </a:gs>
+          </a:gsLst>
+          <a:path path="circle">
+            <a:fillToRect l="50000" t="50000" r="50000" b="50000"/>
+          </a:path>
+          <a:tileRect l="0" t="0" r="0" b="0"/>
+        </a:gradFill>
+      </a:bgFillStyleLst>
+    </a:fmtScheme>
+  </a:themeElements>
+</a:theme>
+</file>
+
+<file path=ppt/theme/theme14.xml><?xml version="1.0" encoding="utf-8"?>
+<a:theme xmlns:a="http://schemas.openxmlformats.org/drawingml/2006/main" xmlns:r="http://schemas.openxmlformats.org/officeDocument/2006/relationships" name="Simple Light">
+  <a:themeElements>
+    <a:clrScheme name="Simple Light">
+      <a:dk1>
+        <a:srgbClr val="000000"/>
+      </a:dk1>
+      <a:lt1>
+        <a:srgbClr val="ffffff"/>
+      </a:lt1>
+      <a:dk2>
+        <a:srgbClr val="595959"/>
+      </a:dk2>
+      <a:lt2>
+        <a:srgbClr val="eeeeee"/>
+      </a:lt2>
+      <a:accent1>
+        <a:srgbClr val="4285f4"/>
+      </a:accent1>
+      <a:accent2>
+        <a:srgbClr val="212121"/>
+      </a:accent2>
+      <a:accent3>
+        <a:srgbClr val="78909c"/>
+      </a:accent3>
+      <a:accent4>
+        <a:srgbClr val="ffab40"/>
+      </a:accent4>
+      <a:accent5>
+        <a:srgbClr val="0097a7"/>
+      </a:accent5>
+      <a:accent6>
+        <a:srgbClr val="eeff41"/>
+      </a:accent6>
+      <a:hlink>
+        <a:srgbClr val="0097a7"/>
+      </a:hlink>
+      <a:folHlink>
+        <a:srgbClr val="0097a7"/>
+      </a:folHlink>
+    </a:clrScheme>
+    <a:fontScheme name="Office">
+      <a:majorFont>
+        <a:latin typeface="Arial" pitchFamily="0" charset="1"/>
+        <a:ea typeface=""/>
+        <a:cs typeface=""/>
+      </a:majorFont>
+      <a:minorFont>
+        <a:latin typeface="Arial" pitchFamily="0" charset="1"/>
+        <a:ea typeface=""/>
+        <a:cs typeface=""/>
+      </a:minorFont>
+    </a:fontScheme>
+    <a:fmtScheme>
+      <a:fillStyleLst>
+        <a:solidFill>
+          <a:schemeClr val="phClr"/>
+        </a:solidFill>
+        <a:gradFill>
+          <a:gsLst>
+            <a:gs pos="0">
+              <a:schemeClr val="phClr">
+                <a:tint val="50000"/>
+              </a:schemeClr>
+            </a:gs>
+            <a:gs pos="35000">
+              <a:schemeClr val="phClr">
+                <a:tint val="37000"/>
+              </a:schemeClr>
+            </a:gs>
+            <a:gs pos="100000">
+              <a:schemeClr val="phClr">
+                <a:tint val="15000"/>
+              </a:schemeClr>
+            </a:gs>
+          </a:gsLst>
+          <a:lin ang="16200000" scaled="1"/>
+          <a:tileRect l="0" t="0" r="0" b="0"/>
+        </a:gradFill>
+        <a:gradFill>
+          <a:gsLst>
+            <a:gs pos="0">
+              <a:schemeClr val="phClr">
+                <a:tint val="100000"/>
+                <a:shade val="100000"/>
+              </a:schemeClr>
+            </a:gs>
+            <a:gs pos="100000">
+              <a:schemeClr val="phClr">
+                <a:tint val="50000"/>
+                <a:shade val="100000"/>
+              </a:schemeClr>
+            </a:gs>
+          </a:gsLst>
+          <a:lin ang="16200000" scaled="0"/>
+          <a:tileRect l="0" t="0" r="0" b="0"/>
+        </a:gradFill>
+      </a:fillStyleLst>
+      <a:lnStyleLst>
+        <a:ln w="9525" cap="flat" cmpd="sng" algn="ctr">
+          <a:prstDash val="solid"/>
+        </a:ln>
+        <a:ln w="25400" cap="flat" cmpd="sng" algn="ctr">
+          <a:prstDash val="solid"/>
+        </a:ln>
+        <a:ln w="38100" cap="flat" cmpd="sng" algn="ctr">
+          <a:prstDash val="solid"/>
+        </a:ln>
+      </a:lnStyleLst>
+      <a:effectStyleLst>
+        <a:effectStyle>
+          <a:effectLst/>
+        </a:effectStyle>
+        <a:effectStyle>
+          <a:effectLst/>
+        </a:effectStyle>
+        <a:effectStyle>
+          <a:effectLst/>
+        </a:effectStyle>
+      </a:effectStyleLst>
+      <a:bgFillStyleLst>
+        <a:solidFill>
+          <a:schemeClr val="phClr"/>
+        </a:solidFill>
+        <a:gradFill>
+          <a:gsLst>
+            <a:gs pos="0">
+              <a:schemeClr val="phClr">
+                <a:tint val="40000"/>
+              </a:schemeClr>
+            </a:gs>
+            <a:gs pos="40000">
+              <a:schemeClr val="phClr">
+                <a:tint val="45000"/>
+                <a:shade val="99000"/>
+              </a:schemeClr>
+            </a:gs>
+            <a:gs pos="100000">
+              <a:schemeClr val="phClr">
+                <a:shade val="20000"/>
+              </a:schemeClr>
+            </a:gs>
+          </a:gsLst>
+          <a:path path="circle">
+            <a:fillToRect l="50000" t="-80000" r="50000" b="180000"/>
+          </a:path>
+          <a:tileRect l="0" t="0" r="0" b="0"/>
+        </a:gradFill>
+        <a:gradFill>
+          <a:gsLst>
+            <a:gs pos="0">
+              <a:schemeClr val="phClr">
+                <a:tint val="80000"/>
+              </a:schemeClr>
+            </a:gs>
+            <a:gs pos="100000">
+              <a:schemeClr val="phClr">
+                <a:shade val="30000"/>
+              </a:schemeClr>
+            </a:gs>
+          </a:gsLst>
+          <a:path path="circle">
+            <a:fillToRect l="50000" t="50000" r="50000" b="50000"/>
+          </a:path>
+          <a:tileRect l="0" t="0" r="0" b="0"/>
+        </a:gradFill>
+      </a:bgFillStyleLst>
+    </a:fmtScheme>
+  </a:themeElements>
+</a:theme>
+</file>
+
+<file path=ppt/theme/theme15.xml><?xml version="1.0" encoding="utf-8"?>
+<a:theme xmlns:a="http://schemas.openxmlformats.org/drawingml/2006/main" xmlns:r="http://schemas.openxmlformats.org/officeDocument/2006/relationships" name="Simple Light">
+  <a:themeElements>
+    <a:clrScheme name="Simple Light">
+      <a:dk1>
+        <a:srgbClr val="000000"/>
+      </a:dk1>
+      <a:lt1>
+        <a:srgbClr val="ffffff"/>
+      </a:lt1>
+      <a:dk2>
+        <a:srgbClr val="595959"/>
+      </a:dk2>
+      <a:lt2>
+        <a:srgbClr val="eeeeee"/>
+      </a:lt2>
+      <a:accent1>
+        <a:srgbClr val="4285f4"/>
+      </a:accent1>
+      <a:accent2>
+        <a:srgbClr val="212121"/>
+      </a:accent2>
+      <a:accent3>
+        <a:srgbClr val="78909c"/>
+      </a:accent3>
+      <a:accent4>
+        <a:srgbClr val="ffab40"/>
+      </a:accent4>
+      <a:accent5>
+        <a:srgbClr val="0097a7"/>
+      </a:accent5>
+      <a:accent6>
+        <a:srgbClr val="eeff41"/>
+      </a:accent6>
+      <a:hlink>
+        <a:srgbClr val="0097a7"/>
+      </a:hlink>
+      <a:folHlink>
+        <a:srgbClr val="0097a7"/>
+      </a:folHlink>
+    </a:clrScheme>
+    <a:fontScheme name="Office">
+      <a:majorFont>
+        <a:latin typeface="Arial" pitchFamily="0" charset="1"/>
+        <a:ea typeface=""/>
+        <a:cs typeface=""/>
+      </a:majorFont>
+      <a:minorFont>
+        <a:latin typeface="Arial" pitchFamily="0" charset="1"/>
+        <a:ea typeface=""/>
+        <a:cs typeface=""/>
+      </a:minorFont>
+    </a:fontScheme>
+    <a:fmtScheme>
+      <a:fillStyleLst>
+        <a:solidFill>
+          <a:schemeClr val="phClr"/>
+        </a:solidFill>
+        <a:gradFill>
+          <a:gsLst>
+            <a:gs pos="0">
+              <a:schemeClr val="phClr">
+                <a:tint val="50000"/>
+              </a:schemeClr>
+            </a:gs>
+            <a:gs pos="35000">
+              <a:schemeClr val="phClr">
+                <a:tint val="37000"/>
+              </a:schemeClr>
+            </a:gs>
+            <a:gs pos="100000">
+              <a:schemeClr val="phClr">
+                <a:tint val="15000"/>
+              </a:schemeClr>
+            </a:gs>
+          </a:gsLst>
+          <a:lin ang="16200000" scaled="1"/>
+          <a:tileRect l="0" t="0" r="0" b="0"/>
+        </a:gradFill>
+        <a:gradFill>
+          <a:gsLst>
+            <a:gs pos="0">
+              <a:schemeClr val="phClr">
+                <a:tint val="100000"/>
+                <a:shade val="100000"/>
+              </a:schemeClr>
+            </a:gs>
+            <a:gs pos="100000">
+              <a:schemeClr val="phClr">
+                <a:tint val="50000"/>
+                <a:shade val="100000"/>
+              </a:schemeClr>
+            </a:gs>
+          </a:gsLst>
+          <a:lin ang="16200000" scaled="0"/>
+          <a:tileRect l="0" t="0" r="0" b="0"/>
+        </a:gradFill>
+      </a:fillStyleLst>
+      <a:lnStyleLst>
+        <a:ln w="9525" cap="flat" cmpd="sng" algn="ctr">
+          <a:prstDash val="solid"/>
+        </a:ln>
+        <a:ln w="25400" cap="flat" cmpd="sng" algn="ctr">
+          <a:prstDash val="solid"/>
+        </a:ln>
+        <a:ln w="38100" cap="flat" cmpd="sng" algn="ctr">
+          <a:prstDash val="solid"/>
+        </a:ln>
+      </a:lnStyleLst>
+      <a:effectStyleLst>
+        <a:effectStyle>
+          <a:effectLst/>
+        </a:effectStyle>
+        <a:effectStyle>
+          <a:effectLst/>
+        </a:effectStyle>
+        <a:effectStyle>
+          <a:effectLst/>
+        </a:effectStyle>
+      </a:effectStyleLst>
+      <a:bgFillStyleLst>
+        <a:solidFill>
+          <a:schemeClr val="phClr"/>
+        </a:solidFill>
+        <a:gradFill>
+          <a:gsLst>
+            <a:gs pos="0">
+              <a:schemeClr val="phClr">
+                <a:tint val="40000"/>
+              </a:schemeClr>
+            </a:gs>
+            <a:gs pos="40000">
+              <a:schemeClr val="phClr">
+                <a:tint val="45000"/>
+                <a:shade val="99000"/>
+              </a:schemeClr>
+            </a:gs>
+            <a:gs pos="100000">
+              <a:schemeClr val="phClr">
+                <a:shade val="20000"/>
+              </a:schemeClr>
+            </a:gs>
+          </a:gsLst>
+          <a:path path="circle">
+            <a:fillToRect l="50000" t="-80000" r="50000" b="180000"/>
+          </a:path>
+          <a:tileRect l="0" t="0" r="0" b="0"/>
+        </a:gradFill>
+        <a:gradFill>
+          <a:gsLst>
+            <a:gs pos="0">
+              <a:schemeClr val="phClr">
+                <a:tint val="80000"/>
+              </a:schemeClr>
+            </a:gs>
+            <a:gs pos="100000">
+              <a:schemeClr val="phClr">
+                <a:shade val="30000"/>
+              </a:schemeClr>
+            </a:gs>
+          </a:gsLst>
+          <a:path path="circle">
+            <a:fillToRect l="50000" t="50000" r="50000" b="50000"/>
+          </a:path>
+          <a:tileRect l="0" t="0" r="0" b="0"/>
+        </a:gradFill>
+      </a:bgFillStyleLst>
+    </a:fmtScheme>
+  </a:themeElements>
+</a:theme>
+</file>
+
 <file path=ppt/theme/theme2.xml><?xml version="1.0" encoding="utf-8"?>
 <a:theme xmlns:a="http://schemas.openxmlformats.org/drawingml/2006/main" xmlns:r="http://schemas.openxmlformats.org/officeDocument/2006/relationships" name="Simple Light">
   <a:themeElements>

--- a/r4r.pptx
+++ b/r4r.pptx
@@ -7,19 +7,23 @@
     <p:sldMasterId id="2147483652" r:id="rId4"/>
     <p:sldMasterId id="2147483654" r:id="rId5"/>
     <p:sldMasterId id="2147483656" r:id="rId6"/>
-    <p:sldMasterId id="2147483662" r:id="rId7"/>
-    <p:sldMasterId id="2147483664" r:id="rId8"/>
-    <p:sldMasterId id="2147483666" r:id="rId9"/>
-    <p:sldMasterId id="2147483668" r:id="rId10"/>
+    <p:sldMasterId id="2147483658" r:id="rId7"/>
+    <p:sldMasterId id="2147483660" r:id="rId8"/>
+    <p:sldMasterId id="2147483662" r:id="rId9"/>
+    <p:sldMasterId id="2147483664" r:id="rId10"/>
     <p:sldMasterId id="2147483670" r:id="rId11"/>
     <p:sldMasterId id="2147483672" r:id="rId12"/>
     <p:sldMasterId id="2147483674" r:id="rId13"/>
     <p:sldMasterId id="2147483676" r:id="rId14"/>
     <p:sldMasterId id="2147483678" r:id="rId15"/>
     <p:sldMasterId id="2147483680" r:id="rId16"/>
+    <p:sldMasterId id="2147483682" r:id="rId17"/>
+    <p:sldMasterId id="2147483684" r:id="rId18"/>
+    <p:sldMasterId id="2147483686" r:id="rId19"/>
+    <p:sldMasterId id="2147483688" r:id="rId20"/>
   </p:sldMasterIdLst>
   <p:sldIdLst>
-    <p:sldId id="256" r:id="rId17"/>
+    <p:sldId id="256" r:id="rId21"/>
   </p:sldIdLst>
   <p:sldSz cx="9144000" cy="5143500"/>
   <p:notesSz cx="7772400" cy="10058400"/>
@@ -55,8 +59,8 @@
         </p:nvSpPr>
         <p:spPr>
           <a:xfrm>
-            <a:off x="311760" y="1457280"/>
-            <a:ext cx="8519400" cy="625320"/>
+            <a:off x="311760" y="1456920"/>
+            <a:ext cx="8519040" cy="625320"/>
           </a:xfrm>
           <a:prstGeom prst="rect">
             <a:avLst/>
@@ -99,7 +103,7 @@
         <p:txBody>
           <a:bodyPr/>
           <a:p>
-            <a:fld id="{9EE5F520-FACA-4FD1-AD35-84AC0BDDAC13}" type="slidenum">
+            <a:fld id="{BDB5569A-25F0-41B9-86EB-611AE79208DF}" type="slidenum">
               <a:t>&lt;#&gt;</a:t>
             </a:fld>
           </a:p>
@@ -111,8 +115,8 @@
 </file>
 
 <file path=ppt/slideLayouts/slideLayout10.xml><?xml version="1.0" encoding="utf-8"?>
-<p:sldLayout xmlns:a="http://schemas.openxmlformats.org/drawingml/2006/main" xmlns:p="http://schemas.openxmlformats.org/presentationml/2006/main" xmlns:r="http://schemas.openxmlformats.org/officeDocument/2006/relationships" xmlns:p14="http://schemas.microsoft.com/office/powerpoint/2010/main" xmlns:p15="http://schemas.microsoft.com/office/powerpoint/2012/main" xmlns:mc="http://schemas.openxmlformats.org/markup-compatibility/2006" type="blank" preserve="1">
-  <p:cSld name="BIG_NUMBER">
+<p:sldLayout xmlns:a="http://schemas.openxmlformats.org/drawingml/2006/main" xmlns:p="http://schemas.openxmlformats.org/presentationml/2006/main" xmlns:r="http://schemas.openxmlformats.org/officeDocument/2006/relationships" xmlns:p14="http://schemas.microsoft.com/office/powerpoint/2010/main" xmlns:p15="http://schemas.microsoft.com/office/powerpoint/2012/main" xmlns:mc="http://schemas.openxmlformats.org/markup-compatibility/2006" type="tx" preserve="1">
+  <p:cSld name="Default 7">
     <p:spTree>
       <p:nvGrpSpPr>
         <p:cNvPr id="1" name=""/>
@@ -129,133 +133,7 @@
       </p:grpSpPr>
       <p:sp>
         <p:nvSpPr>
-          <p:cNvPr id="2" name="PlaceHolder 1"/>
-          <p:cNvSpPr>
-            <a:spLocks noGrp="1"/>
-          </p:cNvSpPr>
-          <p:nvPr>
-            <p:ph type="sldNum" idx="6"/>
-          </p:nvPr>
-        </p:nvSpPr>
-        <p:spPr/>
-        <p:txBody>
-          <a:bodyPr/>
-          <a:p>
-            <a:fld id="{2A1389AB-B3A8-4AE2-A578-EA5284BFE926}" type="slidenum">
-              <a:t>&lt;#&gt;</a:t>
-            </a:fld>
-          </a:p>
-        </p:txBody>
-      </p:sp>
-    </p:spTree>
-  </p:cSld>
-</p:sldLayout>
-</file>
-
-<file path=ppt/slideLayouts/slideLayout11.xml><?xml version="1.0" encoding="utf-8"?>
-<p:sldLayout xmlns:a="http://schemas.openxmlformats.org/drawingml/2006/main" xmlns:p="http://schemas.openxmlformats.org/presentationml/2006/main" xmlns:r="http://schemas.openxmlformats.org/officeDocument/2006/relationships" xmlns:p14="http://schemas.microsoft.com/office/powerpoint/2010/main" xmlns:p15="http://schemas.microsoft.com/office/powerpoint/2012/main" xmlns:mc="http://schemas.openxmlformats.org/markup-compatibility/2006" type="blank" preserve="1">
-  <p:cSld name="BLANK">
-    <p:spTree>
-      <p:nvGrpSpPr>
-        <p:cNvPr id="1" name=""/>
-        <p:cNvGrpSpPr/>
-        <p:nvPr/>
-      </p:nvGrpSpPr>
-      <p:grpSpPr>
-        <a:xfrm>
-          <a:off x="0" y="0"/>
-          <a:ext cx="0" cy="0"/>
-          <a:chOff x="0" y="0"/>
-          <a:chExt cx="0" cy="0"/>
-        </a:xfrm>
-      </p:grpSpPr>
-      <p:sp>
-        <p:nvSpPr>
-          <p:cNvPr id="2" name="PlaceHolder 1"/>
-          <p:cNvSpPr>
-            <a:spLocks noGrp="1"/>
-          </p:cNvSpPr>
-          <p:nvPr>
-            <p:ph type="sldNum" idx="7"/>
-          </p:nvPr>
-        </p:nvSpPr>
-        <p:spPr/>
-        <p:txBody>
-          <a:bodyPr/>
-          <a:p>
-            <a:fld id="{3ADA1209-AEAF-4707-8797-B4B7C37F9174}" type="slidenum">
-              <a:t>&lt;#&gt;</a:t>
-            </a:fld>
-          </a:p>
-        </p:txBody>
-      </p:sp>
-    </p:spTree>
-  </p:cSld>
-</p:sldLayout>
-</file>
-
-<file path=ppt/slideLayouts/slideLayout12.xml><?xml version="1.0" encoding="utf-8"?>
-<p:sldLayout xmlns:a="http://schemas.openxmlformats.org/drawingml/2006/main" xmlns:p="http://schemas.openxmlformats.org/presentationml/2006/main" xmlns:r="http://schemas.openxmlformats.org/officeDocument/2006/relationships" xmlns:p14="http://schemas.microsoft.com/office/powerpoint/2010/main" xmlns:p15="http://schemas.microsoft.com/office/powerpoint/2012/main" xmlns:mc="http://schemas.openxmlformats.org/markup-compatibility/2006" type="blank" preserve="1">
-  <p:cSld name="SECTION_HEADER">
-    <p:spTree>
-      <p:nvGrpSpPr>
-        <p:cNvPr id="1" name=""/>
-        <p:cNvGrpSpPr/>
-        <p:nvPr/>
-      </p:nvGrpSpPr>
-      <p:grpSpPr>
-        <a:xfrm>
-          <a:off x="0" y="0"/>
-          <a:ext cx="0" cy="0"/>
-          <a:chOff x="0" y="0"/>
-          <a:chExt cx="0" cy="0"/>
-        </a:xfrm>
-      </p:grpSpPr>
-      <p:sp>
-        <p:nvSpPr>
-          <p:cNvPr id="2" name="PlaceHolder 1"/>
-          <p:cNvSpPr>
-            <a:spLocks noGrp="1"/>
-          </p:cNvSpPr>
-          <p:nvPr>
-            <p:ph type="sldNum" idx="8"/>
-          </p:nvPr>
-        </p:nvSpPr>
-        <p:spPr/>
-        <p:txBody>
-          <a:bodyPr/>
-          <a:p>
-            <a:fld id="{39A9A4E1-78B8-4EC9-987C-7A8F468E413E}" type="slidenum">
-              <a:t>&lt;#&gt;</a:t>
-            </a:fld>
-          </a:p>
-        </p:txBody>
-      </p:sp>
-    </p:spTree>
-  </p:cSld>
-</p:sldLayout>
-</file>
-
-<file path=ppt/slideLayouts/slideLayout13.xml><?xml version="1.0" encoding="utf-8"?>
-<p:sldLayout xmlns:a="http://schemas.openxmlformats.org/drawingml/2006/main" xmlns:p="http://schemas.openxmlformats.org/presentationml/2006/main" xmlns:r="http://schemas.openxmlformats.org/officeDocument/2006/relationships" xmlns:p14="http://schemas.microsoft.com/office/powerpoint/2010/main" xmlns:p15="http://schemas.microsoft.com/office/powerpoint/2012/main" xmlns:mc="http://schemas.openxmlformats.org/markup-compatibility/2006" type="tx" preserve="1">
-  <p:cSld name="TITLE_AND_BODY">
-    <p:spTree>
-      <p:nvGrpSpPr>
-        <p:cNvPr id="1" name=""/>
-        <p:cNvGrpSpPr/>
-        <p:nvPr/>
-      </p:nvGrpSpPr>
-      <p:grpSpPr>
-        <a:xfrm>
-          <a:off x="0" y="0"/>
-          <a:ext cx="0" cy="0"/>
-          <a:chOff x="0" y="0"/>
-          <a:chExt cx="0" cy="0"/>
-        </a:xfrm>
-      </p:grpSpPr>
-      <p:sp>
-        <p:nvSpPr>
-          <p:cNvPr id="33" name="PlaceHolder 1"/>
+          <p:cNvPr id="35" name="PlaceHolder 1"/>
           <p:cNvSpPr>
             <a:spLocks noGrp="1"/>
           </p:cNvSpPr>
@@ -265,8 +143,8 @@
         </p:nvSpPr>
         <p:spPr>
           <a:xfrm>
-            <a:off x="311760" y="1457280"/>
-            <a:ext cx="8519400" cy="625320"/>
+            <a:off x="311760" y="1456920"/>
+            <a:ext cx="8519040" cy="625320"/>
           </a:xfrm>
           <a:prstGeom prst="rect">
             <a:avLst/>
@@ -297,7 +175,7 @@
       </p:sp>
       <p:sp>
         <p:nvSpPr>
-          <p:cNvPr id="34" name="PlaceHolder 2"/>
+          <p:cNvPr id="36" name="PlaceHolder 2"/>
           <p:cNvSpPr>
             <a:spLocks noGrp="1"/>
           </p:cNvSpPr>
@@ -354,7 +232,7 @@
         <p:txBody>
           <a:bodyPr/>
           <a:p>
-            <a:fld id="{5C035446-3B06-48A7-A5A6-1E45C2308FE0}" type="slidenum">
+            <a:fld id="{9E53C692-BD5B-4994-AAA7-E01AD02ADE3D}" type="slidenum">
               <a:t>&lt;#&gt;</a:t>
             </a:fld>
           </a:p>
@@ -365,9 +243,9 @@
 </p:sldLayout>
 </file>
 
-<file path=ppt/slideLayouts/slideLayout14.xml><?xml version="1.0" encoding="utf-8"?>
+<file path=ppt/slideLayouts/slideLayout11.xml><?xml version="1.0" encoding="utf-8"?>
 <p:sldLayout xmlns:a="http://schemas.openxmlformats.org/drawingml/2006/main" xmlns:p="http://schemas.openxmlformats.org/presentationml/2006/main" xmlns:r="http://schemas.openxmlformats.org/officeDocument/2006/relationships" xmlns:p14="http://schemas.microsoft.com/office/powerpoint/2010/main" xmlns:p15="http://schemas.microsoft.com/office/powerpoint/2012/main" xmlns:mc="http://schemas.openxmlformats.org/markup-compatibility/2006" type="twoObj" preserve="1">
-  <p:cSld name="TITLE_AND_TWO_COLUMNS">
+  <p:cSld name="Default 7">
     <p:spTree>
       <p:nvGrpSpPr>
         <p:cNvPr id="1" name=""/>
@@ -384,7 +262,7 @@
       </p:grpSpPr>
       <p:sp>
         <p:nvSpPr>
-          <p:cNvPr id="39" name="PlaceHolder 1"/>
+          <p:cNvPr id="37" name="PlaceHolder 1"/>
           <p:cNvSpPr>
             <a:spLocks noGrp="1"/>
           </p:cNvSpPr>
@@ -394,8 +272,8 @@
         </p:nvSpPr>
         <p:spPr>
           <a:xfrm>
-            <a:off x="311760" y="1457280"/>
-            <a:ext cx="8519400" cy="625320"/>
+            <a:off x="311760" y="1456920"/>
+            <a:ext cx="8519040" cy="625320"/>
           </a:xfrm>
           <a:prstGeom prst="rect">
             <a:avLst/>
@@ -426,7 +304,7 @@
       </p:sp>
       <p:sp>
         <p:nvSpPr>
-          <p:cNvPr id="40" name="PlaceHolder 2"/>
+          <p:cNvPr id="38" name="PlaceHolder 2"/>
           <p:cNvSpPr>
             <a:spLocks noGrp="1"/>
           </p:cNvSpPr>
@@ -471,7 +349,7 @@
       </p:sp>
       <p:sp>
         <p:nvSpPr>
-          <p:cNvPr id="41" name="PlaceHolder 3"/>
+          <p:cNvPr id="39" name="PlaceHolder 3"/>
           <p:cNvSpPr>
             <a:spLocks noGrp="1"/>
           </p:cNvSpPr>
@@ -521,14 +399,14 @@
             <a:spLocks noGrp="1"/>
           </p:cNvSpPr>
           <p:nvPr>
-            <p:ph type="sldNum" idx="10"/>
+            <p:ph type="sldNum" idx="9"/>
           </p:nvPr>
         </p:nvSpPr>
         <p:spPr/>
         <p:txBody>
           <a:bodyPr/>
           <a:p>
-            <a:fld id="{EE49A5F6-66FD-4C39-B183-CEDB599BDD1B}" type="slidenum">
+            <a:fld id="{CFD87D3C-D3EB-4009-B893-96D4D112C860}" type="slidenum">
               <a:t>&lt;#&gt;</a:t>
             </a:fld>
           </a:p>
@@ -539,9 +417,9 @@
 </p:sldLayout>
 </file>
 
-<file path=ppt/slideLayouts/slideLayout15.xml><?xml version="1.0" encoding="utf-8"?>
+<file path=ppt/slideLayouts/slideLayout12.xml><?xml version="1.0" encoding="utf-8"?>
 <p:sldLayout xmlns:a="http://schemas.openxmlformats.org/drawingml/2006/main" xmlns:p="http://schemas.openxmlformats.org/presentationml/2006/main" xmlns:r="http://schemas.openxmlformats.org/officeDocument/2006/relationships" xmlns:p14="http://schemas.microsoft.com/office/powerpoint/2010/main" xmlns:p15="http://schemas.microsoft.com/office/powerpoint/2012/main" xmlns:mc="http://schemas.openxmlformats.org/markup-compatibility/2006" type="titleOnly" preserve="1">
-  <p:cSld name="TITLE_ONLY">
+  <p:cSld name="Default 7">
     <p:spTree>
       <p:nvGrpSpPr>
         <p:cNvPr id="1" name=""/>
@@ -558,7 +436,7 @@
       </p:grpSpPr>
       <p:sp>
         <p:nvSpPr>
-          <p:cNvPr id="44" name="PlaceHolder 1"/>
+          <p:cNvPr id="40" name="PlaceHolder 1"/>
           <p:cNvSpPr>
             <a:spLocks noGrp="1"/>
           </p:cNvSpPr>
@@ -568,8 +446,8 @@
         </p:nvSpPr>
         <p:spPr>
           <a:xfrm>
-            <a:off x="311760" y="1457280"/>
-            <a:ext cx="8519400" cy="625320"/>
+            <a:off x="311760" y="1456920"/>
+            <a:ext cx="8519040" cy="625320"/>
           </a:xfrm>
           <a:prstGeom prst="rect">
             <a:avLst/>
@@ -605,6 +483,216 @@
             <a:spLocks noGrp="1"/>
           </p:cNvSpPr>
           <p:nvPr>
+            <p:ph type="sldNum" idx="9"/>
+          </p:nvPr>
+        </p:nvSpPr>
+        <p:spPr/>
+        <p:txBody>
+          <a:bodyPr/>
+          <a:p>
+            <a:fld id="{3C71DF43-6DC3-41D9-9282-8E4AD820D6A6}" type="slidenum">
+              <a:t>&lt;#&gt;</a:t>
+            </a:fld>
+          </a:p>
+        </p:txBody>
+      </p:sp>
+    </p:spTree>
+  </p:cSld>
+</p:sldLayout>
+</file>
+
+<file path=ppt/slideLayouts/slideLayout13.xml><?xml version="1.0" encoding="utf-8"?>
+<p:sldLayout xmlns:a="http://schemas.openxmlformats.org/drawingml/2006/main" xmlns:p="http://schemas.openxmlformats.org/presentationml/2006/main" xmlns:r="http://schemas.openxmlformats.org/officeDocument/2006/relationships" xmlns:p14="http://schemas.microsoft.com/office/powerpoint/2010/main" xmlns:p15="http://schemas.microsoft.com/office/powerpoint/2012/main" xmlns:mc="http://schemas.openxmlformats.org/markup-compatibility/2006" type="title" preserve="1">
+  <p:cSld name="Default 7">
+    <p:spTree>
+      <p:nvGrpSpPr>
+        <p:cNvPr id="1" name=""/>
+        <p:cNvGrpSpPr/>
+        <p:nvPr/>
+      </p:nvGrpSpPr>
+      <p:grpSpPr>
+        <a:xfrm>
+          <a:off x="0" y="0"/>
+          <a:ext cx="0" cy="0"/>
+          <a:chOff x="0" y="0"/>
+          <a:chExt cx="0" cy="0"/>
+        </a:xfrm>
+      </p:grpSpPr>
+      <p:sp>
+        <p:nvSpPr>
+          <p:cNvPr id="41" name="PlaceHolder 1"/>
+          <p:cNvSpPr>
+            <a:spLocks noGrp="1"/>
+          </p:cNvSpPr>
+          <p:nvPr>
+            <p:ph type="title"/>
+          </p:nvPr>
+        </p:nvSpPr>
+        <p:spPr>
+          <a:xfrm>
+            <a:off x="311760" y="1456920"/>
+            <a:ext cx="8519040" cy="625320"/>
+          </a:xfrm>
+          <a:prstGeom prst="rect">
+            <a:avLst/>
+          </a:prstGeom>
+          <a:noFill/>
+          <a:ln w="0">
+            <a:noFill/>
+          </a:ln>
+        </p:spPr>
+        <p:txBody>
+          <a:bodyPr lIns="0" rIns="0" tIns="0" bIns="0" anchor="ctr">
+            <a:spAutoFit/>
+          </a:bodyPr>
+          <a:p>
+            <a:pPr indent="0" algn="ctr">
+              <a:buNone/>
+            </a:pPr>
+            <a:endParaRPr b="0" lang="en-US" sz="4400" strike="noStrike" u="none">
+              <a:solidFill>
+                <a:srgbClr val="000000"/>
+              </a:solidFill>
+              <a:effectLst/>
+              <a:uFillTx/>
+              <a:latin typeface="Arial"/>
+            </a:endParaRPr>
+          </a:p>
+        </p:txBody>
+      </p:sp>
+      <p:sp>
+        <p:nvSpPr>
+          <p:cNvPr id="42" name="PlaceHolder 2"/>
+          <p:cNvSpPr>
+            <a:spLocks noGrp="1"/>
+          </p:cNvSpPr>
+          <p:nvPr>
+            <p:ph type="subTitle"/>
+          </p:nvPr>
+        </p:nvSpPr>
+        <p:spPr>
+          <a:xfrm>
+            <a:off x="457200" y="1203480"/>
+            <a:ext cx="8229240" cy="2982960"/>
+          </a:xfrm>
+          <a:prstGeom prst="rect">
+            <a:avLst/>
+          </a:prstGeom>
+          <a:noFill/>
+          <a:ln w="0">
+            <a:noFill/>
+          </a:ln>
+        </p:spPr>
+        <p:txBody>
+          <a:bodyPr lIns="0" rIns="0" tIns="0" bIns="0" anchor="ctr">
+            <a:spAutoFit/>
+          </a:bodyPr>
+          <a:p>
+            <a:pPr indent="0" algn="ctr">
+              <a:buNone/>
+            </a:pPr>
+            <a:endParaRPr b="0" lang="en-US" sz="3200" strike="noStrike" u="none">
+              <a:solidFill>
+                <a:srgbClr val="000000"/>
+              </a:solidFill>
+              <a:effectLst/>
+              <a:uFillTx/>
+              <a:latin typeface="Arial"/>
+            </a:endParaRPr>
+          </a:p>
+        </p:txBody>
+      </p:sp>
+      <p:sp>
+        <p:nvSpPr>
+          <p:cNvPr id="4" name="PlaceHolder 3"/>
+          <p:cNvSpPr>
+            <a:spLocks noGrp="1"/>
+          </p:cNvSpPr>
+          <p:nvPr>
+            <p:ph type="sldNum" idx="9"/>
+          </p:nvPr>
+        </p:nvSpPr>
+        <p:spPr/>
+        <p:txBody>
+          <a:bodyPr/>
+          <a:p>
+            <a:fld id="{080FC538-FB55-437A-BDF1-3F2B102C6B37}" type="slidenum">
+              <a:t>&lt;#&gt;</a:t>
+            </a:fld>
+          </a:p>
+        </p:txBody>
+      </p:sp>
+    </p:spTree>
+  </p:cSld>
+</p:sldLayout>
+</file>
+
+<file path=ppt/slideLayouts/slideLayout14.xml><?xml version="1.0" encoding="utf-8"?>
+<p:sldLayout xmlns:a="http://schemas.openxmlformats.org/drawingml/2006/main" xmlns:p="http://schemas.openxmlformats.org/presentationml/2006/main" xmlns:r="http://schemas.openxmlformats.org/officeDocument/2006/relationships" xmlns:p14="http://schemas.microsoft.com/office/powerpoint/2010/main" xmlns:p15="http://schemas.microsoft.com/office/powerpoint/2012/main" xmlns:mc="http://schemas.openxmlformats.org/markup-compatibility/2006" type="blank" preserve="1">
+  <p:cSld name="BIG_NUMBER">
+    <p:spTree>
+      <p:nvGrpSpPr>
+        <p:cNvPr id="1" name=""/>
+        <p:cNvGrpSpPr/>
+        <p:nvPr/>
+      </p:nvGrpSpPr>
+      <p:grpSpPr>
+        <a:xfrm>
+          <a:off x="0" y="0"/>
+          <a:ext cx="0" cy="0"/>
+          <a:chOff x="0" y="0"/>
+          <a:chExt cx="0" cy="0"/>
+        </a:xfrm>
+      </p:grpSpPr>
+      <p:sp>
+        <p:nvSpPr>
+          <p:cNvPr id="2" name="PlaceHolder 1"/>
+          <p:cNvSpPr>
+            <a:spLocks noGrp="1"/>
+          </p:cNvSpPr>
+          <p:nvPr>
+            <p:ph type="sldNum" idx="10"/>
+          </p:nvPr>
+        </p:nvSpPr>
+        <p:spPr/>
+        <p:txBody>
+          <a:bodyPr/>
+          <a:p>
+            <a:fld id="{FAB93A6A-2EA4-4169-82A5-AE5F41B635B4}" type="slidenum">
+              <a:t>&lt;#&gt;</a:t>
+            </a:fld>
+          </a:p>
+        </p:txBody>
+      </p:sp>
+    </p:spTree>
+  </p:cSld>
+</p:sldLayout>
+</file>
+
+<file path=ppt/slideLayouts/slideLayout15.xml><?xml version="1.0" encoding="utf-8"?>
+<p:sldLayout xmlns:a="http://schemas.openxmlformats.org/drawingml/2006/main" xmlns:p="http://schemas.openxmlformats.org/presentationml/2006/main" xmlns:r="http://schemas.openxmlformats.org/officeDocument/2006/relationships" xmlns:p14="http://schemas.microsoft.com/office/powerpoint/2010/main" xmlns:p15="http://schemas.microsoft.com/office/powerpoint/2012/main" xmlns:mc="http://schemas.openxmlformats.org/markup-compatibility/2006" type="blank" preserve="1">
+  <p:cSld name="BLANK">
+    <p:spTree>
+      <p:nvGrpSpPr>
+        <p:cNvPr id="1" name=""/>
+        <p:cNvGrpSpPr/>
+        <p:nvPr/>
+      </p:nvGrpSpPr>
+      <p:grpSpPr>
+        <a:xfrm>
+          <a:off x="0" y="0"/>
+          <a:ext cx="0" cy="0"/>
+          <a:chOff x="0" y="0"/>
+          <a:chExt cx="0" cy="0"/>
+        </a:xfrm>
+      </p:grpSpPr>
+      <p:sp>
+        <p:nvSpPr>
+          <p:cNvPr id="2" name="PlaceHolder 1"/>
+          <p:cNvSpPr>
+            <a:spLocks noGrp="1"/>
+          </p:cNvSpPr>
+          <p:nvPr>
             <p:ph type="sldNum" idx="11"/>
           </p:nvPr>
         </p:nvSpPr>
@@ -612,7 +700,7 @@
         <p:txBody>
           <a:bodyPr/>
           <a:p>
-            <a:fld id="{5BE454F3-074D-4395-9E63-06978BCE2FB8}" type="slidenum">
+            <a:fld id="{16D27CDB-4E10-4D52-A169-D12DF0B31D4B}" type="slidenum">
               <a:t>&lt;#&gt;</a:t>
             </a:fld>
           </a:p>
@@ -625,7 +713,7 @@
 
 <file path=ppt/slideLayouts/slideLayout16.xml><?xml version="1.0" encoding="utf-8"?>
 <p:sldLayout xmlns:a="http://schemas.openxmlformats.org/drawingml/2006/main" xmlns:p="http://schemas.openxmlformats.org/presentationml/2006/main" xmlns:r="http://schemas.openxmlformats.org/officeDocument/2006/relationships" xmlns:p14="http://schemas.microsoft.com/office/powerpoint/2010/main" xmlns:p15="http://schemas.microsoft.com/office/powerpoint/2012/main" xmlns:mc="http://schemas.openxmlformats.org/markup-compatibility/2006" type="blank" preserve="1">
-  <p:cSld name="ONE_COLUMN_TEXT">
+  <p:cSld name="SECTION_HEADER">
     <p:spTree>
       <p:nvGrpSpPr>
         <p:cNvPr id="1" name=""/>
@@ -654,7 +742,7 @@
         <p:txBody>
           <a:bodyPr/>
           <a:p>
-            <a:fld id="{F3A25660-8FA5-4730-9E3B-509E11955D4E}" type="slidenum">
+            <a:fld id="{786BC1C6-4CBF-459A-A114-E8FFE3D9CC54}" type="slidenum">
               <a:t>&lt;#&gt;</a:t>
             </a:fld>
           </a:p>
@@ -666,8 +754,8 @@
 </file>
 
 <file path=ppt/slideLayouts/slideLayout17.xml><?xml version="1.0" encoding="utf-8"?>
-<p:sldLayout xmlns:a="http://schemas.openxmlformats.org/drawingml/2006/main" xmlns:p="http://schemas.openxmlformats.org/presentationml/2006/main" xmlns:r="http://schemas.openxmlformats.org/officeDocument/2006/relationships" xmlns:p14="http://schemas.microsoft.com/office/powerpoint/2010/main" xmlns:p15="http://schemas.microsoft.com/office/powerpoint/2012/main" xmlns:mc="http://schemas.openxmlformats.org/markup-compatibility/2006" type="blank" preserve="1">
-  <p:cSld name="MAIN_POINT">
+<p:sldLayout xmlns:a="http://schemas.openxmlformats.org/drawingml/2006/main" xmlns:p="http://schemas.openxmlformats.org/presentationml/2006/main" xmlns:r="http://schemas.openxmlformats.org/officeDocument/2006/relationships" xmlns:p14="http://schemas.microsoft.com/office/powerpoint/2010/main" xmlns:p15="http://schemas.microsoft.com/office/powerpoint/2012/main" xmlns:mc="http://schemas.openxmlformats.org/markup-compatibility/2006" type="tx" preserve="1">
+  <p:cSld name="TITLE_AND_BODY">
     <p:spTree>
       <p:nvGrpSpPr>
         <p:cNvPr id="1" name=""/>
@@ -684,7 +772,94 @@
       </p:grpSpPr>
       <p:sp>
         <p:nvSpPr>
-          <p:cNvPr id="2" name="PlaceHolder 1"/>
+          <p:cNvPr id="49" name="PlaceHolder 1"/>
+          <p:cNvSpPr>
+            <a:spLocks noGrp="1"/>
+          </p:cNvSpPr>
+          <p:nvPr>
+            <p:ph type="title"/>
+          </p:nvPr>
+        </p:nvSpPr>
+        <p:spPr>
+          <a:xfrm>
+            <a:off x="311760" y="1456920"/>
+            <a:ext cx="8519040" cy="625320"/>
+          </a:xfrm>
+          <a:prstGeom prst="rect">
+            <a:avLst/>
+          </a:prstGeom>
+          <a:noFill/>
+          <a:ln w="0">
+            <a:noFill/>
+          </a:ln>
+        </p:spPr>
+        <p:txBody>
+          <a:bodyPr lIns="0" rIns="0" tIns="0" bIns="0" anchor="ctr">
+            <a:spAutoFit/>
+          </a:bodyPr>
+          <a:p>
+            <a:pPr indent="0" algn="ctr">
+              <a:buNone/>
+            </a:pPr>
+            <a:endParaRPr b="0" lang="en-US" sz="4400" strike="noStrike" u="none">
+              <a:solidFill>
+                <a:srgbClr val="000000"/>
+              </a:solidFill>
+              <a:effectLst/>
+              <a:uFillTx/>
+              <a:latin typeface="Arial"/>
+            </a:endParaRPr>
+          </a:p>
+        </p:txBody>
+      </p:sp>
+      <p:sp>
+        <p:nvSpPr>
+          <p:cNvPr id="50" name="PlaceHolder 2"/>
+          <p:cNvSpPr>
+            <a:spLocks noGrp="1"/>
+          </p:cNvSpPr>
+          <p:nvPr>
+            <p:ph/>
+          </p:nvPr>
+        </p:nvSpPr>
+        <p:spPr>
+          <a:xfrm>
+            <a:off x="457200" y="1203480"/>
+            <a:ext cx="8229240" cy="2982960"/>
+          </a:xfrm>
+          <a:prstGeom prst="rect">
+            <a:avLst/>
+          </a:prstGeom>
+          <a:noFill/>
+          <a:ln w="0">
+            <a:noFill/>
+          </a:ln>
+        </p:spPr>
+        <p:txBody>
+          <a:bodyPr lIns="0" rIns="0" tIns="0" bIns="0" anchor="t">
+            <a:normAutofit/>
+          </a:bodyPr>
+          <a:p>
+            <a:pPr indent="0">
+              <a:spcBef>
+                <a:spcPts val="1417"/>
+              </a:spcBef>
+              <a:buNone/>
+            </a:pPr>
+            <a:endParaRPr b="0" lang="en-US" sz="3200" strike="noStrike" u="none">
+              <a:solidFill>
+                <a:srgbClr val="000000"/>
+              </a:solidFill>
+              <a:effectLst/>
+              <a:uFillTx/>
+              <a:latin typeface="Arial"/>
+            </a:endParaRPr>
+          </a:p>
+        </p:txBody>
+      </p:sp>
+      <p:sp>
+        <p:nvSpPr>
+          <p:cNvPr id="4" name="PlaceHolder 3"/>
           <p:cNvSpPr>
             <a:spLocks noGrp="1"/>
           </p:cNvSpPr>
@@ -696,7 +871,7 @@
         <p:txBody>
           <a:bodyPr/>
           <a:p>
-            <a:fld id="{6538CCFB-A25E-4C63-A430-83D486FD1D6A}" type="slidenum">
+            <a:fld id="{8D7D305B-8092-44E7-B51B-F9E9D35C13C1}" type="slidenum">
               <a:t>&lt;#&gt;</a:t>
             </a:fld>
           </a:p>
@@ -708,8 +883,8 @@
 </file>
 
 <file path=ppt/slideLayouts/slideLayout18.xml><?xml version="1.0" encoding="utf-8"?>
-<p:sldLayout xmlns:a="http://schemas.openxmlformats.org/drawingml/2006/main" xmlns:p="http://schemas.openxmlformats.org/presentationml/2006/main" xmlns:r="http://schemas.openxmlformats.org/officeDocument/2006/relationships" xmlns:p14="http://schemas.microsoft.com/office/powerpoint/2010/main" xmlns:p15="http://schemas.microsoft.com/office/powerpoint/2012/main" xmlns:mc="http://schemas.openxmlformats.org/markup-compatibility/2006" type="blank" preserve="1">
-  <p:cSld name="SECTION_TITLE_AND_DESCRIPTION">
+<p:sldLayout xmlns:a="http://schemas.openxmlformats.org/drawingml/2006/main" xmlns:p="http://schemas.openxmlformats.org/presentationml/2006/main" xmlns:r="http://schemas.openxmlformats.org/officeDocument/2006/relationships" xmlns:p14="http://schemas.microsoft.com/office/powerpoint/2010/main" xmlns:p15="http://schemas.microsoft.com/office/powerpoint/2012/main" xmlns:mc="http://schemas.openxmlformats.org/markup-compatibility/2006" type="twoObj" preserve="1">
+  <p:cSld name="TITLE_AND_TWO_COLUMNS">
     <p:spTree>
       <p:nvGrpSpPr>
         <p:cNvPr id="1" name=""/>
@@ -726,7 +901,139 @@
       </p:grpSpPr>
       <p:sp>
         <p:nvSpPr>
-          <p:cNvPr id="2" name="PlaceHolder 1"/>
+          <p:cNvPr id="55" name="PlaceHolder 1"/>
+          <p:cNvSpPr>
+            <a:spLocks noGrp="1"/>
+          </p:cNvSpPr>
+          <p:nvPr>
+            <p:ph type="title"/>
+          </p:nvPr>
+        </p:nvSpPr>
+        <p:spPr>
+          <a:xfrm>
+            <a:off x="311760" y="1456920"/>
+            <a:ext cx="8519040" cy="625320"/>
+          </a:xfrm>
+          <a:prstGeom prst="rect">
+            <a:avLst/>
+          </a:prstGeom>
+          <a:noFill/>
+          <a:ln w="0">
+            <a:noFill/>
+          </a:ln>
+        </p:spPr>
+        <p:txBody>
+          <a:bodyPr lIns="0" rIns="0" tIns="0" bIns="0" anchor="ctr">
+            <a:spAutoFit/>
+          </a:bodyPr>
+          <a:p>
+            <a:pPr indent="0" algn="ctr">
+              <a:buNone/>
+            </a:pPr>
+            <a:endParaRPr b="0" lang="en-US" sz="4400" strike="noStrike" u="none">
+              <a:solidFill>
+                <a:srgbClr val="000000"/>
+              </a:solidFill>
+              <a:effectLst/>
+              <a:uFillTx/>
+              <a:latin typeface="Arial"/>
+            </a:endParaRPr>
+          </a:p>
+        </p:txBody>
+      </p:sp>
+      <p:sp>
+        <p:nvSpPr>
+          <p:cNvPr id="56" name="PlaceHolder 2"/>
+          <p:cNvSpPr>
+            <a:spLocks noGrp="1"/>
+          </p:cNvSpPr>
+          <p:nvPr>
+            <p:ph/>
+          </p:nvPr>
+        </p:nvSpPr>
+        <p:spPr>
+          <a:xfrm>
+            <a:off x="457200" y="1203480"/>
+            <a:ext cx="4015800" cy="2982960"/>
+          </a:xfrm>
+          <a:prstGeom prst="rect">
+            <a:avLst/>
+          </a:prstGeom>
+          <a:noFill/>
+          <a:ln w="0">
+            <a:noFill/>
+          </a:ln>
+        </p:spPr>
+        <p:txBody>
+          <a:bodyPr lIns="0" rIns="0" tIns="0" bIns="0" anchor="t">
+            <a:normAutofit/>
+          </a:bodyPr>
+          <a:p>
+            <a:pPr indent="0">
+              <a:spcBef>
+                <a:spcPts val="1417"/>
+              </a:spcBef>
+              <a:buNone/>
+            </a:pPr>
+            <a:endParaRPr b="0" lang="en-US" sz="3200" strike="noStrike" u="none">
+              <a:solidFill>
+                <a:srgbClr val="000000"/>
+              </a:solidFill>
+              <a:effectLst/>
+              <a:uFillTx/>
+              <a:latin typeface="Arial"/>
+            </a:endParaRPr>
+          </a:p>
+        </p:txBody>
+      </p:sp>
+      <p:sp>
+        <p:nvSpPr>
+          <p:cNvPr id="57" name="PlaceHolder 3"/>
+          <p:cNvSpPr>
+            <a:spLocks noGrp="1"/>
+          </p:cNvSpPr>
+          <p:nvPr>
+            <p:ph/>
+          </p:nvPr>
+        </p:nvSpPr>
+        <p:spPr>
+          <a:xfrm>
+            <a:off x="4674240" y="1203480"/>
+            <a:ext cx="4015800" cy="2982960"/>
+          </a:xfrm>
+          <a:prstGeom prst="rect">
+            <a:avLst/>
+          </a:prstGeom>
+          <a:noFill/>
+          <a:ln w="0">
+            <a:noFill/>
+          </a:ln>
+        </p:spPr>
+        <p:txBody>
+          <a:bodyPr lIns="0" rIns="0" tIns="0" bIns="0" anchor="t">
+            <a:normAutofit/>
+          </a:bodyPr>
+          <a:p>
+            <a:pPr indent="0">
+              <a:spcBef>
+                <a:spcPts val="1417"/>
+              </a:spcBef>
+              <a:buNone/>
+            </a:pPr>
+            <a:endParaRPr b="0" lang="en-US" sz="3200" strike="noStrike" u="none">
+              <a:solidFill>
+                <a:srgbClr val="000000"/>
+              </a:solidFill>
+              <a:effectLst/>
+              <a:uFillTx/>
+              <a:latin typeface="Arial"/>
+            </a:endParaRPr>
+          </a:p>
+        </p:txBody>
+      </p:sp>
+      <p:sp>
+        <p:nvSpPr>
+          <p:cNvPr id="5" name="PlaceHolder 4"/>
           <p:cNvSpPr>
             <a:spLocks noGrp="1"/>
           </p:cNvSpPr>
@@ -738,7 +1045,7 @@
         <p:txBody>
           <a:bodyPr/>
           <a:p>
-            <a:fld id="{6CA18EB2-F8A0-4477-96AC-2D929B3E29F7}" type="slidenum">
+            <a:fld id="{BDC005DE-AF49-4511-A879-1A9618F3AEE3}" type="slidenum">
               <a:t>&lt;#&gt;</a:t>
             </a:fld>
           </a:p>
@@ -750,8 +1057,8 @@
 </file>
 
 <file path=ppt/slideLayouts/slideLayout19.xml><?xml version="1.0" encoding="utf-8"?>
-<p:sldLayout xmlns:a="http://schemas.openxmlformats.org/drawingml/2006/main" xmlns:p="http://schemas.openxmlformats.org/presentationml/2006/main" xmlns:r="http://schemas.openxmlformats.org/officeDocument/2006/relationships" xmlns:p14="http://schemas.microsoft.com/office/powerpoint/2010/main" xmlns:p15="http://schemas.microsoft.com/office/powerpoint/2012/main" xmlns:mc="http://schemas.openxmlformats.org/markup-compatibility/2006" type="blank" preserve="1">
-  <p:cSld name="CAPTION_ONLY">
+<p:sldLayout xmlns:a="http://schemas.openxmlformats.org/drawingml/2006/main" xmlns:p="http://schemas.openxmlformats.org/presentationml/2006/main" xmlns:r="http://schemas.openxmlformats.org/officeDocument/2006/relationships" xmlns:p14="http://schemas.microsoft.com/office/powerpoint/2010/main" xmlns:p15="http://schemas.microsoft.com/office/powerpoint/2012/main" xmlns:mc="http://schemas.openxmlformats.org/markup-compatibility/2006" type="titleOnly" preserve="1">
+  <p:cSld name="TITLE_ONLY">
     <p:spTree>
       <p:nvGrpSpPr>
         <p:cNvPr id="1" name=""/>
@@ -768,7 +1075,49 @@
       </p:grpSpPr>
       <p:sp>
         <p:nvSpPr>
-          <p:cNvPr id="2" name="PlaceHolder 1"/>
+          <p:cNvPr id="60" name="PlaceHolder 1"/>
+          <p:cNvSpPr>
+            <a:spLocks noGrp="1"/>
+          </p:cNvSpPr>
+          <p:nvPr>
+            <p:ph type="title"/>
+          </p:nvPr>
+        </p:nvSpPr>
+        <p:spPr>
+          <a:xfrm>
+            <a:off x="311760" y="1456920"/>
+            <a:ext cx="8519040" cy="625320"/>
+          </a:xfrm>
+          <a:prstGeom prst="rect">
+            <a:avLst/>
+          </a:prstGeom>
+          <a:noFill/>
+          <a:ln w="0">
+            <a:noFill/>
+          </a:ln>
+        </p:spPr>
+        <p:txBody>
+          <a:bodyPr lIns="0" rIns="0" tIns="0" bIns="0" anchor="ctr">
+            <a:spAutoFit/>
+          </a:bodyPr>
+          <a:p>
+            <a:pPr indent="0" algn="ctr">
+              <a:buNone/>
+            </a:pPr>
+            <a:endParaRPr b="0" lang="en-US" sz="4400" strike="noStrike" u="none">
+              <a:solidFill>
+                <a:srgbClr val="000000"/>
+              </a:solidFill>
+              <a:effectLst/>
+              <a:uFillTx/>
+              <a:latin typeface="Arial"/>
+            </a:endParaRPr>
+          </a:p>
+        </p:txBody>
+      </p:sp>
+      <p:sp>
+        <p:nvSpPr>
+          <p:cNvPr id="3" name="PlaceHolder 2"/>
           <p:cNvSpPr>
             <a:spLocks noGrp="1"/>
           </p:cNvSpPr>
@@ -780,7 +1129,7 @@
         <p:txBody>
           <a:bodyPr/>
           <a:p>
-            <a:fld id="{303D542C-C6FD-4040-8DFB-1F537802C82B}" type="slidenum">
+            <a:fld id="{5A7B302D-C14B-4A69-AD44-34E1BDEC2782}" type="slidenum">
               <a:t>&lt;#&gt;</a:t>
             </a:fld>
           </a:p>
@@ -820,8 +1169,8 @@
         </p:nvSpPr>
         <p:spPr>
           <a:xfrm>
-            <a:off x="311760" y="1457280"/>
-            <a:ext cx="8519400" cy="625320"/>
+            <a:off x="311760" y="1456920"/>
+            <a:ext cx="8519040" cy="625320"/>
           </a:xfrm>
           <a:prstGeom prst="rect">
             <a:avLst/>
@@ -954,7 +1303,175 @@
         <p:txBody>
           <a:bodyPr/>
           <a:p>
-            <a:fld id="{B5DD9098-6BEB-4894-A6C0-157FB6916D78}" type="slidenum">
+            <a:fld id="{5AD0D82B-BDCC-437B-A2AC-7C6D6A6953E8}" type="slidenum">
+              <a:t>&lt;#&gt;</a:t>
+            </a:fld>
+          </a:p>
+        </p:txBody>
+      </p:sp>
+    </p:spTree>
+  </p:cSld>
+</p:sldLayout>
+</file>
+
+<file path=ppt/slideLayouts/slideLayout20.xml><?xml version="1.0" encoding="utf-8"?>
+<p:sldLayout xmlns:a="http://schemas.openxmlformats.org/drawingml/2006/main" xmlns:p="http://schemas.openxmlformats.org/presentationml/2006/main" xmlns:r="http://schemas.openxmlformats.org/officeDocument/2006/relationships" xmlns:p14="http://schemas.microsoft.com/office/powerpoint/2010/main" xmlns:p15="http://schemas.microsoft.com/office/powerpoint/2012/main" xmlns:mc="http://schemas.openxmlformats.org/markup-compatibility/2006" type="blank" preserve="1">
+  <p:cSld name="ONE_COLUMN_TEXT">
+    <p:spTree>
+      <p:nvGrpSpPr>
+        <p:cNvPr id="1" name=""/>
+        <p:cNvGrpSpPr/>
+        <p:nvPr/>
+      </p:nvGrpSpPr>
+      <p:grpSpPr>
+        <a:xfrm>
+          <a:off x="0" y="0"/>
+          <a:ext cx="0" cy="0"/>
+          <a:chOff x="0" y="0"/>
+          <a:chExt cx="0" cy="0"/>
+        </a:xfrm>
+      </p:grpSpPr>
+      <p:sp>
+        <p:nvSpPr>
+          <p:cNvPr id="2" name="PlaceHolder 1"/>
+          <p:cNvSpPr>
+            <a:spLocks noGrp="1"/>
+          </p:cNvSpPr>
+          <p:nvPr>
+            <p:ph type="sldNum" idx="16"/>
+          </p:nvPr>
+        </p:nvSpPr>
+        <p:spPr/>
+        <p:txBody>
+          <a:bodyPr/>
+          <a:p>
+            <a:fld id="{73273D50-0FE2-4E31-89D5-B22F85607685}" type="slidenum">
+              <a:t>&lt;#&gt;</a:t>
+            </a:fld>
+          </a:p>
+        </p:txBody>
+      </p:sp>
+    </p:spTree>
+  </p:cSld>
+</p:sldLayout>
+</file>
+
+<file path=ppt/slideLayouts/slideLayout21.xml><?xml version="1.0" encoding="utf-8"?>
+<p:sldLayout xmlns:a="http://schemas.openxmlformats.org/drawingml/2006/main" xmlns:p="http://schemas.openxmlformats.org/presentationml/2006/main" xmlns:r="http://schemas.openxmlformats.org/officeDocument/2006/relationships" xmlns:p14="http://schemas.microsoft.com/office/powerpoint/2010/main" xmlns:p15="http://schemas.microsoft.com/office/powerpoint/2012/main" xmlns:mc="http://schemas.openxmlformats.org/markup-compatibility/2006" type="blank" preserve="1">
+  <p:cSld name="MAIN_POINT">
+    <p:spTree>
+      <p:nvGrpSpPr>
+        <p:cNvPr id="1" name=""/>
+        <p:cNvGrpSpPr/>
+        <p:nvPr/>
+      </p:nvGrpSpPr>
+      <p:grpSpPr>
+        <a:xfrm>
+          <a:off x="0" y="0"/>
+          <a:ext cx="0" cy="0"/>
+          <a:chOff x="0" y="0"/>
+          <a:chExt cx="0" cy="0"/>
+        </a:xfrm>
+      </p:grpSpPr>
+      <p:sp>
+        <p:nvSpPr>
+          <p:cNvPr id="2" name="PlaceHolder 1"/>
+          <p:cNvSpPr>
+            <a:spLocks noGrp="1"/>
+          </p:cNvSpPr>
+          <p:nvPr>
+            <p:ph type="sldNum" idx="17"/>
+          </p:nvPr>
+        </p:nvSpPr>
+        <p:spPr/>
+        <p:txBody>
+          <a:bodyPr/>
+          <a:p>
+            <a:fld id="{02F12432-1358-4701-B3C6-04793EA53D53}" type="slidenum">
+              <a:t>&lt;#&gt;</a:t>
+            </a:fld>
+          </a:p>
+        </p:txBody>
+      </p:sp>
+    </p:spTree>
+  </p:cSld>
+</p:sldLayout>
+</file>
+
+<file path=ppt/slideLayouts/slideLayout22.xml><?xml version="1.0" encoding="utf-8"?>
+<p:sldLayout xmlns:a="http://schemas.openxmlformats.org/drawingml/2006/main" xmlns:p="http://schemas.openxmlformats.org/presentationml/2006/main" xmlns:r="http://schemas.openxmlformats.org/officeDocument/2006/relationships" xmlns:p14="http://schemas.microsoft.com/office/powerpoint/2010/main" xmlns:p15="http://schemas.microsoft.com/office/powerpoint/2012/main" xmlns:mc="http://schemas.openxmlformats.org/markup-compatibility/2006" type="blank" preserve="1">
+  <p:cSld name="SECTION_TITLE_AND_DESCRIPTION">
+    <p:spTree>
+      <p:nvGrpSpPr>
+        <p:cNvPr id="1" name=""/>
+        <p:cNvGrpSpPr/>
+        <p:nvPr/>
+      </p:nvGrpSpPr>
+      <p:grpSpPr>
+        <a:xfrm>
+          <a:off x="0" y="0"/>
+          <a:ext cx="0" cy="0"/>
+          <a:chOff x="0" y="0"/>
+          <a:chExt cx="0" cy="0"/>
+        </a:xfrm>
+      </p:grpSpPr>
+      <p:sp>
+        <p:nvSpPr>
+          <p:cNvPr id="2" name="PlaceHolder 1"/>
+          <p:cNvSpPr>
+            <a:spLocks noGrp="1"/>
+          </p:cNvSpPr>
+          <p:nvPr>
+            <p:ph type="sldNum" idx="18"/>
+          </p:nvPr>
+        </p:nvSpPr>
+        <p:spPr/>
+        <p:txBody>
+          <a:bodyPr/>
+          <a:p>
+            <a:fld id="{33E73346-D282-4795-B985-0C9C26CF8FE2}" type="slidenum">
+              <a:t>&lt;#&gt;</a:t>
+            </a:fld>
+          </a:p>
+        </p:txBody>
+      </p:sp>
+    </p:spTree>
+  </p:cSld>
+</p:sldLayout>
+</file>
+
+<file path=ppt/slideLayouts/slideLayout23.xml><?xml version="1.0" encoding="utf-8"?>
+<p:sldLayout xmlns:a="http://schemas.openxmlformats.org/drawingml/2006/main" xmlns:p="http://schemas.openxmlformats.org/presentationml/2006/main" xmlns:r="http://schemas.openxmlformats.org/officeDocument/2006/relationships" xmlns:p14="http://schemas.microsoft.com/office/powerpoint/2010/main" xmlns:p15="http://schemas.microsoft.com/office/powerpoint/2012/main" xmlns:mc="http://schemas.openxmlformats.org/markup-compatibility/2006" type="blank" preserve="1">
+  <p:cSld name="CAPTION_ONLY">
+    <p:spTree>
+      <p:nvGrpSpPr>
+        <p:cNvPr id="1" name=""/>
+        <p:cNvGrpSpPr/>
+        <p:nvPr/>
+      </p:nvGrpSpPr>
+      <p:grpSpPr>
+        <a:xfrm>
+          <a:off x="0" y="0"/>
+          <a:ext cx="0" cy="0"/>
+          <a:chOff x="0" y="0"/>
+          <a:chExt cx="0" cy="0"/>
+        </a:xfrm>
+      </p:grpSpPr>
+      <p:sp>
+        <p:nvSpPr>
+          <p:cNvPr id="2" name="PlaceHolder 1"/>
+          <p:cNvSpPr>
+            <a:spLocks noGrp="1"/>
+          </p:cNvSpPr>
+          <p:nvPr>
+            <p:ph type="sldNum" idx="19"/>
+          </p:nvPr>
+        </p:nvSpPr>
+        <p:spPr/>
+        <p:txBody>
+          <a:bodyPr/>
+          <a:p>
+            <a:fld id="{28CE3969-5200-4D86-8459-A92093F3176D}" type="slidenum">
               <a:t>&lt;#&gt;</a:t>
             </a:fld>
           </a:p>
@@ -994,8 +1511,8 @@
         </p:nvSpPr>
         <p:spPr>
           <a:xfrm>
-            <a:off x="311760" y="1457280"/>
-            <a:ext cx="8519400" cy="625320"/>
+            <a:off x="311760" y="1456920"/>
+            <a:ext cx="8519040" cy="625320"/>
           </a:xfrm>
           <a:prstGeom prst="rect">
             <a:avLst/>
@@ -1083,7 +1600,7 @@
         <p:txBody>
           <a:bodyPr/>
           <a:p>
-            <a:fld id="{2F0DA2E6-3123-4232-BB82-73CAEDE4B72D}" type="slidenum">
+            <a:fld id="{37E5D429-B115-4006-A078-9EC8D7290885}" type="slidenum">
               <a:t>&lt;#&gt;</a:t>
             </a:fld>
           </a:p>
@@ -1125,7 +1642,7 @@
         <p:txBody>
           <a:bodyPr/>
           <a:p>
-            <a:fld id="{DA404C20-90D7-492D-A13A-C620DF1075E2}" type="slidenum">
+            <a:fld id="{5D332C73-41DB-403A-B8D9-86805B66D6E4}" type="slidenum">
               <a:t>&lt;#&gt;</a:t>
             </a:fld>
           </a:p>
@@ -1167,7 +1684,7 @@
         <p:txBody>
           <a:bodyPr/>
           <a:p>
-            <a:fld id="{15AE974D-74CD-478A-82CE-6C6400EA9A7F}" type="slidenum">
+            <a:fld id="{D831805B-8FC6-42CF-B433-F9C9D9A099EF}" type="slidenum">
               <a:t>&lt;#&gt;</a:t>
             </a:fld>
           </a:p>
@@ -1180,7 +1697,7 @@
 
 <file path=ppt/slideLayouts/slideLayout6.xml><?xml version="1.0" encoding="utf-8"?>
 <p:sldLayout xmlns:a="http://schemas.openxmlformats.org/drawingml/2006/main" xmlns:p="http://schemas.openxmlformats.org/presentationml/2006/main" xmlns:r="http://schemas.openxmlformats.org/officeDocument/2006/relationships" xmlns:p14="http://schemas.microsoft.com/office/powerpoint/2010/main" xmlns:p15="http://schemas.microsoft.com/office/powerpoint/2012/main" xmlns:mc="http://schemas.openxmlformats.org/markup-compatibility/2006" type="tx" preserve="1">
-  <p:cSld name="Default 3">
+  <p:cSld name="Default 4">
     <p:spTree>
       <p:nvGrpSpPr>
         <p:cNvPr id="1" name=""/>
@@ -1197,7 +1714,7 @@
       </p:grpSpPr>
       <p:sp>
         <p:nvSpPr>
-          <p:cNvPr id="19" name="PlaceHolder 1"/>
+          <p:cNvPr id="20" name="PlaceHolder 1"/>
           <p:cNvSpPr>
             <a:spLocks noGrp="1"/>
           </p:cNvSpPr>
@@ -1207,8 +1724,8 @@
         </p:nvSpPr>
         <p:spPr>
           <a:xfrm>
-            <a:off x="311760" y="1457280"/>
-            <a:ext cx="8519400" cy="625320"/>
+            <a:off x="311760" y="1456920"/>
+            <a:ext cx="8519040" cy="625320"/>
           </a:xfrm>
           <a:prstGeom prst="rect">
             <a:avLst/>
@@ -1239,7 +1756,7 @@
       </p:sp>
       <p:sp>
         <p:nvSpPr>
-          <p:cNvPr id="20" name="PlaceHolder 2"/>
+          <p:cNvPr id="21" name="PlaceHolder 2"/>
           <p:cNvSpPr>
             <a:spLocks noGrp="1"/>
           </p:cNvSpPr>
@@ -1289,14 +1806,14 @@
             <a:spLocks noGrp="1"/>
           </p:cNvSpPr>
           <p:nvPr>
-            <p:ph type="sldNum" idx="5"/>
+            <p:ph type="sldNum" idx="6"/>
           </p:nvPr>
         </p:nvSpPr>
         <p:spPr/>
         <p:txBody>
           <a:bodyPr/>
           <a:p>
-            <a:fld id="{6AB40E92-5040-471C-9A5F-014D578E7029}" type="slidenum">
+            <a:fld id="{B2FF5D0B-45F9-401C-9E90-A15A691151F4}" type="slidenum">
               <a:t>&lt;#&gt;</a:t>
             </a:fld>
           </a:p>
@@ -1309,7 +1826,7 @@
 
 <file path=ppt/slideLayouts/slideLayout7.xml><?xml version="1.0" encoding="utf-8"?>
 <p:sldLayout xmlns:a="http://schemas.openxmlformats.org/drawingml/2006/main" xmlns:p="http://schemas.openxmlformats.org/presentationml/2006/main" xmlns:r="http://schemas.openxmlformats.org/officeDocument/2006/relationships" xmlns:p14="http://schemas.microsoft.com/office/powerpoint/2010/main" xmlns:p15="http://schemas.microsoft.com/office/powerpoint/2012/main" xmlns:mc="http://schemas.openxmlformats.org/markup-compatibility/2006" type="twoObj" preserve="1">
-  <p:cSld name="Default 3">
+  <p:cSld name="Default 5">
     <p:spTree>
       <p:nvGrpSpPr>
         <p:cNvPr id="1" name=""/>
@@ -1326,7 +1843,7 @@
       </p:grpSpPr>
       <p:sp>
         <p:nvSpPr>
-          <p:cNvPr id="21" name="PlaceHolder 1"/>
+          <p:cNvPr id="26" name="PlaceHolder 1"/>
           <p:cNvSpPr>
             <a:spLocks noGrp="1"/>
           </p:cNvSpPr>
@@ -1336,8 +1853,8 @@
         </p:nvSpPr>
         <p:spPr>
           <a:xfrm>
-            <a:off x="311760" y="1457280"/>
-            <a:ext cx="8519400" cy="625320"/>
+            <a:off x="311760" y="1456920"/>
+            <a:ext cx="8519040" cy="625320"/>
           </a:xfrm>
           <a:prstGeom prst="rect">
             <a:avLst/>
@@ -1368,7 +1885,7 @@
       </p:sp>
       <p:sp>
         <p:nvSpPr>
-          <p:cNvPr id="22" name="PlaceHolder 2"/>
+          <p:cNvPr id="27" name="PlaceHolder 2"/>
           <p:cNvSpPr>
             <a:spLocks noGrp="1"/>
           </p:cNvSpPr>
@@ -1413,7 +1930,7 @@
       </p:sp>
       <p:sp>
         <p:nvSpPr>
-          <p:cNvPr id="23" name="PlaceHolder 3"/>
+          <p:cNvPr id="28" name="PlaceHolder 3"/>
           <p:cNvSpPr>
             <a:spLocks noGrp="1"/>
           </p:cNvSpPr>
@@ -1463,14 +1980,14 @@
             <a:spLocks noGrp="1"/>
           </p:cNvSpPr>
           <p:nvPr>
-            <p:ph type="sldNum" idx="5"/>
+            <p:ph type="sldNum" idx="7"/>
           </p:nvPr>
         </p:nvSpPr>
         <p:spPr/>
         <p:txBody>
           <a:bodyPr/>
           <a:p>
-            <a:fld id="{A797CC4D-1585-4599-85CA-567CB3795022}" type="slidenum">
+            <a:fld id="{7FC01812-66EE-4601-A74E-06AB66305BC5}" type="slidenum">
               <a:t>&lt;#&gt;</a:t>
             </a:fld>
           </a:p>
@@ -1483,7 +2000,7 @@
 
 <file path=ppt/slideLayouts/slideLayout8.xml><?xml version="1.0" encoding="utf-8"?>
 <p:sldLayout xmlns:a="http://schemas.openxmlformats.org/drawingml/2006/main" xmlns:p="http://schemas.openxmlformats.org/presentationml/2006/main" xmlns:r="http://schemas.openxmlformats.org/officeDocument/2006/relationships" xmlns:p14="http://schemas.microsoft.com/office/powerpoint/2010/main" xmlns:p15="http://schemas.microsoft.com/office/powerpoint/2012/main" xmlns:mc="http://schemas.openxmlformats.org/markup-compatibility/2006" type="titleOnly" preserve="1">
-  <p:cSld name="Default 3">
+  <p:cSld name="Default 6">
     <p:spTree>
       <p:nvGrpSpPr>
         <p:cNvPr id="1" name=""/>
@@ -1500,7 +2017,7 @@
       </p:grpSpPr>
       <p:sp>
         <p:nvSpPr>
-          <p:cNvPr id="24" name="PlaceHolder 1"/>
+          <p:cNvPr id="31" name="PlaceHolder 1"/>
           <p:cNvSpPr>
             <a:spLocks noGrp="1"/>
           </p:cNvSpPr>
@@ -1510,8 +2027,8 @@
         </p:nvSpPr>
         <p:spPr>
           <a:xfrm>
-            <a:off x="311760" y="1457280"/>
-            <a:ext cx="8519400" cy="625320"/>
+            <a:off x="311760" y="1456920"/>
+            <a:ext cx="8519040" cy="625320"/>
           </a:xfrm>
           <a:prstGeom prst="rect">
             <a:avLst/>
@@ -1547,14 +2064,14 @@
             <a:spLocks noGrp="1"/>
           </p:cNvSpPr>
           <p:nvPr>
-            <p:ph type="sldNum" idx="5"/>
+            <p:ph type="sldNum" idx="8"/>
           </p:nvPr>
         </p:nvSpPr>
         <p:spPr/>
         <p:txBody>
           <a:bodyPr/>
           <a:p>
-            <a:fld id="{7F1797A4-7027-4363-8B7F-DDA45DFF2D6A}" type="slidenum">
+            <a:fld id="{735D8839-9090-4C06-8314-4403BEDBDD1A}" type="slidenum">
               <a:t>&lt;#&gt;</a:t>
             </a:fld>
           </a:p>
@@ -1566,8 +2083,8 @@
 </file>
 
 <file path=ppt/slideLayouts/slideLayout9.xml><?xml version="1.0" encoding="utf-8"?>
-<p:sldLayout xmlns:a="http://schemas.openxmlformats.org/drawingml/2006/main" xmlns:p="http://schemas.openxmlformats.org/presentationml/2006/main" xmlns:r="http://schemas.openxmlformats.org/officeDocument/2006/relationships" xmlns:p14="http://schemas.microsoft.com/office/powerpoint/2010/main" xmlns:p15="http://schemas.microsoft.com/office/powerpoint/2012/main" xmlns:mc="http://schemas.openxmlformats.org/markup-compatibility/2006" type="title" preserve="1">
-  <p:cSld name="Default 3">
+<p:sldLayout xmlns:a="http://schemas.openxmlformats.org/drawingml/2006/main" xmlns:p="http://schemas.openxmlformats.org/presentationml/2006/main" xmlns:r="http://schemas.openxmlformats.org/officeDocument/2006/relationships" xmlns:p14="http://schemas.microsoft.com/office/powerpoint/2010/main" xmlns:p15="http://schemas.microsoft.com/office/powerpoint/2012/main" xmlns:mc="http://schemas.openxmlformats.org/markup-compatibility/2006" type="blank" preserve="1">
+  <p:cSld name="Default 7">
     <p:spTree>
       <p:nvGrpSpPr>
         <p:cNvPr id="1" name=""/>
@@ -1584,103 +2101,19 @@
       </p:grpSpPr>
       <p:sp>
         <p:nvSpPr>
-          <p:cNvPr id="25" name="PlaceHolder 1"/>
+          <p:cNvPr id="2" name="PlaceHolder 1"/>
           <p:cNvSpPr>
             <a:spLocks noGrp="1"/>
           </p:cNvSpPr>
           <p:nvPr>
-            <p:ph type="title"/>
-          </p:nvPr>
-        </p:nvSpPr>
-        <p:spPr>
-          <a:xfrm>
-            <a:off x="311760" y="1457280"/>
-            <a:ext cx="8519400" cy="625320"/>
-          </a:xfrm>
-          <a:prstGeom prst="rect">
-            <a:avLst/>
-          </a:prstGeom>
-          <a:noFill/>
-          <a:ln w="0">
-            <a:noFill/>
-          </a:ln>
-        </p:spPr>
-        <p:txBody>
-          <a:bodyPr lIns="0" rIns="0" tIns="0" bIns="0" anchor="ctr">
-            <a:spAutoFit/>
-          </a:bodyPr>
-          <a:p>
-            <a:pPr indent="0" algn="ctr">
-              <a:buNone/>
-            </a:pPr>
-            <a:endParaRPr b="0" lang="en-US" sz="4400" strike="noStrike" u="none">
-              <a:solidFill>
-                <a:srgbClr val="000000"/>
-              </a:solidFill>
-              <a:effectLst/>
-              <a:uFillTx/>
-              <a:latin typeface="Arial"/>
-            </a:endParaRPr>
-          </a:p>
-        </p:txBody>
-      </p:sp>
-      <p:sp>
-        <p:nvSpPr>
-          <p:cNvPr id="26" name="PlaceHolder 2"/>
-          <p:cNvSpPr>
-            <a:spLocks noGrp="1"/>
-          </p:cNvSpPr>
-          <p:nvPr>
-            <p:ph type="subTitle"/>
-          </p:nvPr>
-        </p:nvSpPr>
-        <p:spPr>
-          <a:xfrm>
-            <a:off x="457200" y="1203480"/>
-            <a:ext cx="8229240" cy="2982960"/>
-          </a:xfrm>
-          <a:prstGeom prst="rect">
-            <a:avLst/>
-          </a:prstGeom>
-          <a:noFill/>
-          <a:ln w="0">
-            <a:noFill/>
-          </a:ln>
-        </p:spPr>
-        <p:txBody>
-          <a:bodyPr lIns="0" rIns="0" tIns="0" bIns="0" anchor="ctr">
-            <a:spAutoFit/>
-          </a:bodyPr>
-          <a:p>
-            <a:pPr indent="0" algn="ctr">
-              <a:buNone/>
-            </a:pPr>
-            <a:endParaRPr b="0" lang="en-US" sz="3200" strike="noStrike" u="none">
-              <a:solidFill>
-                <a:srgbClr val="000000"/>
-              </a:solidFill>
-              <a:effectLst/>
-              <a:uFillTx/>
-              <a:latin typeface="Arial"/>
-            </a:endParaRPr>
-          </a:p>
-        </p:txBody>
-      </p:sp>
-      <p:sp>
-        <p:nvSpPr>
-          <p:cNvPr id="4" name="PlaceHolder 3"/>
-          <p:cNvSpPr>
-            <a:spLocks noGrp="1"/>
-          </p:cNvSpPr>
-          <p:nvPr>
-            <p:ph type="sldNum" idx="5"/>
+            <p:ph type="sldNum" idx="9"/>
           </p:nvPr>
         </p:nvSpPr>
         <p:spPr/>
         <p:txBody>
           <a:bodyPr/>
           <a:p>
-            <a:fld id="{5620CACF-7B9D-4076-9559-68333D17AFA5}" type="slidenum">
+            <a:fld id="{20DD8061-F5EC-4D85-B895-A5FEF16A06F7}" type="slidenum">
               <a:t>&lt;#&gt;</a:t>
             </a:fld>
           </a:p>
@@ -1727,8 +2160,8 @@
         </p:nvSpPr>
         <p:spPr>
           <a:xfrm>
-            <a:off x="311760" y="1632600"/>
-            <a:ext cx="8519400" cy="274680"/>
+            <a:off x="311760" y="1632240"/>
+            <a:ext cx="8519040" cy="274680"/>
           </a:xfrm>
           <a:prstGeom prst="rect">
             <a:avLst/>
@@ -1781,7 +2214,7 @@
         <p:spPr>
           <a:xfrm>
             <a:off x="8472600" y="4663080"/>
-            <a:ext cx="547560" cy="392400"/>
+            <a:ext cx="547200" cy="392040"/>
           </a:xfrm>
           <a:prstGeom prst="rect">
             <a:avLst/>
@@ -1825,7 +2258,7 @@
                 <a:tab algn="l" pos="0"/>
               </a:tabLst>
             </a:pPr>
-            <a:fld id="{B7A13DDF-B2B1-4855-B345-E4402EA84627}" type="slidenum">
+            <a:fld id="{5BFAC540-B727-4181-9FCE-7E8E741115BF}" type="slidenum">
               <a:rPr b="0" lang="en" sz="1000" strike="noStrike" u="none">
                 <a:solidFill>
                   <a:schemeClr val="dk2"/>
@@ -1883,566 +2316,7 @@
       </p:grpSpPr>
       <p:sp>
         <p:nvSpPr>
-          <p:cNvPr id="35" name="PlaceHolder 1"/>
-          <p:cNvSpPr>
-            <a:spLocks noGrp="1"/>
-          </p:cNvSpPr>
-          <p:nvPr>
-            <p:ph type="title"/>
-          </p:nvPr>
-        </p:nvSpPr>
-        <p:spPr>
-          <a:xfrm>
-            <a:off x="311760" y="1632600"/>
-            <a:ext cx="8519400" cy="274680"/>
-          </a:xfrm>
-          <a:prstGeom prst="rect">
-            <a:avLst/>
-          </a:prstGeom>
-          <a:noFill/>
-          <a:ln w="0">
-            <a:noFill/>
-          </a:ln>
-        </p:spPr>
-        <p:txBody>
-          <a:bodyPr lIns="0" rIns="0" tIns="0" bIns="0" anchor="ctr">
-            <a:spAutoFit/>
-          </a:bodyPr>
-          <a:p>
-            <a:pPr indent="0">
-              <a:buNone/>
-            </a:pPr>
-            <a:r>
-              <a:rPr b="0" lang="en-US" sz="1800" strike="noStrike" u="none">
-                <a:solidFill>
-                  <a:srgbClr val="000000"/>
-                </a:solidFill>
-                <a:effectLst/>
-                <a:uFillTx/>
-                <a:latin typeface="Arial"/>
-              </a:rPr>
-              <a:t>Click to edit the title text format</a:t>
-            </a:r>
-            <a:endParaRPr b="0" lang="en-US" sz="1800" strike="noStrike" u="none">
-              <a:solidFill>
-                <a:srgbClr val="000000"/>
-              </a:solidFill>
-              <a:effectLst/>
-              <a:uFillTx/>
-              <a:latin typeface="Arial"/>
-            </a:endParaRPr>
-          </a:p>
-        </p:txBody>
-      </p:sp>
-      <p:sp>
-        <p:nvSpPr>
-          <p:cNvPr id="36" name="PlaceHolder 2"/>
-          <p:cNvSpPr>
-            <a:spLocks noGrp="1"/>
-          </p:cNvSpPr>
-          <p:nvPr>
-            <p:ph type="body"/>
-          </p:nvPr>
-        </p:nvSpPr>
-        <p:spPr>
-          <a:xfrm>
-            <a:off x="457200" y="1203480"/>
-            <a:ext cx="4015440" cy="2982600"/>
-          </a:xfrm>
-          <a:prstGeom prst="rect">
-            <a:avLst/>
-          </a:prstGeom>
-          <a:noFill/>
-          <a:ln w="0">
-            <a:noFill/>
-          </a:ln>
-        </p:spPr>
-        <p:txBody>
-          <a:bodyPr lIns="0" rIns="0" tIns="0" bIns="0" anchor="t">
-            <a:normAutofit/>
-          </a:bodyPr>
-          <a:p>
-            <a:pPr marL="432000" indent="-324000">
-              <a:spcBef>
-                <a:spcPts val="1417"/>
-              </a:spcBef>
-              <a:buClr>
-                <a:srgbClr val="000000"/>
-              </a:buClr>
-              <a:buSzPct val="45000"/>
-              <a:buFont typeface="Wingdings" charset="2"/>
-              <a:buChar char=""/>
-            </a:pPr>
-            <a:r>
-              <a:rPr b="0" lang="en-US" sz="1800" strike="noStrike" u="none">
-                <a:solidFill>
-                  <a:srgbClr val="000000"/>
-                </a:solidFill>
-                <a:effectLst/>
-                <a:uFillTx/>
-                <a:latin typeface="Arial"/>
-              </a:rPr>
-              <a:t>Click to edit the outline text format</a:t>
-            </a:r>
-            <a:endParaRPr b="0" lang="en-US" sz="1800" strike="noStrike" u="none">
-              <a:solidFill>
-                <a:srgbClr val="000000"/>
-              </a:solidFill>
-              <a:effectLst/>
-              <a:uFillTx/>
-              <a:latin typeface="Arial"/>
-            </a:endParaRPr>
-          </a:p>
-          <a:p>
-            <a:pPr lvl="1" marL="432000" indent="-216000">
-              <a:spcBef>
-                <a:spcPts val="1134"/>
-              </a:spcBef>
-              <a:buClr>
-                <a:srgbClr val="000000"/>
-              </a:buClr>
-              <a:buSzPct val="45000"/>
-              <a:buFont typeface="Wingdings" charset="2"/>
-              <a:buChar char=""/>
-            </a:pPr>
-            <a:r>
-              <a:rPr b="0" lang="en-US" sz="1800" strike="noStrike" u="none">
-                <a:solidFill>
-                  <a:srgbClr val="000000"/>
-                </a:solidFill>
-                <a:effectLst/>
-                <a:uFillTx/>
-                <a:latin typeface="Times New Roman"/>
-              </a:rPr>
-              <a:t>Second Outline Level</a:t>
-            </a:r>
-            <a:endParaRPr b="0" lang="en-US" sz="1800" strike="noStrike" u="none">
-              <a:solidFill>
-                <a:srgbClr val="000000"/>
-              </a:solidFill>
-              <a:effectLst/>
-              <a:uFillTx/>
-              <a:latin typeface="Times New Roman"/>
-            </a:endParaRPr>
-          </a:p>
-          <a:p>
-            <a:pPr lvl="2" marL="648000" indent="-216000">
-              <a:spcBef>
-                <a:spcPts val="850"/>
-              </a:spcBef>
-              <a:buClr>
-                <a:srgbClr val="000000"/>
-              </a:buClr>
-              <a:buSzPct val="45000"/>
-              <a:buFont typeface="Wingdings" charset="2"/>
-              <a:buChar char=""/>
-            </a:pPr>
-            <a:r>
-              <a:rPr b="0" lang="en-US" sz="1800" strike="noStrike" u="none">
-                <a:solidFill>
-                  <a:srgbClr val="000000"/>
-                </a:solidFill>
-                <a:effectLst/>
-                <a:uFillTx/>
-                <a:latin typeface="Times New Roman"/>
-              </a:rPr>
-              <a:t>Third Outline Level</a:t>
-            </a:r>
-            <a:endParaRPr b="0" lang="en-US" sz="1800" strike="noStrike" u="none">
-              <a:solidFill>
-                <a:srgbClr val="000000"/>
-              </a:solidFill>
-              <a:effectLst/>
-              <a:uFillTx/>
-              <a:latin typeface="Times New Roman"/>
-            </a:endParaRPr>
-          </a:p>
-          <a:p>
-            <a:pPr lvl="3" marL="864000" indent="-216000">
-              <a:spcBef>
-                <a:spcPts val="567"/>
-              </a:spcBef>
-              <a:buClr>
-                <a:srgbClr val="000000"/>
-              </a:buClr>
-              <a:buSzPct val="45000"/>
-              <a:buFont typeface="Wingdings" charset="2"/>
-              <a:buChar char=""/>
-            </a:pPr>
-            <a:r>
-              <a:rPr b="0" lang="en-US" sz="1800" strike="noStrike" u="none">
-                <a:solidFill>
-                  <a:srgbClr val="000000"/>
-                </a:solidFill>
-                <a:effectLst/>
-                <a:uFillTx/>
-                <a:latin typeface="Times New Roman"/>
-              </a:rPr>
-              <a:t>Fourth Outline Level</a:t>
-            </a:r>
-            <a:endParaRPr b="0" lang="en-US" sz="1800" strike="noStrike" u="none">
-              <a:solidFill>
-                <a:srgbClr val="000000"/>
-              </a:solidFill>
-              <a:effectLst/>
-              <a:uFillTx/>
-              <a:latin typeface="Times New Roman"/>
-            </a:endParaRPr>
-          </a:p>
-          <a:p>
-            <a:pPr lvl="4" marL="1080000" indent="-216000">
-              <a:spcBef>
-                <a:spcPts val="283"/>
-              </a:spcBef>
-              <a:buClr>
-                <a:srgbClr val="000000"/>
-              </a:buClr>
-              <a:buSzPct val="45000"/>
-              <a:buFont typeface="Wingdings" charset="2"/>
-              <a:buChar char=""/>
-            </a:pPr>
-            <a:r>
-              <a:rPr b="0" lang="en-US" sz="1800" strike="noStrike" u="none">
-                <a:solidFill>
-                  <a:srgbClr val="000000"/>
-                </a:solidFill>
-                <a:effectLst/>
-                <a:uFillTx/>
-                <a:latin typeface="Times New Roman"/>
-              </a:rPr>
-              <a:t>Fifth Outline Level</a:t>
-            </a:r>
-            <a:endParaRPr b="0" lang="en-US" sz="1800" strike="noStrike" u="none">
-              <a:solidFill>
-                <a:srgbClr val="000000"/>
-              </a:solidFill>
-              <a:effectLst/>
-              <a:uFillTx/>
-              <a:latin typeface="Times New Roman"/>
-            </a:endParaRPr>
-          </a:p>
-          <a:p>
-            <a:pPr lvl="5" marL="1296000" indent="-216000">
-              <a:spcBef>
-                <a:spcPts val="283"/>
-              </a:spcBef>
-              <a:buClr>
-                <a:srgbClr val="000000"/>
-              </a:buClr>
-              <a:buSzPct val="45000"/>
-              <a:buFont typeface="Wingdings" charset="2"/>
-              <a:buChar char=""/>
-            </a:pPr>
-            <a:r>
-              <a:rPr b="0" lang="en-US" sz="1800" strike="noStrike" u="none">
-                <a:solidFill>
-                  <a:srgbClr val="000000"/>
-                </a:solidFill>
-                <a:effectLst/>
-                <a:uFillTx/>
-                <a:latin typeface="Times New Roman"/>
-              </a:rPr>
-              <a:t>Sixth Outline Level</a:t>
-            </a:r>
-            <a:endParaRPr b="0" lang="en-US" sz="1800" strike="noStrike" u="none">
-              <a:solidFill>
-                <a:srgbClr val="000000"/>
-              </a:solidFill>
-              <a:effectLst/>
-              <a:uFillTx/>
-              <a:latin typeface="Times New Roman"/>
-            </a:endParaRPr>
-          </a:p>
-          <a:p>
-            <a:pPr lvl="6" marL="1512000" indent="-216000">
-              <a:spcBef>
-                <a:spcPts val="283"/>
-              </a:spcBef>
-              <a:buClr>
-                <a:srgbClr val="000000"/>
-              </a:buClr>
-              <a:buSzPct val="45000"/>
-              <a:buFont typeface="Wingdings" charset="2"/>
-              <a:buChar char=""/>
-            </a:pPr>
-            <a:r>
-              <a:rPr b="0" lang="en-US" sz="1800" strike="noStrike" u="none">
-                <a:solidFill>
-                  <a:srgbClr val="000000"/>
-                </a:solidFill>
-                <a:effectLst/>
-                <a:uFillTx/>
-                <a:latin typeface="Times New Roman"/>
-              </a:rPr>
-              <a:t>Seventh Outline Level</a:t>
-            </a:r>
-            <a:endParaRPr b="0" lang="en-US" sz="1800" strike="noStrike" u="none">
-              <a:solidFill>
-                <a:srgbClr val="000000"/>
-              </a:solidFill>
-              <a:effectLst/>
-              <a:uFillTx/>
-              <a:latin typeface="Times New Roman"/>
-            </a:endParaRPr>
-          </a:p>
-        </p:txBody>
-      </p:sp>
-      <p:sp>
-        <p:nvSpPr>
-          <p:cNvPr id="37" name="PlaceHolder 3"/>
-          <p:cNvSpPr>
-            <a:spLocks noGrp="1"/>
-          </p:cNvSpPr>
-          <p:nvPr>
-            <p:ph type="body"/>
-          </p:nvPr>
-        </p:nvSpPr>
-        <p:spPr>
-          <a:xfrm>
-            <a:off x="4674240" y="1203480"/>
-            <a:ext cx="4015440" cy="2982600"/>
-          </a:xfrm>
-          <a:prstGeom prst="rect">
-            <a:avLst/>
-          </a:prstGeom>
-          <a:noFill/>
-          <a:ln w="0">
-            <a:noFill/>
-          </a:ln>
-        </p:spPr>
-        <p:txBody>
-          <a:bodyPr lIns="0" rIns="0" tIns="0" bIns="0" anchor="t">
-            <a:normAutofit/>
-          </a:bodyPr>
-          <a:p>
-            <a:pPr marL="432000" indent="-324000">
-              <a:spcBef>
-                <a:spcPts val="1417"/>
-              </a:spcBef>
-              <a:buClr>
-                <a:srgbClr val="000000"/>
-              </a:buClr>
-              <a:buSzPct val="45000"/>
-              <a:buFont typeface="Wingdings" charset="2"/>
-              <a:buChar char=""/>
-            </a:pPr>
-            <a:r>
-              <a:rPr b="0" lang="en-US" sz="1800" strike="noStrike" u="none">
-                <a:solidFill>
-                  <a:srgbClr val="000000"/>
-                </a:solidFill>
-                <a:effectLst/>
-                <a:uFillTx/>
-                <a:latin typeface="Arial"/>
-              </a:rPr>
-              <a:t>Click to edit the outline text format</a:t>
-            </a:r>
-            <a:endParaRPr b="0" lang="en-US" sz="1800" strike="noStrike" u="none">
-              <a:solidFill>
-                <a:srgbClr val="000000"/>
-              </a:solidFill>
-              <a:effectLst/>
-              <a:uFillTx/>
-              <a:latin typeface="Arial"/>
-            </a:endParaRPr>
-          </a:p>
-          <a:p>
-            <a:pPr lvl="1" marL="432000" indent="-216000">
-              <a:spcBef>
-                <a:spcPts val="1134"/>
-              </a:spcBef>
-              <a:buClr>
-                <a:srgbClr val="000000"/>
-              </a:buClr>
-              <a:buSzPct val="45000"/>
-              <a:buFont typeface="Wingdings" charset="2"/>
-              <a:buChar char=""/>
-            </a:pPr>
-            <a:r>
-              <a:rPr b="0" lang="en-US" sz="1800" strike="noStrike" u="none">
-                <a:solidFill>
-                  <a:srgbClr val="000000"/>
-                </a:solidFill>
-                <a:effectLst/>
-                <a:uFillTx/>
-                <a:latin typeface="Times New Roman"/>
-              </a:rPr>
-              <a:t>Second Outline Level</a:t>
-            </a:r>
-            <a:endParaRPr b="0" lang="en-US" sz="1800" strike="noStrike" u="none">
-              <a:solidFill>
-                <a:srgbClr val="000000"/>
-              </a:solidFill>
-              <a:effectLst/>
-              <a:uFillTx/>
-              <a:latin typeface="Times New Roman"/>
-            </a:endParaRPr>
-          </a:p>
-          <a:p>
-            <a:pPr lvl="2" marL="648000" indent="-216000">
-              <a:spcBef>
-                <a:spcPts val="850"/>
-              </a:spcBef>
-              <a:buClr>
-                <a:srgbClr val="000000"/>
-              </a:buClr>
-              <a:buSzPct val="45000"/>
-              <a:buFont typeface="Wingdings" charset="2"/>
-              <a:buChar char=""/>
-            </a:pPr>
-            <a:r>
-              <a:rPr b="0" lang="en-US" sz="1800" strike="noStrike" u="none">
-                <a:solidFill>
-                  <a:srgbClr val="000000"/>
-                </a:solidFill>
-                <a:effectLst/>
-                <a:uFillTx/>
-                <a:latin typeface="Times New Roman"/>
-              </a:rPr>
-              <a:t>Third Outline Level</a:t>
-            </a:r>
-            <a:endParaRPr b="0" lang="en-US" sz="1800" strike="noStrike" u="none">
-              <a:solidFill>
-                <a:srgbClr val="000000"/>
-              </a:solidFill>
-              <a:effectLst/>
-              <a:uFillTx/>
-              <a:latin typeface="Times New Roman"/>
-            </a:endParaRPr>
-          </a:p>
-          <a:p>
-            <a:pPr lvl="3" marL="864000" indent="-216000">
-              <a:spcBef>
-                <a:spcPts val="567"/>
-              </a:spcBef>
-              <a:buClr>
-                <a:srgbClr val="000000"/>
-              </a:buClr>
-              <a:buSzPct val="45000"/>
-              <a:buFont typeface="Wingdings" charset="2"/>
-              <a:buChar char=""/>
-            </a:pPr>
-            <a:r>
-              <a:rPr b="0" lang="en-US" sz="1800" strike="noStrike" u="none">
-                <a:solidFill>
-                  <a:srgbClr val="000000"/>
-                </a:solidFill>
-                <a:effectLst/>
-                <a:uFillTx/>
-                <a:latin typeface="Times New Roman"/>
-              </a:rPr>
-              <a:t>Fourth Outline Level</a:t>
-            </a:r>
-            <a:endParaRPr b="0" lang="en-US" sz="1800" strike="noStrike" u="none">
-              <a:solidFill>
-                <a:srgbClr val="000000"/>
-              </a:solidFill>
-              <a:effectLst/>
-              <a:uFillTx/>
-              <a:latin typeface="Times New Roman"/>
-            </a:endParaRPr>
-          </a:p>
-          <a:p>
-            <a:pPr lvl="4" marL="1080000" indent="-216000">
-              <a:spcBef>
-                <a:spcPts val="283"/>
-              </a:spcBef>
-              <a:buClr>
-                <a:srgbClr val="000000"/>
-              </a:buClr>
-              <a:buSzPct val="45000"/>
-              <a:buFont typeface="Wingdings" charset="2"/>
-              <a:buChar char=""/>
-            </a:pPr>
-            <a:r>
-              <a:rPr b="0" lang="en-US" sz="1800" strike="noStrike" u="none">
-                <a:solidFill>
-                  <a:srgbClr val="000000"/>
-                </a:solidFill>
-                <a:effectLst/>
-                <a:uFillTx/>
-                <a:latin typeface="Times New Roman"/>
-              </a:rPr>
-              <a:t>Fifth Outline Level</a:t>
-            </a:r>
-            <a:endParaRPr b="0" lang="en-US" sz="1800" strike="noStrike" u="none">
-              <a:solidFill>
-                <a:srgbClr val="000000"/>
-              </a:solidFill>
-              <a:effectLst/>
-              <a:uFillTx/>
-              <a:latin typeface="Times New Roman"/>
-            </a:endParaRPr>
-          </a:p>
-          <a:p>
-            <a:pPr lvl="5" marL="1296000" indent="-216000">
-              <a:spcBef>
-                <a:spcPts val="283"/>
-              </a:spcBef>
-              <a:buClr>
-                <a:srgbClr val="000000"/>
-              </a:buClr>
-              <a:buSzPct val="45000"/>
-              <a:buFont typeface="Wingdings" charset="2"/>
-              <a:buChar char=""/>
-            </a:pPr>
-            <a:r>
-              <a:rPr b="0" lang="en-US" sz="1800" strike="noStrike" u="none">
-                <a:solidFill>
-                  <a:srgbClr val="000000"/>
-                </a:solidFill>
-                <a:effectLst/>
-                <a:uFillTx/>
-                <a:latin typeface="Times New Roman"/>
-              </a:rPr>
-              <a:t>Sixth Outline Level</a:t>
-            </a:r>
-            <a:endParaRPr b="0" lang="en-US" sz="1800" strike="noStrike" u="none">
-              <a:solidFill>
-                <a:srgbClr val="000000"/>
-              </a:solidFill>
-              <a:effectLst/>
-              <a:uFillTx/>
-              <a:latin typeface="Times New Roman"/>
-            </a:endParaRPr>
-          </a:p>
-          <a:p>
-            <a:pPr lvl="6" marL="1512000" indent="-216000">
-              <a:spcBef>
-                <a:spcPts val="283"/>
-              </a:spcBef>
-              <a:buClr>
-                <a:srgbClr val="000000"/>
-              </a:buClr>
-              <a:buSzPct val="45000"/>
-              <a:buFont typeface="Wingdings" charset="2"/>
-              <a:buChar char=""/>
-            </a:pPr>
-            <a:r>
-              <a:rPr b="0" lang="en-US" sz="1800" strike="noStrike" u="none">
-                <a:solidFill>
-                  <a:srgbClr val="000000"/>
-                </a:solidFill>
-                <a:effectLst/>
-                <a:uFillTx/>
-                <a:latin typeface="Times New Roman"/>
-              </a:rPr>
-              <a:t>Seventh Outline Level</a:t>
-            </a:r>
-            <a:endParaRPr b="0" lang="en-US" sz="1800" strike="noStrike" u="none">
-              <a:solidFill>
-                <a:srgbClr val="000000"/>
-              </a:solidFill>
-              <a:effectLst/>
-              <a:uFillTx/>
-              <a:latin typeface="Times New Roman"/>
-            </a:endParaRPr>
-          </a:p>
-        </p:txBody>
-      </p:sp>
-      <p:sp>
-        <p:nvSpPr>
-          <p:cNvPr id="38" name="PlaceHolder 4"/>
+          <p:cNvPr id="43" name="PlaceHolder 1"/>
           <p:cNvSpPr>
             <a:spLocks noGrp="1"/>
           </p:cNvSpPr>
@@ -2453,7 +2327,7 @@
         <p:spPr>
           <a:xfrm>
             <a:off x="8472600" y="4663080"/>
-            <a:ext cx="547560" cy="392400"/>
+            <a:ext cx="547200" cy="392040"/>
           </a:xfrm>
           <a:prstGeom prst="rect">
             <a:avLst/>
@@ -2497,7 +2371,7 @@
                 <a:tab algn="l" pos="0"/>
               </a:tabLst>
             </a:pPr>
-            <a:fld id="{7358F3F2-1B1F-4B01-A819-9744ADF56581}" type="slidenum">
+            <a:fld id="{BD66FFC4-1949-4660-A4B8-FCB6009CF654}" type="slidenum">
               <a:rPr b="0" lang="en" sz="1000" strike="noStrike" u="none">
                 <a:solidFill>
                   <a:schemeClr val="dk2"/>
@@ -2507,7 +2381,7 @@
                 <a:latin typeface="Arial"/>
                 <a:ea typeface="Arial"/>
               </a:rPr>
-              <a:t>&lt;number&gt;</a:t>
+              <a:t>1</a:t>
             </a:fld>
             <a:endParaRPr b="0" lang="en-US" sz="1000" strike="noStrike" u="none">
               <a:solidFill>
@@ -2555,60 +2429,7 @@
       </p:grpSpPr>
       <p:sp>
         <p:nvSpPr>
-          <p:cNvPr id="42" name="PlaceHolder 1"/>
-          <p:cNvSpPr>
-            <a:spLocks noGrp="1"/>
-          </p:cNvSpPr>
-          <p:nvPr>
-            <p:ph type="title"/>
-          </p:nvPr>
-        </p:nvSpPr>
-        <p:spPr>
-          <a:xfrm>
-            <a:off x="311760" y="1632600"/>
-            <a:ext cx="8519400" cy="274680"/>
-          </a:xfrm>
-          <a:prstGeom prst="rect">
-            <a:avLst/>
-          </a:prstGeom>
-          <a:noFill/>
-          <a:ln w="0">
-            <a:noFill/>
-          </a:ln>
-        </p:spPr>
-        <p:txBody>
-          <a:bodyPr lIns="0" rIns="0" tIns="0" bIns="0" anchor="ctr">
-            <a:spAutoFit/>
-          </a:bodyPr>
-          <a:p>
-            <a:pPr indent="0">
-              <a:buNone/>
-            </a:pPr>
-            <a:r>
-              <a:rPr b="0" lang="en-US" sz="1800" strike="noStrike" u="none">
-                <a:solidFill>
-                  <a:srgbClr val="000000"/>
-                </a:solidFill>
-                <a:effectLst/>
-                <a:uFillTx/>
-                <a:latin typeface="Arial"/>
-              </a:rPr>
-              <a:t>Click to edit the title text format</a:t>
-            </a:r>
-            <a:endParaRPr b="0" lang="en-US" sz="1800" strike="noStrike" u="none">
-              <a:solidFill>
-                <a:srgbClr val="000000"/>
-              </a:solidFill>
-              <a:effectLst/>
-              <a:uFillTx/>
-              <a:latin typeface="Arial"/>
-            </a:endParaRPr>
-          </a:p>
-        </p:txBody>
-      </p:sp>
-      <p:sp>
-        <p:nvSpPr>
-          <p:cNvPr id="43" name="PlaceHolder 2"/>
+          <p:cNvPr id="44" name="PlaceHolder 1"/>
           <p:cNvSpPr>
             <a:spLocks noGrp="1"/>
           </p:cNvSpPr>
@@ -2619,7 +2440,7 @@
         <p:spPr>
           <a:xfrm>
             <a:off x="8472600" y="4663080"/>
-            <a:ext cx="547560" cy="392400"/>
+            <a:ext cx="547200" cy="392040"/>
           </a:xfrm>
           <a:prstGeom prst="rect">
             <a:avLst/>
@@ -2663,7 +2484,7 @@
                 <a:tab algn="l" pos="0"/>
               </a:tabLst>
             </a:pPr>
-            <a:fld id="{A6C682C0-6DC2-4FC4-AAE5-2F0F8B2E8CB0}" type="slidenum">
+            <a:fld id="{2D61B300-B6C8-418E-B8AE-D5A638879104}" type="slidenum">
               <a:rPr b="0" lang="en" sz="1000" strike="noStrike" u="none">
                 <a:solidFill>
                   <a:schemeClr val="dk2"/>
@@ -2732,7 +2553,7 @@
         <p:spPr>
           <a:xfrm>
             <a:off x="8472600" y="4663080"/>
-            <a:ext cx="547560" cy="392400"/>
+            <a:ext cx="547200" cy="392040"/>
           </a:xfrm>
           <a:prstGeom prst="rect">
             <a:avLst/>
@@ -2776,7 +2597,7 @@
                 <a:tab algn="l" pos="0"/>
               </a:tabLst>
             </a:pPr>
-            <a:fld id="{ED58A699-EA36-4FAB-B698-3065BD31EC27}" type="slidenum">
+            <a:fld id="{0078D661-665C-4317-A03B-697B0367D5CC}" type="slidenum">
               <a:rPr b="0" lang="en" sz="1000" strike="noStrike" u="none">
                 <a:solidFill>
                   <a:schemeClr val="dk2"/>
@@ -2839,13 +2660,319 @@
             <a:spLocks noGrp="1"/>
           </p:cNvSpPr>
           <p:nvPr>
+            <p:ph type="title"/>
+          </p:nvPr>
+        </p:nvSpPr>
+        <p:spPr>
+          <a:xfrm>
+            <a:off x="311760" y="1632240"/>
+            <a:ext cx="8519040" cy="274680"/>
+          </a:xfrm>
+          <a:prstGeom prst="rect">
+            <a:avLst/>
+          </a:prstGeom>
+          <a:noFill/>
+          <a:ln w="0">
+            <a:noFill/>
+          </a:ln>
+        </p:spPr>
+        <p:txBody>
+          <a:bodyPr lIns="0" rIns="0" tIns="0" bIns="0" anchor="ctr">
+            <a:spAutoFit/>
+          </a:bodyPr>
+          <a:p>
+            <a:pPr indent="0">
+              <a:buNone/>
+            </a:pPr>
+            <a:r>
+              <a:rPr b="0" lang="en-US" sz="1800" strike="noStrike" u="none">
+                <a:solidFill>
+                  <a:srgbClr val="000000"/>
+                </a:solidFill>
+                <a:effectLst/>
+                <a:uFillTx/>
+                <a:latin typeface="Arial"/>
+              </a:rPr>
+              <a:t>Click to edit the title text format</a:t>
+            </a:r>
+            <a:endParaRPr b="0" lang="en-US" sz="1800" strike="noStrike" u="none">
+              <a:solidFill>
+                <a:srgbClr val="000000"/>
+              </a:solidFill>
+              <a:effectLst/>
+              <a:uFillTx/>
+              <a:latin typeface="Arial"/>
+            </a:endParaRPr>
+          </a:p>
+        </p:txBody>
+      </p:sp>
+      <p:sp>
+        <p:nvSpPr>
+          <p:cNvPr id="47" name="PlaceHolder 2"/>
+          <p:cNvSpPr>
+            <a:spLocks noGrp="1"/>
+          </p:cNvSpPr>
+          <p:nvPr>
+            <p:ph type="body"/>
+          </p:nvPr>
+        </p:nvSpPr>
+        <p:spPr>
+          <a:xfrm>
+            <a:off x="457200" y="1203480"/>
+            <a:ext cx="8228880" cy="2982600"/>
+          </a:xfrm>
+          <a:prstGeom prst="rect">
+            <a:avLst/>
+          </a:prstGeom>
+          <a:noFill/>
+          <a:ln w="0">
+            <a:noFill/>
+          </a:ln>
+        </p:spPr>
+        <p:txBody>
+          <a:bodyPr lIns="0" rIns="0" tIns="0" bIns="0" anchor="t">
+            <a:normAutofit/>
+          </a:bodyPr>
+          <a:p>
+            <a:pPr marL="432000" indent="-324000">
+              <a:spcBef>
+                <a:spcPts val="1417"/>
+              </a:spcBef>
+              <a:buClr>
+                <a:srgbClr val="000000"/>
+              </a:buClr>
+              <a:buSzPct val="45000"/>
+              <a:buFont typeface="Wingdings" charset="2"/>
+              <a:buChar char=""/>
+            </a:pPr>
+            <a:r>
+              <a:rPr b="0" lang="en-US" sz="1800" strike="noStrike" u="none">
+                <a:solidFill>
+                  <a:srgbClr val="000000"/>
+                </a:solidFill>
+                <a:effectLst/>
+                <a:uFillTx/>
+                <a:latin typeface="Arial"/>
+              </a:rPr>
+              <a:t>Click to edit the outline text format</a:t>
+            </a:r>
+            <a:endParaRPr b="0" lang="en-US" sz="1800" strike="noStrike" u="none">
+              <a:solidFill>
+                <a:srgbClr val="000000"/>
+              </a:solidFill>
+              <a:effectLst/>
+              <a:uFillTx/>
+              <a:latin typeface="Arial"/>
+            </a:endParaRPr>
+          </a:p>
+          <a:p>
+            <a:pPr lvl="1" marL="432000" indent="-216000">
+              <a:spcBef>
+                <a:spcPts val="1134"/>
+              </a:spcBef>
+              <a:buClr>
+                <a:srgbClr val="000000"/>
+              </a:buClr>
+              <a:buSzPct val="45000"/>
+              <a:buFont typeface="Wingdings" charset="2"/>
+              <a:buChar char=""/>
+            </a:pPr>
+            <a:r>
+              <a:rPr b="0" lang="en-US" sz="1800" strike="noStrike" u="none">
+                <a:solidFill>
+                  <a:srgbClr val="000000"/>
+                </a:solidFill>
+                <a:effectLst/>
+                <a:uFillTx/>
+                <a:latin typeface="Times New Roman"/>
+              </a:rPr>
+              <a:t>Second Outline Level</a:t>
+            </a:r>
+            <a:endParaRPr b="0" lang="en-US" sz="1800" strike="noStrike" u="none">
+              <a:solidFill>
+                <a:srgbClr val="000000"/>
+              </a:solidFill>
+              <a:effectLst/>
+              <a:uFillTx/>
+              <a:latin typeface="Times New Roman"/>
+            </a:endParaRPr>
+          </a:p>
+          <a:p>
+            <a:pPr lvl="2" marL="648000" indent="-216000">
+              <a:spcBef>
+                <a:spcPts val="850"/>
+              </a:spcBef>
+              <a:buClr>
+                <a:srgbClr val="000000"/>
+              </a:buClr>
+              <a:buSzPct val="45000"/>
+              <a:buFont typeface="Wingdings" charset="2"/>
+              <a:buChar char=""/>
+            </a:pPr>
+            <a:r>
+              <a:rPr b="0" lang="en-US" sz="1800" strike="noStrike" u="none">
+                <a:solidFill>
+                  <a:srgbClr val="000000"/>
+                </a:solidFill>
+                <a:effectLst/>
+                <a:uFillTx/>
+                <a:latin typeface="Times New Roman"/>
+              </a:rPr>
+              <a:t>Third Outline Level</a:t>
+            </a:r>
+            <a:endParaRPr b="0" lang="en-US" sz="1800" strike="noStrike" u="none">
+              <a:solidFill>
+                <a:srgbClr val="000000"/>
+              </a:solidFill>
+              <a:effectLst/>
+              <a:uFillTx/>
+              <a:latin typeface="Times New Roman"/>
+            </a:endParaRPr>
+          </a:p>
+          <a:p>
+            <a:pPr lvl="3" marL="864000" indent="-216000">
+              <a:spcBef>
+                <a:spcPts val="567"/>
+              </a:spcBef>
+              <a:buClr>
+                <a:srgbClr val="000000"/>
+              </a:buClr>
+              <a:buSzPct val="45000"/>
+              <a:buFont typeface="Wingdings" charset="2"/>
+              <a:buChar char=""/>
+            </a:pPr>
+            <a:r>
+              <a:rPr b="0" lang="en-US" sz="1800" strike="noStrike" u="none">
+                <a:solidFill>
+                  <a:srgbClr val="000000"/>
+                </a:solidFill>
+                <a:effectLst/>
+                <a:uFillTx/>
+                <a:latin typeface="Times New Roman"/>
+              </a:rPr>
+              <a:t>Fourth Outline Level</a:t>
+            </a:r>
+            <a:endParaRPr b="0" lang="en-US" sz="1800" strike="noStrike" u="none">
+              <a:solidFill>
+                <a:srgbClr val="000000"/>
+              </a:solidFill>
+              <a:effectLst/>
+              <a:uFillTx/>
+              <a:latin typeface="Times New Roman"/>
+            </a:endParaRPr>
+          </a:p>
+          <a:p>
+            <a:pPr lvl="4" marL="1080000" indent="-216000">
+              <a:spcBef>
+                <a:spcPts val="283"/>
+              </a:spcBef>
+              <a:buClr>
+                <a:srgbClr val="000000"/>
+              </a:buClr>
+              <a:buSzPct val="45000"/>
+              <a:buFont typeface="Wingdings" charset="2"/>
+              <a:buChar char=""/>
+            </a:pPr>
+            <a:r>
+              <a:rPr b="0" lang="en-US" sz="1800" strike="noStrike" u="none">
+                <a:solidFill>
+                  <a:srgbClr val="000000"/>
+                </a:solidFill>
+                <a:effectLst/>
+                <a:uFillTx/>
+                <a:latin typeface="Times New Roman"/>
+              </a:rPr>
+              <a:t>Fifth Outline Level</a:t>
+            </a:r>
+            <a:endParaRPr b="0" lang="en-US" sz="1800" strike="noStrike" u="none">
+              <a:solidFill>
+                <a:srgbClr val="000000"/>
+              </a:solidFill>
+              <a:effectLst/>
+              <a:uFillTx/>
+              <a:latin typeface="Times New Roman"/>
+            </a:endParaRPr>
+          </a:p>
+          <a:p>
+            <a:pPr lvl="5" marL="1296000" indent="-216000">
+              <a:spcBef>
+                <a:spcPts val="283"/>
+              </a:spcBef>
+              <a:buClr>
+                <a:srgbClr val="000000"/>
+              </a:buClr>
+              <a:buSzPct val="45000"/>
+              <a:buFont typeface="Wingdings" charset="2"/>
+              <a:buChar char=""/>
+            </a:pPr>
+            <a:r>
+              <a:rPr b="0" lang="en-US" sz="1800" strike="noStrike" u="none">
+                <a:solidFill>
+                  <a:srgbClr val="000000"/>
+                </a:solidFill>
+                <a:effectLst/>
+                <a:uFillTx/>
+                <a:latin typeface="Times New Roman"/>
+              </a:rPr>
+              <a:t>Sixth Outline Level</a:t>
+            </a:r>
+            <a:endParaRPr b="0" lang="en-US" sz="1800" strike="noStrike" u="none">
+              <a:solidFill>
+                <a:srgbClr val="000000"/>
+              </a:solidFill>
+              <a:effectLst/>
+              <a:uFillTx/>
+              <a:latin typeface="Times New Roman"/>
+            </a:endParaRPr>
+          </a:p>
+          <a:p>
+            <a:pPr lvl="6" marL="1512000" indent="-216000">
+              <a:spcBef>
+                <a:spcPts val="283"/>
+              </a:spcBef>
+              <a:buClr>
+                <a:srgbClr val="000000"/>
+              </a:buClr>
+              <a:buSzPct val="45000"/>
+              <a:buFont typeface="Wingdings" charset="2"/>
+              <a:buChar char=""/>
+            </a:pPr>
+            <a:r>
+              <a:rPr b="0" lang="en-US" sz="1800" strike="noStrike" u="none">
+                <a:solidFill>
+                  <a:srgbClr val="000000"/>
+                </a:solidFill>
+                <a:effectLst/>
+                <a:uFillTx/>
+                <a:latin typeface="Times New Roman"/>
+              </a:rPr>
+              <a:t>Seventh Outline Level</a:t>
+            </a:r>
+            <a:endParaRPr b="0" lang="en-US" sz="1800" strike="noStrike" u="none">
+              <a:solidFill>
+                <a:srgbClr val="000000"/>
+              </a:solidFill>
+              <a:effectLst/>
+              <a:uFillTx/>
+              <a:latin typeface="Times New Roman"/>
+            </a:endParaRPr>
+          </a:p>
+        </p:txBody>
+      </p:sp>
+      <p:sp>
+        <p:nvSpPr>
+          <p:cNvPr id="48" name="PlaceHolder 3"/>
+          <p:cNvSpPr>
+            <a:spLocks noGrp="1"/>
+          </p:cNvSpPr>
+          <p:nvPr>
             <p:ph type="sldNum" idx="13"/>
           </p:nvPr>
         </p:nvSpPr>
         <p:spPr>
           <a:xfrm>
             <a:off x="8472600" y="4663080"/>
-            <a:ext cx="547560" cy="392400"/>
+            <a:ext cx="547200" cy="392040"/>
           </a:xfrm>
           <a:prstGeom prst="rect">
             <a:avLst/>
@@ -2889,7 +3016,7 @@
                 <a:tab algn="l" pos="0"/>
               </a:tabLst>
             </a:pPr>
-            <a:fld id="{4F1FBFAE-561B-475E-A887-A750C5312FE0}" type="slidenum">
+            <a:fld id="{B9DB5633-4EBC-4940-8649-AD4F9C757A4D}" type="slidenum">
               <a:rPr b="0" lang="en" sz="1000" strike="noStrike" u="none">
                 <a:solidFill>
                   <a:schemeClr val="dk2"/>
@@ -2899,7 +3026,7 @@
                 <a:latin typeface="Arial"/>
                 <a:ea typeface="Arial"/>
               </a:rPr>
-              <a:t>1</a:t>
+              <a:t>&lt;number&gt;</a:t>
             </a:fld>
             <a:endParaRPr b="0" lang="en-US" sz="1000" strike="noStrike" u="none">
               <a:solidFill>
@@ -2947,45 +3074,47 @@
       </p:grpSpPr>
       <p:sp>
         <p:nvSpPr>
-          <p:cNvPr id="47" name="Google Shape;36;p9"/>
-          <p:cNvSpPr/>
-          <p:nvPr/>
+          <p:cNvPr id="51" name="PlaceHolder 1"/>
+          <p:cNvSpPr>
+            <a:spLocks noGrp="1"/>
+          </p:cNvSpPr>
+          <p:nvPr>
+            <p:ph type="title"/>
+          </p:nvPr>
         </p:nvSpPr>
         <p:spPr>
           <a:xfrm>
-            <a:off x="4572000" y="0"/>
-            <a:ext cx="4570920" cy="5142600"/>
+            <a:off x="311760" y="1632240"/>
+            <a:ext cx="8519040" cy="274680"/>
           </a:xfrm>
           <a:prstGeom prst="rect">
             <a:avLst/>
           </a:prstGeom>
-          <a:solidFill>
-            <a:schemeClr val="lt2"/>
-          </a:solidFill>
+          <a:noFill/>
           <a:ln w="0">
             <a:noFill/>
           </a:ln>
         </p:spPr>
-        <p:style>
-          <a:lnRef idx="0"/>
-          <a:fillRef idx="0"/>
-          <a:effectRef idx="0"/>
-          <a:fontRef idx="minor"/>
-        </p:style>
         <p:txBody>
-          <a:bodyPr lIns="90000" rIns="90000" tIns="91440" bIns="91440" anchor="ctr">
-            <a:noAutofit/>
+          <a:bodyPr lIns="0" rIns="0" tIns="0" bIns="0" anchor="ctr">
+            <a:spAutoFit/>
           </a:bodyPr>
           <a:p>
-            <a:pPr>
-              <a:lnSpc>
-                <a:spcPct val="100000"/>
-              </a:lnSpc>
-              <a:tabLst>
-                <a:tab algn="l" pos="0"/>
-              </a:tabLst>
-            </a:pPr>
-            <a:endParaRPr b="0" lang="en-US" sz="1400" strike="noStrike" u="none">
+            <a:pPr indent="0">
+              <a:buNone/>
+            </a:pPr>
+            <a:r>
+              <a:rPr b="0" lang="en-US" sz="1800" strike="noStrike" u="none">
+                <a:solidFill>
+                  <a:srgbClr val="000000"/>
+                </a:solidFill>
+                <a:effectLst/>
+                <a:uFillTx/>
+                <a:latin typeface="Arial"/>
+              </a:rPr>
+              <a:t>Click to edit the title text format</a:t>
+            </a:r>
+            <a:endParaRPr b="0" lang="en-US" sz="1800" strike="noStrike" u="none">
               <a:solidFill>
                 <a:srgbClr val="000000"/>
               </a:solidFill>
@@ -2998,7 +3127,513 @@
       </p:sp>
       <p:sp>
         <p:nvSpPr>
-          <p:cNvPr id="48" name="PlaceHolder 1"/>
+          <p:cNvPr id="52" name="PlaceHolder 2"/>
+          <p:cNvSpPr>
+            <a:spLocks noGrp="1"/>
+          </p:cNvSpPr>
+          <p:nvPr>
+            <p:ph type="body"/>
+          </p:nvPr>
+        </p:nvSpPr>
+        <p:spPr>
+          <a:xfrm>
+            <a:off x="457200" y="1203480"/>
+            <a:ext cx="4015440" cy="2982600"/>
+          </a:xfrm>
+          <a:prstGeom prst="rect">
+            <a:avLst/>
+          </a:prstGeom>
+          <a:noFill/>
+          <a:ln w="0">
+            <a:noFill/>
+          </a:ln>
+        </p:spPr>
+        <p:txBody>
+          <a:bodyPr lIns="0" rIns="0" tIns="0" bIns="0" anchor="t">
+            <a:normAutofit/>
+          </a:bodyPr>
+          <a:p>
+            <a:pPr marL="432000" indent="-324000">
+              <a:spcBef>
+                <a:spcPts val="1417"/>
+              </a:spcBef>
+              <a:buClr>
+                <a:srgbClr val="000000"/>
+              </a:buClr>
+              <a:buSzPct val="45000"/>
+              <a:buFont typeface="Wingdings" charset="2"/>
+              <a:buChar char=""/>
+            </a:pPr>
+            <a:r>
+              <a:rPr b="0" lang="en-US" sz="1800" strike="noStrike" u="none">
+                <a:solidFill>
+                  <a:srgbClr val="000000"/>
+                </a:solidFill>
+                <a:effectLst/>
+                <a:uFillTx/>
+                <a:latin typeface="Arial"/>
+              </a:rPr>
+              <a:t>Click to edit the outline text format</a:t>
+            </a:r>
+            <a:endParaRPr b="0" lang="en-US" sz="1800" strike="noStrike" u="none">
+              <a:solidFill>
+                <a:srgbClr val="000000"/>
+              </a:solidFill>
+              <a:effectLst/>
+              <a:uFillTx/>
+              <a:latin typeface="Arial"/>
+            </a:endParaRPr>
+          </a:p>
+          <a:p>
+            <a:pPr lvl="1" marL="432000" indent="-216000">
+              <a:spcBef>
+                <a:spcPts val="1134"/>
+              </a:spcBef>
+              <a:buClr>
+                <a:srgbClr val="000000"/>
+              </a:buClr>
+              <a:buSzPct val="45000"/>
+              <a:buFont typeface="Wingdings" charset="2"/>
+              <a:buChar char=""/>
+            </a:pPr>
+            <a:r>
+              <a:rPr b="0" lang="en-US" sz="1800" strike="noStrike" u="none">
+                <a:solidFill>
+                  <a:srgbClr val="000000"/>
+                </a:solidFill>
+                <a:effectLst/>
+                <a:uFillTx/>
+                <a:latin typeface="Times New Roman"/>
+              </a:rPr>
+              <a:t>Second Outline Level</a:t>
+            </a:r>
+            <a:endParaRPr b="0" lang="en-US" sz="1800" strike="noStrike" u="none">
+              <a:solidFill>
+                <a:srgbClr val="000000"/>
+              </a:solidFill>
+              <a:effectLst/>
+              <a:uFillTx/>
+              <a:latin typeface="Times New Roman"/>
+            </a:endParaRPr>
+          </a:p>
+          <a:p>
+            <a:pPr lvl="2" marL="648000" indent="-216000">
+              <a:spcBef>
+                <a:spcPts val="850"/>
+              </a:spcBef>
+              <a:buClr>
+                <a:srgbClr val="000000"/>
+              </a:buClr>
+              <a:buSzPct val="45000"/>
+              <a:buFont typeface="Wingdings" charset="2"/>
+              <a:buChar char=""/>
+            </a:pPr>
+            <a:r>
+              <a:rPr b="0" lang="en-US" sz="1800" strike="noStrike" u="none">
+                <a:solidFill>
+                  <a:srgbClr val="000000"/>
+                </a:solidFill>
+                <a:effectLst/>
+                <a:uFillTx/>
+                <a:latin typeface="Times New Roman"/>
+              </a:rPr>
+              <a:t>Third Outline Level</a:t>
+            </a:r>
+            <a:endParaRPr b="0" lang="en-US" sz="1800" strike="noStrike" u="none">
+              <a:solidFill>
+                <a:srgbClr val="000000"/>
+              </a:solidFill>
+              <a:effectLst/>
+              <a:uFillTx/>
+              <a:latin typeface="Times New Roman"/>
+            </a:endParaRPr>
+          </a:p>
+          <a:p>
+            <a:pPr lvl="3" marL="864000" indent="-216000">
+              <a:spcBef>
+                <a:spcPts val="567"/>
+              </a:spcBef>
+              <a:buClr>
+                <a:srgbClr val="000000"/>
+              </a:buClr>
+              <a:buSzPct val="45000"/>
+              <a:buFont typeface="Wingdings" charset="2"/>
+              <a:buChar char=""/>
+            </a:pPr>
+            <a:r>
+              <a:rPr b="0" lang="en-US" sz="1800" strike="noStrike" u="none">
+                <a:solidFill>
+                  <a:srgbClr val="000000"/>
+                </a:solidFill>
+                <a:effectLst/>
+                <a:uFillTx/>
+                <a:latin typeface="Times New Roman"/>
+              </a:rPr>
+              <a:t>Fourth Outline Level</a:t>
+            </a:r>
+            <a:endParaRPr b="0" lang="en-US" sz="1800" strike="noStrike" u="none">
+              <a:solidFill>
+                <a:srgbClr val="000000"/>
+              </a:solidFill>
+              <a:effectLst/>
+              <a:uFillTx/>
+              <a:latin typeface="Times New Roman"/>
+            </a:endParaRPr>
+          </a:p>
+          <a:p>
+            <a:pPr lvl="4" marL="1080000" indent="-216000">
+              <a:spcBef>
+                <a:spcPts val="283"/>
+              </a:spcBef>
+              <a:buClr>
+                <a:srgbClr val="000000"/>
+              </a:buClr>
+              <a:buSzPct val="45000"/>
+              <a:buFont typeface="Wingdings" charset="2"/>
+              <a:buChar char=""/>
+            </a:pPr>
+            <a:r>
+              <a:rPr b="0" lang="en-US" sz="1800" strike="noStrike" u="none">
+                <a:solidFill>
+                  <a:srgbClr val="000000"/>
+                </a:solidFill>
+                <a:effectLst/>
+                <a:uFillTx/>
+                <a:latin typeface="Times New Roman"/>
+              </a:rPr>
+              <a:t>Fifth Outline Level</a:t>
+            </a:r>
+            <a:endParaRPr b="0" lang="en-US" sz="1800" strike="noStrike" u="none">
+              <a:solidFill>
+                <a:srgbClr val="000000"/>
+              </a:solidFill>
+              <a:effectLst/>
+              <a:uFillTx/>
+              <a:latin typeface="Times New Roman"/>
+            </a:endParaRPr>
+          </a:p>
+          <a:p>
+            <a:pPr lvl="5" marL="1296000" indent="-216000">
+              <a:spcBef>
+                <a:spcPts val="283"/>
+              </a:spcBef>
+              <a:buClr>
+                <a:srgbClr val="000000"/>
+              </a:buClr>
+              <a:buSzPct val="45000"/>
+              <a:buFont typeface="Wingdings" charset="2"/>
+              <a:buChar char=""/>
+            </a:pPr>
+            <a:r>
+              <a:rPr b="0" lang="en-US" sz="1800" strike="noStrike" u="none">
+                <a:solidFill>
+                  <a:srgbClr val="000000"/>
+                </a:solidFill>
+                <a:effectLst/>
+                <a:uFillTx/>
+                <a:latin typeface="Times New Roman"/>
+              </a:rPr>
+              <a:t>Sixth Outline Level</a:t>
+            </a:r>
+            <a:endParaRPr b="0" lang="en-US" sz="1800" strike="noStrike" u="none">
+              <a:solidFill>
+                <a:srgbClr val="000000"/>
+              </a:solidFill>
+              <a:effectLst/>
+              <a:uFillTx/>
+              <a:latin typeface="Times New Roman"/>
+            </a:endParaRPr>
+          </a:p>
+          <a:p>
+            <a:pPr lvl="6" marL="1512000" indent="-216000">
+              <a:spcBef>
+                <a:spcPts val="283"/>
+              </a:spcBef>
+              <a:buClr>
+                <a:srgbClr val="000000"/>
+              </a:buClr>
+              <a:buSzPct val="45000"/>
+              <a:buFont typeface="Wingdings" charset="2"/>
+              <a:buChar char=""/>
+            </a:pPr>
+            <a:r>
+              <a:rPr b="0" lang="en-US" sz="1800" strike="noStrike" u="none">
+                <a:solidFill>
+                  <a:srgbClr val="000000"/>
+                </a:solidFill>
+                <a:effectLst/>
+                <a:uFillTx/>
+                <a:latin typeface="Times New Roman"/>
+              </a:rPr>
+              <a:t>Seventh Outline Level</a:t>
+            </a:r>
+            <a:endParaRPr b="0" lang="en-US" sz="1800" strike="noStrike" u="none">
+              <a:solidFill>
+                <a:srgbClr val="000000"/>
+              </a:solidFill>
+              <a:effectLst/>
+              <a:uFillTx/>
+              <a:latin typeface="Times New Roman"/>
+            </a:endParaRPr>
+          </a:p>
+        </p:txBody>
+      </p:sp>
+      <p:sp>
+        <p:nvSpPr>
+          <p:cNvPr id="53" name="PlaceHolder 3"/>
+          <p:cNvSpPr>
+            <a:spLocks noGrp="1"/>
+          </p:cNvSpPr>
+          <p:nvPr>
+            <p:ph type="body"/>
+          </p:nvPr>
+        </p:nvSpPr>
+        <p:spPr>
+          <a:xfrm>
+            <a:off x="4674240" y="1203480"/>
+            <a:ext cx="4015440" cy="2982600"/>
+          </a:xfrm>
+          <a:prstGeom prst="rect">
+            <a:avLst/>
+          </a:prstGeom>
+          <a:noFill/>
+          <a:ln w="0">
+            <a:noFill/>
+          </a:ln>
+        </p:spPr>
+        <p:txBody>
+          <a:bodyPr lIns="0" rIns="0" tIns="0" bIns="0" anchor="t">
+            <a:normAutofit/>
+          </a:bodyPr>
+          <a:p>
+            <a:pPr marL="432000" indent="-324000">
+              <a:spcBef>
+                <a:spcPts val="1417"/>
+              </a:spcBef>
+              <a:buClr>
+                <a:srgbClr val="000000"/>
+              </a:buClr>
+              <a:buSzPct val="45000"/>
+              <a:buFont typeface="Wingdings" charset="2"/>
+              <a:buChar char=""/>
+            </a:pPr>
+            <a:r>
+              <a:rPr b="0" lang="en-US" sz="1800" strike="noStrike" u="none">
+                <a:solidFill>
+                  <a:srgbClr val="000000"/>
+                </a:solidFill>
+                <a:effectLst/>
+                <a:uFillTx/>
+                <a:latin typeface="Arial"/>
+              </a:rPr>
+              <a:t>Click to edit the outline text format</a:t>
+            </a:r>
+            <a:endParaRPr b="0" lang="en-US" sz="1800" strike="noStrike" u="none">
+              <a:solidFill>
+                <a:srgbClr val="000000"/>
+              </a:solidFill>
+              <a:effectLst/>
+              <a:uFillTx/>
+              <a:latin typeface="Arial"/>
+            </a:endParaRPr>
+          </a:p>
+          <a:p>
+            <a:pPr lvl="1" marL="432000" indent="-216000">
+              <a:spcBef>
+                <a:spcPts val="1134"/>
+              </a:spcBef>
+              <a:buClr>
+                <a:srgbClr val="000000"/>
+              </a:buClr>
+              <a:buSzPct val="45000"/>
+              <a:buFont typeface="Wingdings" charset="2"/>
+              <a:buChar char=""/>
+            </a:pPr>
+            <a:r>
+              <a:rPr b="0" lang="en-US" sz="1800" strike="noStrike" u="none">
+                <a:solidFill>
+                  <a:srgbClr val="000000"/>
+                </a:solidFill>
+                <a:effectLst/>
+                <a:uFillTx/>
+                <a:latin typeface="Times New Roman"/>
+              </a:rPr>
+              <a:t>Second Outline Level</a:t>
+            </a:r>
+            <a:endParaRPr b="0" lang="en-US" sz="1800" strike="noStrike" u="none">
+              <a:solidFill>
+                <a:srgbClr val="000000"/>
+              </a:solidFill>
+              <a:effectLst/>
+              <a:uFillTx/>
+              <a:latin typeface="Times New Roman"/>
+            </a:endParaRPr>
+          </a:p>
+          <a:p>
+            <a:pPr lvl="2" marL="648000" indent="-216000">
+              <a:spcBef>
+                <a:spcPts val="850"/>
+              </a:spcBef>
+              <a:buClr>
+                <a:srgbClr val="000000"/>
+              </a:buClr>
+              <a:buSzPct val="45000"/>
+              <a:buFont typeface="Wingdings" charset="2"/>
+              <a:buChar char=""/>
+            </a:pPr>
+            <a:r>
+              <a:rPr b="0" lang="en-US" sz="1800" strike="noStrike" u="none">
+                <a:solidFill>
+                  <a:srgbClr val="000000"/>
+                </a:solidFill>
+                <a:effectLst/>
+                <a:uFillTx/>
+                <a:latin typeface="Times New Roman"/>
+              </a:rPr>
+              <a:t>Third Outline Level</a:t>
+            </a:r>
+            <a:endParaRPr b="0" lang="en-US" sz="1800" strike="noStrike" u="none">
+              <a:solidFill>
+                <a:srgbClr val="000000"/>
+              </a:solidFill>
+              <a:effectLst/>
+              <a:uFillTx/>
+              <a:latin typeface="Times New Roman"/>
+            </a:endParaRPr>
+          </a:p>
+          <a:p>
+            <a:pPr lvl="3" marL="864000" indent="-216000">
+              <a:spcBef>
+                <a:spcPts val="567"/>
+              </a:spcBef>
+              <a:buClr>
+                <a:srgbClr val="000000"/>
+              </a:buClr>
+              <a:buSzPct val="45000"/>
+              <a:buFont typeface="Wingdings" charset="2"/>
+              <a:buChar char=""/>
+            </a:pPr>
+            <a:r>
+              <a:rPr b="0" lang="en-US" sz="1800" strike="noStrike" u="none">
+                <a:solidFill>
+                  <a:srgbClr val="000000"/>
+                </a:solidFill>
+                <a:effectLst/>
+                <a:uFillTx/>
+                <a:latin typeface="Times New Roman"/>
+              </a:rPr>
+              <a:t>Fourth Outline Level</a:t>
+            </a:r>
+            <a:endParaRPr b="0" lang="en-US" sz="1800" strike="noStrike" u="none">
+              <a:solidFill>
+                <a:srgbClr val="000000"/>
+              </a:solidFill>
+              <a:effectLst/>
+              <a:uFillTx/>
+              <a:latin typeface="Times New Roman"/>
+            </a:endParaRPr>
+          </a:p>
+          <a:p>
+            <a:pPr lvl="4" marL="1080000" indent="-216000">
+              <a:spcBef>
+                <a:spcPts val="283"/>
+              </a:spcBef>
+              <a:buClr>
+                <a:srgbClr val="000000"/>
+              </a:buClr>
+              <a:buSzPct val="45000"/>
+              <a:buFont typeface="Wingdings" charset="2"/>
+              <a:buChar char=""/>
+            </a:pPr>
+            <a:r>
+              <a:rPr b="0" lang="en-US" sz="1800" strike="noStrike" u="none">
+                <a:solidFill>
+                  <a:srgbClr val="000000"/>
+                </a:solidFill>
+                <a:effectLst/>
+                <a:uFillTx/>
+                <a:latin typeface="Times New Roman"/>
+              </a:rPr>
+              <a:t>Fifth Outline Level</a:t>
+            </a:r>
+            <a:endParaRPr b="0" lang="en-US" sz="1800" strike="noStrike" u="none">
+              <a:solidFill>
+                <a:srgbClr val="000000"/>
+              </a:solidFill>
+              <a:effectLst/>
+              <a:uFillTx/>
+              <a:latin typeface="Times New Roman"/>
+            </a:endParaRPr>
+          </a:p>
+          <a:p>
+            <a:pPr lvl="5" marL="1296000" indent="-216000">
+              <a:spcBef>
+                <a:spcPts val="283"/>
+              </a:spcBef>
+              <a:buClr>
+                <a:srgbClr val="000000"/>
+              </a:buClr>
+              <a:buSzPct val="45000"/>
+              <a:buFont typeface="Wingdings" charset="2"/>
+              <a:buChar char=""/>
+            </a:pPr>
+            <a:r>
+              <a:rPr b="0" lang="en-US" sz="1800" strike="noStrike" u="none">
+                <a:solidFill>
+                  <a:srgbClr val="000000"/>
+                </a:solidFill>
+                <a:effectLst/>
+                <a:uFillTx/>
+                <a:latin typeface="Times New Roman"/>
+              </a:rPr>
+              <a:t>Sixth Outline Level</a:t>
+            </a:r>
+            <a:endParaRPr b="0" lang="en-US" sz="1800" strike="noStrike" u="none">
+              <a:solidFill>
+                <a:srgbClr val="000000"/>
+              </a:solidFill>
+              <a:effectLst/>
+              <a:uFillTx/>
+              <a:latin typeface="Times New Roman"/>
+            </a:endParaRPr>
+          </a:p>
+          <a:p>
+            <a:pPr lvl="6" marL="1512000" indent="-216000">
+              <a:spcBef>
+                <a:spcPts val="283"/>
+              </a:spcBef>
+              <a:buClr>
+                <a:srgbClr val="000000"/>
+              </a:buClr>
+              <a:buSzPct val="45000"/>
+              <a:buFont typeface="Wingdings" charset="2"/>
+              <a:buChar char=""/>
+            </a:pPr>
+            <a:r>
+              <a:rPr b="0" lang="en-US" sz="1800" strike="noStrike" u="none">
+                <a:solidFill>
+                  <a:srgbClr val="000000"/>
+                </a:solidFill>
+                <a:effectLst/>
+                <a:uFillTx/>
+                <a:latin typeface="Times New Roman"/>
+              </a:rPr>
+              <a:t>Seventh Outline Level</a:t>
+            </a:r>
+            <a:endParaRPr b="0" lang="en-US" sz="1800" strike="noStrike" u="none">
+              <a:solidFill>
+                <a:srgbClr val="000000"/>
+              </a:solidFill>
+              <a:effectLst/>
+              <a:uFillTx/>
+              <a:latin typeface="Times New Roman"/>
+            </a:endParaRPr>
+          </a:p>
+        </p:txBody>
+      </p:sp>
+      <p:sp>
+        <p:nvSpPr>
+          <p:cNvPr id="54" name="PlaceHolder 4"/>
           <p:cNvSpPr>
             <a:spLocks noGrp="1"/>
           </p:cNvSpPr>
@@ -3009,7 +3644,7 @@
         <p:spPr>
           <a:xfrm>
             <a:off x="8472600" y="4663080"/>
-            <a:ext cx="547560" cy="392400"/>
+            <a:ext cx="547200" cy="392040"/>
           </a:xfrm>
           <a:prstGeom prst="rect">
             <a:avLst/>
@@ -3053,7 +3688,7 @@
                 <a:tab algn="l" pos="0"/>
               </a:tabLst>
             </a:pPr>
-            <a:fld id="{DD807F83-009C-41E0-B818-5393B6FC29E9}" type="slidenum">
+            <a:fld id="{8B0A585C-968D-497C-ADD8-31494C139CBD}" type="slidenum">
               <a:rPr b="0" lang="en" sz="1000" strike="noStrike" u="none">
                 <a:solidFill>
                   <a:schemeClr val="dk2"/>
@@ -3063,7 +3698,7 @@
                 <a:latin typeface="Arial"/>
                 <a:ea typeface="Arial"/>
               </a:rPr>
-              <a:t>1</a:t>
+              <a:t>&lt;number&gt;</a:t>
             </a:fld>
             <a:endParaRPr b="0" lang="en-US" sz="1000" strike="noStrike" u="none">
               <a:solidFill>
@@ -3111,7 +3746,60 @@
       </p:grpSpPr>
       <p:sp>
         <p:nvSpPr>
-          <p:cNvPr id="49" name="PlaceHolder 1"/>
+          <p:cNvPr id="58" name="PlaceHolder 1"/>
+          <p:cNvSpPr>
+            <a:spLocks noGrp="1"/>
+          </p:cNvSpPr>
+          <p:nvPr>
+            <p:ph type="title"/>
+          </p:nvPr>
+        </p:nvSpPr>
+        <p:spPr>
+          <a:xfrm>
+            <a:off x="311760" y="1632240"/>
+            <a:ext cx="8519040" cy="274680"/>
+          </a:xfrm>
+          <a:prstGeom prst="rect">
+            <a:avLst/>
+          </a:prstGeom>
+          <a:noFill/>
+          <a:ln w="0">
+            <a:noFill/>
+          </a:ln>
+        </p:spPr>
+        <p:txBody>
+          <a:bodyPr lIns="0" rIns="0" tIns="0" bIns="0" anchor="ctr">
+            <a:spAutoFit/>
+          </a:bodyPr>
+          <a:p>
+            <a:pPr indent="0">
+              <a:buNone/>
+            </a:pPr>
+            <a:r>
+              <a:rPr b="0" lang="en-US" sz="1800" strike="noStrike" u="none">
+                <a:solidFill>
+                  <a:srgbClr val="000000"/>
+                </a:solidFill>
+                <a:effectLst/>
+                <a:uFillTx/>
+                <a:latin typeface="Arial"/>
+              </a:rPr>
+              <a:t>Click to edit the title text format</a:t>
+            </a:r>
+            <a:endParaRPr b="0" lang="en-US" sz="1800" strike="noStrike" u="none">
+              <a:solidFill>
+                <a:srgbClr val="000000"/>
+              </a:solidFill>
+              <a:effectLst/>
+              <a:uFillTx/>
+              <a:latin typeface="Arial"/>
+            </a:endParaRPr>
+          </a:p>
+        </p:txBody>
+      </p:sp>
+      <p:sp>
+        <p:nvSpPr>
+          <p:cNvPr id="59" name="PlaceHolder 2"/>
           <p:cNvSpPr>
             <a:spLocks noGrp="1"/>
           </p:cNvSpPr>
@@ -3122,7 +3810,7 @@
         <p:spPr>
           <a:xfrm>
             <a:off x="8472600" y="4663080"/>
-            <a:ext cx="547560" cy="392400"/>
+            <a:ext cx="547200" cy="392040"/>
           </a:xfrm>
           <a:prstGeom prst="rect">
             <a:avLst/>
@@ -3166,7 +3854,7 @@
                 <a:tab algn="l" pos="0"/>
               </a:tabLst>
             </a:pPr>
-            <a:fld id="{95CB2FF4-3213-4DDF-84D0-6E1E80A69027}" type="slidenum">
+            <a:fld id="{CADA4642-8B53-4888-BB86-D22EBA4FD492}" type="slidenum">
               <a:rPr b="0" lang="en" sz="1000" strike="noStrike" u="none">
                 <a:solidFill>
                   <a:schemeClr val="dk2"/>
@@ -3176,7 +3864,7 @@
                 <a:latin typeface="Arial"/>
                 <a:ea typeface="Arial"/>
               </a:rPr>
-              <a:t>1</a:t>
+              <a:t>&lt;number&gt;</a:t>
             </a:fld>
             <a:endParaRPr b="0" lang="en-US" sz="1000" strike="noStrike" u="none">
               <a:solidFill>
@@ -3194,6 +3882,509 @@
   <p:clrMap bg1="lt1" tx1="dk1" bg2="dk2" tx2="lt2" accent1="accent1" accent2="accent2" accent3="accent3" accent4="accent4" accent5="accent5" accent6="accent6" hlink="hlink" folHlink="folHlink"/>
   <p:sldLayoutIdLst>
     <p:sldLayoutId id="2147483681" r:id="rId2"/>
+  </p:sldLayoutIdLst>
+</p:sldMaster>
+</file>
+
+<file path=ppt/slideMasters/slideMaster16.xml><?xml version="1.0" encoding="utf-8"?>
+<p:sldMaster xmlns:a="http://schemas.openxmlformats.org/drawingml/2006/main" xmlns:p="http://schemas.openxmlformats.org/presentationml/2006/main" xmlns:r="http://schemas.openxmlformats.org/officeDocument/2006/relationships" xmlns:p14="http://schemas.microsoft.com/office/powerpoint/2010/main" xmlns:p15="http://schemas.microsoft.com/office/powerpoint/2012/main" xmlns:mc="http://schemas.openxmlformats.org/markup-compatibility/2006">
+  <p:cSld>
+    <p:bg>
+      <p:bgPr>
+        <a:solidFill>
+          <a:schemeClr val="lt1"/>
+        </a:solidFill>
+      </p:bgPr>
+    </p:bg>
+    <p:spTree>
+      <p:nvGrpSpPr>
+        <p:cNvPr id="1" name=""/>
+        <p:cNvGrpSpPr/>
+        <p:nvPr/>
+      </p:nvGrpSpPr>
+      <p:grpSpPr>
+        <a:xfrm>
+          <a:off x="0" y="0"/>
+          <a:ext cx="0" cy="0"/>
+          <a:chOff x="0" y="0"/>
+          <a:chExt cx="0" cy="0"/>
+        </a:xfrm>
+      </p:grpSpPr>
+      <p:sp>
+        <p:nvSpPr>
+          <p:cNvPr id="61" name="PlaceHolder 1"/>
+          <p:cNvSpPr>
+            <a:spLocks noGrp="1"/>
+          </p:cNvSpPr>
+          <p:nvPr>
+            <p:ph type="sldNum" idx="16"/>
+          </p:nvPr>
+        </p:nvSpPr>
+        <p:spPr>
+          <a:xfrm>
+            <a:off x="8472600" y="4663080"/>
+            <a:ext cx="547200" cy="392040"/>
+          </a:xfrm>
+          <a:prstGeom prst="rect">
+            <a:avLst/>
+          </a:prstGeom>
+          <a:noFill/>
+          <a:ln w="0">
+            <a:noFill/>
+          </a:ln>
+        </p:spPr>
+        <p:txBody>
+          <a:bodyPr lIns="91440" rIns="91440" tIns="91440" bIns="91440" anchor="ctr">
+            <a:noAutofit/>
+          </a:bodyPr>
+          <a:lstStyle>
+            <a:lvl1pPr indent="0" algn="r">
+              <a:lnSpc>
+                <a:spcPct val="100000"/>
+              </a:lnSpc>
+              <a:buNone/>
+              <a:tabLst>
+                <a:tab algn="l" pos="0"/>
+              </a:tabLst>
+              <a:defRPr b="0" lang="en" sz="1000" strike="noStrike" u="none">
+                <a:solidFill>
+                  <a:schemeClr val="dk2"/>
+                </a:solidFill>
+                <a:effectLst/>
+                <a:uFillTx/>
+                <a:latin typeface="Arial"/>
+                <a:ea typeface="Arial"/>
+              </a:defRPr>
+            </a:lvl1pPr>
+          </a:lstStyle>
+          <a:p>
+            <a:pPr indent="0" algn="r">
+              <a:lnSpc>
+                <a:spcPct val="100000"/>
+              </a:lnSpc>
+              <a:buNone/>
+              <a:tabLst>
+                <a:tab algn="l" pos="0"/>
+              </a:tabLst>
+            </a:pPr>
+            <a:fld id="{0C7E3E65-483D-4D27-9B0C-F0E81351EFD2}" type="slidenum">
+              <a:rPr b="0" lang="en" sz="1000" strike="noStrike" u="none">
+                <a:solidFill>
+                  <a:schemeClr val="dk2"/>
+                </a:solidFill>
+                <a:effectLst/>
+                <a:uFillTx/>
+                <a:latin typeface="Arial"/>
+                <a:ea typeface="Arial"/>
+              </a:rPr>
+              <a:t>&lt;number&gt;</a:t>
+            </a:fld>
+            <a:endParaRPr b="0" lang="en-US" sz="1000" strike="noStrike" u="none">
+              <a:solidFill>
+                <a:srgbClr val="000000"/>
+              </a:solidFill>
+              <a:effectLst/>
+              <a:uFillTx/>
+              <a:latin typeface="Times New Roman"/>
+            </a:endParaRPr>
+          </a:p>
+        </p:txBody>
+      </p:sp>
+    </p:spTree>
+  </p:cSld>
+  <p:clrMap bg1="lt1" tx1="dk1" bg2="dk2" tx2="lt2" accent1="accent1" accent2="accent2" accent3="accent3" accent4="accent4" accent5="accent5" accent6="accent6" hlink="hlink" folHlink="folHlink"/>
+  <p:sldLayoutIdLst>
+    <p:sldLayoutId id="2147483683" r:id="rId2"/>
+  </p:sldLayoutIdLst>
+</p:sldMaster>
+</file>
+
+<file path=ppt/slideMasters/slideMaster17.xml><?xml version="1.0" encoding="utf-8"?>
+<p:sldMaster xmlns:a="http://schemas.openxmlformats.org/drawingml/2006/main" xmlns:p="http://schemas.openxmlformats.org/presentationml/2006/main" xmlns:r="http://schemas.openxmlformats.org/officeDocument/2006/relationships" xmlns:p14="http://schemas.microsoft.com/office/powerpoint/2010/main" xmlns:p15="http://schemas.microsoft.com/office/powerpoint/2012/main" xmlns:mc="http://schemas.openxmlformats.org/markup-compatibility/2006">
+  <p:cSld>
+    <p:bg>
+      <p:bgPr>
+        <a:solidFill>
+          <a:schemeClr val="lt1"/>
+        </a:solidFill>
+      </p:bgPr>
+    </p:bg>
+    <p:spTree>
+      <p:nvGrpSpPr>
+        <p:cNvPr id="1" name=""/>
+        <p:cNvGrpSpPr/>
+        <p:nvPr/>
+      </p:nvGrpSpPr>
+      <p:grpSpPr>
+        <a:xfrm>
+          <a:off x="0" y="0"/>
+          <a:ext cx="0" cy="0"/>
+          <a:chOff x="0" y="0"/>
+          <a:chExt cx="0" cy="0"/>
+        </a:xfrm>
+      </p:grpSpPr>
+      <p:sp>
+        <p:nvSpPr>
+          <p:cNvPr id="62" name="PlaceHolder 1"/>
+          <p:cNvSpPr>
+            <a:spLocks noGrp="1"/>
+          </p:cNvSpPr>
+          <p:nvPr>
+            <p:ph type="sldNum" idx="17"/>
+          </p:nvPr>
+        </p:nvSpPr>
+        <p:spPr>
+          <a:xfrm>
+            <a:off x="8472600" y="4663080"/>
+            <a:ext cx="547200" cy="392040"/>
+          </a:xfrm>
+          <a:prstGeom prst="rect">
+            <a:avLst/>
+          </a:prstGeom>
+          <a:noFill/>
+          <a:ln w="0">
+            <a:noFill/>
+          </a:ln>
+        </p:spPr>
+        <p:txBody>
+          <a:bodyPr lIns="91440" rIns="91440" tIns="91440" bIns="91440" anchor="ctr">
+            <a:noAutofit/>
+          </a:bodyPr>
+          <a:lstStyle>
+            <a:lvl1pPr indent="0" algn="r">
+              <a:lnSpc>
+                <a:spcPct val="100000"/>
+              </a:lnSpc>
+              <a:buNone/>
+              <a:tabLst>
+                <a:tab algn="l" pos="0"/>
+              </a:tabLst>
+              <a:defRPr b="0" lang="en" sz="1000" strike="noStrike" u="none">
+                <a:solidFill>
+                  <a:schemeClr val="dk2"/>
+                </a:solidFill>
+                <a:effectLst/>
+                <a:uFillTx/>
+                <a:latin typeface="Arial"/>
+                <a:ea typeface="Arial"/>
+              </a:defRPr>
+            </a:lvl1pPr>
+          </a:lstStyle>
+          <a:p>
+            <a:pPr indent="0" algn="r">
+              <a:lnSpc>
+                <a:spcPct val="100000"/>
+              </a:lnSpc>
+              <a:buNone/>
+              <a:tabLst>
+                <a:tab algn="l" pos="0"/>
+              </a:tabLst>
+            </a:pPr>
+            <a:fld id="{AA5ADB64-DB45-46A0-9902-B864C91EF545}" type="slidenum">
+              <a:rPr b="0" lang="en" sz="1000" strike="noStrike" u="none">
+                <a:solidFill>
+                  <a:schemeClr val="dk2"/>
+                </a:solidFill>
+                <a:effectLst/>
+                <a:uFillTx/>
+                <a:latin typeface="Arial"/>
+                <a:ea typeface="Arial"/>
+              </a:rPr>
+              <a:t>&lt;number&gt;</a:t>
+            </a:fld>
+            <a:endParaRPr b="0" lang="en-US" sz="1000" strike="noStrike" u="none">
+              <a:solidFill>
+                <a:srgbClr val="000000"/>
+              </a:solidFill>
+              <a:effectLst/>
+              <a:uFillTx/>
+              <a:latin typeface="Times New Roman"/>
+            </a:endParaRPr>
+          </a:p>
+        </p:txBody>
+      </p:sp>
+    </p:spTree>
+  </p:cSld>
+  <p:clrMap bg1="lt1" tx1="dk1" bg2="dk2" tx2="lt2" accent1="accent1" accent2="accent2" accent3="accent3" accent4="accent4" accent5="accent5" accent6="accent6" hlink="hlink" folHlink="folHlink"/>
+  <p:sldLayoutIdLst>
+    <p:sldLayoutId id="2147483685" r:id="rId2"/>
+  </p:sldLayoutIdLst>
+</p:sldMaster>
+</file>
+
+<file path=ppt/slideMasters/slideMaster18.xml><?xml version="1.0" encoding="utf-8"?>
+<p:sldMaster xmlns:a="http://schemas.openxmlformats.org/drawingml/2006/main" xmlns:p="http://schemas.openxmlformats.org/presentationml/2006/main" xmlns:r="http://schemas.openxmlformats.org/officeDocument/2006/relationships" xmlns:p14="http://schemas.microsoft.com/office/powerpoint/2010/main" xmlns:p15="http://schemas.microsoft.com/office/powerpoint/2012/main" xmlns:mc="http://schemas.openxmlformats.org/markup-compatibility/2006">
+  <p:cSld>
+    <p:bg>
+      <p:bgPr>
+        <a:solidFill>
+          <a:schemeClr val="lt1"/>
+        </a:solidFill>
+      </p:bgPr>
+    </p:bg>
+    <p:spTree>
+      <p:nvGrpSpPr>
+        <p:cNvPr id="1" name=""/>
+        <p:cNvGrpSpPr/>
+        <p:nvPr/>
+      </p:nvGrpSpPr>
+      <p:grpSpPr>
+        <a:xfrm>
+          <a:off x="0" y="0"/>
+          <a:ext cx="0" cy="0"/>
+          <a:chOff x="0" y="0"/>
+          <a:chExt cx="0" cy="0"/>
+        </a:xfrm>
+      </p:grpSpPr>
+      <p:sp>
+        <p:nvSpPr>
+          <p:cNvPr id="63" name="Google Shape;36;p9"/>
+          <p:cNvSpPr/>
+          <p:nvPr/>
+        </p:nvSpPr>
+        <p:spPr>
+          <a:xfrm>
+            <a:off x="4572000" y="0"/>
+            <a:ext cx="4570560" cy="5142240"/>
+          </a:xfrm>
+          <a:prstGeom prst="rect">
+            <a:avLst/>
+          </a:prstGeom>
+          <a:solidFill>
+            <a:schemeClr val="lt2"/>
+          </a:solidFill>
+          <a:ln w="0">
+            <a:noFill/>
+          </a:ln>
+        </p:spPr>
+        <p:style>
+          <a:lnRef idx="0"/>
+          <a:fillRef idx="0"/>
+          <a:effectRef idx="0"/>
+          <a:fontRef idx="minor"/>
+        </p:style>
+        <p:txBody>
+          <a:bodyPr lIns="90000" rIns="90000" tIns="91440" bIns="91440" anchor="ctr">
+            <a:noAutofit/>
+          </a:bodyPr>
+          <a:p>
+            <a:pPr>
+              <a:lnSpc>
+                <a:spcPct val="100000"/>
+              </a:lnSpc>
+              <a:tabLst>
+                <a:tab algn="l" pos="0"/>
+              </a:tabLst>
+            </a:pPr>
+            <a:endParaRPr b="0" lang="en-US" sz="1400" strike="noStrike" u="none">
+              <a:solidFill>
+                <a:srgbClr val="000000"/>
+              </a:solidFill>
+              <a:effectLst/>
+              <a:uFillTx/>
+              <a:latin typeface="Arial"/>
+            </a:endParaRPr>
+          </a:p>
+        </p:txBody>
+      </p:sp>
+      <p:sp>
+        <p:nvSpPr>
+          <p:cNvPr id="64" name="PlaceHolder 1"/>
+          <p:cNvSpPr>
+            <a:spLocks noGrp="1"/>
+          </p:cNvSpPr>
+          <p:nvPr>
+            <p:ph type="sldNum" idx="18"/>
+          </p:nvPr>
+        </p:nvSpPr>
+        <p:spPr>
+          <a:xfrm>
+            <a:off x="8472600" y="4663080"/>
+            <a:ext cx="547200" cy="392040"/>
+          </a:xfrm>
+          <a:prstGeom prst="rect">
+            <a:avLst/>
+          </a:prstGeom>
+          <a:noFill/>
+          <a:ln w="0">
+            <a:noFill/>
+          </a:ln>
+        </p:spPr>
+        <p:txBody>
+          <a:bodyPr lIns="91440" rIns="91440" tIns="91440" bIns="91440" anchor="ctr">
+            <a:noAutofit/>
+          </a:bodyPr>
+          <a:lstStyle>
+            <a:lvl1pPr indent="0" algn="r">
+              <a:lnSpc>
+                <a:spcPct val="100000"/>
+              </a:lnSpc>
+              <a:buNone/>
+              <a:tabLst>
+                <a:tab algn="l" pos="0"/>
+              </a:tabLst>
+              <a:defRPr b="0" lang="en" sz="1000" strike="noStrike" u="none">
+                <a:solidFill>
+                  <a:schemeClr val="dk2"/>
+                </a:solidFill>
+                <a:effectLst/>
+                <a:uFillTx/>
+                <a:latin typeface="Arial"/>
+                <a:ea typeface="Arial"/>
+              </a:defRPr>
+            </a:lvl1pPr>
+          </a:lstStyle>
+          <a:p>
+            <a:pPr indent="0" algn="r">
+              <a:lnSpc>
+                <a:spcPct val="100000"/>
+              </a:lnSpc>
+              <a:buNone/>
+              <a:tabLst>
+                <a:tab algn="l" pos="0"/>
+              </a:tabLst>
+            </a:pPr>
+            <a:fld id="{EFB1033B-3C2C-4019-92A4-659BED82EB19}" type="slidenum">
+              <a:rPr b="0" lang="en" sz="1000" strike="noStrike" u="none">
+                <a:solidFill>
+                  <a:schemeClr val="dk2"/>
+                </a:solidFill>
+                <a:effectLst/>
+                <a:uFillTx/>
+                <a:latin typeface="Arial"/>
+                <a:ea typeface="Arial"/>
+              </a:rPr>
+              <a:t>&lt;number&gt;</a:t>
+            </a:fld>
+            <a:endParaRPr b="0" lang="en-US" sz="1000" strike="noStrike" u="none">
+              <a:solidFill>
+                <a:srgbClr val="000000"/>
+              </a:solidFill>
+              <a:effectLst/>
+              <a:uFillTx/>
+              <a:latin typeface="Times New Roman"/>
+            </a:endParaRPr>
+          </a:p>
+        </p:txBody>
+      </p:sp>
+    </p:spTree>
+  </p:cSld>
+  <p:clrMap bg1="lt1" tx1="dk1" bg2="dk2" tx2="lt2" accent1="accent1" accent2="accent2" accent3="accent3" accent4="accent4" accent5="accent5" accent6="accent6" hlink="hlink" folHlink="folHlink"/>
+  <p:sldLayoutIdLst>
+    <p:sldLayoutId id="2147483687" r:id="rId2"/>
+  </p:sldLayoutIdLst>
+</p:sldMaster>
+</file>
+
+<file path=ppt/slideMasters/slideMaster19.xml><?xml version="1.0" encoding="utf-8"?>
+<p:sldMaster xmlns:a="http://schemas.openxmlformats.org/drawingml/2006/main" xmlns:p="http://schemas.openxmlformats.org/presentationml/2006/main" xmlns:r="http://schemas.openxmlformats.org/officeDocument/2006/relationships" xmlns:p14="http://schemas.microsoft.com/office/powerpoint/2010/main" xmlns:p15="http://schemas.microsoft.com/office/powerpoint/2012/main" xmlns:mc="http://schemas.openxmlformats.org/markup-compatibility/2006">
+  <p:cSld>
+    <p:bg>
+      <p:bgPr>
+        <a:solidFill>
+          <a:schemeClr val="lt1"/>
+        </a:solidFill>
+      </p:bgPr>
+    </p:bg>
+    <p:spTree>
+      <p:nvGrpSpPr>
+        <p:cNvPr id="1" name=""/>
+        <p:cNvGrpSpPr/>
+        <p:nvPr/>
+      </p:nvGrpSpPr>
+      <p:grpSpPr>
+        <a:xfrm>
+          <a:off x="0" y="0"/>
+          <a:ext cx="0" cy="0"/>
+          <a:chOff x="0" y="0"/>
+          <a:chExt cx="0" cy="0"/>
+        </a:xfrm>
+      </p:grpSpPr>
+      <p:sp>
+        <p:nvSpPr>
+          <p:cNvPr id="65" name="PlaceHolder 1"/>
+          <p:cNvSpPr>
+            <a:spLocks noGrp="1"/>
+          </p:cNvSpPr>
+          <p:nvPr>
+            <p:ph type="sldNum" idx="19"/>
+          </p:nvPr>
+        </p:nvSpPr>
+        <p:spPr>
+          <a:xfrm>
+            <a:off x="8472600" y="4663080"/>
+            <a:ext cx="547200" cy="392040"/>
+          </a:xfrm>
+          <a:prstGeom prst="rect">
+            <a:avLst/>
+          </a:prstGeom>
+          <a:noFill/>
+          <a:ln w="0">
+            <a:noFill/>
+          </a:ln>
+        </p:spPr>
+        <p:txBody>
+          <a:bodyPr lIns="91440" rIns="91440" tIns="91440" bIns="91440" anchor="ctr">
+            <a:noAutofit/>
+          </a:bodyPr>
+          <a:lstStyle>
+            <a:lvl1pPr indent="0" algn="r">
+              <a:lnSpc>
+                <a:spcPct val="100000"/>
+              </a:lnSpc>
+              <a:buNone/>
+              <a:tabLst>
+                <a:tab algn="l" pos="0"/>
+              </a:tabLst>
+              <a:defRPr b="0" lang="en" sz="1000" strike="noStrike" u="none">
+                <a:solidFill>
+                  <a:schemeClr val="dk2"/>
+                </a:solidFill>
+                <a:effectLst/>
+                <a:uFillTx/>
+                <a:latin typeface="Arial"/>
+                <a:ea typeface="Arial"/>
+              </a:defRPr>
+            </a:lvl1pPr>
+          </a:lstStyle>
+          <a:p>
+            <a:pPr indent="0" algn="r">
+              <a:lnSpc>
+                <a:spcPct val="100000"/>
+              </a:lnSpc>
+              <a:buNone/>
+              <a:tabLst>
+                <a:tab algn="l" pos="0"/>
+              </a:tabLst>
+            </a:pPr>
+            <a:fld id="{E3DCD786-B36D-4DB8-B9EA-399044E97679}" type="slidenum">
+              <a:rPr b="0" lang="en" sz="1000" strike="noStrike" u="none">
+                <a:solidFill>
+                  <a:schemeClr val="dk2"/>
+                </a:solidFill>
+                <a:effectLst/>
+                <a:uFillTx/>
+                <a:latin typeface="Arial"/>
+                <a:ea typeface="Arial"/>
+              </a:rPr>
+              <a:t>&lt;number&gt;</a:t>
+            </a:fld>
+            <a:endParaRPr b="0" lang="en-US" sz="1000" strike="noStrike" u="none">
+              <a:solidFill>
+                <a:srgbClr val="000000"/>
+              </a:solidFill>
+              <a:effectLst/>
+              <a:uFillTx/>
+              <a:latin typeface="Times New Roman"/>
+            </a:endParaRPr>
+          </a:p>
+        </p:txBody>
+      </p:sp>
+    </p:spTree>
+  </p:cSld>
+  <p:clrMap bg1="lt1" tx1="dk1" bg2="dk2" tx2="lt2" accent1="accent1" accent2="accent2" accent3="accent3" accent4="accent4" accent5="accent5" accent6="accent6" hlink="hlink" folHlink="folHlink"/>
+  <p:sldLayoutIdLst>
+    <p:sldLayoutId id="2147483689" r:id="rId2"/>
   </p:sldLayoutIdLst>
 </p:sldMaster>
 </file>
@@ -3234,8 +4425,8 @@
         </p:nvSpPr>
         <p:spPr>
           <a:xfrm>
-            <a:off x="311760" y="1632600"/>
-            <a:ext cx="8519400" cy="274680"/>
+            <a:off x="311760" y="1632240"/>
+            <a:ext cx="8519040" cy="274680"/>
           </a:xfrm>
           <a:prstGeom prst="rect">
             <a:avLst/>
@@ -3794,7 +4985,7 @@
         <p:spPr>
           <a:xfrm>
             <a:off x="8472600" y="4663080"/>
-            <a:ext cx="547560" cy="392400"/>
+            <a:ext cx="547200" cy="392040"/>
           </a:xfrm>
           <a:prstGeom prst="rect">
             <a:avLst/>
@@ -3838,7 +5029,7 @@
                 <a:tab algn="l" pos="0"/>
               </a:tabLst>
             </a:pPr>
-            <a:fld id="{F0FA601C-061A-4FDA-A5F9-7CCCA29F1EE3}" type="slidenum">
+            <a:fld id="{900CAF39-015D-4218-BFAD-92672C44BACC}" type="slidenum">
               <a:rPr b="0" lang="en" sz="1000" strike="noStrike" u="none">
                 <a:solidFill>
                   <a:schemeClr val="dk2"/>
@@ -3906,8 +5097,8 @@
         </p:nvSpPr>
         <p:spPr>
           <a:xfrm>
-            <a:off x="311760" y="1632600"/>
-            <a:ext cx="8519400" cy="274680"/>
+            <a:off x="311760" y="1632240"/>
+            <a:ext cx="8519040" cy="274680"/>
           </a:xfrm>
           <a:prstGeom prst="rect">
             <a:avLst/>
@@ -4213,7 +5404,7 @@
         <p:spPr>
           <a:xfrm>
             <a:off x="8472600" y="4663080"/>
-            <a:ext cx="547560" cy="392400"/>
+            <a:ext cx="547200" cy="392040"/>
           </a:xfrm>
           <a:prstGeom prst="rect">
             <a:avLst/>
@@ -4257,7 +5448,7 @@
                 <a:tab algn="l" pos="0"/>
               </a:tabLst>
             </a:pPr>
-            <a:fld id="{E4B740E8-49C5-4D12-ACDE-0D0E486B8951}" type="slidenum">
+            <a:fld id="{67746F8C-D461-4614-BDF2-4369A4600BCA}" type="slidenum">
               <a:rPr b="0" lang="en" sz="1000" strike="noStrike" u="none">
                 <a:solidFill>
                   <a:schemeClr val="dk2"/>
@@ -4326,7 +5517,7 @@
         <p:spPr>
           <a:xfrm>
             <a:off x="8472600" y="4663080"/>
-            <a:ext cx="547560" cy="392400"/>
+            <a:ext cx="547200" cy="392040"/>
           </a:xfrm>
           <a:prstGeom prst="rect">
             <a:avLst/>
@@ -4370,7 +5561,7 @@
                 <a:tab algn="l" pos="0"/>
               </a:tabLst>
             </a:pPr>
-            <a:fld id="{8AD2B6EF-2907-45A2-B4CA-53FEE5BF9DB4}" type="slidenum">
+            <a:fld id="{A7D5ACAA-E823-4FD3-B692-27F7BDB1EE2E}" type="slidenum">
               <a:rPr b="0" lang="en" sz="1000" strike="noStrike" u="none">
                 <a:solidFill>
                   <a:schemeClr val="dk2"/>
@@ -4433,66 +5624,13 @@
             <a:spLocks noGrp="1"/>
           </p:cNvSpPr>
           <p:nvPr>
-            <p:ph type="title"/>
-          </p:nvPr>
-        </p:nvSpPr>
-        <p:spPr>
-          <a:xfrm>
-            <a:off x="311760" y="1632600"/>
-            <a:ext cx="8519400" cy="274680"/>
-          </a:xfrm>
-          <a:prstGeom prst="rect">
-            <a:avLst/>
-          </a:prstGeom>
-          <a:noFill/>
-          <a:ln w="0">
-            <a:noFill/>
-          </a:ln>
-        </p:spPr>
-        <p:txBody>
-          <a:bodyPr lIns="0" rIns="0" tIns="0" bIns="0" anchor="ctr">
-            <a:spAutoFit/>
-          </a:bodyPr>
-          <a:p>
-            <a:pPr indent="0">
-              <a:buNone/>
-            </a:pPr>
-            <a:r>
-              <a:rPr b="0" lang="en-US" sz="1800" strike="noStrike" u="none">
-                <a:solidFill>
-                  <a:srgbClr val="000000"/>
-                </a:solidFill>
-                <a:effectLst/>
-                <a:uFillTx/>
-                <a:latin typeface="Arial"/>
-              </a:rPr>
-              <a:t>Click to edit the title text format</a:t>
-            </a:r>
-            <a:endParaRPr b="0" lang="en-US" sz="1800" strike="noStrike" u="none">
-              <a:solidFill>
-                <a:srgbClr val="000000"/>
-              </a:solidFill>
-              <a:effectLst/>
-              <a:uFillTx/>
-              <a:latin typeface="Arial"/>
-            </a:endParaRPr>
-          </a:p>
-        </p:txBody>
-      </p:sp>
-      <p:sp>
-        <p:nvSpPr>
-          <p:cNvPr id="17" name="PlaceHolder 2"/>
-          <p:cNvSpPr>
-            <a:spLocks noGrp="1"/>
-          </p:cNvSpPr>
-          <p:nvPr>
             <p:ph type="sldNum" idx="5"/>
           </p:nvPr>
         </p:nvSpPr>
         <p:spPr>
           <a:xfrm>
             <a:off x="8472600" y="4663080"/>
-            <a:ext cx="547560" cy="392400"/>
+            <a:ext cx="547200" cy="392040"/>
           </a:xfrm>
           <a:prstGeom prst="rect">
             <a:avLst/>
@@ -4536,7 +5674,7 @@
                 <a:tab algn="l" pos="0"/>
               </a:tabLst>
             </a:pPr>
-            <a:fld id="{FB40EC08-42A9-4B42-A97D-3105F8C7E0C4}" type="slidenum">
+            <a:fld id="{432E5EE3-5E7D-4B02-BA9C-B1FBBDF06408}" type="slidenum">
               <a:rPr b="0" lang="en" sz="1000" strike="noStrike" u="none">
                 <a:solidFill>
                   <a:schemeClr val="dk2"/>
@@ -4549,259 +5687,6 @@
               <a:t>1</a:t>
             </a:fld>
             <a:endParaRPr b="0" lang="en-US" sz="1000" strike="noStrike" u="none">
-              <a:solidFill>
-                <a:srgbClr val="000000"/>
-              </a:solidFill>
-              <a:effectLst/>
-              <a:uFillTx/>
-              <a:latin typeface="Times New Roman"/>
-            </a:endParaRPr>
-          </a:p>
-        </p:txBody>
-      </p:sp>
-      <p:sp>
-        <p:nvSpPr>
-          <p:cNvPr id="18" name="PlaceHolder 3"/>
-          <p:cNvSpPr>
-            <a:spLocks noGrp="1"/>
-          </p:cNvSpPr>
-          <p:nvPr>
-            <p:ph type="body"/>
-          </p:nvPr>
-        </p:nvSpPr>
-        <p:spPr>
-          <a:xfrm>
-            <a:off x="457200" y="1203480"/>
-            <a:ext cx="8229240" cy="2982960"/>
-          </a:xfrm>
-          <a:prstGeom prst="rect">
-            <a:avLst/>
-          </a:prstGeom>
-          <a:noFill/>
-          <a:ln w="0">
-            <a:noFill/>
-          </a:ln>
-        </p:spPr>
-        <p:txBody>
-          <a:bodyPr lIns="0" rIns="0" tIns="0" bIns="0" anchor="t">
-            <a:normAutofit/>
-          </a:bodyPr>
-          <a:p>
-            <a:pPr marL="432000" indent="-324000">
-              <a:spcBef>
-                <a:spcPts val="1417"/>
-              </a:spcBef>
-              <a:buClr>
-                <a:srgbClr val="000000"/>
-              </a:buClr>
-              <a:buSzPct val="45000"/>
-              <a:buFont typeface="Wingdings" charset="2"/>
-              <a:buChar char=""/>
-            </a:pPr>
-            <a:r>
-              <a:rPr b="0" lang="en-US" sz="3200" strike="noStrike" u="none">
-                <a:solidFill>
-                  <a:srgbClr val="000000"/>
-                </a:solidFill>
-                <a:effectLst/>
-                <a:uFillTx/>
-                <a:latin typeface="Arial"/>
-              </a:rPr>
-              <a:t>Click to edit the outline text format</a:t>
-            </a:r>
-            <a:endParaRPr b="0" lang="en-US" sz="3200" strike="noStrike" u="none">
-              <a:solidFill>
-                <a:srgbClr val="000000"/>
-              </a:solidFill>
-              <a:effectLst/>
-              <a:uFillTx/>
-              <a:latin typeface="Arial"/>
-            </a:endParaRPr>
-          </a:p>
-          <a:p>
-            <a:pPr lvl="1" marL="432000" indent="-216000">
-              <a:spcBef>
-                <a:spcPts val="1134"/>
-              </a:spcBef>
-              <a:buClr>
-                <a:srgbClr val="000000"/>
-              </a:buClr>
-              <a:buSzPct val="45000"/>
-              <a:buFont typeface="Wingdings" charset="2"/>
-              <a:buChar char=""/>
-            </a:pPr>
-            <a:r>
-              <a:rPr b="0" lang="en-US" sz="2800" strike="noStrike" u="none">
-                <a:solidFill>
-                  <a:srgbClr val="000000"/>
-                </a:solidFill>
-                <a:effectLst/>
-                <a:uFillTx/>
-                <a:latin typeface="Times New Roman"/>
-              </a:rPr>
-              <a:t>Second Outline Level</a:t>
-            </a:r>
-            <a:endParaRPr b="0" lang="en-US" sz="2800" strike="noStrike" u="none">
-              <a:solidFill>
-                <a:srgbClr val="000000"/>
-              </a:solidFill>
-              <a:effectLst/>
-              <a:uFillTx/>
-              <a:latin typeface="Times New Roman"/>
-            </a:endParaRPr>
-          </a:p>
-          <a:p>
-            <a:pPr lvl="2" marL="648000" indent="-216000">
-              <a:spcBef>
-                <a:spcPts val="850"/>
-              </a:spcBef>
-              <a:buClr>
-                <a:srgbClr val="000000"/>
-              </a:buClr>
-              <a:buSzPct val="45000"/>
-              <a:buFont typeface="Wingdings" charset="2"/>
-              <a:buChar char=""/>
-            </a:pPr>
-            <a:r>
-              <a:rPr b="0" lang="en-US" sz="2400" strike="noStrike" u="none">
-                <a:solidFill>
-                  <a:srgbClr val="000000"/>
-                </a:solidFill>
-                <a:effectLst/>
-                <a:uFillTx/>
-                <a:latin typeface="Times New Roman"/>
-              </a:rPr>
-              <a:t>Third Outline Level</a:t>
-            </a:r>
-            <a:endParaRPr b="0" lang="en-US" sz="2400" strike="noStrike" u="none">
-              <a:solidFill>
-                <a:srgbClr val="000000"/>
-              </a:solidFill>
-              <a:effectLst/>
-              <a:uFillTx/>
-              <a:latin typeface="Times New Roman"/>
-            </a:endParaRPr>
-          </a:p>
-          <a:p>
-            <a:pPr lvl="3" marL="864000" indent="-216000">
-              <a:spcBef>
-                <a:spcPts val="567"/>
-              </a:spcBef>
-              <a:buClr>
-                <a:srgbClr val="000000"/>
-              </a:buClr>
-              <a:buSzPct val="45000"/>
-              <a:buFont typeface="Wingdings" charset="2"/>
-              <a:buChar char=""/>
-            </a:pPr>
-            <a:r>
-              <a:rPr b="0" lang="en-US" sz="2000" strike="noStrike" u="none">
-                <a:solidFill>
-                  <a:srgbClr val="000000"/>
-                </a:solidFill>
-                <a:effectLst/>
-                <a:uFillTx/>
-                <a:latin typeface="Times New Roman"/>
-              </a:rPr>
-              <a:t>Fourth Outline Level</a:t>
-            </a:r>
-            <a:endParaRPr b="0" lang="en-US" sz="2000" strike="noStrike" u="none">
-              <a:solidFill>
-                <a:srgbClr val="000000"/>
-              </a:solidFill>
-              <a:effectLst/>
-              <a:uFillTx/>
-              <a:latin typeface="Times New Roman"/>
-            </a:endParaRPr>
-          </a:p>
-          <a:p>
-            <a:pPr lvl="4" marL="1080000" indent="-216000">
-              <a:spcBef>
-                <a:spcPts val="283"/>
-              </a:spcBef>
-              <a:buClr>
-                <a:srgbClr val="000000"/>
-              </a:buClr>
-              <a:buSzPct val="45000"/>
-              <a:buFont typeface="Wingdings" charset="2"/>
-              <a:buChar char=""/>
-            </a:pPr>
-            <a:r>
-              <a:rPr b="0" lang="en-US" sz="2000" strike="noStrike" u="none">
-                <a:solidFill>
-                  <a:srgbClr val="000000"/>
-                </a:solidFill>
-                <a:effectLst/>
-                <a:uFillTx/>
-                <a:latin typeface="Times New Roman"/>
-              </a:rPr>
-              <a:t>Fifth Outline Level</a:t>
-            </a:r>
-            <a:endParaRPr b="0" lang="en-US" sz="2000" strike="noStrike" u="none">
-              <a:solidFill>
-                <a:srgbClr val="000000"/>
-              </a:solidFill>
-              <a:effectLst/>
-              <a:uFillTx/>
-              <a:latin typeface="Times New Roman"/>
-            </a:endParaRPr>
-          </a:p>
-          <a:p>
-            <a:pPr lvl="5" marL="1296000" indent="-216000">
-              <a:spcBef>
-                <a:spcPts val="283"/>
-              </a:spcBef>
-              <a:buClr>
-                <a:srgbClr val="000000"/>
-              </a:buClr>
-              <a:buSzPct val="45000"/>
-              <a:buFont typeface="Wingdings" charset="2"/>
-              <a:buChar char=""/>
-            </a:pPr>
-            <a:r>
-              <a:rPr b="0" lang="en-US" sz="2000" strike="noStrike" u="none">
-                <a:solidFill>
-                  <a:srgbClr val="000000"/>
-                </a:solidFill>
-                <a:effectLst/>
-                <a:uFillTx/>
-                <a:latin typeface="Times New Roman"/>
-              </a:rPr>
-              <a:t>Sixth Outline Level</a:t>
-            </a:r>
-            <a:endParaRPr b="0" lang="en-US" sz="2000" strike="noStrike" u="none">
-              <a:solidFill>
-                <a:srgbClr val="000000"/>
-              </a:solidFill>
-              <a:effectLst/>
-              <a:uFillTx/>
-              <a:latin typeface="Times New Roman"/>
-            </a:endParaRPr>
-          </a:p>
-          <a:p>
-            <a:pPr lvl="6" marL="1512000" indent="-216000">
-              <a:spcBef>
-                <a:spcPts val="283"/>
-              </a:spcBef>
-              <a:buClr>
-                <a:srgbClr val="000000"/>
-              </a:buClr>
-              <a:buSzPct val="45000"/>
-              <a:buFont typeface="Wingdings" charset="2"/>
-              <a:buChar char=""/>
-            </a:pPr>
-            <a:r>
-              <a:rPr b="0" lang="en-US" sz="2000" strike="noStrike" u="none">
-                <a:solidFill>
-                  <a:srgbClr val="000000"/>
-                </a:solidFill>
-                <a:effectLst/>
-                <a:uFillTx/>
-                <a:latin typeface="Times New Roman"/>
-              </a:rPr>
-              <a:t>Seventh Outline Level</a:t>
-            </a:r>
-            <a:endParaRPr b="0" lang="en-US" sz="2000" strike="noStrike" u="none">
               <a:solidFill>
                 <a:srgbClr val="000000"/>
               </a:solidFill>
@@ -4817,10 +5702,6 @@
   <p:clrMap bg1="lt1" tx1="dk1" bg2="dk2" tx2="lt2" accent1="accent1" accent2="accent2" accent3="accent3" accent4="accent4" accent5="accent5" accent6="accent6" hlink="hlink" folHlink="folHlink"/>
   <p:sldLayoutIdLst>
     <p:sldLayoutId id="2147483657" r:id="rId2"/>
-    <p:sldLayoutId id="2147483658" r:id="rId3"/>
-    <p:sldLayoutId id="2147483659" r:id="rId4"/>
-    <p:sldLayoutId id="2147483660" r:id="rId5"/>
-    <p:sldLayoutId id="2147483661" r:id="rId6"/>
   </p:sldLayoutIdLst>
 </p:sldMaster>
 </file>
@@ -4851,7 +5732,313 @@
       </p:grpSpPr>
       <p:sp>
         <p:nvSpPr>
-          <p:cNvPr id="27" name="PlaceHolder 1"/>
+          <p:cNvPr id="17" name="PlaceHolder 1"/>
+          <p:cNvSpPr>
+            <a:spLocks noGrp="1"/>
+          </p:cNvSpPr>
+          <p:nvPr>
+            <p:ph type="title"/>
+          </p:nvPr>
+        </p:nvSpPr>
+        <p:spPr>
+          <a:xfrm>
+            <a:off x="311760" y="1632240"/>
+            <a:ext cx="8519040" cy="274680"/>
+          </a:xfrm>
+          <a:prstGeom prst="rect">
+            <a:avLst/>
+          </a:prstGeom>
+          <a:noFill/>
+          <a:ln w="0">
+            <a:noFill/>
+          </a:ln>
+        </p:spPr>
+        <p:txBody>
+          <a:bodyPr lIns="0" rIns="0" tIns="0" bIns="0" anchor="ctr">
+            <a:spAutoFit/>
+          </a:bodyPr>
+          <a:p>
+            <a:pPr indent="0">
+              <a:buNone/>
+            </a:pPr>
+            <a:r>
+              <a:rPr b="0" lang="en-US" sz="1800" strike="noStrike" u="none">
+                <a:solidFill>
+                  <a:srgbClr val="000000"/>
+                </a:solidFill>
+                <a:effectLst/>
+                <a:uFillTx/>
+                <a:latin typeface="Arial"/>
+              </a:rPr>
+              <a:t>Click to edit the title text format</a:t>
+            </a:r>
+            <a:endParaRPr b="0" lang="en-US" sz="1800" strike="noStrike" u="none">
+              <a:solidFill>
+                <a:srgbClr val="000000"/>
+              </a:solidFill>
+              <a:effectLst/>
+              <a:uFillTx/>
+              <a:latin typeface="Arial"/>
+            </a:endParaRPr>
+          </a:p>
+        </p:txBody>
+      </p:sp>
+      <p:sp>
+        <p:nvSpPr>
+          <p:cNvPr id="18" name="PlaceHolder 2"/>
+          <p:cNvSpPr>
+            <a:spLocks noGrp="1"/>
+          </p:cNvSpPr>
+          <p:nvPr>
+            <p:ph type="body"/>
+          </p:nvPr>
+        </p:nvSpPr>
+        <p:spPr>
+          <a:xfrm>
+            <a:off x="457200" y="1203480"/>
+            <a:ext cx="8228880" cy="2982600"/>
+          </a:xfrm>
+          <a:prstGeom prst="rect">
+            <a:avLst/>
+          </a:prstGeom>
+          <a:noFill/>
+          <a:ln w="0">
+            <a:noFill/>
+          </a:ln>
+        </p:spPr>
+        <p:txBody>
+          <a:bodyPr lIns="0" rIns="0" tIns="0" bIns="0" anchor="t">
+            <a:normAutofit/>
+          </a:bodyPr>
+          <a:p>
+            <a:pPr marL="432000" indent="-324000">
+              <a:spcBef>
+                <a:spcPts val="1417"/>
+              </a:spcBef>
+              <a:buClr>
+                <a:srgbClr val="000000"/>
+              </a:buClr>
+              <a:buSzPct val="45000"/>
+              <a:buFont typeface="Wingdings" charset="2"/>
+              <a:buChar char=""/>
+            </a:pPr>
+            <a:r>
+              <a:rPr b="0" lang="en-US" sz="1800" strike="noStrike" u="none">
+                <a:solidFill>
+                  <a:srgbClr val="000000"/>
+                </a:solidFill>
+                <a:effectLst/>
+                <a:uFillTx/>
+                <a:latin typeface="Arial"/>
+              </a:rPr>
+              <a:t>Click to edit the outline text format</a:t>
+            </a:r>
+            <a:endParaRPr b="0" lang="en-US" sz="1800" strike="noStrike" u="none">
+              <a:solidFill>
+                <a:srgbClr val="000000"/>
+              </a:solidFill>
+              <a:effectLst/>
+              <a:uFillTx/>
+              <a:latin typeface="Arial"/>
+            </a:endParaRPr>
+          </a:p>
+          <a:p>
+            <a:pPr lvl="1" marL="432000" indent="-216000">
+              <a:spcBef>
+                <a:spcPts val="1134"/>
+              </a:spcBef>
+              <a:buClr>
+                <a:srgbClr val="000000"/>
+              </a:buClr>
+              <a:buSzPct val="45000"/>
+              <a:buFont typeface="Wingdings" charset="2"/>
+              <a:buChar char=""/>
+            </a:pPr>
+            <a:r>
+              <a:rPr b="0" lang="en-US" sz="1800" strike="noStrike" u="none">
+                <a:solidFill>
+                  <a:srgbClr val="000000"/>
+                </a:solidFill>
+                <a:effectLst/>
+                <a:uFillTx/>
+                <a:latin typeface="Times New Roman"/>
+              </a:rPr>
+              <a:t>Second Outline Level</a:t>
+            </a:r>
+            <a:endParaRPr b="0" lang="en-US" sz="1800" strike="noStrike" u="none">
+              <a:solidFill>
+                <a:srgbClr val="000000"/>
+              </a:solidFill>
+              <a:effectLst/>
+              <a:uFillTx/>
+              <a:latin typeface="Times New Roman"/>
+            </a:endParaRPr>
+          </a:p>
+          <a:p>
+            <a:pPr lvl="2" marL="648000" indent="-216000">
+              <a:spcBef>
+                <a:spcPts val="850"/>
+              </a:spcBef>
+              <a:buClr>
+                <a:srgbClr val="000000"/>
+              </a:buClr>
+              <a:buSzPct val="45000"/>
+              <a:buFont typeface="Wingdings" charset="2"/>
+              <a:buChar char=""/>
+            </a:pPr>
+            <a:r>
+              <a:rPr b="0" lang="en-US" sz="1800" strike="noStrike" u="none">
+                <a:solidFill>
+                  <a:srgbClr val="000000"/>
+                </a:solidFill>
+                <a:effectLst/>
+                <a:uFillTx/>
+                <a:latin typeface="Times New Roman"/>
+              </a:rPr>
+              <a:t>Third Outline Level</a:t>
+            </a:r>
+            <a:endParaRPr b="0" lang="en-US" sz="1800" strike="noStrike" u="none">
+              <a:solidFill>
+                <a:srgbClr val="000000"/>
+              </a:solidFill>
+              <a:effectLst/>
+              <a:uFillTx/>
+              <a:latin typeface="Times New Roman"/>
+            </a:endParaRPr>
+          </a:p>
+          <a:p>
+            <a:pPr lvl="3" marL="864000" indent="-216000">
+              <a:spcBef>
+                <a:spcPts val="567"/>
+              </a:spcBef>
+              <a:buClr>
+                <a:srgbClr val="000000"/>
+              </a:buClr>
+              <a:buSzPct val="45000"/>
+              <a:buFont typeface="Wingdings" charset="2"/>
+              <a:buChar char=""/>
+            </a:pPr>
+            <a:r>
+              <a:rPr b="0" lang="en-US" sz="1800" strike="noStrike" u="none">
+                <a:solidFill>
+                  <a:srgbClr val="000000"/>
+                </a:solidFill>
+                <a:effectLst/>
+                <a:uFillTx/>
+                <a:latin typeface="Times New Roman"/>
+              </a:rPr>
+              <a:t>Fourth Outline Level</a:t>
+            </a:r>
+            <a:endParaRPr b="0" lang="en-US" sz="1800" strike="noStrike" u="none">
+              <a:solidFill>
+                <a:srgbClr val="000000"/>
+              </a:solidFill>
+              <a:effectLst/>
+              <a:uFillTx/>
+              <a:latin typeface="Times New Roman"/>
+            </a:endParaRPr>
+          </a:p>
+          <a:p>
+            <a:pPr lvl="4" marL="1080000" indent="-216000">
+              <a:spcBef>
+                <a:spcPts val="283"/>
+              </a:spcBef>
+              <a:buClr>
+                <a:srgbClr val="000000"/>
+              </a:buClr>
+              <a:buSzPct val="45000"/>
+              <a:buFont typeface="Wingdings" charset="2"/>
+              <a:buChar char=""/>
+            </a:pPr>
+            <a:r>
+              <a:rPr b="0" lang="en-US" sz="1800" strike="noStrike" u="none">
+                <a:solidFill>
+                  <a:srgbClr val="000000"/>
+                </a:solidFill>
+                <a:effectLst/>
+                <a:uFillTx/>
+                <a:latin typeface="Times New Roman"/>
+              </a:rPr>
+              <a:t>Fifth Outline Level</a:t>
+            </a:r>
+            <a:endParaRPr b="0" lang="en-US" sz="1800" strike="noStrike" u="none">
+              <a:solidFill>
+                <a:srgbClr val="000000"/>
+              </a:solidFill>
+              <a:effectLst/>
+              <a:uFillTx/>
+              <a:latin typeface="Times New Roman"/>
+            </a:endParaRPr>
+          </a:p>
+          <a:p>
+            <a:pPr lvl="5" marL="1296000" indent="-216000">
+              <a:spcBef>
+                <a:spcPts val="283"/>
+              </a:spcBef>
+              <a:buClr>
+                <a:srgbClr val="000000"/>
+              </a:buClr>
+              <a:buSzPct val="45000"/>
+              <a:buFont typeface="Wingdings" charset="2"/>
+              <a:buChar char=""/>
+            </a:pPr>
+            <a:r>
+              <a:rPr b="0" lang="en-US" sz="1800" strike="noStrike" u="none">
+                <a:solidFill>
+                  <a:srgbClr val="000000"/>
+                </a:solidFill>
+                <a:effectLst/>
+                <a:uFillTx/>
+                <a:latin typeface="Times New Roman"/>
+              </a:rPr>
+              <a:t>Sixth Outline Level</a:t>
+            </a:r>
+            <a:endParaRPr b="0" lang="en-US" sz="1800" strike="noStrike" u="none">
+              <a:solidFill>
+                <a:srgbClr val="000000"/>
+              </a:solidFill>
+              <a:effectLst/>
+              <a:uFillTx/>
+              <a:latin typeface="Times New Roman"/>
+            </a:endParaRPr>
+          </a:p>
+          <a:p>
+            <a:pPr lvl="6" marL="1512000" indent="-216000">
+              <a:spcBef>
+                <a:spcPts val="283"/>
+              </a:spcBef>
+              <a:buClr>
+                <a:srgbClr val="000000"/>
+              </a:buClr>
+              <a:buSzPct val="45000"/>
+              <a:buFont typeface="Wingdings" charset="2"/>
+              <a:buChar char=""/>
+            </a:pPr>
+            <a:r>
+              <a:rPr b="0" lang="en-US" sz="1800" strike="noStrike" u="none">
+                <a:solidFill>
+                  <a:srgbClr val="000000"/>
+                </a:solidFill>
+                <a:effectLst/>
+                <a:uFillTx/>
+                <a:latin typeface="Times New Roman"/>
+              </a:rPr>
+              <a:t>Seventh Outline Level</a:t>
+            </a:r>
+            <a:endParaRPr b="0" lang="en-US" sz="1800" strike="noStrike" u="none">
+              <a:solidFill>
+                <a:srgbClr val="000000"/>
+              </a:solidFill>
+              <a:effectLst/>
+              <a:uFillTx/>
+              <a:latin typeface="Times New Roman"/>
+            </a:endParaRPr>
+          </a:p>
+        </p:txBody>
+      </p:sp>
+      <p:sp>
+        <p:nvSpPr>
+          <p:cNvPr id="19" name="PlaceHolder 3"/>
           <p:cNvSpPr>
             <a:spLocks noGrp="1"/>
           </p:cNvSpPr>
@@ -4862,7 +6049,7 @@
         <p:spPr>
           <a:xfrm>
             <a:off x="8472600" y="4663080"/>
-            <a:ext cx="547560" cy="392400"/>
+            <a:ext cx="547200" cy="392040"/>
           </a:xfrm>
           <a:prstGeom prst="rect">
             <a:avLst/>
@@ -4906,7 +6093,7 @@
                 <a:tab algn="l" pos="0"/>
               </a:tabLst>
             </a:pPr>
-            <a:fld id="{FDB51B1F-F5C0-4F2E-8039-297AE43D0FE0}" type="slidenum">
+            <a:fld id="{845F259A-F824-4C05-AA6F-67C91998BAC0}" type="slidenum">
               <a:rPr b="0" lang="en" sz="1000" strike="noStrike" u="none">
                 <a:solidFill>
                   <a:schemeClr val="dk2"/>
@@ -4916,7 +6103,7 @@
                 <a:latin typeface="Arial"/>
                 <a:ea typeface="Arial"/>
               </a:rPr>
-              <a:t>1</a:t>
+              <a:t>&lt;number&gt;</a:t>
             </a:fld>
             <a:endParaRPr b="0" lang="en-US" sz="1000" strike="noStrike" u="none">
               <a:solidFill>
@@ -4933,7 +6120,7 @@
   </p:cSld>
   <p:clrMap bg1="lt1" tx1="dk1" bg2="dk2" tx2="lt2" accent1="accent1" accent2="accent2" accent3="accent3" accent4="accent4" accent5="accent5" accent6="accent6" hlink="hlink" folHlink="folHlink"/>
   <p:sldLayoutIdLst>
-    <p:sldLayoutId id="2147483663" r:id="rId2"/>
+    <p:sldLayoutId id="2147483659" r:id="rId2"/>
   </p:sldLayoutIdLst>
 </p:sldMaster>
 </file>
@@ -4964,7 +6151,566 @@
       </p:grpSpPr>
       <p:sp>
         <p:nvSpPr>
-          <p:cNvPr id="28" name="PlaceHolder 1"/>
+          <p:cNvPr id="22" name="PlaceHolder 1"/>
+          <p:cNvSpPr>
+            <a:spLocks noGrp="1"/>
+          </p:cNvSpPr>
+          <p:nvPr>
+            <p:ph type="title"/>
+          </p:nvPr>
+        </p:nvSpPr>
+        <p:spPr>
+          <a:xfrm>
+            <a:off x="311760" y="1632240"/>
+            <a:ext cx="8519040" cy="274680"/>
+          </a:xfrm>
+          <a:prstGeom prst="rect">
+            <a:avLst/>
+          </a:prstGeom>
+          <a:noFill/>
+          <a:ln w="0">
+            <a:noFill/>
+          </a:ln>
+        </p:spPr>
+        <p:txBody>
+          <a:bodyPr lIns="0" rIns="0" tIns="0" bIns="0" anchor="ctr">
+            <a:spAutoFit/>
+          </a:bodyPr>
+          <a:p>
+            <a:pPr indent="0">
+              <a:buNone/>
+            </a:pPr>
+            <a:r>
+              <a:rPr b="0" lang="en-US" sz="1800" strike="noStrike" u="none">
+                <a:solidFill>
+                  <a:srgbClr val="000000"/>
+                </a:solidFill>
+                <a:effectLst/>
+                <a:uFillTx/>
+                <a:latin typeface="Arial"/>
+              </a:rPr>
+              <a:t>Click to edit the title text format</a:t>
+            </a:r>
+            <a:endParaRPr b="0" lang="en-US" sz="1800" strike="noStrike" u="none">
+              <a:solidFill>
+                <a:srgbClr val="000000"/>
+              </a:solidFill>
+              <a:effectLst/>
+              <a:uFillTx/>
+              <a:latin typeface="Arial"/>
+            </a:endParaRPr>
+          </a:p>
+        </p:txBody>
+      </p:sp>
+      <p:sp>
+        <p:nvSpPr>
+          <p:cNvPr id="23" name="PlaceHolder 2"/>
+          <p:cNvSpPr>
+            <a:spLocks noGrp="1"/>
+          </p:cNvSpPr>
+          <p:nvPr>
+            <p:ph type="body"/>
+          </p:nvPr>
+        </p:nvSpPr>
+        <p:spPr>
+          <a:xfrm>
+            <a:off x="457200" y="1203480"/>
+            <a:ext cx="4015440" cy="2982600"/>
+          </a:xfrm>
+          <a:prstGeom prst="rect">
+            <a:avLst/>
+          </a:prstGeom>
+          <a:noFill/>
+          <a:ln w="0">
+            <a:noFill/>
+          </a:ln>
+        </p:spPr>
+        <p:txBody>
+          <a:bodyPr lIns="0" rIns="0" tIns="0" bIns="0" anchor="t">
+            <a:normAutofit/>
+          </a:bodyPr>
+          <a:p>
+            <a:pPr marL="432000" indent="-324000">
+              <a:spcBef>
+                <a:spcPts val="1417"/>
+              </a:spcBef>
+              <a:buClr>
+                <a:srgbClr val="000000"/>
+              </a:buClr>
+              <a:buSzPct val="45000"/>
+              <a:buFont typeface="Wingdings" charset="2"/>
+              <a:buChar char=""/>
+            </a:pPr>
+            <a:r>
+              <a:rPr b="0" lang="en-US" sz="1800" strike="noStrike" u="none">
+                <a:solidFill>
+                  <a:srgbClr val="000000"/>
+                </a:solidFill>
+                <a:effectLst/>
+                <a:uFillTx/>
+                <a:latin typeface="Arial"/>
+              </a:rPr>
+              <a:t>Click to edit the outline text format</a:t>
+            </a:r>
+            <a:endParaRPr b="0" lang="en-US" sz="1800" strike="noStrike" u="none">
+              <a:solidFill>
+                <a:srgbClr val="000000"/>
+              </a:solidFill>
+              <a:effectLst/>
+              <a:uFillTx/>
+              <a:latin typeface="Arial"/>
+            </a:endParaRPr>
+          </a:p>
+          <a:p>
+            <a:pPr lvl="1" marL="432000" indent="-216000">
+              <a:spcBef>
+                <a:spcPts val="1134"/>
+              </a:spcBef>
+              <a:buClr>
+                <a:srgbClr val="000000"/>
+              </a:buClr>
+              <a:buSzPct val="45000"/>
+              <a:buFont typeface="Wingdings" charset="2"/>
+              <a:buChar char=""/>
+            </a:pPr>
+            <a:r>
+              <a:rPr b="0" lang="en-US" sz="1800" strike="noStrike" u="none">
+                <a:solidFill>
+                  <a:srgbClr val="000000"/>
+                </a:solidFill>
+                <a:effectLst/>
+                <a:uFillTx/>
+                <a:latin typeface="Times New Roman"/>
+              </a:rPr>
+              <a:t>Second Outline Level</a:t>
+            </a:r>
+            <a:endParaRPr b="0" lang="en-US" sz="1800" strike="noStrike" u="none">
+              <a:solidFill>
+                <a:srgbClr val="000000"/>
+              </a:solidFill>
+              <a:effectLst/>
+              <a:uFillTx/>
+              <a:latin typeface="Times New Roman"/>
+            </a:endParaRPr>
+          </a:p>
+          <a:p>
+            <a:pPr lvl="2" marL="648000" indent="-216000">
+              <a:spcBef>
+                <a:spcPts val="850"/>
+              </a:spcBef>
+              <a:buClr>
+                <a:srgbClr val="000000"/>
+              </a:buClr>
+              <a:buSzPct val="45000"/>
+              <a:buFont typeface="Wingdings" charset="2"/>
+              <a:buChar char=""/>
+            </a:pPr>
+            <a:r>
+              <a:rPr b="0" lang="en-US" sz="1800" strike="noStrike" u="none">
+                <a:solidFill>
+                  <a:srgbClr val="000000"/>
+                </a:solidFill>
+                <a:effectLst/>
+                <a:uFillTx/>
+                <a:latin typeface="Times New Roman"/>
+              </a:rPr>
+              <a:t>Third Outline Level</a:t>
+            </a:r>
+            <a:endParaRPr b="0" lang="en-US" sz="1800" strike="noStrike" u="none">
+              <a:solidFill>
+                <a:srgbClr val="000000"/>
+              </a:solidFill>
+              <a:effectLst/>
+              <a:uFillTx/>
+              <a:latin typeface="Times New Roman"/>
+            </a:endParaRPr>
+          </a:p>
+          <a:p>
+            <a:pPr lvl="3" marL="864000" indent="-216000">
+              <a:spcBef>
+                <a:spcPts val="567"/>
+              </a:spcBef>
+              <a:buClr>
+                <a:srgbClr val="000000"/>
+              </a:buClr>
+              <a:buSzPct val="45000"/>
+              <a:buFont typeface="Wingdings" charset="2"/>
+              <a:buChar char=""/>
+            </a:pPr>
+            <a:r>
+              <a:rPr b="0" lang="en-US" sz="1800" strike="noStrike" u="none">
+                <a:solidFill>
+                  <a:srgbClr val="000000"/>
+                </a:solidFill>
+                <a:effectLst/>
+                <a:uFillTx/>
+                <a:latin typeface="Times New Roman"/>
+              </a:rPr>
+              <a:t>Fourth Outline Level</a:t>
+            </a:r>
+            <a:endParaRPr b="0" lang="en-US" sz="1800" strike="noStrike" u="none">
+              <a:solidFill>
+                <a:srgbClr val="000000"/>
+              </a:solidFill>
+              <a:effectLst/>
+              <a:uFillTx/>
+              <a:latin typeface="Times New Roman"/>
+            </a:endParaRPr>
+          </a:p>
+          <a:p>
+            <a:pPr lvl="4" marL="1080000" indent="-216000">
+              <a:spcBef>
+                <a:spcPts val="283"/>
+              </a:spcBef>
+              <a:buClr>
+                <a:srgbClr val="000000"/>
+              </a:buClr>
+              <a:buSzPct val="45000"/>
+              <a:buFont typeface="Wingdings" charset="2"/>
+              <a:buChar char=""/>
+            </a:pPr>
+            <a:r>
+              <a:rPr b="0" lang="en-US" sz="1800" strike="noStrike" u="none">
+                <a:solidFill>
+                  <a:srgbClr val="000000"/>
+                </a:solidFill>
+                <a:effectLst/>
+                <a:uFillTx/>
+                <a:latin typeface="Times New Roman"/>
+              </a:rPr>
+              <a:t>Fifth Outline Level</a:t>
+            </a:r>
+            <a:endParaRPr b="0" lang="en-US" sz="1800" strike="noStrike" u="none">
+              <a:solidFill>
+                <a:srgbClr val="000000"/>
+              </a:solidFill>
+              <a:effectLst/>
+              <a:uFillTx/>
+              <a:latin typeface="Times New Roman"/>
+            </a:endParaRPr>
+          </a:p>
+          <a:p>
+            <a:pPr lvl="5" marL="1296000" indent="-216000">
+              <a:spcBef>
+                <a:spcPts val="283"/>
+              </a:spcBef>
+              <a:buClr>
+                <a:srgbClr val="000000"/>
+              </a:buClr>
+              <a:buSzPct val="45000"/>
+              <a:buFont typeface="Wingdings" charset="2"/>
+              <a:buChar char=""/>
+            </a:pPr>
+            <a:r>
+              <a:rPr b="0" lang="en-US" sz="1800" strike="noStrike" u="none">
+                <a:solidFill>
+                  <a:srgbClr val="000000"/>
+                </a:solidFill>
+                <a:effectLst/>
+                <a:uFillTx/>
+                <a:latin typeface="Times New Roman"/>
+              </a:rPr>
+              <a:t>Sixth Outline Level</a:t>
+            </a:r>
+            <a:endParaRPr b="0" lang="en-US" sz="1800" strike="noStrike" u="none">
+              <a:solidFill>
+                <a:srgbClr val="000000"/>
+              </a:solidFill>
+              <a:effectLst/>
+              <a:uFillTx/>
+              <a:latin typeface="Times New Roman"/>
+            </a:endParaRPr>
+          </a:p>
+          <a:p>
+            <a:pPr lvl="6" marL="1512000" indent="-216000">
+              <a:spcBef>
+                <a:spcPts val="283"/>
+              </a:spcBef>
+              <a:buClr>
+                <a:srgbClr val="000000"/>
+              </a:buClr>
+              <a:buSzPct val="45000"/>
+              <a:buFont typeface="Wingdings" charset="2"/>
+              <a:buChar char=""/>
+            </a:pPr>
+            <a:r>
+              <a:rPr b="0" lang="en-US" sz="1800" strike="noStrike" u="none">
+                <a:solidFill>
+                  <a:srgbClr val="000000"/>
+                </a:solidFill>
+                <a:effectLst/>
+                <a:uFillTx/>
+                <a:latin typeface="Times New Roman"/>
+              </a:rPr>
+              <a:t>Seventh Outline Level</a:t>
+            </a:r>
+            <a:endParaRPr b="0" lang="en-US" sz="1800" strike="noStrike" u="none">
+              <a:solidFill>
+                <a:srgbClr val="000000"/>
+              </a:solidFill>
+              <a:effectLst/>
+              <a:uFillTx/>
+              <a:latin typeface="Times New Roman"/>
+            </a:endParaRPr>
+          </a:p>
+        </p:txBody>
+      </p:sp>
+      <p:sp>
+        <p:nvSpPr>
+          <p:cNvPr id="24" name="PlaceHolder 3"/>
+          <p:cNvSpPr>
+            <a:spLocks noGrp="1"/>
+          </p:cNvSpPr>
+          <p:nvPr>
+            <p:ph type="body"/>
+          </p:nvPr>
+        </p:nvSpPr>
+        <p:spPr>
+          <a:xfrm>
+            <a:off x="4674240" y="1203480"/>
+            <a:ext cx="4015440" cy="2982600"/>
+          </a:xfrm>
+          <a:prstGeom prst="rect">
+            <a:avLst/>
+          </a:prstGeom>
+          <a:noFill/>
+          <a:ln w="0">
+            <a:noFill/>
+          </a:ln>
+        </p:spPr>
+        <p:txBody>
+          <a:bodyPr lIns="0" rIns="0" tIns="0" bIns="0" anchor="t">
+            <a:normAutofit/>
+          </a:bodyPr>
+          <a:p>
+            <a:pPr marL="432000" indent="-324000">
+              <a:spcBef>
+                <a:spcPts val="1417"/>
+              </a:spcBef>
+              <a:buClr>
+                <a:srgbClr val="000000"/>
+              </a:buClr>
+              <a:buSzPct val="45000"/>
+              <a:buFont typeface="Wingdings" charset="2"/>
+              <a:buChar char=""/>
+            </a:pPr>
+            <a:r>
+              <a:rPr b="0" lang="en-US" sz="1800" strike="noStrike" u="none">
+                <a:solidFill>
+                  <a:srgbClr val="000000"/>
+                </a:solidFill>
+                <a:effectLst/>
+                <a:uFillTx/>
+                <a:latin typeface="Arial"/>
+              </a:rPr>
+              <a:t>Click to edit the outline text format</a:t>
+            </a:r>
+            <a:endParaRPr b="0" lang="en-US" sz="1800" strike="noStrike" u="none">
+              <a:solidFill>
+                <a:srgbClr val="000000"/>
+              </a:solidFill>
+              <a:effectLst/>
+              <a:uFillTx/>
+              <a:latin typeface="Arial"/>
+            </a:endParaRPr>
+          </a:p>
+          <a:p>
+            <a:pPr lvl="1" marL="432000" indent="-216000">
+              <a:spcBef>
+                <a:spcPts val="1134"/>
+              </a:spcBef>
+              <a:buClr>
+                <a:srgbClr val="000000"/>
+              </a:buClr>
+              <a:buSzPct val="45000"/>
+              <a:buFont typeface="Wingdings" charset="2"/>
+              <a:buChar char=""/>
+            </a:pPr>
+            <a:r>
+              <a:rPr b="0" lang="en-US" sz="1800" strike="noStrike" u="none">
+                <a:solidFill>
+                  <a:srgbClr val="000000"/>
+                </a:solidFill>
+                <a:effectLst/>
+                <a:uFillTx/>
+                <a:latin typeface="Times New Roman"/>
+              </a:rPr>
+              <a:t>Second Outline Level</a:t>
+            </a:r>
+            <a:endParaRPr b="0" lang="en-US" sz="1800" strike="noStrike" u="none">
+              <a:solidFill>
+                <a:srgbClr val="000000"/>
+              </a:solidFill>
+              <a:effectLst/>
+              <a:uFillTx/>
+              <a:latin typeface="Times New Roman"/>
+            </a:endParaRPr>
+          </a:p>
+          <a:p>
+            <a:pPr lvl="2" marL="648000" indent="-216000">
+              <a:spcBef>
+                <a:spcPts val="850"/>
+              </a:spcBef>
+              <a:buClr>
+                <a:srgbClr val="000000"/>
+              </a:buClr>
+              <a:buSzPct val="45000"/>
+              <a:buFont typeface="Wingdings" charset="2"/>
+              <a:buChar char=""/>
+            </a:pPr>
+            <a:r>
+              <a:rPr b="0" lang="en-US" sz="1800" strike="noStrike" u="none">
+                <a:solidFill>
+                  <a:srgbClr val="000000"/>
+                </a:solidFill>
+                <a:effectLst/>
+                <a:uFillTx/>
+                <a:latin typeface="Times New Roman"/>
+              </a:rPr>
+              <a:t>Third Outline Level</a:t>
+            </a:r>
+            <a:endParaRPr b="0" lang="en-US" sz="1800" strike="noStrike" u="none">
+              <a:solidFill>
+                <a:srgbClr val="000000"/>
+              </a:solidFill>
+              <a:effectLst/>
+              <a:uFillTx/>
+              <a:latin typeface="Times New Roman"/>
+            </a:endParaRPr>
+          </a:p>
+          <a:p>
+            <a:pPr lvl="3" marL="864000" indent="-216000">
+              <a:spcBef>
+                <a:spcPts val="567"/>
+              </a:spcBef>
+              <a:buClr>
+                <a:srgbClr val="000000"/>
+              </a:buClr>
+              <a:buSzPct val="45000"/>
+              <a:buFont typeface="Wingdings" charset="2"/>
+              <a:buChar char=""/>
+            </a:pPr>
+            <a:r>
+              <a:rPr b="0" lang="en-US" sz="1800" strike="noStrike" u="none">
+                <a:solidFill>
+                  <a:srgbClr val="000000"/>
+                </a:solidFill>
+                <a:effectLst/>
+                <a:uFillTx/>
+                <a:latin typeface="Times New Roman"/>
+              </a:rPr>
+              <a:t>Fourth Outline Level</a:t>
+            </a:r>
+            <a:endParaRPr b="0" lang="en-US" sz="1800" strike="noStrike" u="none">
+              <a:solidFill>
+                <a:srgbClr val="000000"/>
+              </a:solidFill>
+              <a:effectLst/>
+              <a:uFillTx/>
+              <a:latin typeface="Times New Roman"/>
+            </a:endParaRPr>
+          </a:p>
+          <a:p>
+            <a:pPr lvl="4" marL="1080000" indent="-216000">
+              <a:spcBef>
+                <a:spcPts val="283"/>
+              </a:spcBef>
+              <a:buClr>
+                <a:srgbClr val="000000"/>
+              </a:buClr>
+              <a:buSzPct val="45000"/>
+              <a:buFont typeface="Wingdings" charset="2"/>
+              <a:buChar char=""/>
+            </a:pPr>
+            <a:r>
+              <a:rPr b="0" lang="en-US" sz="1800" strike="noStrike" u="none">
+                <a:solidFill>
+                  <a:srgbClr val="000000"/>
+                </a:solidFill>
+                <a:effectLst/>
+                <a:uFillTx/>
+                <a:latin typeface="Times New Roman"/>
+              </a:rPr>
+              <a:t>Fifth Outline Level</a:t>
+            </a:r>
+            <a:endParaRPr b="0" lang="en-US" sz="1800" strike="noStrike" u="none">
+              <a:solidFill>
+                <a:srgbClr val="000000"/>
+              </a:solidFill>
+              <a:effectLst/>
+              <a:uFillTx/>
+              <a:latin typeface="Times New Roman"/>
+            </a:endParaRPr>
+          </a:p>
+          <a:p>
+            <a:pPr lvl="5" marL="1296000" indent="-216000">
+              <a:spcBef>
+                <a:spcPts val="283"/>
+              </a:spcBef>
+              <a:buClr>
+                <a:srgbClr val="000000"/>
+              </a:buClr>
+              <a:buSzPct val="45000"/>
+              <a:buFont typeface="Wingdings" charset="2"/>
+              <a:buChar char=""/>
+            </a:pPr>
+            <a:r>
+              <a:rPr b="0" lang="en-US" sz="1800" strike="noStrike" u="none">
+                <a:solidFill>
+                  <a:srgbClr val="000000"/>
+                </a:solidFill>
+                <a:effectLst/>
+                <a:uFillTx/>
+                <a:latin typeface="Times New Roman"/>
+              </a:rPr>
+              <a:t>Sixth Outline Level</a:t>
+            </a:r>
+            <a:endParaRPr b="0" lang="en-US" sz="1800" strike="noStrike" u="none">
+              <a:solidFill>
+                <a:srgbClr val="000000"/>
+              </a:solidFill>
+              <a:effectLst/>
+              <a:uFillTx/>
+              <a:latin typeface="Times New Roman"/>
+            </a:endParaRPr>
+          </a:p>
+          <a:p>
+            <a:pPr lvl="6" marL="1512000" indent="-216000">
+              <a:spcBef>
+                <a:spcPts val="283"/>
+              </a:spcBef>
+              <a:buClr>
+                <a:srgbClr val="000000"/>
+              </a:buClr>
+              <a:buSzPct val="45000"/>
+              <a:buFont typeface="Wingdings" charset="2"/>
+              <a:buChar char=""/>
+            </a:pPr>
+            <a:r>
+              <a:rPr b="0" lang="en-US" sz="1800" strike="noStrike" u="none">
+                <a:solidFill>
+                  <a:srgbClr val="000000"/>
+                </a:solidFill>
+                <a:effectLst/>
+                <a:uFillTx/>
+                <a:latin typeface="Times New Roman"/>
+              </a:rPr>
+              <a:t>Seventh Outline Level</a:t>
+            </a:r>
+            <a:endParaRPr b="0" lang="en-US" sz="1800" strike="noStrike" u="none">
+              <a:solidFill>
+                <a:srgbClr val="000000"/>
+              </a:solidFill>
+              <a:effectLst/>
+              <a:uFillTx/>
+              <a:latin typeface="Times New Roman"/>
+            </a:endParaRPr>
+          </a:p>
+        </p:txBody>
+      </p:sp>
+      <p:sp>
+        <p:nvSpPr>
+          <p:cNvPr id="25" name="PlaceHolder 4"/>
           <p:cNvSpPr>
             <a:spLocks noGrp="1"/>
           </p:cNvSpPr>
@@ -4975,7 +6721,7 @@
         <p:spPr>
           <a:xfrm>
             <a:off x="8472600" y="4663080"/>
-            <a:ext cx="547560" cy="392400"/>
+            <a:ext cx="547200" cy="392040"/>
           </a:xfrm>
           <a:prstGeom prst="rect">
             <a:avLst/>
@@ -5019,7 +6765,7 @@
                 <a:tab algn="l" pos="0"/>
               </a:tabLst>
             </a:pPr>
-            <a:fld id="{10650076-42B7-41A9-B093-526DDC5D942B}" type="slidenum">
+            <a:fld id="{1E317046-58D3-46EE-927C-F44CA275CAB0}" type="slidenum">
               <a:rPr b="0" lang="en" sz="1000" strike="noStrike" u="none">
                 <a:solidFill>
                   <a:schemeClr val="dk2"/>
@@ -5029,7 +6775,7 @@
                 <a:latin typeface="Arial"/>
                 <a:ea typeface="Arial"/>
               </a:rPr>
-              <a:t>1</a:t>
+              <a:t>&lt;number&gt;</a:t>
             </a:fld>
             <a:endParaRPr b="0" lang="en-US" sz="1000" strike="noStrike" u="none">
               <a:solidFill>
@@ -5046,7 +6792,7 @@
   </p:cSld>
   <p:clrMap bg1="lt1" tx1="dk1" bg2="dk2" tx2="lt2" accent1="accent1" accent2="accent2" accent3="accent3" accent4="accent4" accent5="accent5" accent6="accent6" hlink="hlink" folHlink="folHlink"/>
   <p:sldLayoutIdLst>
-    <p:sldLayoutId id="2147483665" r:id="rId2"/>
+    <p:sldLayoutId id="2147483661" r:id="rId2"/>
   </p:sldLayoutIdLst>
 </p:sldMaster>
 </file>
@@ -5082,13 +6828,66 @@
             <a:spLocks noGrp="1"/>
           </p:cNvSpPr>
           <p:nvPr>
+            <p:ph type="title"/>
+          </p:nvPr>
+        </p:nvSpPr>
+        <p:spPr>
+          <a:xfrm>
+            <a:off x="311760" y="1632240"/>
+            <a:ext cx="8519040" cy="274680"/>
+          </a:xfrm>
+          <a:prstGeom prst="rect">
+            <a:avLst/>
+          </a:prstGeom>
+          <a:noFill/>
+          <a:ln w="0">
+            <a:noFill/>
+          </a:ln>
+        </p:spPr>
+        <p:txBody>
+          <a:bodyPr lIns="0" rIns="0" tIns="0" bIns="0" anchor="ctr">
+            <a:spAutoFit/>
+          </a:bodyPr>
+          <a:p>
+            <a:pPr indent="0">
+              <a:buNone/>
+            </a:pPr>
+            <a:r>
+              <a:rPr b="0" lang="en-US" sz="1800" strike="noStrike" u="none">
+                <a:solidFill>
+                  <a:srgbClr val="000000"/>
+                </a:solidFill>
+                <a:effectLst/>
+                <a:uFillTx/>
+                <a:latin typeface="Arial"/>
+              </a:rPr>
+              <a:t>Click to edit the title text format</a:t>
+            </a:r>
+            <a:endParaRPr b="0" lang="en-US" sz="1800" strike="noStrike" u="none">
+              <a:solidFill>
+                <a:srgbClr val="000000"/>
+              </a:solidFill>
+              <a:effectLst/>
+              <a:uFillTx/>
+              <a:latin typeface="Arial"/>
+            </a:endParaRPr>
+          </a:p>
+        </p:txBody>
+      </p:sp>
+      <p:sp>
+        <p:nvSpPr>
+          <p:cNvPr id="30" name="PlaceHolder 2"/>
+          <p:cNvSpPr>
+            <a:spLocks noGrp="1"/>
+          </p:cNvSpPr>
+          <p:nvPr>
             <p:ph type="sldNum" idx="8"/>
           </p:nvPr>
         </p:nvSpPr>
         <p:spPr>
           <a:xfrm>
             <a:off x="8472600" y="4663080"/>
-            <a:ext cx="547560" cy="392400"/>
+            <a:ext cx="547200" cy="392040"/>
           </a:xfrm>
           <a:prstGeom prst="rect">
             <a:avLst/>
@@ -5132,7 +6931,7 @@
                 <a:tab algn="l" pos="0"/>
               </a:tabLst>
             </a:pPr>
-            <a:fld id="{0FB09DCD-CCA7-451F-B4E7-441658A9251C}" type="slidenum">
+            <a:fld id="{392B4158-0B38-42BD-940F-218FC1034266}" type="slidenum">
               <a:rPr b="0" lang="en" sz="1000" strike="noStrike" u="none">
                 <a:solidFill>
                   <a:schemeClr val="dk2"/>
@@ -5159,7 +6958,7 @@
   </p:cSld>
   <p:clrMap bg1="lt1" tx1="dk1" bg2="dk2" tx2="lt2" accent1="accent1" accent2="accent2" accent3="accent3" accent4="accent4" accent5="accent5" accent6="accent6" hlink="hlink" folHlink="folHlink"/>
   <p:sldLayoutIdLst>
-    <p:sldLayoutId id="2147483667" r:id="rId2"/>
+    <p:sldLayoutId id="2147483663" r:id="rId2"/>
   </p:sldLayoutIdLst>
 </p:sldMaster>
 </file>
@@ -5190,7 +6989,7 @@
       </p:grpSpPr>
       <p:sp>
         <p:nvSpPr>
-          <p:cNvPr id="30" name="PlaceHolder 1"/>
+          <p:cNvPr id="32" name="PlaceHolder 1"/>
           <p:cNvSpPr>
             <a:spLocks noGrp="1"/>
           </p:cNvSpPr>
@@ -5200,8 +6999,8 @@
         </p:nvSpPr>
         <p:spPr>
           <a:xfrm>
-            <a:off x="311760" y="1632600"/>
-            <a:ext cx="8519400" cy="274680"/>
+            <a:off x="311760" y="1632240"/>
+            <a:ext cx="8519040" cy="274680"/>
           </a:xfrm>
           <a:prstGeom prst="rect">
             <a:avLst/>
@@ -5243,260 +7042,7 @@
       </p:sp>
       <p:sp>
         <p:nvSpPr>
-          <p:cNvPr id="31" name="PlaceHolder 2"/>
-          <p:cNvSpPr>
-            <a:spLocks noGrp="1"/>
-          </p:cNvSpPr>
-          <p:nvPr>
-            <p:ph type="body"/>
-          </p:nvPr>
-        </p:nvSpPr>
-        <p:spPr>
-          <a:xfrm>
-            <a:off x="457200" y="1203480"/>
-            <a:ext cx="8228880" cy="2982600"/>
-          </a:xfrm>
-          <a:prstGeom prst="rect">
-            <a:avLst/>
-          </a:prstGeom>
-          <a:noFill/>
-          <a:ln w="0">
-            <a:noFill/>
-          </a:ln>
-        </p:spPr>
-        <p:txBody>
-          <a:bodyPr lIns="0" rIns="0" tIns="0" bIns="0" anchor="t">
-            <a:normAutofit/>
-          </a:bodyPr>
-          <a:p>
-            <a:pPr marL="432000" indent="-324000">
-              <a:spcBef>
-                <a:spcPts val="1417"/>
-              </a:spcBef>
-              <a:buClr>
-                <a:srgbClr val="000000"/>
-              </a:buClr>
-              <a:buSzPct val="45000"/>
-              <a:buFont typeface="Wingdings" charset="2"/>
-              <a:buChar char=""/>
-            </a:pPr>
-            <a:r>
-              <a:rPr b="0" lang="en-US" sz="1800" strike="noStrike" u="none">
-                <a:solidFill>
-                  <a:srgbClr val="000000"/>
-                </a:solidFill>
-                <a:effectLst/>
-                <a:uFillTx/>
-                <a:latin typeface="Arial"/>
-              </a:rPr>
-              <a:t>Click to edit the outline text format</a:t>
-            </a:r>
-            <a:endParaRPr b="0" lang="en-US" sz="1800" strike="noStrike" u="none">
-              <a:solidFill>
-                <a:srgbClr val="000000"/>
-              </a:solidFill>
-              <a:effectLst/>
-              <a:uFillTx/>
-              <a:latin typeface="Arial"/>
-            </a:endParaRPr>
-          </a:p>
-          <a:p>
-            <a:pPr lvl="1" marL="432000" indent="-216000">
-              <a:spcBef>
-                <a:spcPts val="1134"/>
-              </a:spcBef>
-              <a:buClr>
-                <a:srgbClr val="000000"/>
-              </a:buClr>
-              <a:buSzPct val="45000"/>
-              <a:buFont typeface="Wingdings" charset="2"/>
-              <a:buChar char=""/>
-            </a:pPr>
-            <a:r>
-              <a:rPr b="0" lang="en-US" sz="1800" strike="noStrike" u="none">
-                <a:solidFill>
-                  <a:srgbClr val="000000"/>
-                </a:solidFill>
-                <a:effectLst/>
-                <a:uFillTx/>
-                <a:latin typeface="Times New Roman"/>
-              </a:rPr>
-              <a:t>Second Outline Level</a:t>
-            </a:r>
-            <a:endParaRPr b="0" lang="en-US" sz="1800" strike="noStrike" u="none">
-              <a:solidFill>
-                <a:srgbClr val="000000"/>
-              </a:solidFill>
-              <a:effectLst/>
-              <a:uFillTx/>
-              <a:latin typeface="Times New Roman"/>
-            </a:endParaRPr>
-          </a:p>
-          <a:p>
-            <a:pPr lvl="2" marL="648000" indent="-216000">
-              <a:spcBef>
-                <a:spcPts val="850"/>
-              </a:spcBef>
-              <a:buClr>
-                <a:srgbClr val="000000"/>
-              </a:buClr>
-              <a:buSzPct val="45000"/>
-              <a:buFont typeface="Wingdings" charset="2"/>
-              <a:buChar char=""/>
-            </a:pPr>
-            <a:r>
-              <a:rPr b="0" lang="en-US" sz="1800" strike="noStrike" u="none">
-                <a:solidFill>
-                  <a:srgbClr val="000000"/>
-                </a:solidFill>
-                <a:effectLst/>
-                <a:uFillTx/>
-                <a:latin typeface="Times New Roman"/>
-              </a:rPr>
-              <a:t>Third Outline Level</a:t>
-            </a:r>
-            <a:endParaRPr b="0" lang="en-US" sz="1800" strike="noStrike" u="none">
-              <a:solidFill>
-                <a:srgbClr val="000000"/>
-              </a:solidFill>
-              <a:effectLst/>
-              <a:uFillTx/>
-              <a:latin typeface="Times New Roman"/>
-            </a:endParaRPr>
-          </a:p>
-          <a:p>
-            <a:pPr lvl="3" marL="864000" indent="-216000">
-              <a:spcBef>
-                <a:spcPts val="567"/>
-              </a:spcBef>
-              <a:buClr>
-                <a:srgbClr val="000000"/>
-              </a:buClr>
-              <a:buSzPct val="45000"/>
-              <a:buFont typeface="Wingdings" charset="2"/>
-              <a:buChar char=""/>
-            </a:pPr>
-            <a:r>
-              <a:rPr b="0" lang="en-US" sz="1800" strike="noStrike" u="none">
-                <a:solidFill>
-                  <a:srgbClr val="000000"/>
-                </a:solidFill>
-                <a:effectLst/>
-                <a:uFillTx/>
-                <a:latin typeface="Times New Roman"/>
-              </a:rPr>
-              <a:t>Fourth Outline Level</a:t>
-            </a:r>
-            <a:endParaRPr b="0" lang="en-US" sz="1800" strike="noStrike" u="none">
-              <a:solidFill>
-                <a:srgbClr val="000000"/>
-              </a:solidFill>
-              <a:effectLst/>
-              <a:uFillTx/>
-              <a:latin typeface="Times New Roman"/>
-            </a:endParaRPr>
-          </a:p>
-          <a:p>
-            <a:pPr lvl="4" marL="1080000" indent="-216000">
-              <a:spcBef>
-                <a:spcPts val="283"/>
-              </a:spcBef>
-              <a:buClr>
-                <a:srgbClr val="000000"/>
-              </a:buClr>
-              <a:buSzPct val="45000"/>
-              <a:buFont typeface="Wingdings" charset="2"/>
-              <a:buChar char=""/>
-            </a:pPr>
-            <a:r>
-              <a:rPr b="0" lang="en-US" sz="1800" strike="noStrike" u="none">
-                <a:solidFill>
-                  <a:srgbClr val="000000"/>
-                </a:solidFill>
-                <a:effectLst/>
-                <a:uFillTx/>
-                <a:latin typeface="Times New Roman"/>
-              </a:rPr>
-              <a:t>Fifth Outline Level</a:t>
-            </a:r>
-            <a:endParaRPr b="0" lang="en-US" sz="1800" strike="noStrike" u="none">
-              <a:solidFill>
-                <a:srgbClr val="000000"/>
-              </a:solidFill>
-              <a:effectLst/>
-              <a:uFillTx/>
-              <a:latin typeface="Times New Roman"/>
-            </a:endParaRPr>
-          </a:p>
-          <a:p>
-            <a:pPr lvl="5" marL="1296000" indent="-216000">
-              <a:spcBef>
-                <a:spcPts val="283"/>
-              </a:spcBef>
-              <a:buClr>
-                <a:srgbClr val="000000"/>
-              </a:buClr>
-              <a:buSzPct val="45000"/>
-              <a:buFont typeface="Wingdings" charset="2"/>
-              <a:buChar char=""/>
-            </a:pPr>
-            <a:r>
-              <a:rPr b="0" lang="en-US" sz="1800" strike="noStrike" u="none">
-                <a:solidFill>
-                  <a:srgbClr val="000000"/>
-                </a:solidFill>
-                <a:effectLst/>
-                <a:uFillTx/>
-                <a:latin typeface="Times New Roman"/>
-              </a:rPr>
-              <a:t>Sixth Outline Level</a:t>
-            </a:r>
-            <a:endParaRPr b="0" lang="en-US" sz="1800" strike="noStrike" u="none">
-              <a:solidFill>
-                <a:srgbClr val="000000"/>
-              </a:solidFill>
-              <a:effectLst/>
-              <a:uFillTx/>
-              <a:latin typeface="Times New Roman"/>
-            </a:endParaRPr>
-          </a:p>
-          <a:p>
-            <a:pPr lvl="6" marL="1512000" indent="-216000">
-              <a:spcBef>
-                <a:spcPts val="283"/>
-              </a:spcBef>
-              <a:buClr>
-                <a:srgbClr val="000000"/>
-              </a:buClr>
-              <a:buSzPct val="45000"/>
-              <a:buFont typeface="Wingdings" charset="2"/>
-              <a:buChar char=""/>
-            </a:pPr>
-            <a:r>
-              <a:rPr b="0" lang="en-US" sz="1800" strike="noStrike" u="none">
-                <a:solidFill>
-                  <a:srgbClr val="000000"/>
-                </a:solidFill>
-                <a:effectLst/>
-                <a:uFillTx/>
-                <a:latin typeface="Times New Roman"/>
-              </a:rPr>
-              <a:t>Seventh Outline Level</a:t>
-            </a:r>
-            <a:endParaRPr b="0" lang="en-US" sz="1800" strike="noStrike" u="none">
-              <a:solidFill>
-                <a:srgbClr val="000000"/>
-              </a:solidFill>
-              <a:effectLst/>
-              <a:uFillTx/>
-              <a:latin typeface="Times New Roman"/>
-            </a:endParaRPr>
-          </a:p>
-        </p:txBody>
-      </p:sp>
-      <p:sp>
-        <p:nvSpPr>
-          <p:cNvPr id="32" name="PlaceHolder 3"/>
+          <p:cNvPr id="33" name="PlaceHolder 2"/>
           <p:cNvSpPr>
             <a:spLocks noGrp="1"/>
           </p:cNvSpPr>
@@ -5507,7 +7053,7 @@
         <p:spPr>
           <a:xfrm>
             <a:off x="8472600" y="4663080"/>
-            <a:ext cx="547560" cy="392400"/>
+            <a:ext cx="547200" cy="392040"/>
           </a:xfrm>
           <a:prstGeom prst="rect">
             <a:avLst/>
@@ -5551,7 +7097,7 @@
                 <a:tab algn="l" pos="0"/>
               </a:tabLst>
             </a:pPr>
-            <a:fld id="{66EB1979-AB18-4D99-A72E-9569788AA4B4}" type="slidenum">
+            <a:fld id="{A29B16CF-3A31-4F1F-BD78-8CC7D7D88BF7}" type="slidenum">
               <a:rPr b="0" lang="en" sz="1000" strike="noStrike" u="none">
                 <a:solidFill>
                   <a:schemeClr val="dk2"/>
@@ -5561,9 +7107,262 @@
                 <a:latin typeface="Arial"/>
                 <a:ea typeface="Arial"/>
               </a:rPr>
-              <a:t>&lt;number&gt;</a:t>
+              <a:t>1</a:t>
             </a:fld>
             <a:endParaRPr b="0" lang="en-US" sz="1000" strike="noStrike" u="none">
+              <a:solidFill>
+                <a:srgbClr val="000000"/>
+              </a:solidFill>
+              <a:effectLst/>
+              <a:uFillTx/>
+              <a:latin typeface="Times New Roman"/>
+            </a:endParaRPr>
+          </a:p>
+        </p:txBody>
+      </p:sp>
+      <p:sp>
+        <p:nvSpPr>
+          <p:cNvPr id="34" name="PlaceHolder 3"/>
+          <p:cNvSpPr>
+            <a:spLocks noGrp="1"/>
+          </p:cNvSpPr>
+          <p:nvPr>
+            <p:ph type="body"/>
+          </p:nvPr>
+        </p:nvSpPr>
+        <p:spPr>
+          <a:xfrm>
+            <a:off x="457200" y="1203480"/>
+            <a:ext cx="8229240" cy="2982960"/>
+          </a:xfrm>
+          <a:prstGeom prst="rect">
+            <a:avLst/>
+          </a:prstGeom>
+          <a:noFill/>
+          <a:ln w="0">
+            <a:noFill/>
+          </a:ln>
+        </p:spPr>
+        <p:txBody>
+          <a:bodyPr lIns="0" rIns="0" tIns="0" bIns="0" anchor="t">
+            <a:normAutofit/>
+          </a:bodyPr>
+          <a:p>
+            <a:pPr marL="432000" indent="-324000">
+              <a:spcBef>
+                <a:spcPts val="1417"/>
+              </a:spcBef>
+              <a:buClr>
+                <a:srgbClr val="000000"/>
+              </a:buClr>
+              <a:buSzPct val="45000"/>
+              <a:buFont typeface="Wingdings" charset="2"/>
+              <a:buChar char=""/>
+            </a:pPr>
+            <a:r>
+              <a:rPr b="0" lang="en-US" sz="3200" strike="noStrike" u="none">
+                <a:solidFill>
+                  <a:srgbClr val="000000"/>
+                </a:solidFill>
+                <a:effectLst/>
+                <a:uFillTx/>
+                <a:latin typeface="Arial"/>
+              </a:rPr>
+              <a:t>Click to edit the outline text format</a:t>
+            </a:r>
+            <a:endParaRPr b="0" lang="en-US" sz="3200" strike="noStrike" u="none">
+              <a:solidFill>
+                <a:srgbClr val="000000"/>
+              </a:solidFill>
+              <a:effectLst/>
+              <a:uFillTx/>
+              <a:latin typeface="Arial"/>
+            </a:endParaRPr>
+          </a:p>
+          <a:p>
+            <a:pPr lvl="1" marL="432000" indent="-216000">
+              <a:spcBef>
+                <a:spcPts val="1134"/>
+              </a:spcBef>
+              <a:buClr>
+                <a:srgbClr val="000000"/>
+              </a:buClr>
+              <a:buSzPct val="45000"/>
+              <a:buFont typeface="Wingdings" charset="2"/>
+              <a:buChar char=""/>
+            </a:pPr>
+            <a:r>
+              <a:rPr b="0" lang="en-US" sz="2800" strike="noStrike" u="none">
+                <a:solidFill>
+                  <a:srgbClr val="000000"/>
+                </a:solidFill>
+                <a:effectLst/>
+                <a:uFillTx/>
+                <a:latin typeface="Times New Roman"/>
+              </a:rPr>
+              <a:t>Second Outline Level</a:t>
+            </a:r>
+            <a:endParaRPr b="0" lang="en-US" sz="2800" strike="noStrike" u="none">
+              <a:solidFill>
+                <a:srgbClr val="000000"/>
+              </a:solidFill>
+              <a:effectLst/>
+              <a:uFillTx/>
+              <a:latin typeface="Times New Roman"/>
+            </a:endParaRPr>
+          </a:p>
+          <a:p>
+            <a:pPr lvl="2" marL="648000" indent="-216000">
+              <a:spcBef>
+                <a:spcPts val="850"/>
+              </a:spcBef>
+              <a:buClr>
+                <a:srgbClr val="000000"/>
+              </a:buClr>
+              <a:buSzPct val="45000"/>
+              <a:buFont typeface="Wingdings" charset="2"/>
+              <a:buChar char=""/>
+            </a:pPr>
+            <a:r>
+              <a:rPr b="0" lang="en-US" sz="2400" strike="noStrike" u="none">
+                <a:solidFill>
+                  <a:srgbClr val="000000"/>
+                </a:solidFill>
+                <a:effectLst/>
+                <a:uFillTx/>
+                <a:latin typeface="Times New Roman"/>
+              </a:rPr>
+              <a:t>Third Outline Level</a:t>
+            </a:r>
+            <a:endParaRPr b="0" lang="en-US" sz="2400" strike="noStrike" u="none">
+              <a:solidFill>
+                <a:srgbClr val="000000"/>
+              </a:solidFill>
+              <a:effectLst/>
+              <a:uFillTx/>
+              <a:latin typeface="Times New Roman"/>
+            </a:endParaRPr>
+          </a:p>
+          <a:p>
+            <a:pPr lvl="3" marL="864000" indent="-216000">
+              <a:spcBef>
+                <a:spcPts val="567"/>
+              </a:spcBef>
+              <a:buClr>
+                <a:srgbClr val="000000"/>
+              </a:buClr>
+              <a:buSzPct val="45000"/>
+              <a:buFont typeface="Wingdings" charset="2"/>
+              <a:buChar char=""/>
+            </a:pPr>
+            <a:r>
+              <a:rPr b="0" lang="en-US" sz="2000" strike="noStrike" u="none">
+                <a:solidFill>
+                  <a:srgbClr val="000000"/>
+                </a:solidFill>
+                <a:effectLst/>
+                <a:uFillTx/>
+                <a:latin typeface="Times New Roman"/>
+              </a:rPr>
+              <a:t>Fourth Outline Level</a:t>
+            </a:r>
+            <a:endParaRPr b="0" lang="en-US" sz="2000" strike="noStrike" u="none">
+              <a:solidFill>
+                <a:srgbClr val="000000"/>
+              </a:solidFill>
+              <a:effectLst/>
+              <a:uFillTx/>
+              <a:latin typeface="Times New Roman"/>
+            </a:endParaRPr>
+          </a:p>
+          <a:p>
+            <a:pPr lvl="4" marL="1080000" indent="-216000">
+              <a:spcBef>
+                <a:spcPts val="283"/>
+              </a:spcBef>
+              <a:buClr>
+                <a:srgbClr val="000000"/>
+              </a:buClr>
+              <a:buSzPct val="45000"/>
+              <a:buFont typeface="Wingdings" charset="2"/>
+              <a:buChar char=""/>
+            </a:pPr>
+            <a:r>
+              <a:rPr b="0" lang="en-US" sz="2000" strike="noStrike" u="none">
+                <a:solidFill>
+                  <a:srgbClr val="000000"/>
+                </a:solidFill>
+                <a:effectLst/>
+                <a:uFillTx/>
+                <a:latin typeface="Times New Roman"/>
+              </a:rPr>
+              <a:t>Fifth Outline Level</a:t>
+            </a:r>
+            <a:endParaRPr b="0" lang="en-US" sz="2000" strike="noStrike" u="none">
+              <a:solidFill>
+                <a:srgbClr val="000000"/>
+              </a:solidFill>
+              <a:effectLst/>
+              <a:uFillTx/>
+              <a:latin typeface="Times New Roman"/>
+            </a:endParaRPr>
+          </a:p>
+          <a:p>
+            <a:pPr lvl="5" marL="1296000" indent="-216000">
+              <a:spcBef>
+                <a:spcPts val="283"/>
+              </a:spcBef>
+              <a:buClr>
+                <a:srgbClr val="000000"/>
+              </a:buClr>
+              <a:buSzPct val="45000"/>
+              <a:buFont typeface="Wingdings" charset="2"/>
+              <a:buChar char=""/>
+            </a:pPr>
+            <a:r>
+              <a:rPr b="0" lang="en-US" sz="2000" strike="noStrike" u="none">
+                <a:solidFill>
+                  <a:srgbClr val="000000"/>
+                </a:solidFill>
+                <a:effectLst/>
+                <a:uFillTx/>
+                <a:latin typeface="Times New Roman"/>
+              </a:rPr>
+              <a:t>Sixth Outline Level</a:t>
+            </a:r>
+            <a:endParaRPr b="0" lang="en-US" sz="2000" strike="noStrike" u="none">
+              <a:solidFill>
+                <a:srgbClr val="000000"/>
+              </a:solidFill>
+              <a:effectLst/>
+              <a:uFillTx/>
+              <a:latin typeface="Times New Roman"/>
+            </a:endParaRPr>
+          </a:p>
+          <a:p>
+            <a:pPr lvl="6" marL="1512000" indent="-216000">
+              <a:spcBef>
+                <a:spcPts val="283"/>
+              </a:spcBef>
+              <a:buClr>
+                <a:srgbClr val="000000"/>
+              </a:buClr>
+              <a:buSzPct val="45000"/>
+              <a:buFont typeface="Wingdings" charset="2"/>
+              <a:buChar char=""/>
+            </a:pPr>
+            <a:r>
+              <a:rPr b="0" lang="en-US" sz="2000" strike="noStrike" u="none">
+                <a:solidFill>
+                  <a:srgbClr val="000000"/>
+                </a:solidFill>
+                <a:effectLst/>
+                <a:uFillTx/>
+                <a:latin typeface="Times New Roman"/>
+              </a:rPr>
+              <a:t>Seventh Outline Level</a:t>
+            </a:r>
+            <a:endParaRPr b="0" lang="en-US" sz="2000" strike="noStrike" u="none">
               <a:solidFill>
                 <a:srgbClr val="000000"/>
               </a:solidFill>
@@ -5578,7 +7377,11 @@
   </p:cSld>
   <p:clrMap bg1="lt1" tx1="dk1" bg2="dk2" tx2="lt2" accent1="accent1" accent2="accent2" accent3="accent3" accent4="accent4" accent5="accent5" accent6="accent6" hlink="hlink" folHlink="folHlink"/>
   <p:sldLayoutIdLst>
-    <p:sldLayoutId id="2147483669" r:id="rId2"/>
+    <p:sldLayoutId id="2147483665" r:id="rId2"/>
+    <p:sldLayoutId id="2147483666" r:id="rId3"/>
+    <p:sldLayoutId id="2147483667" r:id="rId4"/>
+    <p:sldLayoutId id="2147483668" r:id="rId5"/>
+    <p:sldLayoutId id="2147483669" r:id="rId6"/>
   </p:sldLayoutIdLst>
 </p:sldMaster>
 </file>
@@ -5602,14 +7405,14 @@
       </p:grpSpPr>
       <p:sp>
         <p:nvSpPr>
-          <p:cNvPr id="50" name="Google Shape;111;p14"/>
+          <p:cNvPr id="66" name="Google Shape;111;p14"/>
           <p:cNvSpPr/>
           <p:nvPr/>
         </p:nvSpPr>
         <p:spPr>
           <a:xfrm>
             <a:off x="0" y="1033920"/>
-            <a:ext cx="3043800" cy="4108680"/>
+            <a:ext cx="3043440" cy="4108320"/>
           </a:xfrm>
           <a:prstGeom prst="rect">
             <a:avLst/>
@@ -5664,19 +7467,19 @@
       </p:sp>
       <p:pic>
         <p:nvPicPr>
-          <p:cNvPr id="51" name="Google Shape;112;p14" descr=""/>
+          <p:cNvPr id="67" name="Google Shape;112;p14" descr=""/>
           <p:cNvPicPr/>
           <p:nvPr/>
         </p:nvPicPr>
         <p:blipFill>
           <a:blip r:embed="rId1"/>
-          <a:srcRect l="10084" t="23970" r="72560" b="60190"/>
+          <a:srcRect l="10084" t="23966" r="72553" b="60180"/>
           <a:stretch/>
         </p:blipFill>
         <p:spPr>
           <a:xfrm>
             <a:off x="8601840" y="-23040"/>
-            <a:ext cx="548640" cy="389880"/>
+            <a:ext cx="548280" cy="389520"/>
           </a:xfrm>
           <a:prstGeom prst="rect">
             <a:avLst/>
@@ -5691,19 +7494,19 @@
       </p:pic>
       <p:pic>
         <p:nvPicPr>
-          <p:cNvPr id="52" name="Google Shape;113;p14" descr=""/>
+          <p:cNvPr id="68" name="Google Shape;113;p14" descr=""/>
           <p:cNvPicPr/>
           <p:nvPr/>
         </p:nvPicPr>
         <p:blipFill>
           <a:blip r:embed="rId2"/>
-          <a:srcRect l="10084" t="23970" r="9668" b="60190"/>
+          <a:srcRect l="10084" t="23966" r="9668" b="60180"/>
           <a:stretch/>
         </p:blipFill>
         <p:spPr>
           <a:xfrm>
             <a:off x="6512760" y="-24120"/>
-            <a:ext cx="2544840" cy="389880"/>
+            <a:ext cx="2544480" cy="389520"/>
           </a:xfrm>
           <a:prstGeom prst="rect">
             <a:avLst/>
@@ -5718,19 +7521,19 @@
       </p:pic>
       <p:pic>
         <p:nvPicPr>
-          <p:cNvPr id="53" name="Google Shape;114;p14" descr=""/>
+          <p:cNvPr id="69" name="Google Shape;114;p14" descr=""/>
           <p:cNvPicPr/>
           <p:nvPr/>
         </p:nvPicPr>
         <p:blipFill>
           <a:blip r:embed="rId3"/>
-          <a:srcRect l="10084" t="23970" r="9668" b="60190"/>
+          <a:srcRect l="10084" t="23966" r="9668" b="60180"/>
           <a:stretch/>
         </p:blipFill>
         <p:spPr>
           <a:xfrm>
             <a:off x="4835160" y="-24120"/>
-            <a:ext cx="2544840" cy="389880"/>
+            <a:ext cx="2544480" cy="389520"/>
           </a:xfrm>
           <a:prstGeom prst="rect">
             <a:avLst/>
@@ -5745,19 +7548,19 @@
       </p:pic>
       <p:pic>
         <p:nvPicPr>
-          <p:cNvPr id="54" name="Google Shape;115;p14" descr=""/>
+          <p:cNvPr id="70" name="Google Shape;115;p14" descr=""/>
           <p:cNvPicPr/>
           <p:nvPr/>
         </p:nvPicPr>
         <p:blipFill>
           <a:blip r:embed="rId4"/>
-          <a:srcRect l="10084" t="23970" r="9668" b="60190"/>
+          <a:srcRect l="10084" t="23966" r="9668" b="60180"/>
           <a:stretch/>
         </p:blipFill>
         <p:spPr>
           <a:xfrm>
             <a:off x="2403720" y="-24120"/>
-            <a:ext cx="2544840" cy="389880"/>
+            <a:ext cx="2544480" cy="389520"/>
           </a:xfrm>
           <a:prstGeom prst="rect">
             <a:avLst/>
@@ -5772,19 +7575,19 @@
       </p:pic>
       <p:pic>
         <p:nvPicPr>
-          <p:cNvPr id="55" name="Google Shape;116;p14" descr=""/>
+          <p:cNvPr id="71" name="Google Shape;116;p14" descr=""/>
           <p:cNvPicPr/>
           <p:nvPr/>
         </p:nvPicPr>
         <p:blipFill>
           <a:blip r:embed="rId5"/>
-          <a:srcRect l="10084" t="23970" r="9668" b="60190"/>
+          <a:srcRect l="10084" t="23966" r="9668" b="60180"/>
           <a:stretch/>
         </p:blipFill>
         <p:spPr>
           <a:xfrm>
             <a:off x="0" y="-24120"/>
-            <a:ext cx="2544840" cy="389880"/>
+            <a:ext cx="2544480" cy="389520"/>
           </a:xfrm>
           <a:prstGeom prst="rect">
             <a:avLst/>
@@ -5799,14 +7602,14 @@
       </p:pic>
       <p:sp>
         <p:nvSpPr>
-          <p:cNvPr id="56" name="Google Shape;117;p14"/>
+          <p:cNvPr id="72" name="Google Shape;117;p14"/>
           <p:cNvSpPr/>
           <p:nvPr/>
         </p:nvSpPr>
         <p:spPr>
           <a:xfrm>
             <a:off x="6094800" y="1033920"/>
-            <a:ext cx="3043800" cy="4108680"/>
+            <a:ext cx="3043440" cy="4108320"/>
           </a:xfrm>
           <a:prstGeom prst="rect">
             <a:avLst/>
@@ -5861,14 +7664,14 @@
       </p:sp>
       <p:sp>
         <p:nvSpPr>
-          <p:cNvPr id="57" name="Google Shape;118;p14"/>
+          <p:cNvPr id="73" name="Google Shape;118;p14"/>
           <p:cNvSpPr/>
           <p:nvPr/>
         </p:nvSpPr>
         <p:spPr>
           <a:xfrm>
             <a:off x="3049560" y="1033920"/>
-            <a:ext cx="3043800" cy="4108680"/>
+            <a:ext cx="3043440" cy="4108320"/>
           </a:xfrm>
           <a:prstGeom prst="rect">
             <a:avLst/>
@@ -5923,19 +7726,19 @@
       </p:sp>
       <p:pic>
         <p:nvPicPr>
-          <p:cNvPr id="58" name="Google Shape;119;p14" descr=""/>
+          <p:cNvPr id="74" name="Google Shape;119;p14" descr=""/>
           <p:cNvPicPr/>
           <p:nvPr/>
         </p:nvPicPr>
         <p:blipFill>
           <a:blip r:embed="rId6"/>
-          <a:srcRect l="10084" t="23970" r="9668" b="60190"/>
+          <a:srcRect l="10084" t="23966" r="9668" b="60180"/>
           <a:stretch/>
         </p:blipFill>
         <p:spPr>
           <a:xfrm>
             <a:off x="360" y="-104760"/>
-            <a:ext cx="9142920" cy="389880"/>
+            <a:ext cx="9142560" cy="389520"/>
           </a:xfrm>
           <a:prstGeom prst="rect">
             <a:avLst/>
@@ -5950,14 +7753,14 @@
       </p:pic>
       <p:sp>
         <p:nvSpPr>
-          <p:cNvPr id="59" name="Google Shape;120;p14"/>
+          <p:cNvPr id="75" name="Google Shape;120;p14"/>
           <p:cNvSpPr/>
           <p:nvPr/>
         </p:nvSpPr>
         <p:spPr>
           <a:xfrm>
             <a:off x="0" y="27360"/>
-            <a:ext cx="9142920" cy="1143720"/>
+            <a:ext cx="9142560" cy="1143360"/>
           </a:xfrm>
           <a:prstGeom prst="horizontalScroll">
             <a:avLst>
@@ -6006,14 +7809,14 @@
       </p:sp>
       <p:sp>
         <p:nvSpPr>
-          <p:cNvPr id="60" name="Google Shape;121;p14"/>
+          <p:cNvPr id="76" name="Google Shape;121;p14"/>
           <p:cNvSpPr/>
           <p:nvPr/>
         </p:nvSpPr>
         <p:spPr>
           <a:xfrm>
             <a:off x="38160" y="82440"/>
-            <a:ext cx="9142920" cy="868320"/>
+            <a:ext cx="9142560" cy="868320"/>
           </a:xfrm>
           <a:prstGeom prst="rect">
             <a:avLst/>
@@ -6115,7 +7918,7 @@
       </p:sp>
       <p:pic>
         <p:nvPicPr>
-          <p:cNvPr id="61" name="Google Shape;122;p14" descr=""/>
+          <p:cNvPr id="77" name="Google Shape;122;p14" descr=""/>
           <p:cNvPicPr/>
           <p:nvPr/>
         </p:nvPicPr>
@@ -6126,7 +7929,7 @@
         <p:spPr>
           <a:xfrm>
             <a:off x="7953840" y="212760"/>
-            <a:ext cx="837720" cy="782640"/>
+            <a:ext cx="837360" cy="782280"/>
           </a:xfrm>
           <a:prstGeom prst="rect">
             <a:avLst/>
@@ -6139,14 +7942,14 @@
       </p:pic>
       <p:sp>
         <p:nvSpPr>
-          <p:cNvPr id="62" name="Google Shape;123;p14"/>
+          <p:cNvPr id="78" name="Google Shape;123;p14"/>
           <p:cNvSpPr/>
           <p:nvPr/>
         </p:nvSpPr>
         <p:spPr>
           <a:xfrm>
             <a:off x="248400" y="3185280"/>
-            <a:ext cx="2297520" cy="460800"/>
+            <a:ext cx="2297160" cy="460440"/>
           </a:xfrm>
           <a:prstGeom prst="rect">
             <a:avLst/>
@@ -6188,14 +7991,14 @@
       </p:sp>
       <p:sp>
         <p:nvSpPr>
-          <p:cNvPr id="63" name="Google Shape;124;p14"/>
+          <p:cNvPr id="79" name="Google Shape;124;p14"/>
           <p:cNvSpPr/>
           <p:nvPr/>
         </p:nvSpPr>
         <p:spPr>
           <a:xfrm>
             <a:off x="468360" y="3057840"/>
-            <a:ext cx="2297520" cy="509760"/>
+            <a:ext cx="2297160" cy="509400"/>
           </a:xfrm>
           <a:prstGeom prst="rect">
             <a:avLst/>
@@ -6237,14 +8040,14 @@
       </p:sp>
       <p:sp>
         <p:nvSpPr>
-          <p:cNvPr id="64" name="Google Shape;125;p14"/>
+          <p:cNvPr id="80" name="Google Shape;125;p14"/>
           <p:cNvSpPr/>
           <p:nvPr/>
         </p:nvSpPr>
         <p:spPr>
           <a:xfrm>
             <a:off x="4320" y="1014480"/>
-            <a:ext cx="3043800" cy="353160"/>
+            <a:ext cx="3043440" cy="352800"/>
           </a:xfrm>
           <a:prstGeom prst="rect">
             <a:avLst/>
@@ -6298,14 +8101,14 @@
       </p:sp>
       <p:sp>
         <p:nvSpPr>
-          <p:cNvPr id="65" name="Google Shape;126;p14"/>
+          <p:cNvPr id="81" name="Google Shape;126;p14"/>
           <p:cNvSpPr/>
           <p:nvPr/>
         </p:nvSpPr>
         <p:spPr>
           <a:xfrm>
             <a:off x="1370880" y="534600"/>
-            <a:ext cx="6401160" cy="556200"/>
+            <a:ext cx="6400800" cy="555480"/>
           </a:xfrm>
           <a:prstGeom prst="rect">
             <a:avLst/>
@@ -6395,6 +8198,30 @@
                 <a:latin typeface="Nanum Myeongjo"/>
                 <a:ea typeface="Nanum Myeongjo"/>
               </a:rPr>
+              <a:t>, Marchea J. Hill DO</a:t>
+            </a:r>
+            <a:r>
+              <a:rPr b="1" lang="en" sz="550" strike="noStrike" u="none" baseline="33000">
+                <a:solidFill>
+                  <a:schemeClr val="dk1"/>
+                </a:solidFill>
+                <a:effectLst/>
+                <a:uFillTx/>
+                <a:latin typeface="Nanum Myeongjo"/>
+                <a:ea typeface="Nanum Myeongjo"/>
+              </a:rPr>
+              <a:t>2</a:t>
+            </a:r>
+            <a:r>
+              <a:rPr b="1" lang="en" sz="550" strike="noStrike" u="none">
+                <a:solidFill>
+                  <a:schemeClr val="dk1"/>
+                </a:solidFill>
+                <a:effectLst/>
+                <a:uFillTx/>
+                <a:latin typeface="Nanum Myeongjo"/>
+                <a:ea typeface="Nanum Myeongjo"/>
+              </a:rPr>
               <a:t>, Dawn L. Laporte, MD</a:t>
             </a:r>
             <a:r>
@@ -6533,14 +8360,14 @@
       </p:sp>
       <p:sp>
         <p:nvSpPr>
-          <p:cNvPr id="66" name="Google Shape;130;p14"/>
+          <p:cNvPr id="82" name="Google Shape;130;p14"/>
           <p:cNvSpPr/>
           <p:nvPr/>
         </p:nvSpPr>
         <p:spPr>
           <a:xfrm>
             <a:off x="2958840" y="1014480"/>
-            <a:ext cx="3043800" cy="353160"/>
+            <a:ext cx="3043440" cy="352800"/>
           </a:xfrm>
           <a:prstGeom prst="rect">
             <a:avLst/>
@@ -6660,19 +8487,19 @@
       </p:sp>
       <p:pic>
         <p:nvPicPr>
-          <p:cNvPr id="67" name="Google Shape;131;p14" descr=""/>
+          <p:cNvPr id="83" name="Google Shape;131;p14" descr=""/>
           <p:cNvPicPr/>
           <p:nvPr/>
         </p:nvPicPr>
         <p:blipFill>
           <a:blip r:embed="rId8"/>
-          <a:srcRect l="0" t="0" r="45345" b="0"/>
+          <a:srcRect l="0" t="0" r="45339" b="0"/>
           <a:stretch/>
         </p:blipFill>
         <p:spPr>
           <a:xfrm>
-            <a:off x="3200400" y="2286000"/>
-            <a:ext cx="2742480" cy="2404800"/>
+            <a:off x="3115440" y="2412000"/>
+            <a:ext cx="2900160" cy="2543040"/>
           </a:xfrm>
           <a:prstGeom prst="rect">
             <a:avLst/>
@@ -6685,14 +8512,14 @@
       </p:pic>
       <p:sp>
         <p:nvSpPr>
-          <p:cNvPr id="68" name="Google Shape;137;p14"/>
+          <p:cNvPr id="84" name="Google Shape;137;p14"/>
           <p:cNvSpPr/>
           <p:nvPr/>
         </p:nvSpPr>
         <p:spPr>
           <a:xfrm>
             <a:off x="6006960" y="1014480"/>
-            <a:ext cx="3043800" cy="353160"/>
+            <a:ext cx="3043440" cy="352800"/>
           </a:xfrm>
           <a:prstGeom prst="rect">
             <a:avLst/>
@@ -6776,7 +8603,7 @@
       </p:sp>
       <p:pic>
         <p:nvPicPr>
-          <p:cNvPr id="69" name="" descr=""/>
+          <p:cNvPr id="85" name="" descr=""/>
           <p:cNvPicPr/>
           <p:nvPr/>
         </p:nvPicPr>
@@ -6787,7 +8614,7 @@
         <p:spPr>
           <a:xfrm>
             <a:off x="518400" y="219240"/>
-            <a:ext cx="786600" cy="776160"/>
+            <a:ext cx="786240" cy="775800"/>
           </a:xfrm>
           <a:prstGeom prst="rect">
             <a:avLst/>
@@ -6800,7 +8627,7 @@
       </p:pic>
       <p:pic>
         <p:nvPicPr>
-          <p:cNvPr id="70" name="" descr=""/>
+          <p:cNvPr id="86" name="" descr=""/>
           <p:cNvPicPr/>
           <p:nvPr/>
         </p:nvPicPr>
@@ -6812,7 +8639,7 @@
         <p:spPr>
           <a:xfrm>
             <a:off x="518760" y="2057400"/>
-            <a:ext cx="2052000" cy="3085560"/>
+            <a:ext cx="2051640" cy="3085200"/>
           </a:xfrm>
           <a:prstGeom prst="rect">
             <a:avLst/>
@@ -6825,7 +8652,7 @@
       </p:pic>
       <p:pic>
         <p:nvPicPr>
-          <p:cNvPr id="71" name="" descr=""/>
+          <p:cNvPr id="87" name="" descr=""/>
           <p:cNvPicPr/>
           <p:nvPr/>
         </p:nvPicPr>
@@ -6836,7 +8663,7 @@
         <p:spPr>
           <a:xfrm>
             <a:off x="6641640" y="2514600"/>
-            <a:ext cx="1816560" cy="1160640"/>
+            <a:ext cx="1816200" cy="1160280"/>
           </a:xfrm>
           <a:prstGeom prst="rect">
             <a:avLst/>
@@ -6849,7 +8676,7 @@
       </p:pic>
       <p:pic>
         <p:nvPicPr>
-          <p:cNvPr id="72" name="" descr=""/>
+          <p:cNvPr id="88" name="" descr=""/>
           <p:cNvPicPr/>
           <p:nvPr/>
         </p:nvPicPr>
@@ -6860,7 +8687,7 @@
         <p:spPr>
           <a:xfrm>
             <a:off x="7167960" y="3886200"/>
-            <a:ext cx="833040" cy="833040"/>
+            <a:ext cx="832680" cy="832680"/>
           </a:xfrm>
           <a:prstGeom prst="rect">
             <a:avLst/>
@@ -6873,14 +8700,14 @@
       </p:pic>
       <p:sp>
         <p:nvSpPr>
-          <p:cNvPr id="73" name=""/>
-          <p:cNvSpPr txBox="1"/>
+          <p:cNvPr id="89" name=""/>
+          <p:cNvSpPr/>
           <p:nvPr/>
         </p:nvSpPr>
         <p:spPr>
           <a:xfrm>
             <a:off x="6093360" y="4828680"/>
-            <a:ext cx="3108960" cy="429120"/>
+            <a:ext cx="3108600" cy="429480"/>
           </a:xfrm>
           <a:prstGeom prst="rect">
             <a:avLst/>
@@ -6890,12 +8717,22 @@
             <a:noFill/>
           </a:ln>
         </p:spPr>
+        <p:style>
+          <a:lnRef idx="0"/>
+          <a:fillRef idx="0"/>
+          <a:effectRef idx="0"/>
+          <a:fontRef idx="minor"/>
+        </p:style>
         <p:txBody>
-          <a:bodyPr lIns="90000" rIns="90000" tIns="45000" bIns="45000" anchor="t" anchorCtr="1">
+          <a:bodyPr lIns="90000" rIns="90000" tIns="45000" bIns="45000" anchor="t">
             <a:spAutoFit/>
           </a:bodyPr>
           <a:p>
-            <a:pPr algn="ctr"/>
+            <a:pPr algn="ctr">
+              <a:lnSpc>
+                <a:spcPct val="100000"/>
+              </a:lnSpc>
+            </a:pPr>
             <a:r>
               <a:rPr b="1" lang="en" sz="800" strike="noStrike" u="none">
                 <a:solidFill>
@@ -8136,6 +9973,694 @@
 </a:theme>
 </file>
 
+<file path=ppt/theme/theme16.xml><?xml version="1.0" encoding="utf-8"?>
+<a:theme xmlns:a="http://schemas.openxmlformats.org/drawingml/2006/main" xmlns:r="http://schemas.openxmlformats.org/officeDocument/2006/relationships" name="Simple Light">
+  <a:themeElements>
+    <a:clrScheme name="Simple Light">
+      <a:dk1>
+        <a:srgbClr val="000000"/>
+      </a:dk1>
+      <a:lt1>
+        <a:srgbClr val="ffffff"/>
+      </a:lt1>
+      <a:dk2>
+        <a:srgbClr val="595959"/>
+      </a:dk2>
+      <a:lt2>
+        <a:srgbClr val="eeeeee"/>
+      </a:lt2>
+      <a:accent1>
+        <a:srgbClr val="4285f4"/>
+      </a:accent1>
+      <a:accent2>
+        <a:srgbClr val="212121"/>
+      </a:accent2>
+      <a:accent3>
+        <a:srgbClr val="78909c"/>
+      </a:accent3>
+      <a:accent4>
+        <a:srgbClr val="ffab40"/>
+      </a:accent4>
+      <a:accent5>
+        <a:srgbClr val="0097a7"/>
+      </a:accent5>
+      <a:accent6>
+        <a:srgbClr val="eeff41"/>
+      </a:accent6>
+      <a:hlink>
+        <a:srgbClr val="0097a7"/>
+      </a:hlink>
+      <a:folHlink>
+        <a:srgbClr val="0097a7"/>
+      </a:folHlink>
+    </a:clrScheme>
+    <a:fontScheme name="Office">
+      <a:majorFont>
+        <a:latin typeface="Arial" pitchFamily="0" charset="1"/>
+        <a:ea typeface=""/>
+        <a:cs typeface=""/>
+      </a:majorFont>
+      <a:minorFont>
+        <a:latin typeface="Arial" pitchFamily="0" charset="1"/>
+        <a:ea typeface=""/>
+        <a:cs typeface=""/>
+      </a:minorFont>
+    </a:fontScheme>
+    <a:fmtScheme>
+      <a:fillStyleLst>
+        <a:solidFill>
+          <a:schemeClr val="phClr"/>
+        </a:solidFill>
+        <a:gradFill>
+          <a:gsLst>
+            <a:gs pos="0">
+              <a:schemeClr val="phClr">
+                <a:tint val="50000"/>
+              </a:schemeClr>
+            </a:gs>
+            <a:gs pos="35000">
+              <a:schemeClr val="phClr">
+                <a:tint val="37000"/>
+              </a:schemeClr>
+            </a:gs>
+            <a:gs pos="100000">
+              <a:schemeClr val="phClr">
+                <a:tint val="15000"/>
+              </a:schemeClr>
+            </a:gs>
+          </a:gsLst>
+          <a:lin ang="16200000" scaled="1"/>
+          <a:tileRect l="0" t="0" r="0" b="0"/>
+        </a:gradFill>
+        <a:gradFill>
+          <a:gsLst>
+            <a:gs pos="0">
+              <a:schemeClr val="phClr">
+                <a:tint val="100000"/>
+                <a:shade val="100000"/>
+              </a:schemeClr>
+            </a:gs>
+            <a:gs pos="100000">
+              <a:schemeClr val="phClr">
+                <a:tint val="50000"/>
+                <a:shade val="100000"/>
+              </a:schemeClr>
+            </a:gs>
+          </a:gsLst>
+          <a:lin ang="16200000" scaled="0"/>
+          <a:tileRect l="0" t="0" r="0" b="0"/>
+        </a:gradFill>
+      </a:fillStyleLst>
+      <a:lnStyleLst>
+        <a:ln w="9525" cap="flat" cmpd="sng" algn="ctr">
+          <a:prstDash val="solid"/>
+        </a:ln>
+        <a:ln w="25400" cap="flat" cmpd="sng" algn="ctr">
+          <a:prstDash val="solid"/>
+        </a:ln>
+        <a:ln w="38100" cap="flat" cmpd="sng" algn="ctr">
+          <a:prstDash val="solid"/>
+        </a:ln>
+      </a:lnStyleLst>
+      <a:effectStyleLst>
+        <a:effectStyle>
+          <a:effectLst/>
+        </a:effectStyle>
+        <a:effectStyle>
+          <a:effectLst/>
+        </a:effectStyle>
+        <a:effectStyle>
+          <a:effectLst/>
+        </a:effectStyle>
+      </a:effectStyleLst>
+      <a:bgFillStyleLst>
+        <a:solidFill>
+          <a:schemeClr val="phClr"/>
+        </a:solidFill>
+        <a:gradFill>
+          <a:gsLst>
+            <a:gs pos="0">
+              <a:schemeClr val="phClr">
+                <a:tint val="40000"/>
+              </a:schemeClr>
+            </a:gs>
+            <a:gs pos="40000">
+              <a:schemeClr val="phClr">
+                <a:tint val="45000"/>
+                <a:shade val="99000"/>
+              </a:schemeClr>
+            </a:gs>
+            <a:gs pos="100000">
+              <a:schemeClr val="phClr">
+                <a:shade val="20000"/>
+              </a:schemeClr>
+            </a:gs>
+          </a:gsLst>
+          <a:path path="circle">
+            <a:fillToRect l="50000" t="-80000" r="50000" b="180000"/>
+          </a:path>
+          <a:tileRect l="0" t="0" r="0" b="0"/>
+        </a:gradFill>
+        <a:gradFill>
+          <a:gsLst>
+            <a:gs pos="0">
+              <a:schemeClr val="phClr">
+                <a:tint val="80000"/>
+              </a:schemeClr>
+            </a:gs>
+            <a:gs pos="100000">
+              <a:schemeClr val="phClr">
+                <a:shade val="30000"/>
+              </a:schemeClr>
+            </a:gs>
+          </a:gsLst>
+          <a:path path="circle">
+            <a:fillToRect l="50000" t="50000" r="50000" b="50000"/>
+          </a:path>
+          <a:tileRect l="0" t="0" r="0" b="0"/>
+        </a:gradFill>
+      </a:bgFillStyleLst>
+    </a:fmtScheme>
+  </a:themeElements>
+</a:theme>
+</file>
+
+<file path=ppt/theme/theme17.xml><?xml version="1.0" encoding="utf-8"?>
+<a:theme xmlns:a="http://schemas.openxmlformats.org/drawingml/2006/main" xmlns:r="http://schemas.openxmlformats.org/officeDocument/2006/relationships" name="Simple Light">
+  <a:themeElements>
+    <a:clrScheme name="Simple Light">
+      <a:dk1>
+        <a:srgbClr val="000000"/>
+      </a:dk1>
+      <a:lt1>
+        <a:srgbClr val="ffffff"/>
+      </a:lt1>
+      <a:dk2>
+        <a:srgbClr val="595959"/>
+      </a:dk2>
+      <a:lt2>
+        <a:srgbClr val="eeeeee"/>
+      </a:lt2>
+      <a:accent1>
+        <a:srgbClr val="4285f4"/>
+      </a:accent1>
+      <a:accent2>
+        <a:srgbClr val="212121"/>
+      </a:accent2>
+      <a:accent3>
+        <a:srgbClr val="78909c"/>
+      </a:accent3>
+      <a:accent4>
+        <a:srgbClr val="ffab40"/>
+      </a:accent4>
+      <a:accent5>
+        <a:srgbClr val="0097a7"/>
+      </a:accent5>
+      <a:accent6>
+        <a:srgbClr val="eeff41"/>
+      </a:accent6>
+      <a:hlink>
+        <a:srgbClr val="0097a7"/>
+      </a:hlink>
+      <a:folHlink>
+        <a:srgbClr val="0097a7"/>
+      </a:folHlink>
+    </a:clrScheme>
+    <a:fontScheme name="Office">
+      <a:majorFont>
+        <a:latin typeface="Arial" pitchFamily="0" charset="1"/>
+        <a:ea typeface=""/>
+        <a:cs typeface=""/>
+      </a:majorFont>
+      <a:minorFont>
+        <a:latin typeface="Arial" pitchFamily="0" charset="1"/>
+        <a:ea typeface=""/>
+        <a:cs typeface=""/>
+      </a:minorFont>
+    </a:fontScheme>
+    <a:fmtScheme>
+      <a:fillStyleLst>
+        <a:solidFill>
+          <a:schemeClr val="phClr"/>
+        </a:solidFill>
+        <a:gradFill>
+          <a:gsLst>
+            <a:gs pos="0">
+              <a:schemeClr val="phClr">
+                <a:tint val="50000"/>
+              </a:schemeClr>
+            </a:gs>
+            <a:gs pos="35000">
+              <a:schemeClr val="phClr">
+                <a:tint val="37000"/>
+              </a:schemeClr>
+            </a:gs>
+            <a:gs pos="100000">
+              <a:schemeClr val="phClr">
+                <a:tint val="15000"/>
+              </a:schemeClr>
+            </a:gs>
+          </a:gsLst>
+          <a:lin ang="16200000" scaled="1"/>
+          <a:tileRect l="0" t="0" r="0" b="0"/>
+        </a:gradFill>
+        <a:gradFill>
+          <a:gsLst>
+            <a:gs pos="0">
+              <a:schemeClr val="phClr">
+                <a:tint val="100000"/>
+                <a:shade val="100000"/>
+              </a:schemeClr>
+            </a:gs>
+            <a:gs pos="100000">
+              <a:schemeClr val="phClr">
+                <a:tint val="50000"/>
+                <a:shade val="100000"/>
+              </a:schemeClr>
+            </a:gs>
+          </a:gsLst>
+          <a:lin ang="16200000" scaled="0"/>
+          <a:tileRect l="0" t="0" r="0" b="0"/>
+        </a:gradFill>
+      </a:fillStyleLst>
+      <a:lnStyleLst>
+        <a:ln w="9525" cap="flat" cmpd="sng" algn="ctr">
+          <a:prstDash val="solid"/>
+        </a:ln>
+        <a:ln w="25400" cap="flat" cmpd="sng" algn="ctr">
+          <a:prstDash val="solid"/>
+        </a:ln>
+        <a:ln w="38100" cap="flat" cmpd="sng" algn="ctr">
+          <a:prstDash val="solid"/>
+        </a:ln>
+      </a:lnStyleLst>
+      <a:effectStyleLst>
+        <a:effectStyle>
+          <a:effectLst/>
+        </a:effectStyle>
+        <a:effectStyle>
+          <a:effectLst/>
+        </a:effectStyle>
+        <a:effectStyle>
+          <a:effectLst/>
+        </a:effectStyle>
+      </a:effectStyleLst>
+      <a:bgFillStyleLst>
+        <a:solidFill>
+          <a:schemeClr val="phClr"/>
+        </a:solidFill>
+        <a:gradFill>
+          <a:gsLst>
+            <a:gs pos="0">
+              <a:schemeClr val="phClr">
+                <a:tint val="40000"/>
+              </a:schemeClr>
+            </a:gs>
+            <a:gs pos="40000">
+              <a:schemeClr val="phClr">
+                <a:tint val="45000"/>
+                <a:shade val="99000"/>
+              </a:schemeClr>
+            </a:gs>
+            <a:gs pos="100000">
+              <a:schemeClr val="phClr">
+                <a:shade val="20000"/>
+              </a:schemeClr>
+            </a:gs>
+          </a:gsLst>
+          <a:path path="circle">
+            <a:fillToRect l="50000" t="-80000" r="50000" b="180000"/>
+          </a:path>
+          <a:tileRect l="0" t="0" r="0" b="0"/>
+        </a:gradFill>
+        <a:gradFill>
+          <a:gsLst>
+            <a:gs pos="0">
+              <a:schemeClr val="phClr">
+                <a:tint val="80000"/>
+              </a:schemeClr>
+            </a:gs>
+            <a:gs pos="100000">
+              <a:schemeClr val="phClr">
+                <a:shade val="30000"/>
+              </a:schemeClr>
+            </a:gs>
+          </a:gsLst>
+          <a:path path="circle">
+            <a:fillToRect l="50000" t="50000" r="50000" b="50000"/>
+          </a:path>
+          <a:tileRect l="0" t="0" r="0" b="0"/>
+        </a:gradFill>
+      </a:bgFillStyleLst>
+    </a:fmtScheme>
+  </a:themeElements>
+</a:theme>
+</file>
+
+<file path=ppt/theme/theme18.xml><?xml version="1.0" encoding="utf-8"?>
+<a:theme xmlns:a="http://schemas.openxmlformats.org/drawingml/2006/main" xmlns:r="http://schemas.openxmlformats.org/officeDocument/2006/relationships" name="Simple Light">
+  <a:themeElements>
+    <a:clrScheme name="Simple Light">
+      <a:dk1>
+        <a:srgbClr val="000000"/>
+      </a:dk1>
+      <a:lt1>
+        <a:srgbClr val="ffffff"/>
+      </a:lt1>
+      <a:dk2>
+        <a:srgbClr val="595959"/>
+      </a:dk2>
+      <a:lt2>
+        <a:srgbClr val="eeeeee"/>
+      </a:lt2>
+      <a:accent1>
+        <a:srgbClr val="4285f4"/>
+      </a:accent1>
+      <a:accent2>
+        <a:srgbClr val="212121"/>
+      </a:accent2>
+      <a:accent3>
+        <a:srgbClr val="78909c"/>
+      </a:accent3>
+      <a:accent4>
+        <a:srgbClr val="ffab40"/>
+      </a:accent4>
+      <a:accent5>
+        <a:srgbClr val="0097a7"/>
+      </a:accent5>
+      <a:accent6>
+        <a:srgbClr val="eeff41"/>
+      </a:accent6>
+      <a:hlink>
+        <a:srgbClr val="0097a7"/>
+      </a:hlink>
+      <a:folHlink>
+        <a:srgbClr val="0097a7"/>
+      </a:folHlink>
+    </a:clrScheme>
+    <a:fontScheme name="Office">
+      <a:majorFont>
+        <a:latin typeface="Arial" pitchFamily="0" charset="1"/>
+        <a:ea typeface=""/>
+        <a:cs typeface=""/>
+      </a:majorFont>
+      <a:minorFont>
+        <a:latin typeface="Arial" pitchFamily="0" charset="1"/>
+        <a:ea typeface=""/>
+        <a:cs typeface=""/>
+      </a:minorFont>
+    </a:fontScheme>
+    <a:fmtScheme>
+      <a:fillStyleLst>
+        <a:solidFill>
+          <a:schemeClr val="phClr"/>
+        </a:solidFill>
+        <a:gradFill>
+          <a:gsLst>
+            <a:gs pos="0">
+              <a:schemeClr val="phClr">
+                <a:tint val="50000"/>
+              </a:schemeClr>
+            </a:gs>
+            <a:gs pos="35000">
+              <a:schemeClr val="phClr">
+                <a:tint val="37000"/>
+              </a:schemeClr>
+            </a:gs>
+            <a:gs pos="100000">
+              <a:schemeClr val="phClr">
+                <a:tint val="15000"/>
+              </a:schemeClr>
+            </a:gs>
+          </a:gsLst>
+          <a:lin ang="16200000" scaled="1"/>
+          <a:tileRect l="0" t="0" r="0" b="0"/>
+        </a:gradFill>
+        <a:gradFill>
+          <a:gsLst>
+            <a:gs pos="0">
+              <a:schemeClr val="phClr">
+                <a:tint val="100000"/>
+                <a:shade val="100000"/>
+              </a:schemeClr>
+            </a:gs>
+            <a:gs pos="100000">
+              <a:schemeClr val="phClr">
+                <a:tint val="50000"/>
+                <a:shade val="100000"/>
+              </a:schemeClr>
+            </a:gs>
+          </a:gsLst>
+          <a:lin ang="16200000" scaled="0"/>
+          <a:tileRect l="0" t="0" r="0" b="0"/>
+        </a:gradFill>
+      </a:fillStyleLst>
+      <a:lnStyleLst>
+        <a:ln w="9525" cap="flat" cmpd="sng" algn="ctr">
+          <a:prstDash val="solid"/>
+        </a:ln>
+        <a:ln w="25400" cap="flat" cmpd="sng" algn="ctr">
+          <a:prstDash val="solid"/>
+        </a:ln>
+        <a:ln w="38100" cap="flat" cmpd="sng" algn="ctr">
+          <a:prstDash val="solid"/>
+        </a:ln>
+      </a:lnStyleLst>
+      <a:effectStyleLst>
+        <a:effectStyle>
+          <a:effectLst/>
+        </a:effectStyle>
+        <a:effectStyle>
+          <a:effectLst/>
+        </a:effectStyle>
+        <a:effectStyle>
+          <a:effectLst/>
+        </a:effectStyle>
+      </a:effectStyleLst>
+      <a:bgFillStyleLst>
+        <a:solidFill>
+          <a:schemeClr val="phClr"/>
+        </a:solidFill>
+        <a:gradFill>
+          <a:gsLst>
+            <a:gs pos="0">
+              <a:schemeClr val="phClr">
+                <a:tint val="40000"/>
+              </a:schemeClr>
+            </a:gs>
+            <a:gs pos="40000">
+              <a:schemeClr val="phClr">
+                <a:tint val="45000"/>
+                <a:shade val="99000"/>
+              </a:schemeClr>
+            </a:gs>
+            <a:gs pos="100000">
+              <a:schemeClr val="phClr">
+                <a:shade val="20000"/>
+              </a:schemeClr>
+            </a:gs>
+          </a:gsLst>
+          <a:path path="circle">
+            <a:fillToRect l="50000" t="-80000" r="50000" b="180000"/>
+          </a:path>
+          <a:tileRect l="0" t="0" r="0" b="0"/>
+        </a:gradFill>
+        <a:gradFill>
+          <a:gsLst>
+            <a:gs pos="0">
+              <a:schemeClr val="phClr">
+                <a:tint val="80000"/>
+              </a:schemeClr>
+            </a:gs>
+            <a:gs pos="100000">
+              <a:schemeClr val="phClr">
+                <a:shade val="30000"/>
+              </a:schemeClr>
+            </a:gs>
+          </a:gsLst>
+          <a:path path="circle">
+            <a:fillToRect l="50000" t="50000" r="50000" b="50000"/>
+          </a:path>
+          <a:tileRect l="0" t="0" r="0" b="0"/>
+        </a:gradFill>
+      </a:bgFillStyleLst>
+    </a:fmtScheme>
+  </a:themeElements>
+</a:theme>
+</file>
+
+<file path=ppt/theme/theme19.xml><?xml version="1.0" encoding="utf-8"?>
+<a:theme xmlns:a="http://schemas.openxmlformats.org/drawingml/2006/main" xmlns:r="http://schemas.openxmlformats.org/officeDocument/2006/relationships" name="Simple Light">
+  <a:themeElements>
+    <a:clrScheme name="Simple Light">
+      <a:dk1>
+        <a:srgbClr val="000000"/>
+      </a:dk1>
+      <a:lt1>
+        <a:srgbClr val="ffffff"/>
+      </a:lt1>
+      <a:dk2>
+        <a:srgbClr val="595959"/>
+      </a:dk2>
+      <a:lt2>
+        <a:srgbClr val="eeeeee"/>
+      </a:lt2>
+      <a:accent1>
+        <a:srgbClr val="4285f4"/>
+      </a:accent1>
+      <a:accent2>
+        <a:srgbClr val="212121"/>
+      </a:accent2>
+      <a:accent3>
+        <a:srgbClr val="78909c"/>
+      </a:accent3>
+      <a:accent4>
+        <a:srgbClr val="ffab40"/>
+      </a:accent4>
+      <a:accent5>
+        <a:srgbClr val="0097a7"/>
+      </a:accent5>
+      <a:accent6>
+        <a:srgbClr val="eeff41"/>
+      </a:accent6>
+      <a:hlink>
+        <a:srgbClr val="0097a7"/>
+      </a:hlink>
+      <a:folHlink>
+        <a:srgbClr val="0097a7"/>
+      </a:folHlink>
+    </a:clrScheme>
+    <a:fontScheme name="Office">
+      <a:majorFont>
+        <a:latin typeface="Arial" pitchFamily="0" charset="1"/>
+        <a:ea typeface=""/>
+        <a:cs typeface=""/>
+      </a:majorFont>
+      <a:minorFont>
+        <a:latin typeface="Arial" pitchFamily="0" charset="1"/>
+        <a:ea typeface=""/>
+        <a:cs typeface=""/>
+      </a:minorFont>
+    </a:fontScheme>
+    <a:fmtScheme>
+      <a:fillStyleLst>
+        <a:solidFill>
+          <a:schemeClr val="phClr"/>
+        </a:solidFill>
+        <a:gradFill>
+          <a:gsLst>
+            <a:gs pos="0">
+              <a:schemeClr val="phClr">
+                <a:tint val="50000"/>
+              </a:schemeClr>
+            </a:gs>
+            <a:gs pos="35000">
+              <a:schemeClr val="phClr">
+                <a:tint val="37000"/>
+              </a:schemeClr>
+            </a:gs>
+            <a:gs pos="100000">
+              <a:schemeClr val="phClr">
+                <a:tint val="15000"/>
+              </a:schemeClr>
+            </a:gs>
+          </a:gsLst>
+          <a:lin ang="16200000" scaled="1"/>
+          <a:tileRect l="0" t="0" r="0" b="0"/>
+        </a:gradFill>
+        <a:gradFill>
+          <a:gsLst>
+            <a:gs pos="0">
+              <a:schemeClr val="phClr">
+                <a:tint val="100000"/>
+                <a:shade val="100000"/>
+              </a:schemeClr>
+            </a:gs>
+            <a:gs pos="100000">
+              <a:schemeClr val="phClr">
+                <a:tint val="50000"/>
+                <a:shade val="100000"/>
+              </a:schemeClr>
+            </a:gs>
+          </a:gsLst>
+          <a:lin ang="16200000" scaled="0"/>
+          <a:tileRect l="0" t="0" r="0" b="0"/>
+        </a:gradFill>
+      </a:fillStyleLst>
+      <a:lnStyleLst>
+        <a:ln w="9525" cap="flat" cmpd="sng" algn="ctr">
+          <a:prstDash val="solid"/>
+        </a:ln>
+        <a:ln w="25400" cap="flat" cmpd="sng" algn="ctr">
+          <a:prstDash val="solid"/>
+        </a:ln>
+        <a:ln w="38100" cap="flat" cmpd="sng" algn="ctr">
+          <a:prstDash val="solid"/>
+        </a:ln>
+      </a:lnStyleLst>
+      <a:effectStyleLst>
+        <a:effectStyle>
+          <a:effectLst/>
+        </a:effectStyle>
+        <a:effectStyle>
+          <a:effectLst/>
+        </a:effectStyle>
+        <a:effectStyle>
+          <a:effectLst/>
+        </a:effectStyle>
+      </a:effectStyleLst>
+      <a:bgFillStyleLst>
+        <a:solidFill>
+          <a:schemeClr val="phClr"/>
+        </a:solidFill>
+        <a:gradFill>
+          <a:gsLst>
+            <a:gs pos="0">
+              <a:schemeClr val="phClr">
+                <a:tint val="40000"/>
+              </a:schemeClr>
+            </a:gs>
+            <a:gs pos="40000">
+              <a:schemeClr val="phClr">
+                <a:tint val="45000"/>
+                <a:shade val="99000"/>
+              </a:schemeClr>
+            </a:gs>
+            <a:gs pos="100000">
+              <a:schemeClr val="phClr">
+                <a:shade val="20000"/>
+              </a:schemeClr>
+            </a:gs>
+          </a:gsLst>
+          <a:path path="circle">
+            <a:fillToRect l="50000" t="-80000" r="50000" b="180000"/>
+          </a:path>
+          <a:tileRect l="0" t="0" r="0" b="0"/>
+        </a:gradFill>
+        <a:gradFill>
+          <a:gsLst>
+            <a:gs pos="0">
+              <a:schemeClr val="phClr">
+                <a:tint val="80000"/>
+              </a:schemeClr>
+            </a:gs>
+            <a:gs pos="100000">
+              <a:schemeClr val="phClr">
+                <a:shade val="30000"/>
+              </a:schemeClr>
+            </a:gs>
+          </a:gsLst>
+          <a:path path="circle">
+            <a:fillToRect l="50000" t="50000" r="50000" b="50000"/>
+          </a:path>
+          <a:tileRect l="0" t="0" r="0" b="0"/>
+        </a:gradFill>
+      </a:bgFillStyleLst>
+    </a:fmtScheme>
+  </a:themeElements>
+</a:theme>
+</file>
+
 <file path=ppt/theme/theme2.xml><?xml version="1.0" encoding="utf-8"?>
 <a:theme xmlns:a="http://schemas.openxmlformats.org/drawingml/2006/main" xmlns:r="http://schemas.openxmlformats.org/officeDocument/2006/relationships" name="Simple Light">
   <a:themeElements>
